--- a/Nove prednasky/TP_P1.pptx
+++ b/Nove prednasky/TP_P1.pptx
@@ -173,7 +173,177 @@
       </p:ext>
     </p:extLst>
   </p:cmAuthor>
+  <p:cmAuthor id="2" name="Martin Dodek" initials="MD" lastIdx="12" clrIdx="1">
+    <p:extLst>
+      <p:ext uri="{19B8F6BF-5375-455C-9EA6-DF929625EA0E}">
+        <p15:presenceInfo xmlns:p15="http://schemas.microsoft.com/office/powerpoint/2012/main" userId="Martin Dodek" providerId="None"/>
+      </p:ext>
+    </p:extLst>
+  </p:cmAuthor>
 </p:cmAuthorLst>
+</file>
+
+<file path=ppt/comments/comment1.xml><?xml version="1.0" encoding="utf-8"?>
+<p:cmLst xmlns:a="http://schemas.openxmlformats.org/drawingml/2006/main" xmlns:r="http://schemas.openxmlformats.org/officeDocument/2006/relationships" xmlns:p="http://schemas.openxmlformats.org/presentationml/2006/main">
+  <p:cm authorId="2" dt="2019-04-20T13:27:13.329" idx="5">
+    <p:pos x="10" y="10"/>
+    <p:text>Toto všetko by mali vedieť už z Uvodu do inžiniersva..... nie je to nutné opakovať ..... využi tento priestor na prácu s System controll funkciami ako vytvorenie prenosovej funkcie tf... vytvorenie state space (ss) prepocet medzi state space a tf (ss2tf a pod) ... ako rýchlo spraviť prechodovku v Matlabe  (step). V rýchlosti ukáž aj frekvenčné charakteristiky...  bode, nyquist... ako sa používaju... nejde o to ich teoreticky vysvetlovať ale ukázať ako sa to dá ľahko spraviť v Matlabe</p:text>
+    <p:extLst>
+      <p:ext uri="{C676402C-5697-4E1C-873F-D02D1690AC5C}">
+        <p15:threadingInfo xmlns:p15="http://schemas.microsoft.com/office/powerpoint/2012/main" timeZoneBias="-120"/>
+      </p:ext>
+    </p:extLst>
+  </p:cm>
+</p:cmLst>
+</file>
+
+<file path=ppt/comments/comment10.xml><?xml version="1.0" encoding="utf-8"?>
+<p:cmLst xmlns:a="http://schemas.openxmlformats.org/drawingml/2006/main" xmlns:r="http://schemas.openxmlformats.org/officeDocument/2006/relationships" xmlns:p="http://schemas.openxmlformats.org/presentationml/2006/main">
+  <p:cm authorId="2" dt="2019-04-20T13:36:50.547" idx="11">
+    <p:pos x="10" y="10"/>
+    <p:text>Ak by si mohol ukázať ako sa pracuje so Subsystémamy.... ja osobne to používam stále....</p:text>
+    <p:extLst>
+      <p:ext uri="{C676402C-5697-4E1C-873F-D02D1690AC5C}">
+        <p15:threadingInfo xmlns:p15="http://schemas.microsoft.com/office/powerpoint/2012/main" timeZoneBias="-120"/>
+      </p:ext>
+    </p:extLst>
+  </p:cm>
+</p:cmLst>
+</file>
+
+<file path=ppt/comments/comment11.xml><?xml version="1.0" encoding="utf-8"?>
+<p:cmLst xmlns:a="http://schemas.openxmlformats.org/drawingml/2006/main" xmlns:r="http://schemas.openxmlformats.org/officeDocument/2006/relationships" xmlns:p="http://schemas.openxmlformats.org/presentationml/2006/main">
+  <p:cm authorId="2" dt="2019-04-20T13:36:28.083" idx="10">
+    <p:pos x="10" y="10"/>
+    <p:text>Pekné</p:text>
+    <p:extLst>
+      <p:ext uri="{C676402C-5697-4E1C-873F-D02D1690AC5C}">
+        <p15:threadingInfo xmlns:p15="http://schemas.microsoft.com/office/powerpoint/2012/main" timeZoneBias="-120"/>
+      </p:ext>
+    </p:extLst>
+  </p:cm>
+</p:cmLst>
+</file>
+
+<file path=ppt/comments/comment2.xml><?xml version="1.0" encoding="utf-8"?>
+<p:cmLst xmlns:a="http://schemas.openxmlformats.org/drawingml/2006/main" xmlns:r="http://schemas.openxmlformats.org/officeDocument/2006/relationships" xmlns:p="http://schemas.openxmlformats.org/presentationml/2006/main">
+  <p:cm authorId="2" dt="2019-04-20T13:31:52.780" idx="6">
+    <p:pos x="10" y="10"/>
+    <p:text>Nie je nutné .. mali by vedeiť... Všetko čo sa učí .. alebo čo sme sa my učili na UII tu byť nemusí</p:text>
+    <p:extLst>
+      <p:ext uri="{C676402C-5697-4E1C-873F-D02D1690AC5C}">
+        <p15:threadingInfo xmlns:p15="http://schemas.microsoft.com/office/powerpoint/2012/main" timeZoneBias="-120"/>
+      </p:ext>
+    </p:extLst>
+  </p:cm>
+</p:cmLst>
+</file>
+
+<file path=ppt/comments/comment3.xml><?xml version="1.0" encoding="utf-8"?>
+<p:cmLst xmlns:a="http://schemas.openxmlformats.org/drawingml/2006/main" xmlns:r="http://schemas.openxmlformats.org/officeDocument/2006/relationships" xmlns:p="http://schemas.openxmlformats.org/presentationml/2006/main">
+  <p:cm authorId="2" dt="2019-04-20T13:32:43.261" idx="7">
+    <p:pos x="10" y="10"/>
+    <p:text>Toto už je dôležité ... toto nechaj</p:text>
+    <p:extLst>
+      <p:ext uri="{C676402C-5697-4E1C-873F-D02D1690AC5C}">
+        <p15:threadingInfo xmlns:p15="http://schemas.microsoft.com/office/powerpoint/2012/main" timeZoneBias="-120"/>
+      </p:ext>
+    </p:extLst>
+  </p:cm>
+</p:cmLst>
+</file>
+
+<file path=ppt/comments/comment4.xml><?xml version="1.0" encoding="utf-8"?>
+<p:cmLst xmlns:a="http://schemas.openxmlformats.org/drawingml/2006/main" xmlns:r="http://schemas.openxmlformats.org/officeDocument/2006/relationships" xmlns:p="http://schemas.openxmlformats.org/presentationml/2006/main">
+  <p:cm authorId="2" dt="2019-04-20T13:17:10.815" idx="1">
+    <p:pos x="10" y="10"/>
+    <p:text>Dôležitou funkciou na ktorú si zabudol je  polyval (vysledok po dosadení čísla za x) a funkcia poly (vytvorí polynóm z jeho koreňov) velmi dôležité pri prenosových funkciách</p:text>
+    <p:extLst>
+      <p:ext uri="{C676402C-5697-4E1C-873F-D02D1690AC5C}">
+        <p15:threadingInfo xmlns:p15="http://schemas.microsoft.com/office/powerpoint/2012/main" timeZoneBias="-120"/>
+      </p:ext>
+    </p:extLst>
+  </p:cm>
+  <p:cm authorId="2" dt="2019-04-20T13:33:11.003" idx="8">
+    <p:pos x="146" y="146"/>
+    <p:text>Tento slajd je dosť dôležitý</p:text>
+    <p:extLst>
+      <p:ext uri="{C676402C-5697-4E1C-873F-D02D1690AC5C}">
+        <p15:threadingInfo xmlns:p15="http://schemas.microsoft.com/office/powerpoint/2012/main" timeZoneBias="-120"/>
+      </p:ext>
+    </p:extLst>
+  </p:cm>
+</p:cmLst>
+</file>
+
+<file path=ppt/comments/comment5.xml><?xml version="1.0" encoding="utf-8"?>
+<p:cmLst xmlns:a="http://schemas.openxmlformats.org/drawingml/2006/main" xmlns:r="http://schemas.openxmlformats.org/officeDocument/2006/relationships" xmlns:p="http://schemas.openxmlformats.org/presentationml/2006/main">
+  <p:cm authorId="2" dt="2019-04-20T13:17:52.964" idx="2">
+    <p:pos x="10" y="10"/>
+    <p:text>Využívajú sa často hlavne conv a deconv... pridaj nejaký pár riadkový Matlabovský príklad s konkrétnymi čislami a výsledkom .... vyslovene aby to nebolo tak abstraktné a aby  si aj vyplnil priestor (podobne ako v predchadzajucom slajde)</p:text>
+    <p:extLst>
+      <p:ext uri="{C676402C-5697-4E1C-873F-D02D1690AC5C}">
+        <p15:threadingInfo xmlns:p15="http://schemas.microsoft.com/office/powerpoint/2012/main" timeZoneBias="-120"/>
+      </p:ext>
+    </p:extLst>
+  </p:cm>
+</p:cmLst>
+</file>
+
+<file path=ppt/comments/comment6.xml><?xml version="1.0" encoding="utf-8"?>
+<p:cmLst xmlns:a="http://schemas.openxmlformats.org/drawingml/2006/main" xmlns:r="http://schemas.openxmlformats.org/officeDocument/2006/relationships" xmlns:p="http://schemas.openxmlformats.org/presentationml/2006/main">
+  <p:cm authorId="2" dt="2019-04-20T13:22:46.076" idx="3">
+    <p:pos x="10" y="10"/>
+    <p:text>Ešte zmena hrúbky čiary  LineWidth -2 aby mohli dať čitatelné grafy do zadaní</p:text>
+    <p:extLst>
+      <p:ext uri="{C676402C-5697-4E1C-873F-D02D1690AC5C}">
+        <p15:threadingInfo xmlns:p15="http://schemas.microsoft.com/office/powerpoint/2012/main" timeZoneBias="-120"/>
+      </p:ext>
+    </p:extLst>
+  </p:cm>
+</p:cmLst>
+</file>
+
+<file path=ppt/comments/comment7.xml><?xml version="1.0" encoding="utf-8"?>
+<p:cmLst xmlns:a="http://schemas.openxmlformats.org/drawingml/2006/main" xmlns:r="http://schemas.openxmlformats.org/officeDocument/2006/relationships" xmlns:p="http://schemas.openxmlformats.org/presentationml/2006/main">
+  <p:cm authorId="2" dt="2019-04-20T13:33:47.124" idx="9">
+    <p:pos x="10" y="10"/>
+    <p:text>Tuto by som ťa poprosil ukázať ako sa grafy (figures) dajú exportovať... je to dosť dôležité.. pretože počas štúdia budú robiť veľa zadaní do Wordu... ukáž tu ako sa dá graf exportovať vo vektorovej podobe (nie jpg.) priamo do wordu</p:text>
+    <p:extLst>
+      <p:ext uri="{C676402C-5697-4E1C-873F-D02D1690AC5C}">
+        <p15:threadingInfo xmlns:p15="http://schemas.microsoft.com/office/powerpoint/2012/main" timeZoneBias="-120"/>
+      </p:ext>
+    </p:extLst>
+  </p:cm>
+</p:cmLst>
+</file>
+
+<file path=ppt/comments/comment8.xml><?xml version="1.0" encoding="utf-8"?>
+<p:cmLst xmlns:a="http://schemas.openxmlformats.org/drawingml/2006/main" xmlns:r="http://schemas.openxmlformats.org/officeDocument/2006/relationships" xmlns:p="http://schemas.openxmlformats.org/presentationml/2006/main">
+  <p:cm authorId="2" dt="2019-04-20T13:25:06.063" idx="4">
+    <p:pos x="10" y="10"/>
+    <p:text>Pridaj, že ako sa spúšťa simulácia z matlabu - sim(menoschemy.slx)</p:text>
+    <p:extLst>
+      <p:ext uri="{C676402C-5697-4E1C-873F-D02D1690AC5C}">
+        <p15:threadingInfo xmlns:p15="http://schemas.microsoft.com/office/powerpoint/2012/main" timeZoneBias="-120"/>
+      </p:ext>
+    </p:extLst>
+  </p:cm>
+</p:cmLst>
+</file>
+
+<file path=ppt/comments/comment9.xml><?xml version="1.0" encoding="utf-8"?>
+<p:cmLst xmlns:a="http://schemas.openxmlformats.org/drawingml/2006/main" xmlns:r="http://schemas.openxmlformats.org/officeDocument/2006/relationships" xmlns:p="http://schemas.openxmlformats.org/presentationml/2006/main">
+  <p:cm authorId="2" dt="2019-04-20T13:37:47.241" idx="12">
+    <p:pos x="10" y="10"/>
+    <p:text>Čo je veľmi dôležité... tak ako sa dá nastaviť konštatntá perióda vzorkovania simulácie.... to budú robiť na každom predmete....</p:text>
+    <p:extLst>
+      <p:ext uri="{C676402C-5697-4E1C-873F-D02D1690AC5C}">
+        <p15:threadingInfo xmlns:p15="http://schemas.microsoft.com/office/powerpoint/2012/main" timeZoneBias="-120"/>
+      </p:ext>
+    </p:extLst>
+  </p:cm>
+</p:cmLst>
 </file>
 
 <file path=ppt/notesMasters/notesMaster1.xml><?xml version="1.0" encoding="utf-8"?>
@@ -258,7 +428,7 @@
           <a:p>
             <a:fld id="{9E0928E4-7EAA-45AD-975D-100210207737}" type="datetimeFigureOut">
               <a:rPr lang="sk-SK" smtClean="0"/>
-              <a:t>19. 04. 2019</a:t>
+              <a:t>20.4.2019</a:t>
             </a:fld>
             <a:endParaRPr lang="sk-SK"/>
           </a:p>
@@ -812,7 +982,7 @@
           <a:p>
             <a:fld id="{B1F4BD78-2EC2-485B-A16B-A2D870866C74}" type="datetimeFigureOut">
               <a:rPr lang="sk-SK" smtClean="0"/>
-              <a:t>19. 04. 2019</a:t>
+              <a:t>20.4.2019</a:t>
             </a:fld>
             <a:endParaRPr lang="sk-SK"/>
           </a:p>
@@ -903,7 +1073,7 @@
           <p:cNvPr id="11" name="Obrázok 10">
             <a:extLst>
               <a:ext uri="{FF2B5EF4-FFF2-40B4-BE49-F238E27FC236}">
-                <a16:creationId xmlns:a16="http://schemas.microsoft.com/office/drawing/2014/main" id="{D575F8E8-6CC8-49FD-8010-88908C002CDA}"/>
+                <a16:creationId xmlns:a16="http://schemas.microsoft.com/office/drawing/2014/main" xmlns="" id="{D575F8E8-6CC8-49FD-8010-88908C002CDA}"/>
               </a:ext>
             </a:extLst>
           </p:cNvPr>
@@ -939,7 +1109,7 @@
           <p:cNvPr id="13" name="Obrázok 12">
             <a:extLst>
               <a:ext uri="{FF2B5EF4-FFF2-40B4-BE49-F238E27FC236}">
-                <a16:creationId xmlns:a16="http://schemas.microsoft.com/office/drawing/2014/main" id="{E0A78DBF-D0B2-42A5-9F1D-0CAC637C7D2D}"/>
+                <a16:creationId xmlns:a16="http://schemas.microsoft.com/office/drawing/2014/main" xmlns="" id="{E0A78DBF-D0B2-42A5-9F1D-0CAC637C7D2D}"/>
               </a:ext>
             </a:extLst>
           </p:cNvPr>
@@ -1096,7 +1266,7 @@
           <a:p>
             <a:fld id="{B1F4BD78-2EC2-485B-A16B-A2D870866C74}" type="datetimeFigureOut">
               <a:rPr lang="sk-SK" smtClean="0"/>
-              <a:t>19. 04. 2019</a:t>
+              <a:t>20.4.2019</a:t>
             </a:fld>
             <a:endParaRPr lang="sk-SK"/>
           </a:p>
@@ -1439,7 +1609,7 @@
           <a:p>
             <a:fld id="{B1F4BD78-2EC2-485B-A16B-A2D870866C74}" type="datetimeFigureOut">
               <a:rPr lang="sk-SK" smtClean="0"/>
-              <a:t>19. 04. 2019</a:t>
+              <a:t>20.4.2019</a:t>
             </a:fld>
             <a:endParaRPr lang="sk-SK"/>
           </a:p>
@@ -1714,7 +1884,7 @@
           <a:p>
             <a:fld id="{B1F4BD78-2EC2-485B-A16B-A2D870866C74}" type="datetimeFigureOut">
               <a:rPr lang="sk-SK" smtClean="0"/>
-              <a:t>19. 04. 2019</a:t>
+              <a:t>20.4.2019</a:t>
             </a:fld>
             <a:endParaRPr lang="sk-SK"/>
           </a:p>
@@ -2093,7 +2263,7 @@
           <a:p>
             <a:fld id="{B1F4BD78-2EC2-485B-A16B-A2D870866C74}" type="datetimeFigureOut">
               <a:rPr lang="sk-SK" smtClean="0"/>
-              <a:t>19. 04. 2019</a:t>
+              <a:t>20.4.2019</a:t>
             </a:fld>
             <a:endParaRPr lang="sk-SK"/>
           </a:p>
@@ -2211,7 +2381,7 @@
           <a:p>
             <a:fld id="{B1F4BD78-2EC2-485B-A16B-A2D870866C74}" type="datetimeFigureOut">
               <a:rPr lang="sk-SK" smtClean="0"/>
-              <a:t>19. 04. 2019</a:t>
+              <a:t>20.4.2019</a:t>
             </a:fld>
             <a:endParaRPr lang="sk-SK"/>
           </a:p>
@@ -2382,7 +2552,7 @@
           <a:p>
             <a:fld id="{B1F4BD78-2EC2-485B-A16B-A2D870866C74}" type="datetimeFigureOut">
               <a:rPr lang="sk-SK" smtClean="0"/>
-              <a:t>19. 04. 2019</a:t>
+              <a:t>20.4.2019</a:t>
             </a:fld>
             <a:endParaRPr lang="sk-SK"/>
           </a:p>
@@ -2736,7 +2906,7 @@
           <a:p>
             <a:fld id="{B1F4BD78-2EC2-485B-A16B-A2D870866C74}" type="datetimeFigureOut">
               <a:rPr lang="sk-SK" smtClean="0"/>
-              <a:t>19. 04. 2019</a:t>
+              <a:t>20.4.2019</a:t>
             </a:fld>
             <a:endParaRPr lang="sk-SK"/>
           </a:p>
@@ -3118,7 +3288,7 @@
           <a:p>
             <a:fld id="{B1F4BD78-2EC2-485B-A16B-A2D870866C74}" type="datetimeFigureOut">
               <a:rPr lang="sk-SK" smtClean="0"/>
-              <a:t>19. 04. 2019</a:t>
+              <a:t>20.4.2019</a:t>
             </a:fld>
             <a:endParaRPr lang="sk-SK"/>
           </a:p>
@@ -3413,7 +3583,7 @@
           <a:p>
             <a:fld id="{B1F4BD78-2EC2-485B-A16B-A2D870866C74}" type="datetimeFigureOut">
               <a:rPr lang="sk-SK" smtClean="0"/>
-              <a:t>19. 04. 2019</a:t>
+              <a:t>20.4.2019</a:t>
             </a:fld>
             <a:endParaRPr lang="sk-SK"/>
           </a:p>
@@ -3899,7 +4069,7 @@
           <p:cNvPr id="2" name="Nadpis 1">
             <a:extLst>
               <a:ext uri="{FF2B5EF4-FFF2-40B4-BE49-F238E27FC236}">
-                <a16:creationId xmlns:a16="http://schemas.microsoft.com/office/drawing/2014/main" id="{8C9FEECD-5BD9-4CA4-ACC1-DA9C1EDD96B6}"/>
+                <a16:creationId xmlns:a16="http://schemas.microsoft.com/office/drawing/2014/main" xmlns="" id="{8C9FEECD-5BD9-4CA4-ACC1-DA9C1EDD96B6}"/>
               </a:ext>
             </a:extLst>
           </p:cNvPr>
@@ -3924,7 +4094,7 @@
           <p:cNvPr id="3" name="Podnadpis 2">
             <a:extLst>
               <a:ext uri="{FF2B5EF4-FFF2-40B4-BE49-F238E27FC236}">
-                <a16:creationId xmlns:a16="http://schemas.microsoft.com/office/drawing/2014/main" id="{313B57F5-B394-40F1-BEAB-F5B71B2FEDE1}"/>
+                <a16:creationId xmlns:a16="http://schemas.microsoft.com/office/drawing/2014/main" xmlns="" id="{313B57F5-B394-40F1-BEAB-F5B71B2FEDE1}"/>
               </a:ext>
             </a:extLst>
           </p:cNvPr>
@@ -3984,7 +4154,7 @@
           <p:cNvPr id="2" name="Title 1">
             <a:extLst>
               <a:ext uri="{FF2B5EF4-FFF2-40B4-BE49-F238E27FC236}">
-                <a16:creationId xmlns:a16="http://schemas.microsoft.com/office/drawing/2014/main" id="{26A0B230-B7B6-4DCB-8BCF-1B17557D970D}"/>
+                <a16:creationId xmlns:a16="http://schemas.microsoft.com/office/drawing/2014/main" xmlns="" id="{26A0B230-B7B6-4DCB-8BCF-1B17557D970D}"/>
               </a:ext>
             </a:extLst>
           </p:cNvPr>
@@ -4017,7 +4187,7 @@
           <p:cNvPr id="3" name="Content Placeholder 2">
             <a:extLst>
               <a:ext uri="{FF2B5EF4-FFF2-40B4-BE49-F238E27FC236}">
-                <a16:creationId xmlns:a16="http://schemas.microsoft.com/office/drawing/2014/main" id="{5D740CE5-DE92-456C-88B2-167811F85B04}"/>
+                <a16:creationId xmlns:a16="http://schemas.microsoft.com/office/drawing/2014/main" xmlns="" id="{5D740CE5-DE92-456C-88B2-167811F85B04}"/>
               </a:ext>
             </a:extLst>
           </p:cNvPr>
@@ -4057,7 +4227,7 @@
           <p:cNvPr id="7" name="Picture 6">
             <a:extLst>
               <a:ext uri="{FF2B5EF4-FFF2-40B4-BE49-F238E27FC236}">
-                <a16:creationId xmlns:a16="http://schemas.microsoft.com/office/drawing/2014/main" id="{33C0EBB4-BB77-4959-90BB-5E0F5BC6956A}"/>
+                <a16:creationId xmlns:a16="http://schemas.microsoft.com/office/drawing/2014/main" xmlns="" id="{33C0EBB4-BB77-4959-90BB-5E0F5BC6956A}"/>
               </a:ext>
             </a:extLst>
           </p:cNvPr>
@@ -4087,7 +4257,7 @@
           <p:cNvPr id="8" name="Arrow: Left 7">
             <a:extLst>
               <a:ext uri="{FF2B5EF4-FFF2-40B4-BE49-F238E27FC236}">
-                <a16:creationId xmlns:a16="http://schemas.microsoft.com/office/drawing/2014/main" id="{AD2FC1BE-AC40-4A61-933C-89B8FAC2DCA2}"/>
+                <a16:creationId xmlns:a16="http://schemas.microsoft.com/office/drawing/2014/main" xmlns="" id="{AD2FC1BE-AC40-4A61-933C-89B8FAC2DCA2}"/>
               </a:ext>
             </a:extLst>
           </p:cNvPr>
@@ -4163,7 +4333,7 @@
           <p:cNvPr id="2" name="Title 1">
             <a:extLst>
               <a:ext uri="{FF2B5EF4-FFF2-40B4-BE49-F238E27FC236}">
-                <a16:creationId xmlns:a16="http://schemas.microsoft.com/office/drawing/2014/main" id="{81028622-3A59-4839-97C3-AACBE9B9238E}"/>
+                <a16:creationId xmlns:a16="http://schemas.microsoft.com/office/drawing/2014/main" xmlns="" id="{81028622-3A59-4839-97C3-AACBE9B9238E}"/>
               </a:ext>
             </a:extLst>
           </p:cNvPr>
@@ -4192,7 +4362,7 @@
           <p:cNvPr id="3" name="Content Placeholder 2">
             <a:extLst>
               <a:ext uri="{FF2B5EF4-FFF2-40B4-BE49-F238E27FC236}">
-                <a16:creationId xmlns:a16="http://schemas.microsoft.com/office/drawing/2014/main" id="{BCA7795B-0166-438C-A04C-591473CCD15B}"/>
+                <a16:creationId xmlns:a16="http://schemas.microsoft.com/office/drawing/2014/main" xmlns="" id="{BCA7795B-0166-438C-A04C-591473CCD15B}"/>
               </a:ext>
             </a:extLst>
           </p:cNvPr>
@@ -4217,7 +4387,7 @@
           <p:cNvPr id="4" name="Picture 3">
             <a:extLst>
               <a:ext uri="{FF2B5EF4-FFF2-40B4-BE49-F238E27FC236}">
-                <a16:creationId xmlns:a16="http://schemas.microsoft.com/office/drawing/2014/main" id="{69A68B8B-8943-446F-88EA-16C4A7185E50}"/>
+                <a16:creationId xmlns:a16="http://schemas.microsoft.com/office/drawing/2014/main" xmlns="" id="{69A68B8B-8943-446F-88EA-16C4A7185E50}"/>
               </a:ext>
             </a:extLst>
           </p:cNvPr>
@@ -4247,7 +4417,7 @@
           <p:cNvPr id="5" name="TextBox 4">
             <a:extLst>
               <a:ext uri="{FF2B5EF4-FFF2-40B4-BE49-F238E27FC236}">
-                <a16:creationId xmlns:a16="http://schemas.microsoft.com/office/drawing/2014/main" id="{581D8026-C387-4CD1-9FEA-912676073E91}"/>
+                <a16:creationId xmlns:a16="http://schemas.microsoft.com/office/drawing/2014/main" xmlns="" id="{581D8026-C387-4CD1-9FEA-912676073E91}"/>
               </a:ext>
             </a:extLst>
           </p:cNvPr>
@@ -4291,7 +4461,7 @@
           <p:cNvPr id="6" name="Arrow: Left 5">
             <a:extLst>
               <a:ext uri="{FF2B5EF4-FFF2-40B4-BE49-F238E27FC236}">
-                <a16:creationId xmlns:a16="http://schemas.microsoft.com/office/drawing/2014/main" id="{EF35070C-0EE2-4D2D-8B80-B6521C6BF306}"/>
+                <a16:creationId xmlns:a16="http://schemas.microsoft.com/office/drawing/2014/main" xmlns="" id="{EF35070C-0EE2-4D2D-8B80-B6521C6BF306}"/>
               </a:ext>
             </a:extLst>
           </p:cNvPr>
@@ -4337,7 +4507,7 @@
           <p:cNvPr id="7" name="Arrow: Up 6">
             <a:extLst>
               <a:ext uri="{FF2B5EF4-FFF2-40B4-BE49-F238E27FC236}">
-                <a16:creationId xmlns:a16="http://schemas.microsoft.com/office/drawing/2014/main" id="{469E95CA-94CD-4BE5-81DC-BC30914829AB}"/>
+                <a16:creationId xmlns:a16="http://schemas.microsoft.com/office/drawing/2014/main" xmlns="" id="{469E95CA-94CD-4BE5-81DC-BC30914829AB}"/>
               </a:ext>
             </a:extLst>
           </p:cNvPr>
@@ -4383,7 +4553,7 @@
           <p:cNvPr id="8" name="TextBox 7">
             <a:extLst>
               <a:ext uri="{FF2B5EF4-FFF2-40B4-BE49-F238E27FC236}">
-                <a16:creationId xmlns:a16="http://schemas.microsoft.com/office/drawing/2014/main" id="{CD33DF6D-5098-4198-A38F-47CE903C33A4}"/>
+                <a16:creationId xmlns:a16="http://schemas.microsoft.com/office/drawing/2014/main" xmlns="" id="{CD33DF6D-5098-4198-A38F-47CE903C33A4}"/>
               </a:ext>
             </a:extLst>
           </p:cNvPr>
@@ -4419,7 +4589,7 @@
           <p:cNvPr id="9" name="TextBox 8">
             <a:extLst>
               <a:ext uri="{FF2B5EF4-FFF2-40B4-BE49-F238E27FC236}">
-                <a16:creationId xmlns:a16="http://schemas.microsoft.com/office/drawing/2014/main" id="{5F3C6974-B37A-4455-BE33-21DFECA3F21E}"/>
+                <a16:creationId xmlns:a16="http://schemas.microsoft.com/office/drawing/2014/main" xmlns="" id="{5F3C6974-B37A-4455-BE33-21DFECA3F21E}"/>
               </a:ext>
             </a:extLst>
           </p:cNvPr>
@@ -4462,7 +4632,7 @@
           <p:cNvPr id="10" name="Arrow: Left 9">
             <a:extLst>
               <a:ext uri="{FF2B5EF4-FFF2-40B4-BE49-F238E27FC236}">
-                <a16:creationId xmlns:a16="http://schemas.microsoft.com/office/drawing/2014/main" id="{2808AB71-C0A4-46D9-854C-C63415674DF7}"/>
+                <a16:creationId xmlns:a16="http://schemas.microsoft.com/office/drawing/2014/main" xmlns="" id="{2808AB71-C0A4-46D9-854C-C63415674DF7}"/>
               </a:ext>
             </a:extLst>
           </p:cNvPr>
@@ -4508,7 +4678,7 @@
           <p:cNvPr id="11" name="TextBox 10">
             <a:extLst>
               <a:ext uri="{FF2B5EF4-FFF2-40B4-BE49-F238E27FC236}">
-                <a16:creationId xmlns:a16="http://schemas.microsoft.com/office/drawing/2014/main" id="{9496CCDD-DBCF-4BEF-8FD3-A3D7319D2DBC}"/>
+                <a16:creationId xmlns:a16="http://schemas.microsoft.com/office/drawing/2014/main" xmlns="" id="{9496CCDD-DBCF-4BEF-8FD3-A3D7319D2DBC}"/>
               </a:ext>
             </a:extLst>
           </p:cNvPr>
@@ -4543,7 +4713,7 @@
           <p:cNvPr id="13" name="Straight Arrow Connector 12">
             <a:extLst>
               <a:ext uri="{FF2B5EF4-FFF2-40B4-BE49-F238E27FC236}">
-                <a16:creationId xmlns:a16="http://schemas.microsoft.com/office/drawing/2014/main" id="{384622B5-DB2D-4A24-AFF6-EC462A34A044}"/>
+                <a16:creationId xmlns:a16="http://schemas.microsoft.com/office/drawing/2014/main" xmlns="" id="{384622B5-DB2D-4A24-AFF6-EC462A34A044}"/>
               </a:ext>
             </a:extLst>
           </p:cNvPr>
@@ -4582,7 +4752,7 @@
           <p:cNvPr id="15" name="Straight Arrow Connector 14">
             <a:extLst>
               <a:ext uri="{FF2B5EF4-FFF2-40B4-BE49-F238E27FC236}">
-                <a16:creationId xmlns:a16="http://schemas.microsoft.com/office/drawing/2014/main" id="{EABE1DF4-E06E-4E0F-9642-FD77D303B23D}"/>
+                <a16:creationId xmlns:a16="http://schemas.microsoft.com/office/drawing/2014/main" xmlns="" id="{EABE1DF4-E06E-4E0F-9642-FD77D303B23D}"/>
               </a:ext>
             </a:extLst>
           </p:cNvPr>
@@ -4621,7 +4791,7 @@
           <p:cNvPr id="16" name="TextBox 15">
             <a:extLst>
               <a:ext uri="{FF2B5EF4-FFF2-40B4-BE49-F238E27FC236}">
-                <a16:creationId xmlns:a16="http://schemas.microsoft.com/office/drawing/2014/main" id="{755146E3-E3F2-4F7B-A15F-422D32386DA0}"/>
+                <a16:creationId xmlns:a16="http://schemas.microsoft.com/office/drawing/2014/main" xmlns="" id="{755146E3-E3F2-4F7B-A15F-422D32386DA0}"/>
               </a:ext>
             </a:extLst>
           </p:cNvPr>
@@ -4656,7 +4826,7 @@
           <p:cNvPr id="18" name="Straight Arrow Connector 17">
             <a:extLst>
               <a:ext uri="{FF2B5EF4-FFF2-40B4-BE49-F238E27FC236}">
-                <a16:creationId xmlns:a16="http://schemas.microsoft.com/office/drawing/2014/main" id="{55C99591-A6EA-4594-974A-043DC37AAB75}"/>
+                <a16:creationId xmlns:a16="http://schemas.microsoft.com/office/drawing/2014/main" xmlns="" id="{55C99591-A6EA-4594-974A-043DC37AAB75}"/>
               </a:ext>
             </a:extLst>
           </p:cNvPr>
@@ -4697,7 +4867,7 @@
           <p:cNvPr id="20" name="Straight Arrow Connector 19">
             <a:extLst>
               <a:ext uri="{FF2B5EF4-FFF2-40B4-BE49-F238E27FC236}">
-                <a16:creationId xmlns:a16="http://schemas.microsoft.com/office/drawing/2014/main" id="{D78DC07E-D64F-4AA7-BBC5-448DDCBD80E7}"/>
+                <a16:creationId xmlns:a16="http://schemas.microsoft.com/office/drawing/2014/main" xmlns="" id="{D78DC07E-D64F-4AA7-BBC5-448DDCBD80E7}"/>
               </a:ext>
             </a:extLst>
           </p:cNvPr>
@@ -4739,7 +4909,7 @@
           <p:cNvPr id="21" name="TextBox 20">
             <a:extLst>
               <a:ext uri="{FF2B5EF4-FFF2-40B4-BE49-F238E27FC236}">
-                <a16:creationId xmlns:a16="http://schemas.microsoft.com/office/drawing/2014/main" id="{C2F2E9B1-7CEE-4751-BC5D-87B498C748A2}"/>
+                <a16:creationId xmlns:a16="http://schemas.microsoft.com/office/drawing/2014/main" xmlns="" id="{C2F2E9B1-7CEE-4751-BC5D-87B498C748A2}"/>
               </a:ext>
             </a:extLst>
           </p:cNvPr>
@@ -4804,7 +4974,7 @@
           <p:cNvPr id="2" name="Title 1">
             <a:extLst>
               <a:ext uri="{FF2B5EF4-FFF2-40B4-BE49-F238E27FC236}">
-                <a16:creationId xmlns:a16="http://schemas.microsoft.com/office/drawing/2014/main" id="{7020AF44-0A52-4A7C-A7D8-B2A1D6C80234}"/>
+                <a16:creationId xmlns:a16="http://schemas.microsoft.com/office/drawing/2014/main" xmlns="" id="{7020AF44-0A52-4A7C-A7D8-B2A1D6C80234}"/>
               </a:ext>
             </a:extLst>
           </p:cNvPr>
@@ -4833,7 +5003,7 @@
           <p:cNvPr id="3" name="Content Placeholder 2">
             <a:extLst>
               <a:ext uri="{FF2B5EF4-FFF2-40B4-BE49-F238E27FC236}">
-                <a16:creationId xmlns:a16="http://schemas.microsoft.com/office/drawing/2014/main" id="{120ACBFD-C0D4-4CDD-AE65-B80DDF0B7853}"/>
+                <a16:creationId xmlns:a16="http://schemas.microsoft.com/office/drawing/2014/main" xmlns="" id="{120ACBFD-C0D4-4CDD-AE65-B80DDF0B7853}"/>
               </a:ext>
             </a:extLst>
           </p:cNvPr>
@@ -4968,7 +5138,7 @@
           <p:cNvPr id="2" name="Title 1">
             <a:extLst>
               <a:ext uri="{FF2B5EF4-FFF2-40B4-BE49-F238E27FC236}">
-                <a16:creationId xmlns:a16="http://schemas.microsoft.com/office/drawing/2014/main" id="{0877E552-9BC8-455F-B866-F10C60C5DF49}"/>
+                <a16:creationId xmlns:a16="http://schemas.microsoft.com/office/drawing/2014/main" xmlns="" id="{0877E552-9BC8-455F-B866-F10C60C5DF49}"/>
               </a:ext>
             </a:extLst>
           </p:cNvPr>
@@ -4997,7 +5167,7 @@
           <p:cNvPr id="3" name="Content Placeholder 2">
             <a:extLst>
               <a:ext uri="{FF2B5EF4-FFF2-40B4-BE49-F238E27FC236}">
-                <a16:creationId xmlns:a16="http://schemas.microsoft.com/office/drawing/2014/main" id="{D88E2CB4-D518-4B7D-A963-ECB2487F5886}"/>
+                <a16:creationId xmlns:a16="http://schemas.microsoft.com/office/drawing/2014/main" xmlns="" id="{D88E2CB4-D518-4B7D-A963-ECB2487F5886}"/>
               </a:ext>
             </a:extLst>
           </p:cNvPr>
@@ -5022,7 +5192,7 @@
           <p:cNvPr id="4" name="Picture 3">
             <a:extLst>
               <a:ext uri="{FF2B5EF4-FFF2-40B4-BE49-F238E27FC236}">
-                <a16:creationId xmlns:a16="http://schemas.microsoft.com/office/drawing/2014/main" id="{16556DEE-7459-4951-97A2-9CF5D3A8777D}"/>
+                <a16:creationId xmlns:a16="http://schemas.microsoft.com/office/drawing/2014/main" xmlns="" id="{16556DEE-7459-4951-97A2-9CF5D3A8777D}"/>
               </a:ext>
             </a:extLst>
           </p:cNvPr>
@@ -5082,7 +5252,7 @@
           <p:cNvPr id="2" name="Title 1">
             <a:extLst>
               <a:ext uri="{FF2B5EF4-FFF2-40B4-BE49-F238E27FC236}">
-                <a16:creationId xmlns:a16="http://schemas.microsoft.com/office/drawing/2014/main" id="{0A4E41A0-11E8-495F-B8D2-E14DA9B9692A}"/>
+                <a16:creationId xmlns:a16="http://schemas.microsoft.com/office/drawing/2014/main" xmlns="" id="{0A4E41A0-11E8-495F-B8D2-E14DA9B9692A}"/>
               </a:ext>
             </a:extLst>
           </p:cNvPr>
@@ -5111,7 +5281,7 @@
           <p:cNvPr id="3" name="Content Placeholder 2">
             <a:extLst>
               <a:ext uri="{FF2B5EF4-FFF2-40B4-BE49-F238E27FC236}">
-                <a16:creationId xmlns:a16="http://schemas.microsoft.com/office/drawing/2014/main" id="{CC026D76-2963-45AB-A54A-D554A5347C61}"/>
+                <a16:creationId xmlns:a16="http://schemas.microsoft.com/office/drawing/2014/main" xmlns="" id="{CC026D76-2963-45AB-A54A-D554A5347C61}"/>
               </a:ext>
             </a:extLst>
           </p:cNvPr>
@@ -5136,7 +5306,7 @@
           <p:cNvPr id="4" name="Picture 3">
             <a:extLst>
               <a:ext uri="{FF2B5EF4-FFF2-40B4-BE49-F238E27FC236}">
-                <a16:creationId xmlns:a16="http://schemas.microsoft.com/office/drawing/2014/main" id="{F91120CF-B128-459D-913B-B7B07661B697}"/>
+                <a16:creationId xmlns:a16="http://schemas.microsoft.com/office/drawing/2014/main" xmlns="" id="{F91120CF-B128-459D-913B-B7B07661B697}"/>
               </a:ext>
             </a:extLst>
           </p:cNvPr>
@@ -5166,7 +5336,7 @@
           <p:cNvPr id="5" name="TextBox 4">
             <a:extLst>
               <a:ext uri="{FF2B5EF4-FFF2-40B4-BE49-F238E27FC236}">
-                <a16:creationId xmlns:a16="http://schemas.microsoft.com/office/drawing/2014/main" id="{7023FE84-368A-444B-B950-6CE81EEB5C7F}"/>
+                <a16:creationId xmlns:a16="http://schemas.microsoft.com/office/drawing/2014/main" xmlns="" id="{7023FE84-368A-444B-B950-6CE81EEB5C7F}"/>
               </a:ext>
             </a:extLst>
           </p:cNvPr>
@@ -5201,7 +5371,7 @@
           <p:cNvPr id="6" name="Arrow: Left 5">
             <a:extLst>
               <a:ext uri="{FF2B5EF4-FFF2-40B4-BE49-F238E27FC236}">
-                <a16:creationId xmlns:a16="http://schemas.microsoft.com/office/drawing/2014/main" id="{9560CBD0-4E75-4D00-B5B8-F196F563F288}"/>
+                <a16:creationId xmlns:a16="http://schemas.microsoft.com/office/drawing/2014/main" xmlns="" id="{9560CBD0-4E75-4D00-B5B8-F196F563F288}"/>
               </a:ext>
             </a:extLst>
           </p:cNvPr>
@@ -5277,7 +5447,7 @@
           <p:cNvPr id="2" name="Title 1">
             <a:extLst>
               <a:ext uri="{FF2B5EF4-FFF2-40B4-BE49-F238E27FC236}">
-                <a16:creationId xmlns:a16="http://schemas.microsoft.com/office/drawing/2014/main" id="{C0C45588-87FF-46EE-B263-2E1718B968A4}"/>
+                <a16:creationId xmlns:a16="http://schemas.microsoft.com/office/drawing/2014/main" xmlns="" id="{C0C45588-87FF-46EE-B263-2E1718B968A4}"/>
               </a:ext>
             </a:extLst>
           </p:cNvPr>
@@ -5306,7 +5476,7 @@
           <p:cNvPr id="3" name="Content Placeholder 2">
             <a:extLst>
               <a:ext uri="{FF2B5EF4-FFF2-40B4-BE49-F238E27FC236}">
-                <a16:creationId xmlns:a16="http://schemas.microsoft.com/office/drawing/2014/main" id="{BFA6E7DD-BD5F-478A-B7EA-E3E68C4B6151}"/>
+                <a16:creationId xmlns:a16="http://schemas.microsoft.com/office/drawing/2014/main" xmlns="" id="{BFA6E7DD-BD5F-478A-B7EA-E3E68C4B6151}"/>
               </a:ext>
             </a:extLst>
           </p:cNvPr>
@@ -5347,7 +5517,7 @@
           <p:cNvPr id="4" name="Picture 3">
             <a:extLst>
               <a:ext uri="{FF2B5EF4-FFF2-40B4-BE49-F238E27FC236}">
-                <a16:creationId xmlns:a16="http://schemas.microsoft.com/office/drawing/2014/main" id="{98649DDB-AC34-4047-AC0C-4DB49A5E3DF5}"/>
+                <a16:creationId xmlns:a16="http://schemas.microsoft.com/office/drawing/2014/main" xmlns="" id="{98649DDB-AC34-4047-AC0C-4DB49A5E3DF5}"/>
               </a:ext>
             </a:extLst>
           </p:cNvPr>
@@ -5407,7 +5577,7 @@
           <p:cNvPr id="2" name="Title 1">
             <a:extLst>
               <a:ext uri="{FF2B5EF4-FFF2-40B4-BE49-F238E27FC236}">
-                <a16:creationId xmlns:a16="http://schemas.microsoft.com/office/drawing/2014/main" id="{579608B8-7298-4F9B-B7B9-CCFE941C31FF}"/>
+                <a16:creationId xmlns:a16="http://schemas.microsoft.com/office/drawing/2014/main" xmlns="" id="{579608B8-7298-4F9B-B7B9-CCFE941C31FF}"/>
               </a:ext>
             </a:extLst>
           </p:cNvPr>
@@ -5436,7 +5606,7 @@
           <p:cNvPr id="3" name="Content Placeholder 2">
             <a:extLst>
               <a:ext uri="{FF2B5EF4-FFF2-40B4-BE49-F238E27FC236}">
-                <a16:creationId xmlns:a16="http://schemas.microsoft.com/office/drawing/2014/main" id="{F1E0A482-E4FD-469B-93C4-C2518580E252}"/>
+                <a16:creationId xmlns:a16="http://schemas.microsoft.com/office/drawing/2014/main" xmlns="" id="{F1E0A482-E4FD-469B-93C4-C2518580E252}"/>
               </a:ext>
             </a:extLst>
           </p:cNvPr>
@@ -5567,7 +5737,7 @@
           <p:cNvPr id="4" name="Picture 3">
             <a:extLst>
               <a:ext uri="{FF2B5EF4-FFF2-40B4-BE49-F238E27FC236}">
-                <a16:creationId xmlns:a16="http://schemas.microsoft.com/office/drawing/2014/main" id="{053314CC-6412-4DE7-BF8B-64959280463C}"/>
+                <a16:creationId xmlns:a16="http://schemas.microsoft.com/office/drawing/2014/main" xmlns="" id="{053314CC-6412-4DE7-BF8B-64959280463C}"/>
               </a:ext>
             </a:extLst>
           </p:cNvPr>
@@ -5627,7 +5797,7 @@
           <p:cNvPr id="2" name="Title 1">
             <a:extLst>
               <a:ext uri="{FF2B5EF4-FFF2-40B4-BE49-F238E27FC236}">
-                <a16:creationId xmlns:a16="http://schemas.microsoft.com/office/drawing/2014/main" id="{69950C0F-E81B-4DD4-AF9D-F5B0F157584E}"/>
+                <a16:creationId xmlns:a16="http://schemas.microsoft.com/office/drawing/2014/main" xmlns="" id="{69950C0F-E81B-4DD4-AF9D-F5B0F157584E}"/>
               </a:ext>
             </a:extLst>
           </p:cNvPr>
@@ -5656,7 +5826,7 @@
           <p:cNvPr id="3" name="Content Placeholder 2">
             <a:extLst>
               <a:ext uri="{FF2B5EF4-FFF2-40B4-BE49-F238E27FC236}">
-                <a16:creationId xmlns:a16="http://schemas.microsoft.com/office/drawing/2014/main" id="{4081618E-ECB4-4B54-A61C-641ACF36D92C}"/>
+                <a16:creationId xmlns:a16="http://schemas.microsoft.com/office/drawing/2014/main" xmlns="" id="{4081618E-ECB4-4B54-A61C-641ACF36D92C}"/>
               </a:ext>
             </a:extLst>
           </p:cNvPr>
@@ -5685,7 +5855,7 @@
           <p:cNvPr id="4" name="Picture 3">
             <a:extLst>
               <a:ext uri="{FF2B5EF4-FFF2-40B4-BE49-F238E27FC236}">
-                <a16:creationId xmlns:a16="http://schemas.microsoft.com/office/drawing/2014/main" id="{960F02D6-F4E7-49EC-B69B-A077B281B073}"/>
+                <a16:creationId xmlns:a16="http://schemas.microsoft.com/office/drawing/2014/main" xmlns="" id="{960F02D6-F4E7-49EC-B69B-A077B281B073}"/>
               </a:ext>
             </a:extLst>
           </p:cNvPr>
@@ -5722,7 +5892,7 @@
           <p:cNvPr id="5" name="Picture 4">
             <a:extLst>
               <a:ext uri="{FF2B5EF4-FFF2-40B4-BE49-F238E27FC236}">
-                <a16:creationId xmlns:a16="http://schemas.microsoft.com/office/drawing/2014/main" id="{AFE40CE5-A026-4FF6-BD4B-2B25E7EDDB4D}"/>
+                <a16:creationId xmlns:a16="http://schemas.microsoft.com/office/drawing/2014/main" xmlns="" id="{AFE40CE5-A026-4FF6-BD4B-2B25E7EDDB4D}"/>
               </a:ext>
             </a:extLst>
           </p:cNvPr>
@@ -5759,7 +5929,7 @@
           <p:cNvPr id="6" name="Picture 5">
             <a:extLst>
               <a:ext uri="{FF2B5EF4-FFF2-40B4-BE49-F238E27FC236}">
-                <a16:creationId xmlns:a16="http://schemas.microsoft.com/office/drawing/2014/main" id="{3D2288B8-E732-4F7F-AB41-BDCA265E46BB}"/>
+                <a16:creationId xmlns:a16="http://schemas.microsoft.com/office/drawing/2014/main" xmlns="" id="{3D2288B8-E732-4F7F-AB41-BDCA265E46BB}"/>
               </a:ext>
             </a:extLst>
           </p:cNvPr>
@@ -5796,7 +5966,7 @@
           <p:cNvPr id="7" name="Picture 6">
             <a:extLst>
               <a:ext uri="{FF2B5EF4-FFF2-40B4-BE49-F238E27FC236}">
-                <a16:creationId xmlns:a16="http://schemas.microsoft.com/office/drawing/2014/main" id="{FD16416E-B63A-400C-A1A8-C31F4065AA11}"/>
+                <a16:creationId xmlns:a16="http://schemas.microsoft.com/office/drawing/2014/main" xmlns="" id="{FD16416E-B63A-400C-A1A8-C31F4065AA11}"/>
               </a:ext>
             </a:extLst>
           </p:cNvPr>
@@ -5863,7 +6033,7 @@
           <p:cNvPr id="2" name="Title 1">
             <a:extLst>
               <a:ext uri="{FF2B5EF4-FFF2-40B4-BE49-F238E27FC236}">
-                <a16:creationId xmlns:a16="http://schemas.microsoft.com/office/drawing/2014/main" id="{FB2DF990-A8DE-4E89-861E-84BCA354E568}"/>
+                <a16:creationId xmlns:a16="http://schemas.microsoft.com/office/drawing/2014/main" xmlns="" id="{FB2DF990-A8DE-4E89-861E-84BCA354E568}"/>
               </a:ext>
             </a:extLst>
           </p:cNvPr>
@@ -5900,7 +6070,7 @@
           <p:cNvPr id="3" name="Content Placeholder 2">
             <a:extLst>
               <a:ext uri="{FF2B5EF4-FFF2-40B4-BE49-F238E27FC236}">
-                <a16:creationId xmlns:a16="http://schemas.microsoft.com/office/drawing/2014/main" id="{0D020050-8A9C-4D4B-9194-177D9B6C9428}"/>
+                <a16:creationId xmlns:a16="http://schemas.microsoft.com/office/drawing/2014/main" xmlns="" id="{0D020050-8A9C-4D4B-9194-177D9B6C9428}"/>
               </a:ext>
             </a:extLst>
           </p:cNvPr>
@@ -6070,7 +6240,7 @@
           <p:cNvPr id="2" name="Title 1">
             <a:extLst>
               <a:ext uri="{FF2B5EF4-FFF2-40B4-BE49-F238E27FC236}">
-                <a16:creationId xmlns:a16="http://schemas.microsoft.com/office/drawing/2014/main" id="{658A3B10-52CE-4B58-90D1-8A9F4E56AD42}"/>
+                <a16:creationId xmlns:a16="http://schemas.microsoft.com/office/drawing/2014/main" xmlns="" id="{658A3B10-52CE-4B58-90D1-8A9F4E56AD42}"/>
               </a:ext>
             </a:extLst>
           </p:cNvPr>
@@ -6099,7 +6269,7 @@
           <p:cNvPr id="3" name="Content Placeholder 2">
             <a:extLst>
               <a:ext uri="{FF2B5EF4-FFF2-40B4-BE49-F238E27FC236}">
-                <a16:creationId xmlns:a16="http://schemas.microsoft.com/office/drawing/2014/main" id="{38E79F8F-8844-4366-995E-FCFC88A04BAB}"/>
+                <a16:creationId xmlns:a16="http://schemas.microsoft.com/office/drawing/2014/main" xmlns="" id="{38E79F8F-8844-4366-995E-FCFC88A04BAB}"/>
               </a:ext>
             </a:extLst>
           </p:cNvPr>
@@ -6124,7 +6294,7 @@
           <p:cNvPr id="4" name="TextBox 3">
             <a:extLst>
               <a:ext uri="{FF2B5EF4-FFF2-40B4-BE49-F238E27FC236}">
-                <a16:creationId xmlns:a16="http://schemas.microsoft.com/office/drawing/2014/main" id="{8544CDE3-0272-4647-8380-C8829D7E1604}"/>
+                <a16:creationId xmlns:a16="http://schemas.microsoft.com/office/drawing/2014/main" xmlns="" id="{8544CDE3-0272-4647-8380-C8829D7E1604}"/>
               </a:ext>
             </a:extLst>
           </p:cNvPr>
@@ -6179,7 +6349,7 @@
           <p:cNvPr id="5" name="Picture 4">
             <a:extLst>
               <a:ext uri="{FF2B5EF4-FFF2-40B4-BE49-F238E27FC236}">
-                <a16:creationId xmlns:a16="http://schemas.microsoft.com/office/drawing/2014/main" id="{484C2CD3-0E2E-4072-A16B-D1D5E5E3A30F}"/>
+                <a16:creationId xmlns:a16="http://schemas.microsoft.com/office/drawing/2014/main" xmlns="" id="{484C2CD3-0E2E-4072-A16B-D1D5E5E3A30F}"/>
               </a:ext>
             </a:extLst>
           </p:cNvPr>
@@ -6239,7 +6409,7 @@
           <p:cNvPr id="2" name="Nadpis 1">
             <a:extLst>
               <a:ext uri="{FF2B5EF4-FFF2-40B4-BE49-F238E27FC236}">
-                <a16:creationId xmlns:a16="http://schemas.microsoft.com/office/drawing/2014/main" id="{A60D084F-ACFD-4F46-B5DB-65DDF10CFCE9}"/>
+                <a16:creationId xmlns:a16="http://schemas.microsoft.com/office/drawing/2014/main" xmlns="" id="{A60D084F-ACFD-4F46-B5DB-65DDF10CFCE9}"/>
               </a:ext>
             </a:extLst>
           </p:cNvPr>
@@ -6278,7 +6448,7 @@
           <p:cNvPr id="3" name="Zástupný objekt pre obsah 2">
             <a:extLst>
               <a:ext uri="{FF2B5EF4-FFF2-40B4-BE49-F238E27FC236}">
-                <a16:creationId xmlns:a16="http://schemas.microsoft.com/office/drawing/2014/main" id="{A74476A0-8C3D-4B4B-ABC1-78C4925E54B4}"/>
+                <a16:creationId xmlns:a16="http://schemas.microsoft.com/office/drawing/2014/main" xmlns="" id="{A74476A0-8C3D-4B4B-ABC1-78C4925E54B4}"/>
               </a:ext>
             </a:extLst>
           </p:cNvPr>
@@ -6480,7 +6650,7 @@
           <p:cNvPr id="2" name="Title 1">
             <a:extLst>
               <a:ext uri="{FF2B5EF4-FFF2-40B4-BE49-F238E27FC236}">
-                <a16:creationId xmlns:a16="http://schemas.microsoft.com/office/drawing/2014/main" id="{A85C9CCC-0B97-4789-8DB6-D27F96D96F4E}"/>
+                <a16:creationId xmlns:a16="http://schemas.microsoft.com/office/drawing/2014/main" xmlns="" id="{A85C9CCC-0B97-4789-8DB6-D27F96D96F4E}"/>
               </a:ext>
             </a:extLst>
           </p:cNvPr>
@@ -6509,7 +6679,7 @@
           <p:cNvPr id="3" name="Content Placeholder 2">
             <a:extLst>
               <a:ext uri="{FF2B5EF4-FFF2-40B4-BE49-F238E27FC236}">
-                <a16:creationId xmlns:a16="http://schemas.microsoft.com/office/drawing/2014/main" id="{1EA5E127-342B-47A5-861F-43727FF8E83A}"/>
+                <a16:creationId xmlns:a16="http://schemas.microsoft.com/office/drawing/2014/main" xmlns="" id="{1EA5E127-342B-47A5-861F-43727FF8E83A}"/>
               </a:ext>
             </a:extLst>
           </p:cNvPr>
@@ -6554,7 +6724,7 @@
           <p:cNvPr id="6" name="Picture 5">
             <a:extLst>
               <a:ext uri="{FF2B5EF4-FFF2-40B4-BE49-F238E27FC236}">
-                <a16:creationId xmlns:a16="http://schemas.microsoft.com/office/drawing/2014/main" id="{1AB7A05F-EEF1-471B-8784-14AE02D54A80}"/>
+                <a16:creationId xmlns:a16="http://schemas.microsoft.com/office/drawing/2014/main" xmlns="" id="{1AB7A05F-EEF1-471B-8784-14AE02D54A80}"/>
               </a:ext>
             </a:extLst>
           </p:cNvPr>
@@ -6584,7 +6754,7 @@
           <p:cNvPr id="7" name="Picture 6">
             <a:extLst>
               <a:ext uri="{FF2B5EF4-FFF2-40B4-BE49-F238E27FC236}">
-                <a16:creationId xmlns:a16="http://schemas.microsoft.com/office/drawing/2014/main" id="{7F2F4B27-90E6-4A5F-951B-C5807B7B711E}"/>
+                <a16:creationId xmlns:a16="http://schemas.microsoft.com/office/drawing/2014/main" xmlns="" id="{7F2F4B27-90E6-4A5F-951B-C5807B7B711E}"/>
               </a:ext>
             </a:extLst>
           </p:cNvPr>
@@ -6644,7 +6814,7 @@
           <p:cNvPr id="2" name="Title 1">
             <a:extLst>
               <a:ext uri="{FF2B5EF4-FFF2-40B4-BE49-F238E27FC236}">
-                <a16:creationId xmlns:a16="http://schemas.microsoft.com/office/drawing/2014/main" id="{8712F40D-332C-448B-A4E7-81FC2C4A4C35}"/>
+                <a16:creationId xmlns:a16="http://schemas.microsoft.com/office/drawing/2014/main" xmlns="" id="{8712F40D-332C-448B-A4E7-81FC2C4A4C35}"/>
               </a:ext>
             </a:extLst>
           </p:cNvPr>
@@ -6674,7 +6844,7 @@
           <p:cNvPr id="3" name="Content Placeholder 2">
             <a:extLst>
               <a:ext uri="{FF2B5EF4-FFF2-40B4-BE49-F238E27FC236}">
-                <a16:creationId xmlns:a16="http://schemas.microsoft.com/office/drawing/2014/main" id="{D9D69473-1B1F-4B4A-96D0-AAE6381C3228}"/>
+                <a16:creationId xmlns:a16="http://schemas.microsoft.com/office/drawing/2014/main" xmlns="" id="{D9D69473-1B1F-4B4A-96D0-AAE6381C3228}"/>
               </a:ext>
             </a:extLst>
           </p:cNvPr>
@@ -6749,7 +6919,7 @@
           <p:cNvPr id="2" name="Title 1">
             <a:extLst>
               <a:ext uri="{FF2B5EF4-FFF2-40B4-BE49-F238E27FC236}">
-                <a16:creationId xmlns:a16="http://schemas.microsoft.com/office/drawing/2014/main" id="{5CA2726D-D260-476F-B92F-661E8D2584B6}"/>
+                <a16:creationId xmlns:a16="http://schemas.microsoft.com/office/drawing/2014/main" xmlns="" id="{5CA2726D-D260-476F-B92F-661E8D2584B6}"/>
               </a:ext>
             </a:extLst>
           </p:cNvPr>
@@ -6778,7 +6948,7 @@
           <p:cNvPr id="3" name="Content Placeholder 2">
             <a:extLst>
               <a:ext uri="{FF2B5EF4-FFF2-40B4-BE49-F238E27FC236}">
-                <a16:creationId xmlns:a16="http://schemas.microsoft.com/office/drawing/2014/main" id="{67143A2A-B76A-489C-9A85-E611E40675C5}"/>
+                <a16:creationId xmlns:a16="http://schemas.microsoft.com/office/drawing/2014/main" xmlns="" id="{67143A2A-B76A-489C-9A85-E611E40675C5}"/>
               </a:ext>
             </a:extLst>
           </p:cNvPr>
@@ -6803,7 +6973,7 @@
           <p:cNvPr id="8" name="Picture 7">
             <a:extLst>
               <a:ext uri="{FF2B5EF4-FFF2-40B4-BE49-F238E27FC236}">
-                <a16:creationId xmlns:a16="http://schemas.microsoft.com/office/drawing/2014/main" id="{4624DC1A-FB7D-4D63-9569-BE4477802F9B}"/>
+                <a16:creationId xmlns:a16="http://schemas.microsoft.com/office/drawing/2014/main" xmlns="" id="{4624DC1A-FB7D-4D63-9569-BE4477802F9B}"/>
               </a:ext>
             </a:extLst>
           </p:cNvPr>
@@ -6863,7 +7033,7 @@
           <p:cNvPr id="2" name="Title 1">
             <a:extLst>
               <a:ext uri="{FF2B5EF4-FFF2-40B4-BE49-F238E27FC236}">
-                <a16:creationId xmlns:a16="http://schemas.microsoft.com/office/drawing/2014/main" id="{7165D806-951B-432F-BFD7-8CFB627D24CD}"/>
+                <a16:creationId xmlns:a16="http://schemas.microsoft.com/office/drawing/2014/main" xmlns="" id="{7165D806-951B-432F-BFD7-8CFB627D24CD}"/>
               </a:ext>
             </a:extLst>
           </p:cNvPr>
@@ -6892,7 +7062,7 @@
           <p:cNvPr id="3" name="Content Placeholder 2">
             <a:extLst>
               <a:ext uri="{FF2B5EF4-FFF2-40B4-BE49-F238E27FC236}">
-                <a16:creationId xmlns:a16="http://schemas.microsoft.com/office/drawing/2014/main" id="{8E1F4138-DF1A-4917-8FB0-5ABADAEF6923}"/>
+                <a16:creationId xmlns:a16="http://schemas.microsoft.com/office/drawing/2014/main" xmlns="" id="{8E1F4138-DF1A-4917-8FB0-5ABADAEF6923}"/>
               </a:ext>
             </a:extLst>
           </p:cNvPr>
@@ -6996,7 +7166,7 @@
           <p:cNvPr id="2" name="Title 1">
             <a:extLst>
               <a:ext uri="{FF2B5EF4-FFF2-40B4-BE49-F238E27FC236}">
-                <a16:creationId xmlns:a16="http://schemas.microsoft.com/office/drawing/2014/main" id="{7BEDA497-3C6C-4AFA-B03A-6914C14D3B93}"/>
+                <a16:creationId xmlns:a16="http://schemas.microsoft.com/office/drawing/2014/main" xmlns="" id="{7BEDA497-3C6C-4AFA-B03A-6914C14D3B93}"/>
               </a:ext>
             </a:extLst>
           </p:cNvPr>
@@ -7020,14 +7190,14 @@
           </a:p>
         </p:txBody>
       </p:sp>
-      <mc:AlternateContent xmlns:mc="http://schemas.openxmlformats.org/markup-compatibility/2006">
-        <mc:Choice xmlns:a14="http://schemas.microsoft.com/office/drawing/2010/main" Requires="a14">
+      <mc:AlternateContent xmlns:mc="http://schemas.openxmlformats.org/markup-compatibility/2006" xmlns:a14="http://schemas.microsoft.com/office/drawing/2010/main">
+        <mc:Choice Requires="a14">
           <p:sp>
             <p:nvSpPr>
               <p:cNvPr id="3" name="Content Placeholder 2">
                 <a:extLst>
                   <a:ext uri="{FF2B5EF4-FFF2-40B4-BE49-F238E27FC236}">
-                    <a16:creationId xmlns:a16="http://schemas.microsoft.com/office/drawing/2014/main" id="{FA1B3422-EA19-4A2E-A6C5-BA28AF6664A2}"/>
+                    <a16:creationId xmlns:a16="http://schemas.microsoft.com/office/drawing/2014/main" xmlns="" id="{FA1B3422-EA19-4A2E-A6C5-BA28AF6664A2}"/>
                   </a:ext>
                 </a:extLst>
               </p:cNvPr>
@@ -7175,7 +7345,7 @@
             </p:txBody>
           </p:sp>
         </mc:Choice>
-        <mc:Fallback>
+        <mc:Fallback xmlns="">
           <p:sp>
             <p:nvSpPr>
               <p:cNvPr id="3" name="Content Placeholder 2">
@@ -7220,7 +7390,7 @@
           <p:cNvPr id="4" name="Picture 3">
             <a:extLst>
               <a:ext uri="{FF2B5EF4-FFF2-40B4-BE49-F238E27FC236}">
-                <a16:creationId xmlns:a16="http://schemas.microsoft.com/office/drawing/2014/main" id="{1579BD79-0775-4DEA-B6A8-3488FCBD2901}"/>
+                <a16:creationId xmlns:a16="http://schemas.microsoft.com/office/drawing/2014/main" xmlns="" id="{1579BD79-0775-4DEA-B6A8-3488FCBD2901}"/>
               </a:ext>
             </a:extLst>
           </p:cNvPr>
@@ -7280,7 +7450,7 @@
           <p:cNvPr id="2" name="Title 1">
             <a:extLst>
               <a:ext uri="{FF2B5EF4-FFF2-40B4-BE49-F238E27FC236}">
-                <a16:creationId xmlns:a16="http://schemas.microsoft.com/office/drawing/2014/main" id="{107F80DB-02B2-4807-8F74-ED8DA89E6D34}"/>
+                <a16:creationId xmlns:a16="http://schemas.microsoft.com/office/drawing/2014/main" xmlns="" id="{107F80DB-02B2-4807-8F74-ED8DA89E6D34}"/>
               </a:ext>
             </a:extLst>
           </p:cNvPr>
@@ -7313,7 +7483,7 @@
           <p:cNvPr id="3" name="Content Placeholder 2">
             <a:extLst>
               <a:ext uri="{FF2B5EF4-FFF2-40B4-BE49-F238E27FC236}">
-                <a16:creationId xmlns:a16="http://schemas.microsoft.com/office/drawing/2014/main" id="{51DB9ED9-A899-4FCF-B3FF-539923A6D03B}"/>
+                <a16:creationId xmlns:a16="http://schemas.microsoft.com/office/drawing/2014/main" xmlns="" id="{51DB9ED9-A899-4FCF-B3FF-539923A6D03B}"/>
               </a:ext>
             </a:extLst>
           </p:cNvPr>
@@ -7418,7 +7588,7 @@
           <p:cNvPr id="2" name="Title 1">
             <a:extLst>
               <a:ext uri="{FF2B5EF4-FFF2-40B4-BE49-F238E27FC236}">
-                <a16:creationId xmlns:a16="http://schemas.microsoft.com/office/drawing/2014/main" id="{06276595-A768-46B1-8FDB-D1F6444C264D}"/>
+                <a16:creationId xmlns:a16="http://schemas.microsoft.com/office/drawing/2014/main" xmlns="" id="{06276595-A768-46B1-8FDB-D1F6444C264D}"/>
               </a:ext>
             </a:extLst>
           </p:cNvPr>
@@ -7451,7 +7621,7 @@
           <p:cNvPr id="3" name="Content Placeholder 2">
             <a:extLst>
               <a:ext uri="{FF2B5EF4-FFF2-40B4-BE49-F238E27FC236}">
-                <a16:creationId xmlns:a16="http://schemas.microsoft.com/office/drawing/2014/main" id="{5B1945D2-3DD5-4CFC-A4E5-1E2602C407B1}"/>
+                <a16:creationId xmlns:a16="http://schemas.microsoft.com/office/drawing/2014/main" xmlns="" id="{5B1945D2-3DD5-4CFC-A4E5-1E2602C407B1}"/>
               </a:ext>
             </a:extLst>
           </p:cNvPr>
@@ -7551,7 +7721,7 @@
           <p:cNvPr id="2" name="Title 1">
             <a:extLst>
               <a:ext uri="{FF2B5EF4-FFF2-40B4-BE49-F238E27FC236}">
-                <a16:creationId xmlns:a16="http://schemas.microsoft.com/office/drawing/2014/main" id="{B01C75AE-5110-43C9-B3CF-E6AACBAA6E1B}"/>
+                <a16:creationId xmlns:a16="http://schemas.microsoft.com/office/drawing/2014/main" xmlns="" id="{B01C75AE-5110-43C9-B3CF-E6AACBAA6E1B}"/>
               </a:ext>
             </a:extLst>
           </p:cNvPr>
@@ -7575,14 +7745,14 @@
           </a:p>
         </p:txBody>
       </p:sp>
-      <mc:AlternateContent xmlns:mc="http://schemas.openxmlformats.org/markup-compatibility/2006">
-        <mc:Choice xmlns:a14="http://schemas.microsoft.com/office/drawing/2010/main" Requires="a14">
+      <mc:AlternateContent xmlns:mc="http://schemas.openxmlformats.org/markup-compatibility/2006" xmlns:a14="http://schemas.microsoft.com/office/drawing/2010/main">
+        <mc:Choice Requires="a14">
           <p:sp>
             <p:nvSpPr>
               <p:cNvPr id="3" name="Content Placeholder 2">
                 <a:extLst>
                   <a:ext uri="{FF2B5EF4-FFF2-40B4-BE49-F238E27FC236}">
-                    <a16:creationId xmlns:a16="http://schemas.microsoft.com/office/drawing/2014/main" id="{CC9F5021-B342-41E4-9DAB-031D35138213}"/>
+                    <a16:creationId xmlns:a16="http://schemas.microsoft.com/office/drawing/2014/main" xmlns="" id="{CC9F5021-B342-41E4-9DAB-031D35138213}"/>
                   </a:ext>
                 </a:extLst>
               </p:cNvPr>
@@ -7675,7 +7845,7 @@
             </p:txBody>
           </p:sp>
         </mc:Choice>
-        <mc:Fallback>
+        <mc:Fallback xmlns="">
           <p:sp>
             <p:nvSpPr>
               <p:cNvPr id="3" name="Content Placeholder 2">
@@ -7720,7 +7890,7 @@
           <p:cNvPr id="4" name="Picture 3">
             <a:extLst>
               <a:ext uri="{FF2B5EF4-FFF2-40B4-BE49-F238E27FC236}">
-                <a16:creationId xmlns:a16="http://schemas.microsoft.com/office/drawing/2014/main" id="{EA7A4016-FF4C-4F64-B208-F1489757553B}"/>
+                <a16:creationId xmlns:a16="http://schemas.microsoft.com/office/drawing/2014/main" xmlns="" id="{EA7A4016-FF4C-4F64-B208-F1489757553B}"/>
               </a:ext>
             </a:extLst>
           </p:cNvPr>
@@ -7750,7 +7920,7 @@
           <p:cNvPr id="6" name="Picture 5">
             <a:extLst>
               <a:ext uri="{FF2B5EF4-FFF2-40B4-BE49-F238E27FC236}">
-                <a16:creationId xmlns:a16="http://schemas.microsoft.com/office/drawing/2014/main" id="{925DA10B-8BEA-4AB5-927B-BA7FE03AC657}"/>
+                <a16:creationId xmlns:a16="http://schemas.microsoft.com/office/drawing/2014/main" xmlns="" id="{925DA10B-8BEA-4AB5-927B-BA7FE03AC657}"/>
               </a:ext>
             </a:extLst>
           </p:cNvPr>
@@ -7816,7 +7986,7 @@
           <p:cNvPr id="2" name="Title 1">
             <a:extLst>
               <a:ext uri="{FF2B5EF4-FFF2-40B4-BE49-F238E27FC236}">
-                <a16:creationId xmlns:a16="http://schemas.microsoft.com/office/drawing/2014/main" id="{D75317A8-308D-416E-8F00-1D2AB8AFE133}"/>
+                <a16:creationId xmlns:a16="http://schemas.microsoft.com/office/drawing/2014/main" xmlns="" id="{D75317A8-308D-416E-8F00-1D2AB8AFE133}"/>
               </a:ext>
             </a:extLst>
           </p:cNvPr>
@@ -7850,7 +8020,7 @@
           <p:cNvPr id="3" name="Content Placeholder 2">
             <a:extLst>
               <a:ext uri="{FF2B5EF4-FFF2-40B4-BE49-F238E27FC236}">
-                <a16:creationId xmlns:a16="http://schemas.microsoft.com/office/drawing/2014/main" id="{272CA61F-FE17-498A-BD46-3D461C443DF9}"/>
+                <a16:creationId xmlns:a16="http://schemas.microsoft.com/office/drawing/2014/main" xmlns="" id="{272CA61F-FE17-498A-BD46-3D461C443DF9}"/>
               </a:ext>
             </a:extLst>
           </p:cNvPr>
@@ -7901,7 +8071,7 @@
           <p:cNvPr id="4" name="Picture 3">
             <a:extLst>
               <a:ext uri="{FF2B5EF4-FFF2-40B4-BE49-F238E27FC236}">
-                <a16:creationId xmlns:a16="http://schemas.microsoft.com/office/drawing/2014/main" id="{6A7C72CF-4F5D-4868-A5F1-E93ACE6505A4}"/>
+                <a16:creationId xmlns:a16="http://schemas.microsoft.com/office/drawing/2014/main" xmlns="" id="{6A7C72CF-4F5D-4868-A5F1-E93ACE6505A4}"/>
               </a:ext>
             </a:extLst>
           </p:cNvPr>
@@ -7931,7 +8101,7 @@
           <p:cNvPr id="6" name="Picture 5">
             <a:extLst>
               <a:ext uri="{FF2B5EF4-FFF2-40B4-BE49-F238E27FC236}">
-                <a16:creationId xmlns:a16="http://schemas.microsoft.com/office/drawing/2014/main" id="{87944F23-2213-4BC2-873D-4963B67004CA}"/>
+                <a16:creationId xmlns:a16="http://schemas.microsoft.com/office/drawing/2014/main" xmlns="" id="{87944F23-2213-4BC2-873D-4963B67004CA}"/>
               </a:ext>
             </a:extLst>
           </p:cNvPr>
@@ -8005,10 +8175,10 @@
           <p:cNvPr id="10" name="Rectangle 9">
             <a:extLst>
               <a:ext uri="{FF2B5EF4-FFF2-40B4-BE49-F238E27FC236}">
-                <a16:creationId xmlns:a16="http://schemas.microsoft.com/office/drawing/2014/main" id="{44CC594A-A820-450F-B363-C19201FCFEC6}"/>
+                <a16:creationId xmlns:a16="http://schemas.microsoft.com/office/drawing/2014/main" xmlns="" id="{44CC594A-A820-450F-B363-C19201FCFEC6}"/>
               </a:ext>
               <a:ext uri="{C183D7F6-B498-43B3-948B-1728B52AA6E4}">
-                <adec:decorative xmlns:adec="http://schemas.microsoft.com/office/drawing/2017/decorative" val="1"/>
+                <adec:decorative xmlns:adec="http://schemas.microsoft.com/office/drawing/2017/decorative" xmlns="" val="1"/>
               </a:ext>
             </a:extLst>
           </p:cNvPr>
@@ -8018,7 +8188,7 @@
           <p:nvPr>
             <p:extLst>
               <p:ext uri="{386F3935-93C4-4BCD-93E2-E3B085C9AB24}">
-                <p16:designElem xmlns:p16="http://schemas.microsoft.com/office/powerpoint/2015/main" val="1"/>
+                <p16:designElem xmlns:p16="http://schemas.microsoft.com/office/powerpoint/2015/main" xmlns="" val="1"/>
               </p:ext>
             </p:extLst>
           </p:nvPr>
@@ -8065,10 +8235,10 @@
           <p:cNvPr id="12" name="Rectangle 11">
             <a:extLst>
               <a:ext uri="{FF2B5EF4-FFF2-40B4-BE49-F238E27FC236}">
-                <a16:creationId xmlns:a16="http://schemas.microsoft.com/office/drawing/2014/main" id="{59FAB3DA-E9ED-4574-ABCC-378BC0FF1BBC}"/>
+                <a16:creationId xmlns:a16="http://schemas.microsoft.com/office/drawing/2014/main" xmlns="" id="{59FAB3DA-E9ED-4574-ABCC-378BC0FF1BBC}"/>
               </a:ext>
               <a:ext uri="{C183D7F6-B498-43B3-948B-1728B52AA6E4}">
-                <adec:decorative xmlns:adec="http://schemas.microsoft.com/office/drawing/2017/decorative" val="1"/>
+                <adec:decorative xmlns:adec="http://schemas.microsoft.com/office/drawing/2017/decorative" xmlns="" val="1"/>
               </a:ext>
             </a:extLst>
           </p:cNvPr>
@@ -8078,7 +8248,7 @@
           <p:nvPr>
             <p:extLst>
               <p:ext uri="{386F3935-93C4-4BCD-93E2-E3B085C9AB24}">
-                <p16:designElem xmlns:p16="http://schemas.microsoft.com/office/powerpoint/2015/main" val="1"/>
+                <p16:designElem xmlns:p16="http://schemas.microsoft.com/office/powerpoint/2015/main" xmlns="" val="1"/>
               </p:ext>
             </p:extLst>
           </p:nvPr>
@@ -8120,7 +8290,7 @@
           <p:cNvPr id="2" name="Title 1">
             <a:extLst>
               <a:ext uri="{FF2B5EF4-FFF2-40B4-BE49-F238E27FC236}">
-                <a16:creationId xmlns:a16="http://schemas.microsoft.com/office/drawing/2014/main" id="{904F2418-AFF3-4A90-82A4-A049D0EEF428}"/>
+                <a16:creationId xmlns:a16="http://schemas.microsoft.com/office/drawing/2014/main" xmlns="" id="{904F2418-AFF3-4A90-82A4-A049D0EEF428}"/>
               </a:ext>
             </a:extLst>
           </p:cNvPr>
@@ -8159,7 +8329,7 @@
           <p:cNvPr id="3" name="Content Placeholder 2">
             <a:extLst>
               <a:ext uri="{FF2B5EF4-FFF2-40B4-BE49-F238E27FC236}">
-                <a16:creationId xmlns:a16="http://schemas.microsoft.com/office/drawing/2014/main" id="{FCF2D876-0B16-4495-B4FC-96B8DF79CD9D}"/>
+                <a16:creationId xmlns:a16="http://schemas.microsoft.com/office/drawing/2014/main" xmlns="" id="{FCF2D876-0B16-4495-B4FC-96B8DF79CD9D}"/>
               </a:ext>
             </a:extLst>
           </p:cNvPr>
@@ -8232,10 +8402,10 @@
           <p:cNvPr id="14" name="Rectangle 13">
             <a:extLst>
               <a:ext uri="{FF2B5EF4-FFF2-40B4-BE49-F238E27FC236}">
-                <a16:creationId xmlns:a16="http://schemas.microsoft.com/office/drawing/2014/main" id="{53B8D6B0-55D6-48DC-86D8-FD95D5F118AB}"/>
+                <a16:creationId xmlns:a16="http://schemas.microsoft.com/office/drawing/2014/main" xmlns="" id="{53B8D6B0-55D6-48DC-86D8-FD95D5F118AB}"/>
               </a:ext>
               <a:ext uri="{C183D7F6-B498-43B3-948B-1728B52AA6E4}">
-                <adec:decorative xmlns:adec="http://schemas.microsoft.com/office/drawing/2017/decorative" val="1"/>
+                <adec:decorative xmlns:adec="http://schemas.microsoft.com/office/drawing/2017/decorative" xmlns="" val="1"/>
               </a:ext>
             </a:extLst>
           </p:cNvPr>
@@ -8245,7 +8415,7 @@
           <p:nvPr>
             <p:extLst>
               <p:ext uri="{386F3935-93C4-4BCD-93E2-E3B085C9AB24}">
-                <p16:designElem xmlns:p16="http://schemas.microsoft.com/office/powerpoint/2015/main" val="1"/>
+                <p16:designElem xmlns:p16="http://schemas.microsoft.com/office/powerpoint/2015/main" xmlns="" val="1"/>
               </p:ext>
             </p:extLst>
           </p:nvPr>
@@ -8287,7 +8457,7 @@
           <p:cNvPr id="5" name="Picture 4">
             <a:extLst>
               <a:ext uri="{FF2B5EF4-FFF2-40B4-BE49-F238E27FC236}">
-                <a16:creationId xmlns:a16="http://schemas.microsoft.com/office/drawing/2014/main" id="{22FC3E34-3842-4090-A364-F7962FD0FD7D}"/>
+                <a16:creationId xmlns:a16="http://schemas.microsoft.com/office/drawing/2014/main" xmlns="" id="{22FC3E34-3842-4090-A364-F7962FD0FD7D}"/>
               </a:ext>
             </a:extLst>
           </p:cNvPr>
@@ -8353,7 +8523,7 @@
           <p:cNvPr id="2" name="Title 1">
             <a:extLst>
               <a:ext uri="{FF2B5EF4-FFF2-40B4-BE49-F238E27FC236}">
-                <a16:creationId xmlns:a16="http://schemas.microsoft.com/office/drawing/2014/main" id="{41EC4C35-6661-4E23-BECC-DC55996A0FB9}"/>
+                <a16:creationId xmlns:a16="http://schemas.microsoft.com/office/drawing/2014/main" xmlns="" id="{41EC4C35-6661-4E23-BECC-DC55996A0FB9}"/>
               </a:ext>
             </a:extLst>
           </p:cNvPr>
@@ -8378,7 +8548,7 @@
           <p:cNvPr id="3" name="Content Placeholder 2">
             <a:extLst>
               <a:ext uri="{FF2B5EF4-FFF2-40B4-BE49-F238E27FC236}">
-                <a16:creationId xmlns:a16="http://schemas.microsoft.com/office/drawing/2014/main" id="{DC6578C3-7201-46CE-9B8B-2197A0671E47}"/>
+                <a16:creationId xmlns:a16="http://schemas.microsoft.com/office/drawing/2014/main" xmlns="" id="{DC6578C3-7201-46CE-9B8B-2197A0671E47}"/>
               </a:ext>
             </a:extLst>
           </p:cNvPr>
@@ -8477,7 +8647,7 @@
           <p:cNvPr id="2" name="Title 1">
             <a:extLst>
               <a:ext uri="{FF2B5EF4-FFF2-40B4-BE49-F238E27FC236}">
-                <a16:creationId xmlns:a16="http://schemas.microsoft.com/office/drawing/2014/main" id="{8DC3D498-7177-43C9-B75C-CB5D1B66C3F1}"/>
+                <a16:creationId xmlns:a16="http://schemas.microsoft.com/office/drawing/2014/main" xmlns="" id="{8DC3D498-7177-43C9-B75C-CB5D1B66C3F1}"/>
               </a:ext>
             </a:extLst>
           </p:cNvPr>
@@ -8506,7 +8676,7 @@
           <p:cNvPr id="3" name="Content Placeholder 2">
             <a:extLst>
               <a:ext uri="{FF2B5EF4-FFF2-40B4-BE49-F238E27FC236}">
-                <a16:creationId xmlns:a16="http://schemas.microsoft.com/office/drawing/2014/main" id="{80A02F3C-C8C8-48DE-BA5D-14B847241D4B}"/>
+                <a16:creationId xmlns:a16="http://schemas.microsoft.com/office/drawing/2014/main" xmlns="" id="{80A02F3C-C8C8-48DE-BA5D-14B847241D4B}"/>
               </a:ext>
             </a:extLst>
           </p:cNvPr>
@@ -8535,7 +8705,7 @@
           <p:cNvPr id="5" name="Picture 4">
             <a:extLst>
               <a:ext uri="{FF2B5EF4-FFF2-40B4-BE49-F238E27FC236}">
-                <a16:creationId xmlns:a16="http://schemas.microsoft.com/office/drawing/2014/main" id="{F5481645-D2B2-4EB3-93F8-23AE9560BAEA}"/>
+                <a16:creationId xmlns:a16="http://schemas.microsoft.com/office/drawing/2014/main" xmlns="" id="{F5481645-D2B2-4EB3-93F8-23AE9560BAEA}"/>
               </a:ext>
             </a:extLst>
           </p:cNvPr>
@@ -8601,7 +8771,7 @@
           <p:cNvPr id="2" name="Title 1">
             <a:extLst>
               <a:ext uri="{FF2B5EF4-FFF2-40B4-BE49-F238E27FC236}">
-                <a16:creationId xmlns:a16="http://schemas.microsoft.com/office/drawing/2014/main" id="{63E7E7DC-FAC5-419F-A8B8-D734A3BE9D7E}"/>
+                <a16:creationId xmlns:a16="http://schemas.microsoft.com/office/drawing/2014/main" xmlns="" id="{63E7E7DC-FAC5-419F-A8B8-D734A3BE9D7E}"/>
               </a:ext>
             </a:extLst>
           </p:cNvPr>
@@ -8625,14 +8795,14 @@
           </a:p>
         </p:txBody>
       </p:sp>
-      <mc:AlternateContent xmlns:mc="http://schemas.openxmlformats.org/markup-compatibility/2006">
-        <mc:Choice xmlns:a14="http://schemas.microsoft.com/office/drawing/2010/main" Requires="a14">
+      <mc:AlternateContent xmlns:mc="http://schemas.openxmlformats.org/markup-compatibility/2006" xmlns:a14="http://schemas.microsoft.com/office/drawing/2010/main">
+        <mc:Choice Requires="a14">
           <p:sp>
             <p:nvSpPr>
               <p:cNvPr id="3" name="Content Placeholder 2">
                 <a:extLst>
                   <a:ext uri="{FF2B5EF4-FFF2-40B4-BE49-F238E27FC236}">
-                    <a16:creationId xmlns:a16="http://schemas.microsoft.com/office/drawing/2014/main" id="{A8846A05-7FDA-4BF8-BBF9-C08347A1C3CA}"/>
+                    <a16:creationId xmlns:a16="http://schemas.microsoft.com/office/drawing/2014/main" xmlns="" id="{A8846A05-7FDA-4BF8-BBF9-C08347A1C3CA}"/>
                   </a:ext>
                 </a:extLst>
               </p:cNvPr>
@@ -8761,7 +8931,7 @@
             </p:txBody>
           </p:sp>
         </mc:Choice>
-        <mc:Fallback>
+        <mc:Fallback xmlns="">
           <p:sp>
             <p:nvSpPr>
               <p:cNvPr id="3" name="Content Placeholder 2">
@@ -8836,7 +9006,7 @@
           <p:cNvPr id="2" name="Title 1">
             <a:extLst>
               <a:ext uri="{FF2B5EF4-FFF2-40B4-BE49-F238E27FC236}">
-                <a16:creationId xmlns:a16="http://schemas.microsoft.com/office/drawing/2014/main" id="{3F560AE9-2E14-41AE-9572-FF5945AD7129}"/>
+                <a16:creationId xmlns:a16="http://schemas.microsoft.com/office/drawing/2014/main" xmlns="" id="{3F560AE9-2E14-41AE-9572-FF5945AD7129}"/>
               </a:ext>
             </a:extLst>
           </p:cNvPr>
@@ -8864,7 +9034,7 @@
           <p:cNvPr id="6" name="Content Placeholder 5">
             <a:extLst>
               <a:ext uri="{FF2B5EF4-FFF2-40B4-BE49-F238E27FC236}">
-                <a16:creationId xmlns:a16="http://schemas.microsoft.com/office/drawing/2014/main" id="{11C2A1FE-7547-4B9B-BE4B-B65B26DD85FA}"/>
+                <a16:creationId xmlns:a16="http://schemas.microsoft.com/office/drawing/2014/main" xmlns="" id="{11C2A1FE-7547-4B9B-BE4B-B65B26DD85FA}"/>
               </a:ext>
             </a:extLst>
           </p:cNvPr>
@@ -8899,7 +9069,7 @@
           <p:cNvPr id="4" name="Picture 3">
             <a:extLst>
               <a:ext uri="{FF2B5EF4-FFF2-40B4-BE49-F238E27FC236}">
-                <a16:creationId xmlns:a16="http://schemas.microsoft.com/office/drawing/2014/main" id="{506F7517-E4D4-4645-95B7-14FB5A86DC50}"/>
+                <a16:creationId xmlns:a16="http://schemas.microsoft.com/office/drawing/2014/main" xmlns="" id="{506F7517-E4D4-4645-95B7-14FB5A86DC50}"/>
               </a:ext>
             </a:extLst>
           </p:cNvPr>
@@ -8959,7 +9129,7 @@
           <p:cNvPr id="2" name="Title 1">
             <a:extLst>
               <a:ext uri="{FF2B5EF4-FFF2-40B4-BE49-F238E27FC236}">
-                <a16:creationId xmlns:a16="http://schemas.microsoft.com/office/drawing/2014/main" id="{269DAABF-FC05-49C7-8171-6A7354C1E384}"/>
+                <a16:creationId xmlns:a16="http://schemas.microsoft.com/office/drawing/2014/main" xmlns="" id="{269DAABF-FC05-49C7-8171-6A7354C1E384}"/>
               </a:ext>
             </a:extLst>
           </p:cNvPr>
@@ -8992,7 +9162,7 @@
           <p:cNvPr id="3" name="Content Placeholder 2">
             <a:extLst>
               <a:ext uri="{FF2B5EF4-FFF2-40B4-BE49-F238E27FC236}">
-                <a16:creationId xmlns:a16="http://schemas.microsoft.com/office/drawing/2014/main" id="{BA9407E1-7CFF-48FF-97E2-AF535CE2816D}"/>
+                <a16:creationId xmlns:a16="http://schemas.microsoft.com/office/drawing/2014/main" xmlns="" id="{BA9407E1-7CFF-48FF-97E2-AF535CE2816D}"/>
               </a:ext>
             </a:extLst>
           </p:cNvPr>
@@ -9021,7 +9191,7 @@
           <p:cNvPr id="4" name="Picture 3">
             <a:extLst>
               <a:ext uri="{FF2B5EF4-FFF2-40B4-BE49-F238E27FC236}">
-                <a16:creationId xmlns:a16="http://schemas.microsoft.com/office/drawing/2014/main" id="{35E14521-D470-47E9-B50E-67CE91D50F0D}"/>
+                <a16:creationId xmlns:a16="http://schemas.microsoft.com/office/drawing/2014/main" xmlns="" id="{35E14521-D470-47E9-B50E-67CE91D50F0D}"/>
               </a:ext>
             </a:extLst>
           </p:cNvPr>
@@ -9051,7 +9221,7 @@
           <p:cNvPr id="6" name="Picture 5">
             <a:extLst>
               <a:ext uri="{FF2B5EF4-FFF2-40B4-BE49-F238E27FC236}">
-                <a16:creationId xmlns:a16="http://schemas.microsoft.com/office/drawing/2014/main" id="{6DA4DCBC-79DB-41D1-89B5-32646E14211D}"/>
+                <a16:creationId xmlns:a16="http://schemas.microsoft.com/office/drawing/2014/main" xmlns="" id="{6DA4DCBC-79DB-41D1-89B5-32646E14211D}"/>
               </a:ext>
             </a:extLst>
           </p:cNvPr>
@@ -9117,7 +9287,7 @@
           <p:cNvPr id="2" name="Title 1">
             <a:extLst>
               <a:ext uri="{FF2B5EF4-FFF2-40B4-BE49-F238E27FC236}">
-                <a16:creationId xmlns:a16="http://schemas.microsoft.com/office/drawing/2014/main" id="{83AB89E7-266A-4ADF-A41F-C7ADA90B728E}"/>
+                <a16:creationId xmlns:a16="http://schemas.microsoft.com/office/drawing/2014/main" xmlns="" id="{83AB89E7-266A-4ADF-A41F-C7ADA90B728E}"/>
               </a:ext>
             </a:extLst>
           </p:cNvPr>
@@ -9147,7 +9317,7 @@
           <p:cNvPr id="3" name="Content Placeholder 2">
             <a:extLst>
               <a:ext uri="{FF2B5EF4-FFF2-40B4-BE49-F238E27FC236}">
-                <a16:creationId xmlns:a16="http://schemas.microsoft.com/office/drawing/2014/main" id="{5024A9AF-EFAD-462D-8F9D-4B24E56F06D6}"/>
+                <a16:creationId xmlns:a16="http://schemas.microsoft.com/office/drawing/2014/main" xmlns="" id="{5024A9AF-EFAD-462D-8F9D-4B24E56F06D6}"/>
               </a:ext>
             </a:extLst>
           </p:cNvPr>
@@ -9255,7 +9425,7 @@
           <p:cNvPr id="2" name="Title 1">
             <a:extLst>
               <a:ext uri="{FF2B5EF4-FFF2-40B4-BE49-F238E27FC236}">
-                <a16:creationId xmlns:a16="http://schemas.microsoft.com/office/drawing/2014/main" id="{A6779CAD-CC0C-4479-A72A-2419F49219D2}"/>
+                <a16:creationId xmlns:a16="http://schemas.microsoft.com/office/drawing/2014/main" xmlns="" id="{A6779CAD-CC0C-4479-A72A-2419F49219D2}"/>
               </a:ext>
             </a:extLst>
           </p:cNvPr>
@@ -9285,7 +9455,7 @@
           <p:cNvPr id="3" name="Content Placeholder 2">
             <a:extLst>
               <a:ext uri="{FF2B5EF4-FFF2-40B4-BE49-F238E27FC236}">
-                <a16:creationId xmlns:a16="http://schemas.microsoft.com/office/drawing/2014/main" id="{533146CB-82DC-40CB-B264-0325638953DD}"/>
+                <a16:creationId xmlns:a16="http://schemas.microsoft.com/office/drawing/2014/main" xmlns="" id="{533146CB-82DC-40CB-B264-0325638953DD}"/>
               </a:ext>
             </a:extLst>
           </p:cNvPr>
@@ -9353,7 +9523,7 @@
           <p:cNvPr id="4" name="Arrow: Right 3">
             <a:extLst>
               <a:ext uri="{FF2B5EF4-FFF2-40B4-BE49-F238E27FC236}">
-                <a16:creationId xmlns:a16="http://schemas.microsoft.com/office/drawing/2014/main" id="{12CB134C-38F3-448E-BB6C-A9EF96954B98}"/>
+                <a16:creationId xmlns:a16="http://schemas.microsoft.com/office/drawing/2014/main" xmlns="" id="{12CB134C-38F3-448E-BB6C-A9EF96954B98}"/>
               </a:ext>
             </a:extLst>
           </p:cNvPr>
@@ -9399,7 +9569,7 @@
           <p:cNvPr id="5" name="Rectangle 4">
             <a:extLst>
               <a:ext uri="{FF2B5EF4-FFF2-40B4-BE49-F238E27FC236}">
-                <a16:creationId xmlns:a16="http://schemas.microsoft.com/office/drawing/2014/main" id="{444D28D9-7298-48D8-A92B-B91D21F234F2}"/>
+                <a16:creationId xmlns:a16="http://schemas.microsoft.com/office/drawing/2014/main" xmlns="" id="{444D28D9-7298-48D8-A92B-B91D21F234F2}"/>
               </a:ext>
             </a:extLst>
           </p:cNvPr>
@@ -9448,7 +9618,7 @@
           <p:cNvPr id="6" name="Arrow: Right 5">
             <a:extLst>
               <a:ext uri="{FF2B5EF4-FFF2-40B4-BE49-F238E27FC236}">
-                <a16:creationId xmlns:a16="http://schemas.microsoft.com/office/drawing/2014/main" id="{48082614-30FA-4CA1-BDD0-F405569E574F}"/>
+                <a16:creationId xmlns:a16="http://schemas.microsoft.com/office/drawing/2014/main" xmlns="" id="{48082614-30FA-4CA1-BDD0-F405569E574F}"/>
               </a:ext>
             </a:extLst>
           </p:cNvPr>
@@ -9494,7 +9664,7 @@
           <p:cNvPr id="7" name="TextBox 6">
             <a:extLst>
               <a:ext uri="{FF2B5EF4-FFF2-40B4-BE49-F238E27FC236}">
-                <a16:creationId xmlns:a16="http://schemas.microsoft.com/office/drawing/2014/main" id="{D5AA5FFE-4A23-401D-A2BB-3923A2D7F441}"/>
+                <a16:creationId xmlns:a16="http://schemas.microsoft.com/office/drawing/2014/main" xmlns="" id="{D5AA5FFE-4A23-401D-A2BB-3923A2D7F441}"/>
               </a:ext>
             </a:extLst>
           </p:cNvPr>
@@ -9529,7 +9699,7 @@
           <p:cNvPr id="8" name="TextBox 7">
             <a:extLst>
               <a:ext uri="{FF2B5EF4-FFF2-40B4-BE49-F238E27FC236}">
-                <a16:creationId xmlns:a16="http://schemas.microsoft.com/office/drawing/2014/main" id="{A1B49827-CE42-4F83-93FB-7AA91C00D7DE}"/>
+                <a16:creationId xmlns:a16="http://schemas.microsoft.com/office/drawing/2014/main" xmlns="" id="{A1B49827-CE42-4F83-93FB-7AA91C00D7DE}"/>
               </a:ext>
             </a:extLst>
           </p:cNvPr>
@@ -9594,7 +9764,7 @@
           <p:cNvPr id="2" name="Title 1">
             <a:extLst>
               <a:ext uri="{FF2B5EF4-FFF2-40B4-BE49-F238E27FC236}">
-                <a16:creationId xmlns:a16="http://schemas.microsoft.com/office/drawing/2014/main" id="{6A859485-9673-4535-AEF1-DDE4B672DC16}"/>
+                <a16:creationId xmlns:a16="http://schemas.microsoft.com/office/drawing/2014/main" xmlns="" id="{6A859485-9673-4535-AEF1-DDE4B672DC16}"/>
               </a:ext>
             </a:extLst>
           </p:cNvPr>
@@ -9624,7 +9794,7 @@
           <p:cNvPr id="3" name="Content Placeholder 2">
             <a:extLst>
               <a:ext uri="{FF2B5EF4-FFF2-40B4-BE49-F238E27FC236}">
-                <a16:creationId xmlns:a16="http://schemas.microsoft.com/office/drawing/2014/main" id="{AD17DE64-0D4C-4E04-B20D-29EBA2199E6D}"/>
+                <a16:creationId xmlns:a16="http://schemas.microsoft.com/office/drawing/2014/main" xmlns="" id="{AD17DE64-0D4C-4E04-B20D-29EBA2199E6D}"/>
               </a:ext>
             </a:extLst>
           </p:cNvPr>
@@ -9681,7 +9851,7 @@
           <p:cNvPr id="4" name="Picture 3">
             <a:extLst>
               <a:ext uri="{FF2B5EF4-FFF2-40B4-BE49-F238E27FC236}">
-                <a16:creationId xmlns:a16="http://schemas.microsoft.com/office/drawing/2014/main" id="{16A4F773-C6DE-463F-B16F-E2E52DB16B7D}"/>
+                <a16:creationId xmlns:a16="http://schemas.microsoft.com/office/drawing/2014/main" xmlns="" id="{16A4F773-C6DE-463F-B16F-E2E52DB16B7D}"/>
               </a:ext>
             </a:extLst>
           </p:cNvPr>
@@ -9711,7 +9881,7 @@
           <p:cNvPr id="6" name="Straight Arrow Connector 5">
             <a:extLst>
               <a:ext uri="{FF2B5EF4-FFF2-40B4-BE49-F238E27FC236}">
-                <a16:creationId xmlns:a16="http://schemas.microsoft.com/office/drawing/2014/main" id="{3CE3A6BB-F7B9-473F-9537-572D66D26176}"/>
+                <a16:creationId xmlns:a16="http://schemas.microsoft.com/office/drawing/2014/main" xmlns="" id="{3CE3A6BB-F7B9-473F-9537-572D66D26176}"/>
               </a:ext>
             </a:extLst>
           </p:cNvPr>
@@ -9752,7 +9922,7 @@
           <p:cNvPr id="8" name="Straight Arrow Connector 7">
             <a:extLst>
               <a:ext uri="{FF2B5EF4-FFF2-40B4-BE49-F238E27FC236}">
-                <a16:creationId xmlns:a16="http://schemas.microsoft.com/office/drawing/2014/main" id="{8B1FD9AC-6B26-40EB-BA41-252AD6919EE3}"/>
+                <a16:creationId xmlns:a16="http://schemas.microsoft.com/office/drawing/2014/main" xmlns="" id="{8B1FD9AC-6B26-40EB-BA41-252AD6919EE3}"/>
               </a:ext>
             </a:extLst>
           </p:cNvPr>
@@ -9793,7 +9963,7 @@
           <p:cNvPr id="10" name="TextBox 9">
             <a:extLst>
               <a:ext uri="{FF2B5EF4-FFF2-40B4-BE49-F238E27FC236}">
-                <a16:creationId xmlns:a16="http://schemas.microsoft.com/office/drawing/2014/main" id="{86B86A03-6D3D-4C2C-AF71-0A56B49B8847}"/>
+                <a16:creationId xmlns:a16="http://schemas.microsoft.com/office/drawing/2014/main" xmlns="" id="{86B86A03-6D3D-4C2C-AF71-0A56B49B8847}"/>
               </a:ext>
             </a:extLst>
           </p:cNvPr>
@@ -9828,7 +9998,7 @@
           <p:cNvPr id="12" name="Straight Arrow Connector 11">
             <a:extLst>
               <a:ext uri="{FF2B5EF4-FFF2-40B4-BE49-F238E27FC236}">
-                <a16:creationId xmlns:a16="http://schemas.microsoft.com/office/drawing/2014/main" id="{57661D7D-487F-46DA-8AF1-3E063FEA53EA}"/>
+                <a16:creationId xmlns:a16="http://schemas.microsoft.com/office/drawing/2014/main" xmlns="" id="{57661D7D-487F-46DA-8AF1-3E063FEA53EA}"/>
               </a:ext>
             </a:extLst>
           </p:cNvPr>
@@ -9869,7 +10039,7 @@
           <p:cNvPr id="14" name="Straight Arrow Connector 13">
             <a:extLst>
               <a:ext uri="{FF2B5EF4-FFF2-40B4-BE49-F238E27FC236}">
-                <a16:creationId xmlns:a16="http://schemas.microsoft.com/office/drawing/2014/main" id="{3DD464E5-11A0-4521-9026-D283B1B98E11}"/>
+                <a16:creationId xmlns:a16="http://schemas.microsoft.com/office/drawing/2014/main" xmlns="" id="{3DD464E5-11A0-4521-9026-D283B1B98E11}"/>
               </a:ext>
             </a:extLst>
           </p:cNvPr>
@@ -9908,7 +10078,7 @@
           <p:cNvPr id="16" name="Straight Arrow Connector 15">
             <a:extLst>
               <a:ext uri="{FF2B5EF4-FFF2-40B4-BE49-F238E27FC236}">
-                <a16:creationId xmlns:a16="http://schemas.microsoft.com/office/drawing/2014/main" id="{C9717A7F-70A3-4782-8275-049AA22F153B}"/>
+                <a16:creationId xmlns:a16="http://schemas.microsoft.com/office/drawing/2014/main" xmlns="" id="{C9717A7F-70A3-4782-8275-049AA22F153B}"/>
               </a:ext>
             </a:extLst>
           </p:cNvPr>
@@ -9949,7 +10119,7 @@
           <p:cNvPr id="17" name="TextBox 16">
             <a:extLst>
               <a:ext uri="{FF2B5EF4-FFF2-40B4-BE49-F238E27FC236}">
-                <a16:creationId xmlns:a16="http://schemas.microsoft.com/office/drawing/2014/main" id="{F46AF44C-EE32-4793-84F0-7AED1C4B59CD}"/>
+                <a16:creationId xmlns:a16="http://schemas.microsoft.com/office/drawing/2014/main" xmlns="" id="{F46AF44C-EE32-4793-84F0-7AED1C4B59CD}"/>
               </a:ext>
             </a:extLst>
           </p:cNvPr>
@@ -10014,7 +10184,7 @@
           <p:cNvPr id="2" name="Title 1">
             <a:extLst>
               <a:ext uri="{FF2B5EF4-FFF2-40B4-BE49-F238E27FC236}">
-                <a16:creationId xmlns:a16="http://schemas.microsoft.com/office/drawing/2014/main" id="{FAC27851-BEBF-4E74-8023-8BCEE67686A7}"/>
+                <a16:creationId xmlns:a16="http://schemas.microsoft.com/office/drawing/2014/main" xmlns="" id="{FAC27851-BEBF-4E74-8023-8BCEE67686A7}"/>
               </a:ext>
             </a:extLst>
           </p:cNvPr>
@@ -10043,7 +10213,7 @@
           <p:cNvPr id="3" name="Content Placeholder 2">
             <a:extLst>
               <a:ext uri="{FF2B5EF4-FFF2-40B4-BE49-F238E27FC236}">
-                <a16:creationId xmlns:a16="http://schemas.microsoft.com/office/drawing/2014/main" id="{B76D8EEA-483B-4C79-A829-BED61C53148D}"/>
+                <a16:creationId xmlns:a16="http://schemas.microsoft.com/office/drawing/2014/main" xmlns="" id="{B76D8EEA-483B-4C79-A829-BED61C53148D}"/>
               </a:ext>
             </a:extLst>
           </p:cNvPr>
@@ -10085,7 +10255,7 @@
           <p:cNvPr id="4" name="Picture 3">
             <a:extLst>
               <a:ext uri="{FF2B5EF4-FFF2-40B4-BE49-F238E27FC236}">
-                <a16:creationId xmlns:a16="http://schemas.microsoft.com/office/drawing/2014/main" id="{0ED9CEC3-6443-407F-A3AC-1C486113BD07}"/>
+                <a16:creationId xmlns:a16="http://schemas.microsoft.com/office/drawing/2014/main" xmlns="" id="{0ED9CEC3-6443-407F-A3AC-1C486113BD07}"/>
               </a:ext>
             </a:extLst>
           </p:cNvPr>
@@ -10145,7 +10315,7 @@
           <p:cNvPr id="2" name="Title 1">
             <a:extLst>
               <a:ext uri="{FF2B5EF4-FFF2-40B4-BE49-F238E27FC236}">
-                <a16:creationId xmlns:a16="http://schemas.microsoft.com/office/drawing/2014/main" id="{53E15509-F4CE-4D9D-A239-3A3959E27F50}"/>
+                <a16:creationId xmlns:a16="http://schemas.microsoft.com/office/drawing/2014/main" xmlns="" id="{53E15509-F4CE-4D9D-A239-3A3959E27F50}"/>
               </a:ext>
             </a:extLst>
           </p:cNvPr>
@@ -10180,7 +10350,7 @@
           <p:cNvPr id="3" name="Content Placeholder 2">
             <a:extLst>
               <a:ext uri="{FF2B5EF4-FFF2-40B4-BE49-F238E27FC236}">
-                <a16:creationId xmlns:a16="http://schemas.microsoft.com/office/drawing/2014/main" id="{6126F99F-B23F-47F7-A5FD-BE03446C0AC1}"/>
+                <a16:creationId xmlns:a16="http://schemas.microsoft.com/office/drawing/2014/main" xmlns="" id="{6126F99F-B23F-47F7-A5FD-BE03446C0AC1}"/>
               </a:ext>
             </a:extLst>
           </p:cNvPr>
@@ -10209,7 +10379,7 @@
           <p:cNvPr id="4" name="Picture 3">
             <a:extLst>
               <a:ext uri="{FF2B5EF4-FFF2-40B4-BE49-F238E27FC236}">
-                <a16:creationId xmlns:a16="http://schemas.microsoft.com/office/drawing/2014/main" id="{B40B1163-A373-4F3B-B7E2-5FF8A99A2A9B}"/>
+                <a16:creationId xmlns:a16="http://schemas.microsoft.com/office/drawing/2014/main" xmlns="" id="{B40B1163-A373-4F3B-B7E2-5FF8A99A2A9B}"/>
               </a:ext>
             </a:extLst>
           </p:cNvPr>
@@ -10269,7 +10439,7 @@
           <p:cNvPr id="2" name="Title 1">
             <a:extLst>
               <a:ext uri="{FF2B5EF4-FFF2-40B4-BE49-F238E27FC236}">
-                <a16:creationId xmlns:a16="http://schemas.microsoft.com/office/drawing/2014/main" id="{BE3063D4-2F19-436D-8691-537DC44C8736}"/>
+                <a16:creationId xmlns:a16="http://schemas.microsoft.com/office/drawing/2014/main" xmlns="" id="{BE3063D4-2F19-436D-8691-537DC44C8736}"/>
               </a:ext>
             </a:extLst>
           </p:cNvPr>
@@ -10298,7 +10468,7 @@
           <p:cNvPr id="3" name="Content Placeholder 2">
             <a:extLst>
               <a:ext uri="{FF2B5EF4-FFF2-40B4-BE49-F238E27FC236}">
-                <a16:creationId xmlns:a16="http://schemas.microsoft.com/office/drawing/2014/main" id="{29361117-5379-45A1-802A-5F915F28B966}"/>
+                <a16:creationId xmlns:a16="http://schemas.microsoft.com/office/drawing/2014/main" xmlns="" id="{29361117-5379-45A1-802A-5F915F28B966}"/>
               </a:ext>
             </a:extLst>
           </p:cNvPr>
@@ -10392,7 +10562,7 @@
           <p:cNvPr id="4" name="Picture 3">
             <a:extLst>
               <a:ext uri="{FF2B5EF4-FFF2-40B4-BE49-F238E27FC236}">
-                <a16:creationId xmlns:a16="http://schemas.microsoft.com/office/drawing/2014/main" id="{F1573CB6-EE5C-45B0-938B-14E3DEF4E257}"/>
+                <a16:creationId xmlns:a16="http://schemas.microsoft.com/office/drawing/2014/main" xmlns="" id="{F1573CB6-EE5C-45B0-938B-14E3DEF4E257}"/>
               </a:ext>
             </a:extLst>
           </p:cNvPr>
@@ -10422,7 +10592,7 @@
           <p:cNvPr id="6" name="Straight Arrow Connector 5">
             <a:extLst>
               <a:ext uri="{FF2B5EF4-FFF2-40B4-BE49-F238E27FC236}">
-                <a16:creationId xmlns:a16="http://schemas.microsoft.com/office/drawing/2014/main" id="{856DE5C1-3526-42B5-BE19-A77437FFA770}"/>
+                <a16:creationId xmlns:a16="http://schemas.microsoft.com/office/drawing/2014/main" xmlns="" id="{856DE5C1-3526-42B5-BE19-A77437FFA770}"/>
               </a:ext>
             </a:extLst>
           </p:cNvPr>
@@ -10463,7 +10633,7 @@
           <p:cNvPr id="7" name="TextBox 6">
             <a:extLst>
               <a:ext uri="{FF2B5EF4-FFF2-40B4-BE49-F238E27FC236}">
-                <a16:creationId xmlns:a16="http://schemas.microsoft.com/office/drawing/2014/main" id="{B36B3177-14D5-48AC-B07F-E225A0E8411D}"/>
+                <a16:creationId xmlns:a16="http://schemas.microsoft.com/office/drawing/2014/main" xmlns="" id="{B36B3177-14D5-48AC-B07F-E225A0E8411D}"/>
               </a:ext>
             </a:extLst>
           </p:cNvPr>
@@ -10498,7 +10668,7 @@
           <p:cNvPr id="9" name="Picture 8">
             <a:extLst>
               <a:ext uri="{FF2B5EF4-FFF2-40B4-BE49-F238E27FC236}">
-                <a16:creationId xmlns:a16="http://schemas.microsoft.com/office/drawing/2014/main" id="{6550ED5C-5963-4871-BAD7-EF5D65F3BF04}"/>
+                <a16:creationId xmlns:a16="http://schemas.microsoft.com/office/drawing/2014/main" xmlns="" id="{6550ED5C-5963-4871-BAD7-EF5D65F3BF04}"/>
               </a:ext>
             </a:extLst>
           </p:cNvPr>
@@ -10528,7 +10698,7 @@
           <p:cNvPr id="11" name="Straight Arrow Connector 10">
             <a:extLst>
               <a:ext uri="{FF2B5EF4-FFF2-40B4-BE49-F238E27FC236}">
-                <a16:creationId xmlns:a16="http://schemas.microsoft.com/office/drawing/2014/main" id="{5A52AA3B-ABE1-469B-9385-3F43039E0C3B}"/>
+                <a16:creationId xmlns:a16="http://schemas.microsoft.com/office/drawing/2014/main" xmlns="" id="{5A52AA3B-ABE1-469B-9385-3F43039E0C3B}"/>
               </a:ext>
             </a:extLst>
           </p:cNvPr>
@@ -10567,7 +10737,7 @@
           <p:cNvPr id="12" name="TextBox 11">
             <a:extLst>
               <a:ext uri="{FF2B5EF4-FFF2-40B4-BE49-F238E27FC236}">
-                <a16:creationId xmlns:a16="http://schemas.microsoft.com/office/drawing/2014/main" id="{C9FC6D91-0F0A-4EAB-B668-BEA7B3FD81EF}"/>
+                <a16:creationId xmlns:a16="http://schemas.microsoft.com/office/drawing/2014/main" xmlns="" id="{C9FC6D91-0F0A-4EAB-B668-BEA7B3FD81EF}"/>
               </a:ext>
             </a:extLst>
           </p:cNvPr>
@@ -10632,7 +10802,7 @@
           <p:cNvPr id="2" name="Title 1">
             <a:extLst>
               <a:ext uri="{FF2B5EF4-FFF2-40B4-BE49-F238E27FC236}">
-                <a16:creationId xmlns:a16="http://schemas.microsoft.com/office/drawing/2014/main" id="{1B413178-74A5-475B-8910-8EA858E119D9}"/>
+                <a16:creationId xmlns:a16="http://schemas.microsoft.com/office/drawing/2014/main" xmlns="" id="{1B413178-74A5-475B-8910-8EA858E119D9}"/>
               </a:ext>
             </a:extLst>
           </p:cNvPr>
@@ -10661,7 +10831,7 @@
           <p:cNvPr id="3" name="Content Placeholder 2">
             <a:extLst>
               <a:ext uri="{FF2B5EF4-FFF2-40B4-BE49-F238E27FC236}">
-                <a16:creationId xmlns:a16="http://schemas.microsoft.com/office/drawing/2014/main" id="{B24AE00A-8D2A-4EFF-BCD4-74A571688219}"/>
+                <a16:creationId xmlns:a16="http://schemas.microsoft.com/office/drawing/2014/main" xmlns="" id="{B24AE00A-8D2A-4EFF-BCD4-74A571688219}"/>
               </a:ext>
             </a:extLst>
           </p:cNvPr>
@@ -10750,7 +10920,7 @@
           <p:cNvPr id="2" name="Title 1">
             <a:extLst>
               <a:ext uri="{FF2B5EF4-FFF2-40B4-BE49-F238E27FC236}">
-                <a16:creationId xmlns:a16="http://schemas.microsoft.com/office/drawing/2014/main" id="{F2EBB628-57AF-4AEB-99D7-B5474F38C22E}"/>
+                <a16:creationId xmlns:a16="http://schemas.microsoft.com/office/drawing/2014/main" xmlns="" id="{F2EBB628-57AF-4AEB-99D7-B5474F38C22E}"/>
               </a:ext>
             </a:extLst>
           </p:cNvPr>
@@ -10779,7 +10949,7 @@
           <p:cNvPr id="3" name="Content Placeholder 2">
             <a:extLst>
               <a:ext uri="{FF2B5EF4-FFF2-40B4-BE49-F238E27FC236}">
-                <a16:creationId xmlns:a16="http://schemas.microsoft.com/office/drawing/2014/main" id="{0C53684F-138F-42E9-B427-7C38200DC25D}"/>
+                <a16:creationId xmlns:a16="http://schemas.microsoft.com/office/drawing/2014/main" xmlns="" id="{0C53684F-138F-42E9-B427-7C38200DC25D}"/>
               </a:ext>
             </a:extLst>
           </p:cNvPr>
@@ -10868,7 +11038,7 @@
           <p:cNvPr id="4" name="Picture 3">
             <a:extLst>
               <a:ext uri="{FF2B5EF4-FFF2-40B4-BE49-F238E27FC236}">
-                <a16:creationId xmlns:a16="http://schemas.microsoft.com/office/drawing/2014/main" id="{80B7C8F0-69DC-41E8-B30B-5AAC23A45928}"/>
+                <a16:creationId xmlns:a16="http://schemas.microsoft.com/office/drawing/2014/main" xmlns="" id="{80B7C8F0-69DC-41E8-B30B-5AAC23A45928}"/>
               </a:ext>
             </a:extLst>
           </p:cNvPr>
@@ -10928,7 +11098,7 @@
           <p:cNvPr id="2" name="Title 1">
             <a:extLst>
               <a:ext uri="{FF2B5EF4-FFF2-40B4-BE49-F238E27FC236}">
-                <a16:creationId xmlns:a16="http://schemas.microsoft.com/office/drawing/2014/main" id="{909AE3AE-87EC-4AD2-BD60-59E785E4B539}"/>
+                <a16:creationId xmlns:a16="http://schemas.microsoft.com/office/drawing/2014/main" xmlns="" id="{909AE3AE-87EC-4AD2-BD60-59E785E4B539}"/>
               </a:ext>
             </a:extLst>
           </p:cNvPr>
@@ -10958,7 +11128,7 @@
           <p:cNvPr id="3" name="Content Placeholder 2">
             <a:extLst>
               <a:ext uri="{FF2B5EF4-FFF2-40B4-BE49-F238E27FC236}">
-                <a16:creationId xmlns:a16="http://schemas.microsoft.com/office/drawing/2014/main" id="{77218223-F8EB-4E44-AD52-14F3C31C6017}"/>
+                <a16:creationId xmlns:a16="http://schemas.microsoft.com/office/drawing/2014/main" xmlns="" id="{77218223-F8EB-4E44-AD52-14F3C31C6017}"/>
               </a:ext>
             </a:extLst>
           </p:cNvPr>
@@ -11125,7 +11295,7 @@
           <p:cNvPr id="2" name="Title 1">
             <a:extLst>
               <a:ext uri="{FF2B5EF4-FFF2-40B4-BE49-F238E27FC236}">
-                <a16:creationId xmlns:a16="http://schemas.microsoft.com/office/drawing/2014/main" id="{F6C46024-1C83-4D91-A833-0C6D00EC8D29}"/>
+                <a16:creationId xmlns:a16="http://schemas.microsoft.com/office/drawing/2014/main" xmlns="" id="{F6C46024-1C83-4D91-A833-0C6D00EC8D29}"/>
               </a:ext>
             </a:extLst>
           </p:cNvPr>
@@ -11154,7 +11324,7 @@
           <p:cNvPr id="3" name="Content Placeholder 2">
             <a:extLst>
               <a:ext uri="{FF2B5EF4-FFF2-40B4-BE49-F238E27FC236}">
-                <a16:creationId xmlns:a16="http://schemas.microsoft.com/office/drawing/2014/main" id="{F30771F4-2F68-4532-A3E1-1C4E544DC51B}"/>
+                <a16:creationId xmlns:a16="http://schemas.microsoft.com/office/drawing/2014/main" xmlns="" id="{F30771F4-2F68-4532-A3E1-1C4E544DC51B}"/>
               </a:ext>
             </a:extLst>
           </p:cNvPr>
@@ -11281,7 +11451,7 @@
           <p:cNvPr id="2" name="Title 1">
             <a:extLst>
               <a:ext uri="{FF2B5EF4-FFF2-40B4-BE49-F238E27FC236}">
-                <a16:creationId xmlns:a16="http://schemas.microsoft.com/office/drawing/2014/main" id="{322A1F24-B3C8-4408-A871-4378769006C5}"/>
+                <a16:creationId xmlns:a16="http://schemas.microsoft.com/office/drawing/2014/main" xmlns="" id="{322A1F24-B3C8-4408-A871-4378769006C5}"/>
               </a:ext>
             </a:extLst>
           </p:cNvPr>
@@ -11310,7 +11480,7 @@
           <p:cNvPr id="3" name="Content Placeholder 2">
             <a:extLst>
               <a:ext uri="{FF2B5EF4-FFF2-40B4-BE49-F238E27FC236}">
-                <a16:creationId xmlns:a16="http://schemas.microsoft.com/office/drawing/2014/main" id="{B3731EA8-022A-4E21-B9C3-5C4A5853BEC8}"/>
+                <a16:creationId xmlns:a16="http://schemas.microsoft.com/office/drawing/2014/main" xmlns="" id="{B3731EA8-022A-4E21-B9C3-5C4A5853BEC8}"/>
               </a:ext>
             </a:extLst>
           </p:cNvPr>
@@ -11346,7 +11516,7 @@
           <p:cNvPr id="4" name="Picture 3">
             <a:extLst>
               <a:ext uri="{FF2B5EF4-FFF2-40B4-BE49-F238E27FC236}">
-                <a16:creationId xmlns:a16="http://schemas.microsoft.com/office/drawing/2014/main" id="{78B4E17A-5304-4953-B6CB-48E9FEFE3DCF}"/>
+                <a16:creationId xmlns:a16="http://schemas.microsoft.com/office/drawing/2014/main" xmlns="" id="{78B4E17A-5304-4953-B6CB-48E9FEFE3DCF}"/>
               </a:ext>
             </a:extLst>
           </p:cNvPr>
@@ -11406,7 +11576,7 @@
           <p:cNvPr id="2" name="Title 1">
             <a:extLst>
               <a:ext uri="{FF2B5EF4-FFF2-40B4-BE49-F238E27FC236}">
-                <a16:creationId xmlns:a16="http://schemas.microsoft.com/office/drawing/2014/main" id="{D63BF0A1-7AD1-4E5C-9874-A9514A73C924}"/>
+                <a16:creationId xmlns:a16="http://schemas.microsoft.com/office/drawing/2014/main" xmlns="" id="{D63BF0A1-7AD1-4E5C-9874-A9514A73C924}"/>
               </a:ext>
             </a:extLst>
           </p:cNvPr>
@@ -11435,7 +11605,7 @@
           <p:cNvPr id="3" name="Content Placeholder 2">
             <a:extLst>
               <a:ext uri="{FF2B5EF4-FFF2-40B4-BE49-F238E27FC236}">
-                <a16:creationId xmlns:a16="http://schemas.microsoft.com/office/drawing/2014/main" id="{5AC3AF2E-A0F7-42FE-9579-1E29FD84D907}"/>
+                <a16:creationId xmlns:a16="http://schemas.microsoft.com/office/drawing/2014/main" xmlns="" id="{5AC3AF2E-A0F7-42FE-9579-1E29FD84D907}"/>
               </a:ext>
             </a:extLst>
           </p:cNvPr>
@@ -11464,7 +11634,7 @@
           <p:cNvPr id="4" name="Picture 3">
             <a:extLst>
               <a:ext uri="{FF2B5EF4-FFF2-40B4-BE49-F238E27FC236}">
-                <a16:creationId xmlns:a16="http://schemas.microsoft.com/office/drawing/2014/main" id="{E3A22058-529A-401B-839B-69489922AB2F}"/>
+                <a16:creationId xmlns:a16="http://schemas.microsoft.com/office/drawing/2014/main" xmlns="" id="{E3A22058-529A-401B-839B-69489922AB2F}"/>
               </a:ext>
             </a:extLst>
           </p:cNvPr>
@@ -11494,7 +11664,7 @@
           <p:cNvPr id="5" name="Picture 4">
             <a:extLst>
               <a:ext uri="{FF2B5EF4-FFF2-40B4-BE49-F238E27FC236}">
-                <a16:creationId xmlns:a16="http://schemas.microsoft.com/office/drawing/2014/main" id="{F44F14B6-C794-403B-A7EE-65FDCE3E58DB}"/>
+                <a16:creationId xmlns:a16="http://schemas.microsoft.com/office/drawing/2014/main" xmlns="" id="{F44F14B6-C794-403B-A7EE-65FDCE3E58DB}"/>
               </a:ext>
             </a:extLst>
           </p:cNvPr>
@@ -11554,7 +11724,7 @@
           <p:cNvPr id="2" name="Title 1">
             <a:extLst>
               <a:ext uri="{FF2B5EF4-FFF2-40B4-BE49-F238E27FC236}">
-                <a16:creationId xmlns:a16="http://schemas.microsoft.com/office/drawing/2014/main" id="{6A5802A2-3DFC-4AA5-81B5-9035F08B6B5B}"/>
+                <a16:creationId xmlns:a16="http://schemas.microsoft.com/office/drawing/2014/main" xmlns="" id="{6A5802A2-3DFC-4AA5-81B5-9035F08B6B5B}"/>
               </a:ext>
             </a:extLst>
           </p:cNvPr>
@@ -11583,7 +11753,7 @@
           <p:cNvPr id="3" name="Content Placeholder 2">
             <a:extLst>
               <a:ext uri="{FF2B5EF4-FFF2-40B4-BE49-F238E27FC236}">
-                <a16:creationId xmlns:a16="http://schemas.microsoft.com/office/drawing/2014/main" id="{A34AC3B3-50EC-444A-8686-D2F7C485D924}"/>
+                <a16:creationId xmlns:a16="http://schemas.microsoft.com/office/drawing/2014/main" xmlns="" id="{A34AC3B3-50EC-444A-8686-D2F7C485D924}"/>
               </a:ext>
             </a:extLst>
           </p:cNvPr>
@@ -11616,7 +11786,7 @@
           <p:cNvPr id="5" name="Picture 4">
             <a:extLst>
               <a:ext uri="{FF2B5EF4-FFF2-40B4-BE49-F238E27FC236}">
-                <a16:creationId xmlns:a16="http://schemas.microsoft.com/office/drawing/2014/main" id="{4F6F7140-D2D8-4D30-A90F-3539FCFAE446}"/>
+                <a16:creationId xmlns:a16="http://schemas.microsoft.com/office/drawing/2014/main" xmlns="" id="{4F6F7140-D2D8-4D30-A90F-3539FCFAE446}"/>
               </a:ext>
             </a:extLst>
           </p:cNvPr>
@@ -11646,7 +11816,7 @@
           <p:cNvPr id="6" name="Picture 5">
             <a:extLst>
               <a:ext uri="{FF2B5EF4-FFF2-40B4-BE49-F238E27FC236}">
-                <a16:creationId xmlns:a16="http://schemas.microsoft.com/office/drawing/2014/main" id="{DEF01BDD-DB9F-45F8-8C53-C6AE5CBE243E}"/>
+                <a16:creationId xmlns:a16="http://schemas.microsoft.com/office/drawing/2014/main" xmlns="" id="{DEF01BDD-DB9F-45F8-8C53-C6AE5CBE243E}"/>
               </a:ext>
             </a:extLst>
           </p:cNvPr>
@@ -11676,7 +11846,7 @@
           <p:cNvPr id="7" name="Picture 6">
             <a:extLst>
               <a:ext uri="{FF2B5EF4-FFF2-40B4-BE49-F238E27FC236}">
-                <a16:creationId xmlns:a16="http://schemas.microsoft.com/office/drawing/2014/main" id="{B716D48D-53F0-4831-BABA-3B3451E7781D}"/>
+                <a16:creationId xmlns:a16="http://schemas.microsoft.com/office/drawing/2014/main" xmlns="" id="{B716D48D-53F0-4831-BABA-3B3451E7781D}"/>
               </a:ext>
             </a:extLst>
           </p:cNvPr>
@@ -11736,7 +11906,7 @@
           <p:cNvPr id="2" name="Title 1">
             <a:extLst>
               <a:ext uri="{FF2B5EF4-FFF2-40B4-BE49-F238E27FC236}">
-                <a16:creationId xmlns:a16="http://schemas.microsoft.com/office/drawing/2014/main" id="{A7AA3D00-BBA0-489A-B6D5-1A17B728146D}"/>
+                <a16:creationId xmlns:a16="http://schemas.microsoft.com/office/drawing/2014/main" xmlns="" id="{A7AA3D00-BBA0-489A-B6D5-1A17B728146D}"/>
               </a:ext>
             </a:extLst>
           </p:cNvPr>
@@ -11765,7 +11935,7 @@
           <p:cNvPr id="3" name="Content Placeholder 2">
             <a:extLst>
               <a:ext uri="{FF2B5EF4-FFF2-40B4-BE49-F238E27FC236}">
-                <a16:creationId xmlns:a16="http://schemas.microsoft.com/office/drawing/2014/main" id="{21348838-F4FD-42F7-BFA5-5EE5D01042E7}"/>
+                <a16:creationId xmlns:a16="http://schemas.microsoft.com/office/drawing/2014/main" xmlns="" id="{21348838-F4FD-42F7-BFA5-5EE5D01042E7}"/>
               </a:ext>
             </a:extLst>
           </p:cNvPr>
@@ -11844,7 +12014,7 @@
           <p:cNvPr id="4" name="Picture 3">
             <a:extLst>
               <a:ext uri="{FF2B5EF4-FFF2-40B4-BE49-F238E27FC236}">
-                <a16:creationId xmlns:a16="http://schemas.microsoft.com/office/drawing/2014/main" id="{A2166E64-2D4A-4C84-A2CC-F44896C2FEE7}"/>
+                <a16:creationId xmlns:a16="http://schemas.microsoft.com/office/drawing/2014/main" xmlns="" id="{A2166E64-2D4A-4C84-A2CC-F44896C2FEE7}"/>
               </a:ext>
             </a:extLst>
           </p:cNvPr>
@@ -11874,7 +12044,7 @@
           <p:cNvPr id="6" name="Picture 5">
             <a:extLst>
               <a:ext uri="{FF2B5EF4-FFF2-40B4-BE49-F238E27FC236}">
-                <a16:creationId xmlns:a16="http://schemas.microsoft.com/office/drawing/2014/main" id="{4B139476-599E-4974-A607-E0938A449466}"/>
+                <a16:creationId xmlns:a16="http://schemas.microsoft.com/office/drawing/2014/main" xmlns="" id="{4B139476-599E-4974-A607-E0938A449466}"/>
               </a:ext>
             </a:extLst>
           </p:cNvPr>
@@ -11934,7 +12104,7 @@
           <p:cNvPr id="2" name="Title 1">
             <a:extLst>
               <a:ext uri="{FF2B5EF4-FFF2-40B4-BE49-F238E27FC236}">
-                <a16:creationId xmlns:a16="http://schemas.microsoft.com/office/drawing/2014/main" id="{5B3D949D-F154-4F73-972A-4D21A8DBFEAA}"/>
+                <a16:creationId xmlns:a16="http://schemas.microsoft.com/office/drawing/2014/main" xmlns="" id="{5B3D949D-F154-4F73-972A-4D21A8DBFEAA}"/>
               </a:ext>
             </a:extLst>
           </p:cNvPr>
@@ -11969,7 +12139,7 @@
           <p:cNvPr id="3" name="Content Placeholder 2">
             <a:extLst>
               <a:ext uri="{FF2B5EF4-FFF2-40B4-BE49-F238E27FC236}">
-                <a16:creationId xmlns:a16="http://schemas.microsoft.com/office/drawing/2014/main" id="{6B0E991A-9565-4C46-824E-351E34628A18}"/>
+                <a16:creationId xmlns:a16="http://schemas.microsoft.com/office/drawing/2014/main" xmlns="" id="{6B0E991A-9565-4C46-824E-351E34628A18}"/>
               </a:ext>
             </a:extLst>
           </p:cNvPr>
@@ -12043,7 +12213,7 @@
           <p:cNvPr id="5" name="Picture 4">
             <a:extLst>
               <a:ext uri="{FF2B5EF4-FFF2-40B4-BE49-F238E27FC236}">
-                <a16:creationId xmlns:a16="http://schemas.microsoft.com/office/drawing/2014/main" id="{FD00D062-4362-452F-83BA-32D311FFFF13}"/>
+                <a16:creationId xmlns:a16="http://schemas.microsoft.com/office/drawing/2014/main" xmlns="" id="{FD00D062-4362-452F-83BA-32D311FFFF13}"/>
               </a:ext>
             </a:extLst>
           </p:cNvPr>
@@ -12109,7 +12279,7 @@
           <p:cNvPr id="2" name="Title 1">
             <a:extLst>
               <a:ext uri="{FF2B5EF4-FFF2-40B4-BE49-F238E27FC236}">
-                <a16:creationId xmlns:a16="http://schemas.microsoft.com/office/drawing/2014/main" id="{C30AD867-3A49-43F6-B1DC-17F20D318745}"/>
+                <a16:creationId xmlns:a16="http://schemas.microsoft.com/office/drawing/2014/main" xmlns="" id="{C30AD867-3A49-43F6-B1DC-17F20D318745}"/>
               </a:ext>
             </a:extLst>
           </p:cNvPr>
@@ -12141,14 +12311,14 @@
           </a:p>
         </p:txBody>
       </p:sp>
-      <mc:AlternateContent xmlns:mc="http://schemas.openxmlformats.org/markup-compatibility/2006">
-        <mc:Choice xmlns:a14="http://schemas.microsoft.com/office/drawing/2010/main" Requires="a14">
+      <mc:AlternateContent xmlns:mc="http://schemas.openxmlformats.org/markup-compatibility/2006" xmlns:a14="http://schemas.microsoft.com/office/drawing/2010/main">
+        <mc:Choice Requires="a14">
           <p:sp>
             <p:nvSpPr>
               <p:cNvPr id="3" name="Content Placeholder 2">
                 <a:extLst>
                   <a:ext uri="{FF2B5EF4-FFF2-40B4-BE49-F238E27FC236}">
-                    <a16:creationId xmlns:a16="http://schemas.microsoft.com/office/drawing/2014/main" id="{DB8CECDD-5FEF-4380-BA7C-C8222D30B99E}"/>
+                    <a16:creationId xmlns:a16="http://schemas.microsoft.com/office/drawing/2014/main" xmlns="" id="{DB8CECDD-5FEF-4380-BA7C-C8222D30B99E}"/>
                   </a:ext>
                 </a:extLst>
               </p:cNvPr>
@@ -12310,7 +12480,7 @@
             </p:txBody>
           </p:sp>
         </mc:Choice>
-        <mc:Fallback>
+        <mc:Fallback xmlns="">
           <p:sp>
             <p:nvSpPr>
               <p:cNvPr id="3" name="Content Placeholder 2">
@@ -12355,7 +12525,7 @@
           <p:cNvPr id="4" name="Picture 3">
             <a:extLst>
               <a:ext uri="{FF2B5EF4-FFF2-40B4-BE49-F238E27FC236}">
-                <a16:creationId xmlns:a16="http://schemas.microsoft.com/office/drawing/2014/main" id="{BEF7D58F-84BE-484A-8B94-830878D65AF3}"/>
+                <a16:creationId xmlns:a16="http://schemas.microsoft.com/office/drawing/2014/main" xmlns="" id="{BEF7D58F-84BE-484A-8B94-830878D65AF3}"/>
               </a:ext>
             </a:extLst>
           </p:cNvPr>
@@ -12385,7 +12555,7 @@
           <p:cNvPr id="5" name="Picture 4">
             <a:extLst>
               <a:ext uri="{FF2B5EF4-FFF2-40B4-BE49-F238E27FC236}">
-                <a16:creationId xmlns:a16="http://schemas.microsoft.com/office/drawing/2014/main" id="{37BF6BA2-F06A-43EA-AA34-552A5CEB5A2B}"/>
+                <a16:creationId xmlns:a16="http://schemas.microsoft.com/office/drawing/2014/main" xmlns="" id="{37BF6BA2-F06A-43EA-AA34-552A5CEB5A2B}"/>
               </a:ext>
             </a:extLst>
           </p:cNvPr>
@@ -12415,7 +12585,7 @@
           <p:cNvPr id="6" name="Picture 5">
             <a:extLst>
               <a:ext uri="{FF2B5EF4-FFF2-40B4-BE49-F238E27FC236}">
-                <a16:creationId xmlns:a16="http://schemas.microsoft.com/office/drawing/2014/main" id="{4276C0C4-021E-48F1-B715-79AAE2E6403E}"/>
+                <a16:creationId xmlns:a16="http://schemas.microsoft.com/office/drawing/2014/main" xmlns="" id="{4276C0C4-021E-48F1-B715-79AAE2E6403E}"/>
               </a:ext>
             </a:extLst>
           </p:cNvPr>
@@ -12445,7 +12615,7 @@
           <p:cNvPr id="8" name="Straight Arrow Connector 7">
             <a:extLst>
               <a:ext uri="{FF2B5EF4-FFF2-40B4-BE49-F238E27FC236}">
-                <a16:creationId xmlns:a16="http://schemas.microsoft.com/office/drawing/2014/main" id="{E366C58D-8BA8-4D0E-96D2-C1A2B27248F0}"/>
+                <a16:creationId xmlns:a16="http://schemas.microsoft.com/office/drawing/2014/main" xmlns="" id="{E366C58D-8BA8-4D0E-96D2-C1A2B27248F0}"/>
               </a:ext>
             </a:extLst>
           </p:cNvPr>
@@ -12484,7 +12654,7 @@
           <p:cNvPr id="10" name="Straight Arrow Connector 9">
             <a:extLst>
               <a:ext uri="{FF2B5EF4-FFF2-40B4-BE49-F238E27FC236}">
-                <a16:creationId xmlns:a16="http://schemas.microsoft.com/office/drawing/2014/main" id="{655546ED-6A47-4A02-B63A-A0F8C5E2933B}"/>
+                <a16:creationId xmlns:a16="http://schemas.microsoft.com/office/drawing/2014/main" xmlns="" id="{655546ED-6A47-4A02-B63A-A0F8C5E2933B}"/>
               </a:ext>
             </a:extLst>
           </p:cNvPr>
@@ -12553,7 +12723,7 @@
           <p:cNvPr id="2" name="Title 1">
             <a:extLst>
               <a:ext uri="{FF2B5EF4-FFF2-40B4-BE49-F238E27FC236}">
-                <a16:creationId xmlns:a16="http://schemas.microsoft.com/office/drawing/2014/main" id="{BDEAAA26-C24E-4D74-BFAE-2AE1A516B4DA}"/>
+                <a16:creationId xmlns:a16="http://schemas.microsoft.com/office/drawing/2014/main" xmlns="" id="{BDEAAA26-C24E-4D74-BFAE-2AE1A516B4DA}"/>
               </a:ext>
             </a:extLst>
           </p:cNvPr>
@@ -12588,7 +12758,7 @@
           <p:cNvPr id="3" name="Content Placeholder 2">
             <a:extLst>
               <a:ext uri="{FF2B5EF4-FFF2-40B4-BE49-F238E27FC236}">
-                <a16:creationId xmlns:a16="http://schemas.microsoft.com/office/drawing/2014/main" id="{F84D15E6-A7B8-4B47-AE6A-8D0CB6EFE93A}"/>
+                <a16:creationId xmlns:a16="http://schemas.microsoft.com/office/drawing/2014/main" xmlns="" id="{F84D15E6-A7B8-4B47-AE6A-8D0CB6EFE93A}"/>
               </a:ext>
             </a:extLst>
           </p:cNvPr>
@@ -12650,7 +12820,7 @@
           <p:cNvPr id="4" name="Picture 3">
             <a:extLst>
               <a:ext uri="{FF2B5EF4-FFF2-40B4-BE49-F238E27FC236}">
-                <a16:creationId xmlns:a16="http://schemas.microsoft.com/office/drawing/2014/main" id="{44E80A40-1B57-46DF-9E5B-1D9406463D0C}"/>
+                <a16:creationId xmlns:a16="http://schemas.microsoft.com/office/drawing/2014/main" xmlns="" id="{44E80A40-1B57-46DF-9E5B-1D9406463D0C}"/>
               </a:ext>
             </a:extLst>
           </p:cNvPr>
@@ -12710,7 +12880,7 @@
           <p:cNvPr id="2" name="Title 1">
             <a:extLst>
               <a:ext uri="{FF2B5EF4-FFF2-40B4-BE49-F238E27FC236}">
-                <a16:creationId xmlns:a16="http://schemas.microsoft.com/office/drawing/2014/main" id="{96747152-2F35-455F-B822-31FB55DF84E5}"/>
+                <a16:creationId xmlns:a16="http://schemas.microsoft.com/office/drawing/2014/main" xmlns="" id="{96747152-2F35-455F-B822-31FB55DF84E5}"/>
               </a:ext>
             </a:extLst>
           </p:cNvPr>
@@ -12739,7 +12909,7 @@
           <p:cNvPr id="3" name="Content Placeholder 2">
             <a:extLst>
               <a:ext uri="{FF2B5EF4-FFF2-40B4-BE49-F238E27FC236}">
-                <a16:creationId xmlns:a16="http://schemas.microsoft.com/office/drawing/2014/main" id="{3CF98204-AE85-4D82-A1DE-A42E15840E84}"/>
+                <a16:creationId xmlns:a16="http://schemas.microsoft.com/office/drawing/2014/main" xmlns="" id="{3CF98204-AE85-4D82-A1DE-A42E15840E84}"/>
               </a:ext>
             </a:extLst>
           </p:cNvPr>
@@ -12844,7 +13014,7 @@
           <p:cNvPr id="2" name="Title 1">
             <a:extLst>
               <a:ext uri="{FF2B5EF4-FFF2-40B4-BE49-F238E27FC236}">
-                <a16:creationId xmlns:a16="http://schemas.microsoft.com/office/drawing/2014/main" id="{CD805F78-5CCC-441F-832E-59CB47CE1884}"/>
+                <a16:creationId xmlns:a16="http://schemas.microsoft.com/office/drawing/2014/main" xmlns="" id="{CD805F78-5CCC-441F-832E-59CB47CE1884}"/>
               </a:ext>
             </a:extLst>
           </p:cNvPr>
@@ -12873,7 +13043,7 @@
           <p:cNvPr id="3" name="Content Placeholder 2">
             <a:extLst>
               <a:ext uri="{FF2B5EF4-FFF2-40B4-BE49-F238E27FC236}">
-                <a16:creationId xmlns:a16="http://schemas.microsoft.com/office/drawing/2014/main" id="{5D386FE6-07B0-489C-9B2C-EACF01C133CE}"/>
+                <a16:creationId xmlns:a16="http://schemas.microsoft.com/office/drawing/2014/main" xmlns="" id="{5D386FE6-07B0-489C-9B2C-EACF01C133CE}"/>
               </a:ext>
             </a:extLst>
           </p:cNvPr>
@@ -12925,7 +13095,7 @@
           <p:cNvPr id="4" name="Table 3">
             <a:extLst>
               <a:ext uri="{FF2B5EF4-FFF2-40B4-BE49-F238E27FC236}">
-                <a16:creationId xmlns:a16="http://schemas.microsoft.com/office/drawing/2014/main" id="{8EDD61FD-0B10-4F04-AEB3-749F1FB62E32}"/>
+                <a16:creationId xmlns:a16="http://schemas.microsoft.com/office/drawing/2014/main" xmlns="" id="{8EDD61FD-0B10-4F04-AEB3-749F1FB62E32}"/>
               </a:ext>
             </a:extLst>
           </p:cNvPr>
@@ -12954,49 +13124,49 @@
                 <a:gridCol w="870857">
                   <a:extLst>
                     <a:ext uri="{9D8B030D-6E8A-4147-A177-3AD203B41FA5}">
-                      <a16:colId xmlns:a16="http://schemas.microsoft.com/office/drawing/2014/main" val="1881294866"/>
+                      <a16:colId xmlns:a16="http://schemas.microsoft.com/office/drawing/2014/main" xmlns="" val="1881294866"/>
                     </a:ext>
                   </a:extLst>
                 </a:gridCol>
                 <a:gridCol w="870857">
                   <a:extLst>
                     <a:ext uri="{9D8B030D-6E8A-4147-A177-3AD203B41FA5}">
-                      <a16:colId xmlns:a16="http://schemas.microsoft.com/office/drawing/2014/main" val="1165220269"/>
+                      <a16:colId xmlns:a16="http://schemas.microsoft.com/office/drawing/2014/main" xmlns="" val="1165220269"/>
                     </a:ext>
                   </a:extLst>
                 </a:gridCol>
                 <a:gridCol w="870857">
                   <a:extLst>
                     <a:ext uri="{9D8B030D-6E8A-4147-A177-3AD203B41FA5}">
-                      <a16:colId xmlns:a16="http://schemas.microsoft.com/office/drawing/2014/main" val="2444034916"/>
+                      <a16:colId xmlns:a16="http://schemas.microsoft.com/office/drawing/2014/main" xmlns="" val="2444034916"/>
                     </a:ext>
                   </a:extLst>
                 </a:gridCol>
                 <a:gridCol w="870857">
                   <a:extLst>
                     <a:ext uri="{9D8B030D-6E8A-4147-A177-3AD203B41FA5}">
-                      <a16:colId xmlns:a16="http://schemas.microsoft.com/office/drawing/2014/main" val="2219348810"/>
+                      <a16:colId xmlns:a16="http://schemas.microsoft.com/office/drawing/2014/main" xmlns="" val="2219348810"/>
                     </a:ext>
                   </a:extLst>
                 </a:gridCol>
                 <a:gridCol w="870857">
                   <a:extLst>
                     <a:ext uri="{9D8B030D-6E8A-4147-A177-3AD203B41FA5}">
-                      <a16:colId xmlns:a16="http://schemas.microsoft.com/office/drawing/2014/main" val="1204169243"/>
+                      <a16:colId xmlns:a16="http://schemas.microsoft.com/office/drawing/2014/main" xmlns="" val="1204169243"/>
                     </a:ext>
                   </a:extLst>
                 </a:gridCol>
                 <a:gridCol w="870857">
                   <a:extLst>
                     <a:ext uri="{9D8B030D-6E8A-4147-A177-3AD203B41FA5}">
-                      <a16:colId xmlns:a16="http://schemas.microsoft.com/office/drawing/2014/main" val="744812312"/>
+                      <a16:colId xmlns:a16="http://schemas.microsoft.com/office/drawing/2014/main" xmlns="" val="744812312"/>
                     </a:ext>
                   </a:extLst>
                 </a:gridCol>
                 <a:gridCol w="870857">
                   <a:extLst>
                     <a:ext uri="{9D8B030D-6E8A-4147-A177-3AD203B41FA5}">
-                      <a16:colId xmlns:a16="http://schemas.microsoft.com/office/drawing/2014/main" val="4081204265"/>
+                      <a16:colId xmlns:a16="http://schemas.microsoft.com/office/drawing/2014/main" xmlns="" val="4081204265"/>
                     </a:ext>
                   </a:extLst>
                 </a:gridCol>
@@ -13095,7 +13265,7 @@
                 </a:tc>
                 <a:extLst>
                   <a:ext uri="{0D108BD9-81ED-4DB2-BD59-A6C34878D82A}">
-                    <a16:rowId xmlns:a16="http://schemas.microsoft.com/office/drawing/2014/main" val="1006368154"/>
+                    <a16:rowId xmlns:a16="http://schemas.microsoft.com/office/drawing/2014/main" xmlns="" val="1006368154"/>
                   </a:ext>
                 </a:extLst>
               </a:tr>
@@ -13193,7 +13363,7 @@
                 </a:tc>
                 <a:extLst>
                   <a:ext uri="{0D108BD9-81ED-4DB2-BD59-A6C34878D82A}">
-                    <a16:rowId xmlns:a16="http://schemas.microsoft.com/office/drawing/2014/main" val="2314901421"/>
+                    <a16:rowId xmlns:a16="http://schemas.microsoft.com/office/drawing/2014/main" xmlns="" val="2314901421"/>
                   </a:ext>
                 </a:extLst>
               </a:tr>
@@ -13206,7 +13376,7 @@
           <p:cNvPr id="5" name="Picture 4">
             <a:extLst>
               <a:ext uri="{FF2B5EF4-FFF2-40B4-BE49-F238E27FC236}">
-                <a16:creationId xmlns:a16="http://schemas.microsoft.com/office/drawing/2014/main" id="{6F2F6FCB-428F-4AF9-BF56-4D022D05ADCE}"/>
+                <a16:creationId xmlns:a16="http://schemas.microsoft.com/office/drawing/2014/main" xmlns="" id="{6F2F6FCB-428F-4AF9-BF56-4D022D05ADCE}"/>
               </a:ext>
             </a:extLst>
           </p:cNvPr>
@@ -13236,7 +13406,7 @@
           <p:cNvPr id="7" name="Picture 6">
             <a:extLst>
               <a:ext uri="{FF2B5EF4-FFF2-40B4-BE49-F238E27FC236}">
-                <a16:creationId xmlns:a16="http://schemas.microsoft.com/office/drawing/2014/main" id="{42D08078-E363-4804-AC2D-D4E974275BCC}"/>
+                <a16:creationId xmlns:a16="http://schemas.microsoft.com/office/drawing/2014/main" xmlns="" id="{42D08078-E363-4804-AC2D-D4E974275BCC}"/>
               </a:ext>
             </a:extLst>
           </p:cNvPr>
@@ -13302,7 +13472,7 @@
           <p:cNvPr id="2" name="Title 1">
             <a:extLst>
               <a:ext uri="{FF2B5EF4-FFF2-40B4-BE49-F238E27FC236}">
-                <a16:creationId xmlns:a16="http://schemas.microsoft.com/office/drawing/2014/main" id="{408B0098-24C5-43A4-ABD0-DC9A7F94BB8F}"/>
+                <a16:creationId xmlns:a16="http://schemas.microsoft.com/office/drawing/2014/main" xmlns="" id="{408B0098-24C5-43A4-ABD0-DC9A7F94BB8F}"/>
               </a:ext>
             </a:extLst>
           </p:cNvPr>
@@ -13331,7 +13501,7 @@
           <p:cNvPr id="3" name="Content Placeholder 2">
             <a:extLst>
               <a:ext uri="{FF2B5EF4-FFF2-40B4-BE49-F238E27FC236}">
-                <a16:creationId xmlns:a16="http://schemas.microsoft.com/office/drawing/2014/main" id="{3ECE9717-DB7C-454B-A21F-C961D0730C08}"/>
+                <a16:creationId xmlns:a16="http://schemas.microsoft.com/office/drawing/2014/main" xmlns="" id="{3ECE9717-DB7C-454B-A21F-C961D0730C08}"/>
               </a:ext>
             </a:extLst>
           </p:cNvPr>
@@ -13368,7 +13538,7 @@
           <p:cNvPr id="5" name="Picture 4">
             <a:extLst>
               <a:ext uri="{FF2B5EF4-FFF2-40B4-BE49-F238E27FC236}">
-                <a16:creationId xmlns:a16="http://schemas.microsoft.com/office/drawing/2014/main" id="{552D49D0-20BD-46E3-B888-932D3001FE2F}"/>
+                <a16:creationId xmlns:a16="http://schemas.microsoft.com/office/drawing/2014/main" xmlns="" id="{552D49D0-20BD-46E3-B888-932D3001FE2F}"/>
               </a:ext>
             </a:extLst>
           </p:cNvPr>
@@ -13428,7 +13598,7 @@
           <p:cNvPr id="2" name="Title 1">
             <a:extLst>
               <a:ext uri="{FF2B5EF4-FFF2-40B4-BE49-F238E27FC236}">
-                <a16:creationId xmlns:a16="http://schemas.microsoft.com/office/drawing/2014/main" id="{51C44664-A701-438B-A689-FD5FFE16B9D3}"/>
+                <a16:creationId xmlns:a16="http://schemas.microsoft.com/office/drawing/2014/main" xmlns="" id="{51C44664-A701-438B-A689-FD5FFE16B9D3}"/>
               </a:ext>
             </a:extLst>
           </p:cNvPr>
@@ -13462,7 +13632,7 @@
           <p:cNvPr id="3" name="Content Placeholder 2">
             <a:extLst>
               <a:ext uri="{FF2B5EF4-FFF2-40B4-BE49-F238E27FC236}">
-                <a16:creationId xmlns:a16="http://schemas.microsoft.com/office/drawing/2014/main" id="{285E8290-ED09-4976-AF5F-2E27F4ADB275}"/>
+                <a16:creationId xmlns:a16="http://schemas.microsoft.com/office/drawing/2014/main" xmlns="" id="{285E8290-ED09-4976-AF5F-2E27F4ADB275}"/>
               </a:ext>
             </a:extLst>
           </p:cNvPr>
@@ -13604,7 +13774,7 @@
           <p:cNvPr id="2" name="Title 1">
             <a:extLst>
               <a:ext uri="{FF2B5EF4-FFF2-40B4-BE49-F238E27FC236}">
-                <a16:creationId xmlns:a16="http://schemas.microsoft.com/office/drawing/2014/main" id="{F68A9DF2-94D1-46B3-9E65-AB7B328E8AED}"/>
+                <a16:creationId xmlns:a16="http://schemas.microsoft.com/office/drawing/2014/main" xmlns="" id="{F68A9DF2-94D1-46B3-9E65-AB7B328E8AED}"/>
               </a:ext>
             </a:extLst>
           </p:cNvPr>
@@ -13634,7 +13804,7 @@
           <p:cNvPr id="3" name="Content Placeholder 2">
             <a:extLst>
               <a:ext uri="{FF2B5EF4-FFF2-40B4-BE49-F238E27FC236}">
-                <a16:creationId xmlns:a16="http://schemas.microsoft.com/office/drawing/2014/main" id="{E86E638A-AAAB-496A-B7AF-05C441578E5C}"/>
+                <a16:creationId xmlns:a16="http://schemas.microsoft.com/office/drawing/2014/main" xmlns="" id="{E86E638A-AAAB-496A-B7AF-05C441578E5C}"/>
               </a:ext>
             </a:extLst>
           </p:cNvPr>
@@ -13718,7 +13888,7 @@
           <p:cNvPr id="4" name="Picture 3">
             <a:extLst>
               <a:ext uri="{FF2B5EF4-FFF2-40B4-BE49-F238E27FC236}">
-                <a16:creationId xmlns:a16="http://schemas.microsoft.com/office/drawing/2014/main" id="{025FA2AA-F1B8-4921-9B2B-87637E603D39}"/>
+                <a16:creationId xmlns:a16="http://schemas.microsoft.com/office/drawing/2014/main" xmlns="" id="{025FA2AA-F1B8-4921-9B2B-87637E603D39}"/>
               </a:ext>
             </a:extLst>
           </p:cNvPr>
@@ -13783,7 +13953,7 @@
           <p:cNvPr id="2" name="Title 1">
             <a:extLst>
               <a:ext uri="{FF2B5EF4-FFF2-40B4-BE49-F238E27FC236}">
-                <a16:creationId xmlns:a16="http://schemas.microsoft.com/office/drawing/2014/main" id="{589612A8-F955-4C30-9971-B35BAF4E9626}"/>
+                <a16:creationId xmlns:a16="http://schemas.microsoft.com/office/drawing/2014/main" xmlns="" id="{589612A8-F955-4C30-9971-B35BAF4E9626}"/>
               </a:ext>
             </a:extLst>
           </p:cNvPr>
@@ -13816,7 +13986,7 @@
           <p:cNvPr id="3" name="Content Placeholder 2">
             <a:extLst>
               <a:ext uri="{FF2B5EF4-FFF2-40B4-BE49-F238E27FC236}">
-                <a16:creationId xmlns:a16="http://schemas.microsoft.com/office/drawing/2014/main" id="{8FE80D41-23A7-4716-B6CB-428070600D0E}"/>
+                <a16:creationId xmlns:a16="http://schemas.microsoft.com/office/drawing/2014/main" xmlns="" id="{8FE80D41-23A7-4716-B6CB-428070600D0E}"/>
               </a:ext>
             </a:extLst>
           </p:cNvPr>
@@ -13841,7 +14011,7 @@
           <p:cNvPr id="4" name="Picture 3">
             <a:extLst>
               <a:ext uri="{FF2B5EF4-FFF2-40B4-BE49-F238E27FC236}">
-                <a16:creationId xmlns:a16="http://schemas.microsoft.com/office/drawing/2014/main" id="{3BF94C97-5367-4A68-93D8-1B980EBCFC08}"/>
+                <a16:creationId xmlns:a16="http://schemas.microsoft.com/office/drawing/2014/main" xmlns="" id="{3BF94C97-5367-4A68-93D8-1B980EBCFC08}"/>
               </a:ext>
             </a:extLst>
           </p:cNvPr>
@@ -13878,7 +14048,7 @@
           <p:cNvPr id="5" name="Picture 4">
             <a:extLst>
               <a:ext uri="{FF2B5EF4-FFF2-40B4-BE49-F238E27FC236}">
-                <a16:creationId xmlns:a16="http://schemas.microsoft.com/office/drawing/2014/main" id="{A29C25D5-E728-485D-8F77-4682E4F14672}"/>
+                <a16:creationId xmlns:a16="http://schemas.microsoft.com/office/drawing/2014/main" xmlns="" id="{A29C25D5-E728-485D-8F77-4682E4F14672}"/>
               </a:ext>
             </a:extLst>
           </p:cNvPr>

--- a/Nove prednasky/TP_P1.pptx
+++ b/Nove prednasky/TP_P1.pptx
@@ -5,59 +5,53 @@
     <p:sldMasterId id="2147483706" r:id="rId1"/>
   </p:sldMasterIdLst>
   <p:notesMasterIdLst>
-    <p:notesMasterId r:id="rId52"/>
+    <p:notesMasterId r:id="rId46"/>
   </p:notesMasterIdLst>
   <p:sldIdLst>
     <p:sldId id="263" r:id="rId2"/>
-    <p:sldId id="259" r:id="rId3"/>
-    <p:sldId id="317" r:id="rId4"/>
-    <p:sldId id="265" r:id="rId5"/>
-    <p:sldId id="267" r:id="rId6"/>
-    <p:sldId id="268" r:id="rId7"/>
-    <p:sldId id="270" r:id="rId8"/>
-    <p:sldId id="271" r:id="rId9"/>
-    <p:sldId id="272" r:id="rId10"/>
-    <p:sldId id="273" r:id="rId11"/>
-    <p:sldId id="274" r:id="rId12"/>
-    <p:sldId id="279" r:id="rId13"/>
-    <p:sldId id="269" r:id="rId14"/>
-    <p:sldId id="280" r:id="rId15"/>
-    <p:sldId id="281" r:id="rId16"/>
-    <p:sldId id="282" r:id="rId17"/>
-    <p:sldId id="283" r:id="rId18"/>
-    <p:sldId id="284" r:id="rId19"/>
-    <p:sldId id="285" r:id="rId20"/>
-    <p:sldId id="286" r:id="rId21"/>
-    <p:sldId id="287" r:id="rId22"/>
-    <p:sldId id="288" r:id="rId23"/>
-    <p:sldId id="289" r:id="rId24"/>
-    <p:sldId id="290" r:id="rId25"/>
-    <p:sldId id="291" r:id="rId26"/>
-    <p:sldId id="292" r:id="rId27"/>
-    <p:sldId id="293" r:id="rId28"/>
-    <p:sldId id="294" r:id="rId29"/>
-    <p:sldId id="295" r:id="rId30"/>
-    <p:sldId id="296" r:id="rId31"/>
-    <p:sldId id="297" r:id="rId32"/>
-    <p:sldId id="298" r:id="rId33"/>
-    <p:sldId id="299" r:id="rId34"/>
-    <p:sldId id="300" r:id="rId35"/>
-    <p:sldId id="301" r:id="rId36"/>
-    <p:sldId id="302" r:id="rId37"/>
-    <p:sldId id="303" r:id="rId38"/>
-    <p:sldId id="304" r:id="rId39"/>
-    <p:sldId id="305" r:id="rId40"/>
-    <p:sldId id="306" r:id="rId41"/>
-    <p:sldId id="307" r:id="rId42"/>
-    <p:sldId id="309" r:id="rId43"/>
-    <p:sldId id="310" r:id="rId44"/>
-    <p:sldId id="311" r:id="rId45"/>
-    <p:sldId id="312" r:id="rId46"/>
-    <p:sldId id="313" r:id="rId47"/>
-    <p:sldId id="314" r:id="rId48"/>
-    <p:sldId id="308" r:id="rId49"/>
-    <p:sldId id="315" r:id="rId50"/>
-    <p:sldId id="316" r:id="rId51"/>
+    <p:sldId id="317" r:id="rId3"/>
+    <p:sldId id="268" r:id="rId4"/>
+    <p:sldId id="270" r:id="rId5"/>
+    <p:sldId id="271" r:id="rId6"/>
+    <p:sldId id="273" r:id="rId7"/>
+    <p:sldId id="274" r:id="rId8"/>
+    <p:sldId id="279" r:id="rId9"/>
+    <p:sldId id="269" r:id="rId10"/>
+    <p:sldId id="280" r:id="rId11"/>
+    <p:sldId id="281" r:id="rId12"/>
+    <p:sldId id="282" r:id="rId13"/>
+    <p:sldId id="283" r:id="rId14"/>
+    <p:sldId id="284" r:id="rId15"/>
+    <p:sldId id="285" r:id="rId16"/>
+    <p:sldId id="286" r:id="rId17"/>
+    <p:sldId id="287" r:id="rId18"/>
+    <p:sldId id="288" r:id="rId19"/>
+    <p:sldId id="289" r:id="rId20"/>
+    <p:sldId id="290" r:id="rId21"/>
+    <p:sldId id="291" r:id="rId22"/>
+    <p:sldId id="292" r:id="rId23"/>
+    <p:sldId id="293" r:id="rId24"/>
+    <p:sldId id="294" r:id="rId25"/>
+    <p:sldId id="295" r:id="rId26"/>
+    <p:sldId id="296" r:id="rId27"/>
+    <p:sldId id="297" r:id="rId28"/>
+    <p:sldId id="298" r:id="rId29"/>
+    <p:sldId id="299" r:id="rId30"/>
+    <p:sldId id="300" r:id="rId31"/>
+    <p:sldId id="301" r:id="rId32"/>
+    <p:sldId id="302" r:id="rId33"/>
+    <p:sldId id="304" r:id="rId34"/>
+    <p:sldId id="305" r:id="rId35"/>
+    <p:sldId id="306" r:id="rId36"/>
+    <p:sldId id="309" r:id="rId37"/>
+    <p:sldId id="310" r:id="rId38"/>
+    <p:sldId id="311" r:id="rId39"/>
+    <p:sldId id="312" r:id="rId40"/>
+    <p:sldId id="313" r:id="rId41"/>
+    <p:sldId id="314" r:id="rId42"/>
+    <p:sldId id="308" r:id="rId43"/>
+    <p:sldId id="315" r:id="rId44"/>
+    <p:sldId id="316" r:id="rId45"/>
   </p:sldIdLst>
   <p:sldSz cx="9144000" cy="6858000" type="screen4x3"/>
   <p:notesSz cx="6858000" cy="9144000"/>
@@ -173,7 +167,7 @@
       </p:ext>
     </p:extLst>
   </p:cmAuthor>
-  <p:cmAuthor id="2" name="Martin Dodek" initials="MD" lastIdx="12" clrIdx="1">
+  <p:cmAuthor id="2" name="Martin Dodek" initials="MD" lastIdx="17" clrIdx="1">
     <p:extLst>
       <p:ext uri="{19B8F6BF-5375-455C-9EA6-DF929625EA0E}">
         <p15:presenceInfo xmlns:p15="http://schemas.microsoft.com/office/powerpoint/2012/main" userId="Martin Dodek" providerId="None"/>
@@ -185,9 +179,9 @@
 
 <file path=ppt/comments/comment1.xml><?xml version="1.0" encoding="utf-8"?>
 <p:cmLst xmlns:a="http://schemas.openxmlformats.org/drawingml/2006/main" xmlns:r="http://schemas.openxmlformats.org/officeDocument/2006/relationships" xmlns:p="http://schemas.openxmlformats.org/presentationml/2006/main">
-  <p:cm authorId="2" dt="2019-04-20T13:27:13.329" idx="5">
-    <p:pos x="10" y="10"/>
-    <p:text>Toto všetko by mali vedieť už z Uvodu do inžiniersva..... nie je to nutné opakovať ..... využi tento priestor na prácu s System controll funkciami ako vytvorenie prenosovej funkcie tf... vytvorenie state space (ss) prepocet medzi state space a tf (ss2tf a pod) ... ako rýchlo spraviť prechodovku v Matlabe  (step). V rýchlosti ukáž aj frekvenčné charakteristiky...  bode, nyquist... ako sa používaju... nejde o to ich teoreticky vysvetlovať ale ukázať ako sa to dá ľahko spraviť v Matlabe</p:text>
+  <p:cm authorId="2" dt="2019-04-20T20:03:25.697" idx="13">
+    <p:pos x="342" y="680"/>
+    <p:text>Velmi užitočné by bolo ešte ukázať spúšťanie po sekciách (run section)... keď oddelíš kód dvomi percentami %%</p:text>
     <p:extLst>
       <p:ext uri="{C676402C-5697-4E1C-873F-D02D1690AC5C}">
         <p15:threadingInfo xmlns:p15="http://schemas.microsoft.com/office/powerpoint/2012/main" timeZoneBias="-120"/>
@@ -199,9 +193,9 @@
 
 <file path=ppt/comments/comment10.xml><?xml version="1.0" encoding="utf-8"?>
 <p:cmLst xmlns:a="http://schemas.openxmlformats.org/drawingml/2006/main" xmlns:r="http://schemas.openxmlformats.org/officeDocument/2006/relationships" xmlns:p="http://schemas.openxmlformats.org/presentationml/2006/main">
-  <p:cm authorId="2" dt="2019-04-20T13:36:50.547" idx="11">
+  <p:cm authorId="2" dt="2019-04-20T13:37:47.241" idx="12">
     <p:pos x="10" y="10"/>
-    <p:text>Ak by si mohol ukázať ako sa pracuje so Subsystémamy.... ja osobne to používam stále....</p:text>
+    <p:text>Čo je veľmi dôležité... tak ako sa dá nastaviť konštatntá perióda vzorkovania simulácie.... to budú robiť na každom predmete....</p:text>
     <p:extLst>
       <p:ext uri="{C676402C-5697-4E1C-873F-D02D1690AC5C}">
         <p15:threadingInfo xmlns:p15="http://schemas.microsoft.com/office/powerpoint/2012/main" timeZoneBias="-120"/>
@@ -212,6 +206,20 @@
 </file>
 
 <file path=ppt/comments/comment11.xml><?xml version="1.0" encoding="utf-8"?>
+<p:cmLst xmlns:a="http://schemas.openxmlformats.org/drawingml/2006/main" xmlns:r="http://schemas.openxmlformats.org/officeDocument/2006/relationships" xmlns:p="http://schemas.openxmlformats.org/presentationml/2006/main">
+  <p:cm authorId="2" dt="2019-04-20T13:36:50.547" idx="11">
+    <p:pos x="10" y="10"/>
+    <p:text>Ak by si mohol ukázať ako sa pracuje so Subsystémamy.... ja osobne to používam stále...... napríklad sprav subsystém že PID regulátor... výstup bude U a vstup E</p:text>
+    <p:extLst mod="1">
+      <p:ext uri="{C676402C-5697-4E1C-873F-D02D1690AC5C}">
+        <p15:threadingInfo xmlns:p15="http://schemas.microsoft.com/office/powerpoint/2012/main" timeZoneBias="-120"/>
+      </p:ext>
+    </p:extLst>
+  </p:cm>
+</p:cmLst>
+</file>
+
+<file path=ppt/comments/comment12.xml><?xml version="1.0" encoding="utf-8"?>
 <p:cmLst xmlns:a="http://schemas.openxmlformats.org/drawingml/2006/main" xmlns:r="http://schemas.openxmlformats.org/officeDocument/2006/relationships" xmlns:p="http://schemas.openxmlformats.org/presentationml/2006/main">
   <p:cm authorId="2" dt="2019-04-20T13:36:28.083" idx="10">
     <p:pos x="10" y="10"/>
@@ -227,20 +235,6 @@
 
 <file path=ppt/comments/comment2.xml><?xml version="1.0" encoding="utf-8"?>
 <p:cmLst xmlns:a="http://schemas.openxmlformats.org/drawingml/2006/main" xmlns:r="http://schemas.openxmlformats.org/officeDocument/2006/relationships" xmlns:p="http://schemas.openxmlformats.org/presentationml/2006/main">
-  <p:cm authorId="2" dt="2019-04-20T13:31:52.780" idx="6">
-    <p:pos x="10" y="10"/>
-    <p:text>Nie je nutné .. mali by vedeiť... Všetko čo sa učí .. alebo čo sme sa my učili na UII tu byť nemusí</p:text>
-    <p:extLst>
-      <p:ext uri="{C676402C-5697-4E1C-873F-D02D1690AC5C}">
-        <p15:threadingInfo xmlns:p15="http://schemas.microsoft.com/office/powerpoint/2012/main" timeZoneBias="-120"/>
-      </p:ext>
-    </p:extLst>
-  </p:cm>
-</p:cmLst>
-</file>
-
-<file path=ppt/comments/comment3.xml><?xml version="1.0" encoding="utf-8"?>
-<p:cmLst xmlns:a="http://schemas.openxmlformats.org/drawingml/2006/main" xmlns:r="http://schemas.openxmlformats.org/officeDocument/2006/relationships" xmlns:p="http://schemas.openxmlformats.org/presentationml/2006/main">
   <p:cm authorId="2" dt="2019-04-20T13:32:43.261" idx="7">
     <p:pos x="10" y="10"/>
     <p:text>Toto už je dôležité ... toto nechaj</p:text>
@@ -253,7 +247,7 @@
 </p:cmLst>
 </file>
 
-<file path=ppt/comments/comment4.xml><?xml version="1.0" encoding="utf-8"?>
+<file path=ppt/comments/comment3.xml><?xml version="1.0" encoding="utf-8"?>
 <p:cmLst xmlns:a="http://schemas.openxmlformats.org/drawingml/2006/main" xmlns:r="http://schemas.openxmlformats.org/officeDocument/2006/relationships" xmlns:p="http://schemas.openxmlformats.org/presentationml/2006/main">
   <p:cm authorId="2" dt="2019-04-20T13:17:10.815" idx="1">
     <p:pos x="10" y="10"/>
@@ -276,7 +270,7 @@
 </p:cmLst>
 </file>
 
-<file path=ppt/comments/comment5.xml><?xml version="1.0" encoding="utf-8"?>
+<file path=ppt/comments/comment4.xml><?xml version="1.0" encoding="utf-8"?>
 <p:cmLst xmlns:a="http://schemas.openxmlformats.org/drawingml/2006/main" xmlns:r="http://schemas.openxmlformats.org/officeDocument/2006/relationships" xmlns:p="http://schemas.openxmlformats.org/presentationml/2006/main">
   <p:cm authorId="2" dt="2019-04-20T13:17:52.964" idx="2">
     <p:pos x="10" y="10"/>
@@ -290,7 +284,35 @@
 </p:cmLst>
 </file>
 
+<file path=ppt/comments/comment5.xml><?xml version="1.0" encoding="utf-8"?>
+<p:cmLst xmlns:a="http://schemas.openxmlformats.org/drawingml/2006/main" xmlns:r="http://schemas.openxmlformats.org/officeDocument/2006/relationships" xmlns:p="http://schemas.openxmlformats.org/presentationml/2006/main">
+  <p:cm authorId="2" dt="2019-04-20T20:17:41.137" idx="14">
+    <p:pos x="10" y="10"/>
+    <p:text>Skús o tých grafoch to zmestiť do max 3 slajdov... nie je to totiž až tak podstatné</p:text>
+    <p:extLst>
+      <p:ext uri="{C676402C-5697-4E1C-873F-D02D1690AC5C}">
+        <p15:threadingInfo xmlns:p15="http://schemas.microsoft.com/office/powerpoint/2012/main" timeZoneBias="-120"/>
+      </p:ext>
+    </p:extLst>
+  </p:cm>
+</p:cmLst>
+</file>
+
 <file path=ppt/comments/comment6.xml><?xml version="1.0" encoding="utf-8"?>
+<p:cmLst xmlns:a="http://schemas.openxmlformats.org/drawingml/2006/main" xmlns:r="http://schemas.openxmlformats.org/officeDocument/2006/relationships" xmlns:p="http://schemas.openxmlformats.org/presentationml/2006/main">
+  <p:cm authorId="2" dt="2019-04-20T20:22:45.451" idx="15">
+    <p:pos x="10" y="10"/>
+    <p:text>nemusíš zachádzať v tomto až tak do podrobností</p:text>
+    <p:extLst>
+      <p:ext uri="{C676402C-5697-4E1C-873F-D02D1690AC5C}">
+        <p15:threadingInfo xmlns:p15="http://schemas.microsoft.com/office/powerpoint/2012/main" timeZoneBias="-120"/>
+      </p:ext>
+    </p:extLst>
+  </p:cm>
+</p:cmLst>
+</file>
+
+<file path=ppt/comments/comment7.xml><?xml version="1.0" encoding="utf-8"?>
 <p:cmLst xmlns:a="http://schemas.openxmlformats.org/drawingml/2006/main" xmlns:r="http://schemas.openxmlformats.org/officeDocument/2006/relationships" xmlns:p="http://schemas.openxmlformats.org/presentationml/2006/main">
   <p:cm authorId="2" dt="2019-04-20T13:22:46.076" idx="3">
     <p:pos x="10" y="10"/>
@@ -304,7 +326,7 @@
 </p:cmLst>
 </file>
 
-<file path=ppt/comments/comment7.xml><?xml version="1.0" encoding="utf-8"?>
+<file path=ppt/comments/comment8.xml><?xml version="1.0" encoding="utf-8"?>
 <p:cmLst xmlns:a="http://schemas.openxmlformats.org/drawingml/2006/main" xmlns:r="http://schemas.openxmlformats.org/officeDocument/2006/relationships" xmlns:p="http://schemas.openxmlformats.org/presentationml/2006/main">
   <p:cm authorId="2" dt="2019-04-20T13:33:47.124" idx="9">
     <p:pos x="10" y="10"/>
@@ -318,25 +340,11 @@
 </p:cmLst>
 </file>
 
-<file path=ppt/comments/comment8.xml><?xml version="1.0" encoding="utf-8"?>
-<p:cmLst xmlns:a="http://schemas.openxmlformats.org/drawingml/2006/main" xmlns:r="http://schemas.openxmlformats.org/officeDocument/2006/relationships" xmlns:p="http://schemas.openxmlformats.org/presentationml/2006/main">
-  <p:cm authorId="2" dt="2019-04-20T13:25:06.063" idx="4">
-    <p:pos x="10" y="10"/>
-    <p:text>Pridaj, že ako sa spúšťa simulácia z matlabu - sim(menoschemy.slx)</p:text>
-    <p:extLst>
-      <p:ext uri="{C676402C-5697-4E1C-873F-D02D1690AC5C}">
-        <p15:threadingInfo xmlns:p15="http://schemas.microsoft.com/office/powerpoint/2012/main" timeZoneBias="-120"/>
-      </p:ext>
-    </p:extLst>
-  </p:cm>
-</p:cmLst>
-</file>
-
 <file path=ppt/comments/comment9.xml><?xml version="1.0" encoding="utf-8"?>
 <p:cmLst xmlns:a="http://schemas.openxmlformats.org/drawingml/2006/main" xmlns:r="http://schemas.openxmlformats.org/officeDocument/2006/relationships" xmlns:p="http://schemas.openxmlformats.org/presentationml/2006/main">
-  <p:cm authorId="2" dt="2019-04-20T13:37:47.241" idx="12">
-    <p:pos x="10" y="10"/>
-    <p:text>Čo je veľmi dôležité... tak ako sa dá nastaviť konštatntá perióda vzorkovania simulácie.... to budú robiť na každom predmete....</p:text>
+  <p:cm authorId="2" dt="2019-04-20T20:29:14.542" idx="16">
+    <p:pos x="2138" y="1749"/>
+    <p:text>Tu by bolo super ak by si dal mini príklad... čo je algebraická slučka a aká schéma je nespustiteľná...</p:text>
     <p:extLst>
       <p:ext uri="{C676402C-5697-4E1C-873F-D02D1690AC5C}">
         <p15:threadingInfo xmlns:p15="http://schemas.microsoft.com/office/powerpoint/2012/main" timeZoneBias="-120"/>
@@ -1073,7 +1081,7 @@
           <p:cNvPr id="11" name="Obrázok 10">
             <a:extLst>
               <a:ext uri="{FF2B5EF4-FFF2-40B4-BE49-F238E27FC236}">
-                <a16:creationId xmlns:a16="http://schemas.microsoft.com/office/drawing/2014/main" xmlns="" id="{D575F8E8-6CC8-49FD-8010-88908C002CDA}"/>
+                <a16:creationId xmlns="" xmlns:a16="http://schemas.microsoft.com/office/drawing/2014/main" id="{D575F8E8-6CC8-49FD-8010-88908C002CDA}"/>
               </a:ext>
             </a:extLst>
           </p:cNvPr>
@@ -1109,7 +1117,7 @@
           <p:cNvPr id="13" name="Obrázok 12">
             <a:extLst>
               <a:ext uri="{FF2B5EF4-FFF2-40B4-BE49-F238E27FC236}">
-                <a16:creationId xmlns:a16="http://schemas.microsoft.com/office/drawing/2014/main" xmlns="" id="{E0A78DBF-D0B2-42A5-9F1D-0CAC637C7D2D}"/>
+                <a16:creationId xmlns="" xmlns:a16="http://schemas.microsoft.com/office/drawing/2014/main" id="{E0A78DBF-D0B2-42A5-9F1D-0CAC637C7D2D}"/>
               </a:ext>
             </a:extLst>
           </p:cNvPr>
@@ -4069,7 +4077,7 @@
           <p:cNvPr id="2" name="Nadpis 1">
             <a:extLst>
               <a:ext uri="{FF2B5EF4-FFF2-40B4-BE49-F238E27FC236}">
-                <a16:creationId xmlns:a16="http://schemas.microsoft.com/office/drawing/2014/main" xmlns="" id="{8C9FEECD-5BD9-4CA4-ACC1-DA9C1EDD96B6}"/>
+                <a16:creationId xmlns="" xmlns:a16="http://schemas.microsoft.com/office/drawing/2014/main" id="{8C9FEECD-5BD9-4CA4-ACC1-DA9C1EDD96B6}"/>
               </a:ext>
             </a:extLst>
           </p:cNvPr>
@@ -4085,6 +4093,22 @@
           <a:bodyPr/>
           <a:lstStyle/>
           <a:p>
+            <a:r>
+              <a:rPr lang="sk-SK" dirty="0" err="1" smtClean="0"/>
+              <a:t>Matlab</a:t>
+            </a:r>
+            <a:r>
+              <a:rPr lang="sk-SK" dirty="0" smtClean="0"/>
+              <a:t> a </a:t>
+            </a:r>
+            <a:r>
+              <a:rPr lang="sk-SK" dirty="0" err="1" smtClean="0"/>
+              <a:t>Simulink</a:t>
+            </a:r>
+            <a:r>
+              <a:rPr lang="sk-SK" dirty="0" smtClean="0"/>
+              <a:t> pre dynamické systémy</a:t>
+            </a:r>
             <a:endParaRPr lang="sk-SK" dirty="0"/>
           </a:p>
         </p:txBody>
@@ -4094,7 +4118,7 @@
           <p:cNvPr id="3" name="Podnadpis 2">
             <a:extLst>
               <a:ext uri="{FF2B5EF4-FFF2-40B4-BE49-F238E27FC236}">
-                <a16:creationId xmlns:a16="http://schemas.microsoft.com/office/drawing/2014/main" xmlns="" id="{313B57F5-B394-40F1-BEAB-F5B71B2FEDE1}"/>
+                <a16:creationId xmlns="" xmlns:a16="http://schemas.microsoft.com/office/drawing/2014/main" id="{313B57F5-B394-40F1-BEAB-F5B71B2FEDE1}"/>
               </a:ext>
             </a:extLst>
           </p:cNvPr>
@@ -4114,6 +4138,18 @@
         <p:txBody>
           <a:bodyPr/>
           <a:lstStyle/>
+          <a:p>
+            <a:r>
+              <a:rPr lang="sk-SK" dirty="0"/>
+              <a:t>Úvod do kybernetiky</a:t>
+            </a:r>
+          </a:p>
+          <a:p>
+            <a:r>
+              <a:rPr lang="sk-SK" cap="none" dirty="0"/>
+              <a:t>prof. Ing. Ján Murgaš, PhD.</a:t>
+            </a:r>
+          </a:p>
           <a:p>
             <a:endParaRPr lang="sk-SK" dirty="0"/>
           </a:p>
@@ -4129,6 +4165,13 @@
   <p:clrMapOvr>
     <a:masterClrMapping/>
   </p:clrMapOvr>
+  <p:timing>
+    <p:tnLst>
+      <p:par>
+        <p:cTn id="1" dur="indefinite" restart="never" nodeType="tmRoot"/>
+      </p:par>
+    </p:tnLst>
+  </p:timing>
 </p:sld>
 </file>
 
@@ -4154,7 +4197,7 @@
           <p:cNvPr id="2" name="Title 1">
             <a:extLst>
               <a:ext uri="{FF2B5EF4-FFF2-40B4-BE49-F238E27FC236}">
-                <a16:creationId xmlns:a16="http://schemas.microsoft.com/office/drawing/2014/main" xmlns="" id="{26A0B230-B7B6-4DCB-8BCF-1B17557D970D}"/>
+                <a16:creationId xmlns="" xmlns:a16="http://schemas.microsoft.com/office/drawing/2014/main" id="{0A4E41A0-11E8-495F-B8D2-E14DA9B9692A}"/>
               </a:ext>
             </a:extLst>
           </p:cNvPr>
@@ -4172,12 +4215,8 @@
           <a:p>
             <a:pPr algn="ctr"/>
             <a:r>
-              <a:rPr lang="en-US" dirty="0"/>
-              <a:t>V</a:t>
-            </a:r>
-            <a:r>
-              <a:rPr lang="sk-SK" dirty="0"/>
-              <a:t>ytvorenie scriptu</a:t>
+              <a:rPr lang="sk-SK" dirty="0"/>
+              <a:t>Príklad: skalár, vektor, matica</a:t>
             </a:r>
           </a:p>
         </p:txBody>
@@ -4187,7 +4226,7 @@
           <p:cNvPr id="3" name="Content Placeholder 2">
             <a:extLst>
               <a:ext uri="{FF2B5EF4-FFF2-40B4-BE49-F238E27FC236}">
-                <a16:creationId xmlns:a16="http://schemas.microsoft.com/office/drawing/2014/main" xmlns="" id="{5D740CE5-DE92-456C-88B2-167811F85B04}"/>
+                <a16:creationId xmlns="" xmlns:a16="http://schemas.microsoft.com/office/drawing/2014/main" id="{CC026D76-2963-45AB-A54A-D554A5347C61}"/>
               </a:ext>
             </a:extLst>
           </p:cNvPr>
@@ -4203,182 +4242,7 @@
           <a:bodyPr/>
           <a:lstStyle/>
           <a:p>
-            <a:pPr lvl="1"/>
-            <a:r>
-              <a:rPr lang="en-US" dirty="0" err="1"/>
-              <a:t>Najje</a:t>
-            </a:r>
-            <a:r>
-              <a:rPr lang="sk-SK" dirty="0"/>
-              <a:t>noduchší typ programu v MATLABe sa nazýva skript</a:t>
-            </a:r>
-          </a:p>
-          <a:p>
-            <a:pPr lvl="1"/>
-            <a:r>
-              <a:rPr lang="sk-SK" dirty="0"/>
-              <a:t>Je to súbor, ktorý obsahuje viacero riadkov príkazov a volania funkcií</a:t>
-            </a:r>
-          </a:p>
-        </p:txBody>
-      </p:sp>
-      <p:pic>
-        <p:nvPicPr>
-          <p:cNvPr id="7" name="Picture 6">
-            <a:extLst>
-              <a:ext uri="{FF2B5EF4-FFF2-40B4-BE49-F238E27FC236}">
-                <a16:creationId xmlns:a16="http://schemas.microsoft.com/office/drawing/2014/main" xmlns="" id="{33C0EBB4-BB77-4959-90BB-5E0F5BC6956A}"/>
-              </a:ext>
-            </a:extLst>
-          </p:cNvPr>
-          <p:cNvPicPr>
-            <a:picLocks noChangeAspect="1"/>
-          </p:cNvPicPr>
-          <p:nvPr/>
-        </p:nvPicPr>
-        <p:blipFill>
-          <a:blip r:embed="rId2"/>
-          <a:stretch>
-            <a:fillRect/>
-          </a:stretch>
-        </p:blipFill>
-        <p:spPr>
-          <a:xfrm>
-            <a:off x="-2" y="1714500"/>
-            <a:ext cx="9144000" cy="5143500"/>
-          </a:xfrm>
-          <a:prstGeom prst="rect">
-            <a:avLst/>
-          </a:prstGeom>
-        </p:spPr>
-      </p:pic>
-      <p:sp>
-        <p:nvSpPr>
-          <p:cNvPr id="8" name="Arrow: Left 7">
-            <a:extLst>
-              <a:ext uri="{FF2B5EF4-FFF2-40B4-BE49-F238E27FC236}">
-                <a16:creationId xmlns:a16="http://schemas.microsoft.com/office/drawing/2014/main" xmlns="" id="{AD2FC1BE-AC40-4A61-933C-89B8FAC2DCA2}"/>
-              </a:ext>
-            </a:extLst>
-          </p:cNvPr>
-          <p:cNvSpPr/>
-          <p:nvPr/>
-        </p:nvSpPr>
-        <p:spPr>
-          <a:xfrm>
-            <a:off x="581891" y="2319252"/>
-            <a:ext cx="978408" cy="484632"/>
-          </a:xfrm>
-          <a:prstGeom prst="leftArrow">
-            <a:avLst/>
-          </a:prstGeom>
-        </p:spPr>
-        <p:style>
-          <a:lnRef idx="2">
-            <a:schemeClr val="accent1">
-              <a:shade val="50000"/>
-            </a:schemeClr>
-          </a:lnRef>
-          <a:fillRef idx="1">
-            <a:schemeClr val="accent1"/>
-          </a:fillRef>
-          <a:effectRef idx="0">
-            <a:schemeClr val="accent1"/>
-          </a:effectRef>
-          <a:fontRef idx="minor">
-            <a:schemeClr val="lt1"/>
-          </a:fontRef>
-        </p:style>
-        <p:txBody>
-          <a:bodyPr rtlCol="0" anchor="ctr"/>
-          <a:lstStyle/>
-          <a:p>
-            <a:pPr algn="ctr"/>
             <a:endParaRPr lang="sk-SK"/>
-          </a:p>
-        </p:txBody>
-      </p:sp>
-    </p:spTree>
-    <p:extLst>
-      <p:ext uri="{BB962C8B-B14F-4D97-AF65-F5344CB8AC3E}">
-        <p14:creationId xmlns:p14="http://schemas.microsoft.com/office/powerpoint/2010/main" val="2985636247"/>
-      </p:ext>
-    </p:extLst>
-  </p:cSld>
-  <p:clrMapOvr>
-    <a:masterClrMapping/>
-  </p:clrMapOvr>
-</p:sld>
-</file>
-
-<file path=ppt/slides/slide11.xml><?xml version="1.0" encoding="utf-8"?>
-<p:sld xmlns:a="http://schemas.openxmlformats.org/drawingml/2006/main" xmlns:r="http://schemas.openxmlformats.org/officeDocument/2006/relationships" xmlns:p="http://schemas.openxmlformats.org/presentationml/2006/main">
-  <p:cSld>
-    <p:spTree>
-      <p:nvGrpSpPr>
-        <p:cNvPr id="1" name=""/>
-        <p:cNvGrpSpPr/>
-        <p:nvPr/>
-      </p:nvGrpSpPr>
-      <p:grpSpPr>
-        <a:xfrm>
-          <a:off x="0" y="0"/>
-          <a:ext cx="0" cy="0"/>
-          <a:chOff x="0" y="0"/>
-          <a:chExt cx="0" cy="0"/>
-        </a:xfrm>
-      </p:grpSpPr>
-      <p:sp>
-        <p:nvSpPr>
-          <p:cNvPr id="2" name="Title 1">
-            <a:extLst>
-              <a:ext uri="{FF2B5EF4-FFF2-40B4-BE49-F238E27FC236}">
-                <a16:creationId xmlns:a16="http://schemas.microsoft.com/office/drawing/2014/main" xmlns="" id="{81028622-3A59-4839-97C3-AACBE9B9238E}"/>
-              </a:ext>
-            </a:extLst>
-          </p:cNvPr>
-          <p:cNvSpPr>
-            <a:spLocks noGrp="1"/>
-          </p:cNvSpPr>
-          <p:nvPr>
-            <p:ph type="title"/>
-          </p:nvPr>
-        </p:nvSpPr>
-        <p:spPr/>
-        <p:txBody>
-          <a:bodyPr/>
-          <a:lstStyle/>
-          <a:p>
-            <a:pPr algn="ctr"/>
-            <a:r>
-              <a:rPr lang="sk-SK" dirty="0"/>
-              <a:t>Script - príklad</a:t>
-            </a:r>
-          </a:p>
-        </p:txBody>
-      </p:sp>
-      <p:sp>
-        <p:nvSpPr>
-          <p:cNvPr id="3" name="Content Placeholder 2">
-            <a:extLst>
-              <a:ext uri="{FF2B5EF4-FFF2-40B4-BE49-F238E27FC236}">
-                <a16:creationId xmlns:a16="http://schemas.microsoft.com/office/drawing/2014/main" xmlns="" id="{BCA7795B-0166-438C-A04C-591473CCD15B}"/>
-              </a:ext>
-            </a:extLst>
-          </p:cNvPr>
-          <p:cNvSpPr>
-            <a:spLocks noGrp="1"/>
-          </p:cNvSpPr>
-          <p:nvPr>
-            <p:ph idx="1"/>
-          </p:nvPr>
-        </p:nvSpPr>
-        <p:spPr/>
-        <p:txBody>
-          <a:bodyPr/>
-          <a:lstStyle/>
-          <a:p>
-            <a:endParaRPr lang="sk-SK" dirty="0"/>
           </a:p>
         </p:txBody>
       </p:sp>
@@ -4387,7 +4251,7 @@
           <p:cNvPr id="4" name="Picture 3">
             <a:extLst>
               <a:ext uri="{FF2B5EF4-FFF2-40B4-BE49-F238E27FC236}">
-                <a16:creationId xmlns:a16="http://schemas.microsoft.com/office/drawing/2014/main" xmlns="" id="{69A68B8B-8943-446F-88EA-16C4A7185E50}"/>
+                <a16:creationId xmlns="" xmlns:a16="http://schemas.microsoft.com/office/drawing/2014/main" id="{F91120CF-B128-459D-913B-B7B07661B697}"/>
               </a:ext>
             </a:extLst>
           </p:cNvPr>
@@ -4417,926 +4281,7 @@
           <p:cNvPr id="5" name="TextBox 4">
             <a:extLst>
               <a:ext uri="{FF2B5EF4-FFF2-40B4-BE49-F238E27FC236}">
-                <a16:creationId xmlns:a16="http://schemas.microsoft.com/office/drawing/2014/main" xmlns="" id="{581D8026-C387-4CD1-9FEA-912676073E91}"/>
-              </a:ext>
-            </a:extLst>
-          </p:cNvPr>
-          <p:cNvSpPr txBox="1"/>
-          <p:nvPr/>
-        </p:nvSpPr>
-        <p:spPr>
-          <a:xfrm>
-            <a:off x="3092332" y="2875002"/>
-            <a:ext cx="4397435" cy="400110"/>
-          </a:xfrm>
-          <a:prstGeom prst="rect">
-            <a:avLst/>
-          </a:prstGeom>
-          <a:noFill/>
-        </p:spPr>
-        <p:txBody>
-          <a:bodyPr wrap="square" rtlCol="0">
-            <a:spAutoFit/>
-          </a:bodyPr>
-          <a:lstStyle/>
-          <a:p>
-            <a:pPr algn="ctr"/>
-            <a:r>
-              <a:rPr lang="sk-SK" sz="1000" dirty="0"/>
-              <a:t>Priradenie hodnoty premenným. Premennú „a“ chceme vypísať do „Command Window“ a premennú „b“ nie, tak na koniec riadku dáme „</a:t>
-            </a:r>
-            <a:r>
-              <a:rPr lang="en-US" sz="1000" dirty="0"/>
-              <a:t>;</a:t>
-            </a:r>
-            <a:r>
-              <a:rPr lang="sk-SK" sz="1000" dirty="0"/>
-              <a:t>“</a:t>
-            </a:r>
-          </a:p>
-        </p:txBody>
-      </p:sp>
-      <p:sp>
-        <p:nvSpPr>
-          <p:cNvPr id="6" name="Arrow: Left 5">
-            <a:extLst>
-              <a:ext uri="{FF2B5EF4-FFF2-40B4-BE49-F238E27FC236}">
-                <a16:creationId xmlns:a16="http://schemas.microsoft.com/office/drawing/2014/main" xmlns="" id="{EF35070C-0EE2-4D2D-8B80-B6521C6BF306}"/>
-              </a:ext>
-            </a:extLst>
-          </p:cNvPr>
-          <p:cNvSpPr/>
-          <p:nvPr/>
-        </p:nvSpPr>
-        <p:spPr>
-          <a:xfrm>
-            <a:off x="2793074" y="3000294"/>
-            <a:ext cx="448890" cy="141917"/>
-          </a:xfrm>
-          <a:prstGeom prst="leftArrow">
-            <a:avLst/>
-          </a:prstGeom>
-        </p:spPr>
-        <p:style>
-          <a:lnRef idx="2">
-            <a:schemeClr val="accent1">
-              <a:shade val="50000"/>
-            </a:schemeClr>
-          </a:lnRef>
-          <a:fillRef idx="1">
-            <a:schemeClr val="accent1"/>
-          </a:fillRef>
-          <a:effectRef idx="0">
-            <a:schemeClr val="accent1"/>
-          </a:effectRef>
-          <a:fontRef idx="minor">
-            <a:schemeClr val="lt1"/>
-          </a:fontRef>
-        </p:style>
-        <p:txBody>
-          <a:bodyPr rtlCol="0" anchor="ctr"/>
-          <a:lstStyle/>
-          <a:p>
-            <a:pPr algn="ctr"/>
-            <a:endParaRPr lang="sk-SK"/>
-          </a:p>
-        </p:txBody>
-      </p:sp>
-      <p:sp>
-        <p:nvSpPr>
-          <p:cNvPr id="7" name="Arrow: Up 6">
-            <a:extLst>
-              <a:ext uri="{FF2B5EF4-FFF2-40B4-BE49-F238E27FC236}">
-                <a16:creationId xmlns:a16="http://schemas.microsoft.com/office/drawing/2014/main" xmlns="" id="{469E95CA-94CD-4BE5-81DC-BC30914829AB}"/>
-              </a:ext>
-            </a:extLst>
-          </p:cNvPr>
-          <p:cNvSpPr/>
-          <p:nvPr/>
-        </p:nvSpPr>
-        <p:spPr>
-          <a:xfrm>
-            <a:off x="7714210" y="3347128"/>
-            <a:ext cx="182880" cy="460102"/>
-          </a:xfrm>
-          <a:prstGeom prst="upArrow">
-            <a:avLst/>
-          </a:prstGeom>
-        </p:spPr>
-        <p:style>
-          <a:lnRef idx="2">
-            <a:schemeClr val="accent1">
-              <a:shade val="50000"/>
-            </a:schemeClr>
-          </a:lnRef>
-          <a:fillRef idx="1">
-            <a:schemeClr val="accent1"/>
-          </a:fillRef>
-          <a:effectRef idx="0">
-            <a:schemeClr val="accent1"/>
-          </a:effectRef>
-          <a:fontRef idx="minor">
-            <a:schemeClr val="lt1"/>
-          </a:fontRef>
-        </p:style>
-        <p:txBody>
-          <a:bodyPr rtlCol="0" anchor="ctr"/>
-          <a:lstStyle/>
-          <a:p>
-            <a:pPr algn="ctr"/>
-            <a:endParaRPr lang="sk-SK" dirty="0"/>
-          </a:p>
-        </p:txBody>
-      </p:sp>
-      <p:sp>
-        <p:nvSpPr>
-          <p:cNvPr id="8" name="TextBox 7">
-            <a:extLst>
-              <a:ext uri="{FF2B5EF4-FFF2-40B4-BE49-F238E27FC236}">
-                <a16:creationId xmlns:a16="http://schemas.microsoft.com/office/drawing/2014/main" xmlns="" id="{CD33DF6D-5098-4198-A38F-47CE903C33A4}"/>
-              </a:ext>
-            </a:extLst>
-          </p:cNvPr>
-          <p:cNvSpPr txBox="1"/>
-          <p:nvPr/>
-        </p:nvSpPr>
-        <p:spPr>
-          <a:xfrm>
-            <a:off x="7496924" y="3807230"/>
-            <a:ext cx="1580573" cy="553998"/>
-          </a:xfrm>
-          <a:prstGeom prst="rect">
-            <a:avLst/>
-          </a:prstGeom>
-          <a:noFill/>
-        </p:spPr>
-        <p:txBody>
-          <a:bodyPr wrap="square" rtlCol="0">
-            <a:spAutoFit/>
-          </a:bodyPr>
-          <a:lstStyle/>
-          <a:p>
-            <a:pPr algn="ctr"/>
-            <a:r>
-              <a:rPr lang="sk-SK" sz="1000" dirty="0"/>
-              <a:t>Premenné, ktoré sa využívajú s priradenými hodnotami</a:t>
-            </a:r>
-          </a:p>
-        </p:txBody>
-      </p:sp>
-      <p:sp>
-        <p:nvSpPr>
-          <p:cNvPr id="9" name="TextBox 8">
-            <a:extLst>
-              <a:ext uri="{FF2B5EF4-FFF2-40B4-BE49-F238E27FC236}">
-                <a16:creationId xmlns:a16="http://schemas.microsoft.com/office/drawing/2014/main" xmlns="" id="{5F3C6974-B37A-4455-BE33-21DFECA3F21E}"/>
-              </a:ext>
-            </a:extLst>
-          </p:cNvPr>
-          <p:cNvSpPr txBox="1"/>
-          <p:nvPr/>
-        </p:nvSpPr>
-        <p:spPr>
-          <a:xfrm>
-            <a:off x="3474720" y="3272211"/>
-            <a:ext cx="3664786" cy="400110"/>
-          </a:xfrm>
-          <a:prstGeom prst="rect">
-            <a:avLst/>
-          </a:prstGeom>
-          <a:noFill/>
-        </p:spPr>
-        <p:txBody>
-          <a:bodyPr wrap="none" rtlCol="0">
-            <a:spAutoFit/>
-          </a:bodyPr>
-          <a:lstStyle/>
-          <a:p>
-            <a:pPr algn="ctr"/>
-            <a:r>
-              <a:rPr lang="sk-SK" sz="1000" dirty="0"/>
-              <a:t>„if“ je podmienka, ak je splnená, tak sa vykoná nasledujúci príkaz a </a:t>
-            </a:r>
-          </a:p>
-          <a:p>
-            <a:pPr algn="ctr"/>
-            <a:r>
-              <a:rPr lang="sk-SK" sz="1000" dirty="0"/>
-              <a:t>výsledok sa vypíše do „ Commnad Window“</a:t>
-            </a:r>
-          </a:p>
-        </p:txBody>
-      </p:sp>
-      <p:sp>
-        <p:nvSpPr>
-          <p:cNvPr id="10" name="Arrow: Left 9">
-            <a:extLst>
-              <a:ext uri="{FF2B5EF4-FFF2-40B4-BE49-F238E27FC236}">
-                <a16:creationId xmlns:a16="http://schemas.microsoft.com/office/drawing/2014/main" xmlns="" id="{2808AB71-C0A4-46D9-854C-C63415674DF7}"/>
-              </a:ext>
-            </a:extLst>
-          </p:cNvPr>
-          <p:cNvSpPr/>
-          <p:nvPr/>
-        </p:nvSpPr>
-        <p:spPr>
-          <a:xfrm>
-            <a:off x="3092332" y="3319288"/>
-            <a:ext cx="382388" cy="81116"/>
-          </a:xfrm>
-          <a:prstGeom prst="leftArrow">
-            <a:avLst/>
-          </a:prstGeom>
-        </p:spPr>
-        <p:style>
-          <a:lnRef idx="2">
-            <a:schemeClr val="accent1">
-              <a:shade val="50000"/>
-            </a:schemeClr>
-          </a:lnRef>
-          <a:fillRef idx="1">
-            <a:schemeClr val="accent1"/>
-          </a:fillRef>
-          <a:effectRef idx="0">
-            <a:schemeClr val="accent1"/>
-          </a:effectRef>
-          <a:fontRef idx="minor">
-            <a:schemeClr val="lt1"/>
-          </a:fontRef>
-        </p:style>
-        <p:txBody>
-          <a:bodyPr rtlCol="0" anchor="ctr"/>
-          <a:lstStyle/>
-          <a:p>
-            <a:pPr algn="ctr"/>
-            <a:endParaRPr lang="sk-SK"/>
-          </a:p>
-        </p:txBody>
-      </p:sp>
-      <p:sp>
-        <p:nvSpPr>
-          <p:cNvPr id="11" name="TextBox 10">
-            <a:extLst>
-              <a:ext uri="{FF2B5EF4-FFF2-40B4-BE49-F238E27FC236}">
-                <a16:creationId xmlns:a16="http://schemas.microsoft.com/office/drawing/2014/main" xmlns="" id="{9496CCDD-DBCF-4BEF-8FD3-A3D7319D2DBC}"/>
-              </a:ext>
-            </a:extLst>
-          </p:cNvPr>
-          <p:cNvSpPr txBox="1"/>
-          <p:nvPr/>
-        </p:nvSpPr>
-        <p:spPr>
-          <a:xfrm>
-            <a:off x="3557848" y="6235700"/>
-            <a:ext cx="1146468" cy="246221"/>
-          </a:xfrm>
-          <a:prstGeom prst="rect">
-            <a:avLst/>
-          </a:prstGeom>
-          <a:noFill/>
-        </p:spPr>
-        <p:txBody>
-          <a:bodyPr wrap="none" rtlCol="0">
-            <a:spAutoFit/>
-          </a:bodyPr>
-          <a:lstStyle/>
-          <a:p>
-            <a:r>
-              <a:rPr lang="sk-SK" sz="1000" dirty="0"/>
-              <a:t>Výpis premenných</a:t>
-            </a:r>
-          </a:p>
-        </p:txBody>
-      </p:sp>
-      <p:cxnSp>
-        <p:nvCxnSpPr>
-          <p:cNvPr id="13" name="Straight Arrow Connector 12">
-            <a:extLst>
-              <a:ext uri="{FF2B5EF4-FFF2-40B4-BE49-F238E27FC236}">
-                <a16:creationId xmlns:a16="http://schemas.microsoft.com/office/drawing/2014/main" xmlns="" id="{384622B5-DB2D-4A24-AFF6-EC462A34A044}"/>
-              </a:ext>
-            </a:extLst>
-          </p:cNvPr>
-          <p:cNvCxnSpPr/>
-          <p:nvPr/>
-        </p:nvCxnSpPr>
-        <p:spPr>
-          <a:xfrm flipH="1" flipV="1">
-            <a:off x="2709949" y="5752407"/>
-            <a:ext cx="764771" cy="637914"/>
-          </a:xfrm>
-          <a:prstGeom prst="straightConnector1">
-            <a:avLst/>
-          </a:prstGeom>
-          <a:ln>
-            <a:tailEnd type="triangle"/>
-          </a:ln>
-        </p:spPr>
-        <p:style>
-          <a:lnRef idx="1">
-            <a:schemeClr val="accent1"/>
-          </a:lnRef>
-          <a:fillRef idx="0">
-            <a:schemeClr val="accent1"/>
-          </a:fillRef>
-          <a:effectRef idx="0">
-            <a:schemeClr val="accent1"/>
-          </a:effectRef>
-          <a:fontRef idx="minor">
-            <a:schemeClr val="tx1"/>
-          </a:fontRef>
-        </p:style>
-      </p:cxnSp>
-      <p:cxnSp>
-        <p:nvCxnSpPr>
-          <p:cNvPr id="15" name="Straight Arrow Connector 14">
-            <a:extLst>
-              <a:ext uri="{FF2B5EF4-FFF2-40B4-BE49-F238E27FC236}">
-                <a16:creationId xmlns:a16="http://schemas.microsoft.com/office/drawing/2014/main" xmlns="" id="{EABE1DF4-E06E-4E0F-9642-FD77D303B23D}"/>
-              </a:ext>
-            </a:extLst>
-          </p:cNvPr>
-          <p:cNvCxnSpPr/>
-          <p:nvPr/>
-        </p:nvCxnSpPr>
-        <p:spPr>
-          <a:xfrm flipH="1">
-            <a:off x="2876204" y="6390321"/>
-            <a:ext cx="598516" cy="0"/>
-          </a:xfrm>
-          <a:prstGeom prst="straightConnector1">
-            <a:avLst/>
-          </a:prstGeom>
-          <a:ln>
-            <a:tailEnd type="triangle"/>
-          </a:ln>
-        </p:spPr>
-        <p:style>
-          <a:lnRef idx="1">
-            <a:schemeClr val="accent1"/>
-          </a:lnRef>
-          <a:fillRef idx="0">
-            <a:schemeClr val="accent1"/>
-          </a:fillRef>
-          <a:effectRef idx="0">
-            <a:schemeClr val="accent1"/>
-          </a:effectRef>
-          <a:fontRef idx="minor">
-            <a:schemeClr val="tx1"/>
-          </a:fontRef>
-        </p:style>
-      </p:cxnSp>
-      <p:sp>
-        <p:nvSpPr>
-          <p:cNvPr id="16" name="TextBox 15">
-            <a:extLst>
-              <a:ext uri="{FF2B5EF4-FFF2-40B4-BE49-F238E27FC236}">
-                <a16:creationId xmlns:a16="http://schemas.microsoft.com/office/drawing/2014/main" xmlns="" id="{755146E3-E3F2-4F7B-A15F-422D32386DA0}"/>
-              </a:ext>
-            </a:extLst>
-          </p:cNvPr>
-          <p:cNvSpPr txBox="1"/>
-          <p:nvPr/>
-        </p:nvSpPr>
-        <p:spPr>
-          <a:xfrm>
-            <a:off x="3241964" y="5259965"/>
-            <a:ext cx="1757212" cy="246221"/>
-          </a:xfrm>
-          <a:prstGeom prst="rect">
-            <a:avLst/>
-          </a:prstGeom>
-          <a:noFill/>
-        </p:spPr>
-        <p:txBody>
-          <a:bodyPr wrap="none" rtlCol="0">
-            <a:spAutoFit/>
-          </a:bodyPr>
-          <a:lstStyle/>
-          <a:p>
-            <a:r>
-              <a:rPr lang="sk-SK" sz="1000" dirty="0"/>
-              <a:t>Názov scriptu, ktorý spúšťame</a:t>
-            </a:r>
-          </a:p>
-        </p:txBody>
-      </p:sp>
-      <p:cxnSp>
-        <p:nvCxnSpPr>
-          <p:cNvPr id="18" name="Straight Arrow Connector 17">
-            <a:extLst>
-              <a:ext uri="{FF2B5EF4-FFF2-40B4-BE49-F238E27FC236}">
-                <a16:creationId xmlns:a16="http://schemas.microsoft.com/office/drawing/2014/main" xmlns="" id="{55C99591-A6EA-4594-974A-043DC37AAB75}"/>
-              </a:ext>
-            </a:extLst>
-          </p:cNvPr>
-          <p:cNvCxnSpPr>
-            <a:stCxn id="16" idx="1"/>
-          </p:cNvCxnSpPr>
-          <p:nvPr/>
-        </p:nvCxnSpPr>
-        <p:spPr>
-          <a:xfrm flipH="1" flipV="1">
-            <a:off x="2793074" y="5383075"/>
-            <a:ext cx="448890" cy="1"/>
-          </a:xfrm>
-          <a:prstGeom prst="straightConnector1">
-            <a:avLst/>
-          </a:prstGeom>
-          <a:ln>
-            <a:tailEnd type="triangle"/>
-          </a:ln>
-        </p:spPr>
-        <p:style>
-          <a:lnRef idx="1">
-            <a:schemeClr val="accent1"/>
-          </a:lnRef>
-          <a:fillRef idx="0">
-            <a:schemeClr val="accent1"/>
-          </a:fillRef>
-          <a:effectRef idx="0">
-            <a:schemeClr val="accent1"/>
-          </a:effectRef>
-          <a:fontRef idx="minor">
-            <a:schemeClr val="tx1"/>
-          </a:fontRef>
-        </p:style>
-      </p:cxnSp>
-      <p:cxnSp>
-        <p:nvCxnSpPr>
-          <p:cNvPr id="20" name="Straight Arrow Connector 19">
-            <a:extLst>
-              <a:ext uri="{FF2B5EF4-FFF2-40B4-BE49-F238E27FC236}">
-                <a16:creationId xmlns:a16="http://schemas.microsoft.com/office/drawing/2014/main" xmlns="" id="{D78DC07E-D64F-4AA7-BBC5-448DDCBD80E7}"/>
-              </a:ext>
-            </a:extLst>
-          </p:cNvPr>
-          <p:cNvCxnSpPr/>
-          <p:nvPr/>
-        </p:nvCxnSpPr>
-        <p:spPr>
-          <a:xfrm flipV="1">
-            <a:off x="1429789" y="2269375"/>
-            <a:ext cx="1662543" cy="1002836"/>
-          </a:xfrm>
-          <a:prstGeom prst="straightConnector1">
-            <a:avLst/>
-          </a:prstGeom>
-          <a:ln>
-            <a:solidFill>
-              <a:srgbClr val="FF0000"/>
-            </a:solidFill>
-            <a:tailEnd type="triangle"/>
-          </a:ln>
-        </p:spPr>
-        <p:style>
-          <a:lnRef idx="3">
-            <a:schemeClr val="accent4"/>
-          </a:lnRef>
-          <a:fillRef idx="0">
-            <a:schemeClr val="accent4"/>
-          </a:fillRef>
-          <a:effectRef idx="2">
-            <a:schemeClr val="accent4"/>
-          </a:effectRef>
-          <a:fontRef idx="minor">
-            <a:schemeClr val="tx1"/>
-          </a:fontRef>
-        </p:style>
-      </p:cxnSp>
-      <p:sp>
-        <p:nvSpPr>
-          <p:cNvPr id="21" name="TextBox 20">
-            <a:extLst>
-              <a:ext uri="{FF2B5EF4-FFF2-40B4-BE49-F238E27FC236}">
-                <a16:creationId xmlns:a16="http://schemas.microsoft.com/office/drawing/2014/main" xmlns="" id="{C2F2E9B1-7CEE-4751-BC5D-87B498C748A2}"/>
-              </a:ext>
-            </a:extLst>
-          </p:cNvPr>
-          <p:cNvSpPr txBox="1"/>
-          <p:nvPr/>
-        </p:nvSpPr>
-        <p:spPr>
-          <a:xfrm>
-            <a:off x="853464" y="3277293"/>
-            <a:ext cx="1080745" cy="246221"/>
-          </a:xfrm>
-          <a:prstGeom prst="rect">
-            <a:avLst/>
-          </a:prstGeom>
-          <a:noFill/>
-        </p:spPr>
-        <p:txBody>
-          <a:bodyPr wrap="none" rtlCol="0">
-            <a:spAutoFit/>
-          </a:bodyPr>
-          <a:lstStyle/>
-          <a:p>
-            <a:r>
-              <a:rPr lang="sk-SK" sz="1000" dirty="0"/>
-              <a:t>Spustenie scritpu</a:t>
-            </a:r>
-          </a:p>
-        </p:txBody>
-      </p:sp>
-    </p:spTree>
-    <p:extLst>
-      <p:ext uri="{BB962C8B-B14F-4D97-AF65-F5344CB8AC3E}">
-        <p14:creationId xmlns:p14="http://schemas.microsoft.com/office/powerpoint/2010/main" val="2676398037"/>
-      </p:ext>
-    </p:extLst>
-  </p:cSld>
-  <p:clrMapOvr>
-    <a:masterClrMapping/>
-  </p:clrMapOvr>
-</p:sld>
-</file>
-
-<file path=ppt/slides/slide12.xml><?xml version="1.0" encoding="utf-8"?>
-<p:sld xmlns:a="http://schemas.openxmlformats.org/drawingml/2006/main" xmlns:r="http://schemas.openxmlformats.org/officeDocument/2006/relationships" xmlns:p="http://schemas.openxmlformats.org/presentationml/2006/main">
-  <p:cSld>
-    <p:spTree>
-      <p:nvGrpSpPr>
-        <p:cNvPr id="1" name=""/>
-        <p:cNvGrpSpPr/>
-        <p:nvPr/>
-      </p:nvGrpSpPr>
-      <p:grpSpPr>
-        <a:xfrm>
-          <a:off x="0" y="0"/>
-          <a:ext cx="0" cy="0"/>
-          <a:chOff x="0" y="0"/>
-          <a:chExt cx="0" cy="0"/>
-        </a:xfrm>
-      </p:grpSpPr>
-      <p:sp>
-        <p:nvSpPr>
-          <p:cNvPr id="2" name="Title 1">
-            <a:extLst>
-              <a:ext uri="{FF2B5EF4-FFF2-40B4-BE49-F238E27FC236}">
-                <a16:creationId xmlns:a16="http://schemas.microsoft.com/office/drawing/2014/main" xmlns="" id="{7020AF44-0A52-4A7C-A7D8-B2A1D6C80234}"/>
-              </a:ext>
-            </a:extLst>
-          </p:cNvPr>
-          <p:cNvSpPr>
-            <a:spLocks noGrp="1"/>
-          </p:cNvSpPr>
-          <p:nvPr>
-            <p:ph type="title"/>
-          </p:nvPr>
-        </p:nvSpPr>
-        <p:spPr/>
-        <p:txBody>
-          <a:bodyPr/>
-          <a:lstStyle/>
-          <a:p>
-            <a:pPr algn="ctr"/>
-            <a:r>
-              <a:rPr lang="sk-SK" dirty="0"/>
-              <a:t>Skalár, vektor, matica</a:t>
-            </a:r>
-          </a:p>
-        </p:txBody>
-      </p:sp>
-      <p:sp>
-        <p:nvSpPr>
-          <p:cNvPr id="3" name="Content Placeholder 2">
-            <a:extLst>
-              <a:ext uri="{FF2B5EF4-FFF2-40B4-BE49-F238E27FC236}">
-                <a16:creationId xmlns:a16="http://schemas.microsoft.com/office/drawing/2014/main" xmlns="" id="{120ACBFD-C0D4-4CDD-AE65-B80DDF0B7853}"/>
-              </a:ext>
-            </a:extLst>
-          </p:cNvPr>
-          <p:cNvSpPr>
-            <a:spLocks noGrp="1"/>
-          </p:cNvSpPr>
-          <p:nvPr>
-            <p:ph idx="1"/>
-          </p:nvPr>
-        </p:nvSpPr>
-        <p:spPr/>
-        <p:txBody>
-          <a:bodyPr/>
-          <a:lstStyle/>
-          <a:p>
-            <a:pPr lvl="1" algn="just"/>
-            <a:r>
-              <a:rPr lang="sk-SK" sz="2000" dirty="0"/>
-              <a:t>Matica</a:t>
-            </a:r>
-          </a:p>
-          <a:p>
-            <a:pPr lvl="2" algn="just"/>
-            <a:r>
-              <a:rPr lang="sk-SK" sz="2000" dirty="0"/>
-              <a:t>Je základný dátový typ v MATLABe</a:t>
-            </a:r>
-          </a:p>
-          <a:p>
-            <a:pPr lvl="1" algn="just"/>
-            <a:r>
-              <a:rPr lang="sk-SK" sz="2000" dirty="0"/>
-              <a:t>V lineárnej algebre sa stretávame so základným dátovým typom ako je skalár, vektor alebo matica, ale MATLAB všetky tieto dátové typy berie ako jeden dátový typ a to matica</a:t>
-            </a:r>
-          </a:p>
-          <a:p>
-            <a:pPr lvl="1" algn="just"/>
-            <a:r>
-              <a:rPr lang="sk-SK" sz="2000" dirty="0"/>
-              <a:t>Skalár</a:t>
-            </a:r>
-          </a:p>
-          <a:p>
-            <a:pPr lvl="2" algn="just"/>
-            <a:r>
-              <a:rPr lang="sk-SK" sz="1600" dirty="0"/>
-              <a:t>Je to matica s rozmerom 1x1</a:t>
-            </a:r>
-          </a:p>
-          <a:p>
-            <a:pPr lvl="1" algn="just"/>
-            <a:r>
-              <a:rPr lang="sk-SK" sz="2000" dirty="0"/>
-              <a:t>Vektor</a:t>
-            </a:r>
-          </a:p>
-          <a:p>
-            <a:pPr lvl="2" algn="just"/>
-            <a:r>
-              <a:rPr lang="sk-SK" sz="1600" dirty="0"/>
-              <a:t>Je matica 1xN (riadkový vektor) alebo Nx1 (stĺpcový vektor)</a:t>
-            </a:r>
-          </a:p>
-          <a:p>
-            <a:pPr lvl="1" algn="just"/>
-            <a:r>
-              <a:rPr lang="sk-SK" sz="2000" dirty="0"/>
-              <a:t>Matica</a:t>
-            </a:r>
-          </a:p>
-          <a:p>
-            <a:pPr lvl="2" algn="just"/>
-            <a:r>
-              <a:rPr lang="sk-SK" sz="1600" dirty="0"/>
-              <a:t>Má rozmer MxN (riadky x stĺpce)</a:t>
-            </a:r>
-          </a:p>
-          <a:p>
-            <a:pPr lvl="1" algn="just"/>
-            <a:endParaRPr lang="sk-SK" sz="2000" dirty="0"/>
-          </a:p>
-          <a:p>
-            <a:pPr lvl="1"/>
-            <a:endParaRPr lang="sk-SK" dirty="0"/>
-          </a:p>
-          <a:p>
-            <a:pPr lvl="1"/>
-            <a:endParaRPr lang="sk-SK" dirty="0"/>
-          </a:p>
-          <a:p>
-            <a:pPr lvl="1"/>
-            <a:endParaRPr lang="sk-SK" dirty="0"/>
-          </a:p>
-          <a:p>
-            <a:pPr lvl="1"/>
-            <a:endParaRPr lang="sk-SK" dirty="0"/>
-          </a:p>
-        </p:txBody>
-      </p:sp>
-    </p:spTree>
-    <p:extLst>
-      <p:ext uri="{BB962C8B-B14F-4D97-AF65-F5344CB8AC3E}">
-        <p14:creationId xmlns:p14="http://schemas.microsoft.com/office/powerpoint/2010/main" val="3712314484"/>
-      </p:ext>
-    </p:extLst>
-  </p:cSld>
-  <p:clrMapOvr>
-    <a:masterClrMapping/>
-  </p:clrMapOvr>
-</p:sld>
-</file>
-
-<file path=ppt/slides/slide13.xml><?xml version="1.0" encoding="utf-8"?>
-<p:sld xmlns:a="http://schemas.openxmlformats.org/drawingml/2006/main" xmlns:r="http://schemas.openxmlformats.org/officeDocument/2006/relationships" xmlns:p="http://schemas.openxmlformats.org/presentationml/2006/main">
-  <p:cSld>
-    <p:spTree>
-      <p:nvGrpSpPr>
-        <p:cNvPr id="1" name=""/>
-        <p:cNvGrpSpPr/>
-        <p:nvPr/>
-      </p:nvGrpSpPr>
-      <p:grpSpPr>
-        <a:xfrm>
-          <a:off x="0" y="0"/>
-          <a:ext cx="0" cy="0"/>
-          <a:chOff x="0" y="0"/>
-          <a:chExt cx="0" cy="0"/>
-        </a:xfrm>
-      </p:grpSpPr>
-      <p:sp>
-        <p:nvSpPr>
-          <p:cNvPr id="2" name="Title 1">
-            <a:extLst>
-              <a:ext uri="{FF2B5EF4-FFF2-40B4-BE49-F238E27FC236}">
-                <a16:creationId xmlns:a16="http://schemas.microsoft.com/office/drawing/2014/main" xmlns="" id="{0877E552-9BC8-455F-B866-F10C60C5DF49}"/>
-              </a:ext>
-            </a:extLst>
-          </p:cNvPr>
-          <p:cNvSpPr>
-            <a:spLocks noGrp="1"/>
-          </p:cNvSpPr>
-          <p:nvPr>
-            <p:ph type="title"/>
-          </p:nvPr>
-        </p:nvSpPr>
-        <p:spPr/>
-        <p:txBody>
-          <a:bodyPr/>
-          <a:lstStyle/>
-          <a:p>
-            <a:pPr algn="ctr"/>
-            <a:r>
-              <a:rPr lang="sk-SK" dirty="0"/>
-              <a:t>Príklad: skalár, vektor, matica</a:t>
-            </a:r>
-          </a:p>
-        </p:txBody>
-      </p:sp>
-      <p:sp>
-        <p:nvSpPr>
-          <p:cNvPr id="3" name="Content Placeholder 2">
-            <a:extLst>
-              <a:ext uri="{FF2B5EF4-FFF2-40B4-BE49-F238E27FC236}">
-                <a16:creationId xmlns:a16="http://schemas.microsoft.com/office/drawing/2014/main" xmlns="" id="{D88E2CB4-D518-4B7D-A963-ECB2487F5886}"/>
-              </a:ext>
-            </a:extLst>
-          </p:cNvPr>
-          <p:cNvSpPr>
-            <a:spLocks noGrp="1"/>
-          </p:cNvSpPr>
-          <p:nvPr>
-            <p:ph idx="1"/>
-          </p:nvPr>
-        </p:nvSpPr>
-        <p:spPr/>
-        <p:txBody>
-          <a:bodyPr/>
-          <a:lstStyle/>
-          <a:p>
-            <a:endParaRPr lang="sk-SK"/>
-          </a:p>
-        </p:txBody>
-      </p:sp>
-      <p:pic>
-        <p:nvPicPr>
-          <p:cNvPr id="4" name="Picture 3">
-            <a:extLst>
-              <a:ext uri="{FF2B5EF4-FFF2-40B4-BE49-F238E27FC236}">
-                <a16:creationId xmlns:a16="http://schemas.microsoft.com/office/drawing/2014/main" xmlns="" id="{16556DEE-7459-4951-97A2-9CF5D3A8777D}"/>
-              </a:ext>
-            </a:extLst>
-          </p:cNvPr>
-          <p:cNvPicPr>
-            <a:picLocks noChangeAspect="1"/>
-          </p:cNvPicPr>
-          <p:nvPr/>
-        </p:nvPicPr>
-        <p:blipFill>
-          <a:blip r:embed="rId2"/>
-          <a:stretch>
-            <a:fillRect/>
-          </a:stretch>
-        </p:blipFill>
-        <p:spPr>
-          <a:xfrm>
-            <a:off x="0" y="1714500"/>
-            <a:ext cx="9144000" cy="5143500"/>
-          </a:xfrm>
-          <a:prstGeom prst="rect">
-            <a:avLst/>
-          </a:prstGeom>
-        </p:spPr>
-      </p:pic>
-    </p:spTree>
-    <p:extLst>
-      <p:ext uri="{BB962C8B-B14F-4D97-AF65-F5344CB8AC3E}">
-        <p14:creationId xmlns:p14="http://schemas.microsoft.com/office/powerpoint/2010/main" val="3422199551"/>
-      </p:ext>
-    </p:extLst>
-  </p:cSld>
-  <p:clrMapOvr>
-    <a:masterClrMapping/>
-  </p:clrMapOvr>
-</p:sld>
-</file>
-
-<file path=ppt/slides/slide14.xml><?xml version="1.0" encoding="utf-8"?>
-<p:sld xmlns:a="http://schemas.openxmlformats.org/drawingml/2006/main" xmlns:r="http://schemas.openxmlformats.org/officeDocument/2006/relationships" xmlns:p="http://schemas.openxmlformats.org/presentationml/2006/main">
-  <p:cSld>
-    <p:spTree>
-      <p:nvGrpSpPr>
-        <p:cNvPr id="1" name=""/>
-        <p:cNvGrpSpPr/>
-        <p:nvPr/>
-      </p:nvGrpSpPr>
-      <p:grpSpPr>
-        <a:xfrm>
-          <a:off x="0" y="0"/>
-          <a:ext cx="0" cy="0"/>
-          <a:chOff x="0" y="0"/>
-          <a:chExt cx="0" cy="0"/>
-        </a:xfrm>
-      </p:grpSpPr>
-      <p:sp>
-        <p:nvSpPr>
-          <p:cNvPr id="2" name="Title 1">
-            <a:extLst>
-              <a:ext uri="{FF2B5EF4-FFF2-40B4-BE49-F238E27FC236}">
-                <a16:creationId xmlns:a16="http://schemas.microsoft.com/office/drawing/2014/main" xmlns="" id="{0A4E41A0-11E8-495F-B8D2-E14DA9B9692A}"/>
-              </a:ext>
-            </a:extLst>
-          </p:cNvPr>
-          <p:cNvSpPr>
-            <a:spLocks noGrp="1"/>
-          </p:cNvSpPr>
-          <p:nvPr>
-            <p:ph type="title"/>
-          </p:nvPr>
-        </p:nvSpPr>
-        <p:spPr/>
-        <p:txBody>
-          <a:bodyPr/>
-          <a:lstStyle/>
-          <a:p>
-            <a:pPr algn="ctr"/>
-            <a:r>
-              <a:rPr lang="sk-SK" dirty="0"/>
-              <a:t>Príklad: skalár, vektor, matica</a:t>
-            </a:r>
-          </a:p>
-        </p:txBody>
-      </p:sp>
-      <p:sp>
-        <p:nvSpPr>
-          <p:cNvPr id="3" name="Content Placeholder 2">
-            <a:extLst>
-              <a:ext uri="{FF2B5EF4-FFF2-40B4-BE49-F238E27FC236}">
-                <a16:creationId xmlns:a16="http://schemas.microsoft.com/office/drawing/2014/main" xmlns="" id="{CC026D76-2963-45AB-A54A-D554A5347C61}"/>
-              </a:ext>
-            </a:extLst>
-          </p:cNvPr>
-          <p:cNvSpPr>
-            <a:spLocks noGrp="1"/>
-          </p:cNvSpPr>
-          <p:nvPr>
-            <p:ph idx="1"/>
-          </p:nvPr>
-        </p:nvSpPr>
-        <p:spPr/>
-        <p:txBody>
-          <a:bodyPr/>
-          <a:lstStyle/>
-          <a:p>
-            <a:endParaRPr lang="sk-SK"/>
-          </a:p>
-        </p:txBody>
-      </p:sp>
-      <p:pic>
-        <p:nvPicPr>
-          <p:cNvPr id="4" name="Picture 3">
-            <a:extLst>
-              <a:ext uri="{FF2B5EF4-FFF2-40B4-BE49-F238E27FC236}">
-                <a16:creationId xmlns:a16="http://schemas.microsoft.com/office/drawing/2014/main" xmlns="" id="{F91120CF-B128-459D-913B-B7B07661B697}"/>
-              </a:ext>
-            </a:extLst>
-          </p:cNvPr>
-          <p:cNvPicPr>
-            <a:picLocks noChangeAspect="1"/>
-          </p:cNvPicPr>
-          <p:nvPr/>
-        </p:nvPicPr>
-        <p:blipFill>
-          <a:blip r:embed="rId2"/>
-          <a:stretch>
-            <a:fillRect/>
-          </a:stretch>
-        </p:blipFill>
-        <p:spPr>
-          <a:xfrm>
-            <a:off x="0" y="1714500"/>
-            <a:ext cx="9144000" cy="5143500"/>
-          </a:xfrm>
-          <a:prstGeom prst="rect">
-            <a:avLst/>
-          </a:prstGeom>
-        </p:spPr>
-      </p:pic>
-      <p:sp>
-        <p:nvSpPr>
-          <p:cNvPr id="5" name="TextBox 4">
-            <a:extLst>
-              <a:ext uri="{FF2B5EF4-FFF2-40B4-BE49-F238E27FC236}">
-                <a16:creationId xmlns:a16="http://schemas.microsoft.com/office/drawing/2014/main" xmlns="" id="{7023FE84-368A-444B-B950-6CE81EEB5C7F}"/>
+                <a16:creationId xmlns="" xmlns:a16="http://schemas.microsoft.com/office/drawing/2014/main" id="{7023FE84-368A-444B-B950-6CE81EEB5C7F}"/>
               </a:ext>
             </a:extLst>
           </p:cNvPr>
@@ -5371,7 +4316,7 @@
           <p:cNvPr id="6" name="Arrow: Left 5">
             <a:extLst>
               <a:ext uri="{FF2B5EF4-FFF2-40B4-BE49-F238E27FC236}">
-                <a16:creationId xmlns:a16="http://schemas.microsoft.com/office/drawing/2014/main" xmlns="" id="{9560CBD0-4E75-4D00-B5B8-F196F563F288}"/>
+                <a16:creationId xmlns="" xmlns:a16="http://schemas.microsoft.com/office/drawing/2014/main" id="{9560CBD0-4E75-4D00-B5B8-F196F563F288}"/>
               </a:ext>
             </a:extLst>
           </p:cNvPr>
@@ -5422,10 +4367,17 @@
   <p:clrMapOvr>
     <a:masterClrMapping/>
   </p:clrMapOvr>
+  <p:timing>
+    <p:tnLst>
+      <p:par>
+        <p:cTn id="1" dur="indefinite" restart="never" nodeType="tmRoot"/>
+      </p:par>
+    </p:tnLst>
+  </p:timing>
 </p:sld>
 </file>
 
-<file path=ppt/slides/slide15.xml><?xml version="1.0" encoding="utf-8"?>
+<file path=ppt/slides/slide11.xml><?xml version="1.0" encoding="utf-8"?>
 <p:sld xmlns:a="http://schemas.openxmlformats.org/drawingml/2006/main" xmlns:r="http://schemas.openxmlformats.org/officeDocument/2006/relationships" xmlns:p="http://schemas.openxmlformats.org/presentationml/2006/main">
   <p:cSld>
     <p:spTree>
@@ -5447,7 +4399,7 @@
           <p:cNvPr id="2" name="Title 1">
             <a:extLst>
               <a:ext uri="{FF2B5EF4-FFF2-40B4-BE49-F238E27FC236}">
-                <a16:creationId xmlns:a16="http://schemas.microsoft.com/office/drawing/2014/main" xmlns="" id="{C0C45588-87FF-46EE-B263-2E1718B968A4}"/>
+                <a16:creationId xmlns="" xmlns:a16="http://schemas.microsoft.com/office/drawing/2014/main" id="{C0C45588-87FF-46EE-B263-2E1718B968A4}"/>
               </a:ext>
             </a:extLst>
           </p:cNvPr>
@@ -5476,7 +4428,7 @@
           <p:cNvPr id="3" name="Content Placeholder 2">
             <a:extLst>
               <a:ext uri="{FF2B5EF4-FFF2-40B4-BE49-F238E27FC236}">
-                <a16:creationId xmlns:a16="http://schemas.microsoft.com/office/drawing/2014/main" xmlns="" id="{BFA6E7DD-BD5F-478A-B7EA-E3E68C4B6151}"/>
+                <a16:creationId xmlns="" xmlns:a16="http://schemas.microsoft.com/office/drawing/2014/main" id="{BFA6E7DD-BD5F-478A-B7EA-E3E68C4B6151}"/>
               </a:ext>
             </a:extLst>
           </p:cNvPr>
@@ -5517,7 +4469,7 @@
           <p:cNvPr id="4" name="Picture 3">
             <a:extLst>
               <a:ext uri="{FF2B5EF4-FFF2-40B4-BE49-F238E27FC236}">
-                <a16:creationId xmlns:a16="http://schemas.microsoft.com/office/drawing/2014/main" xmlns="" id="{98649DDB-AC34-4047-AC0C-4DB49A5E3DF5}"/>
+                <a16:creationId xmlns="" xmlns:a16="http://schemas.microsoft.com/office/drawing/2014/main" id="{98649DDB-AC34-4047-AC0C-4DB49A5E3DF5}"/>
               </a:ext>
             </a:extLst>
           </p:cNvPr>
@@ -5552,10 +4504,17 @@
   <p:clrMapOvr>
     <a:masterClrMapping/>
   </p:clrMapOvr>
+  <p:timing>
+    <p:tnLst>
+      <p:par>
+        <p:cTn id="1" dur="indefinite" restart="never" nodeType="tmRoot"/>
+      </p:par>
+    </p:tnLst>
+  </p:timing>
 </p:sld>
 </file>
 
-<file path=ppt/slides/slide16.xml><?xml version="1.0" encoding="utf-8"?>
+<file path=ppt/slides/slide12.xml><?xml version="1.0" encoding="utf-8"?>
 <p:sld xmlns:a="http://schemas.openxmlformats.org/drawingml/2006/main" xmlns:r="http://schemas.openxmlformats.org/officeDocument/2006/relationships" xmlns:p="http://schemas.openxmlformats.org/presentationml/2006/main">
   <p:cSld>
     <p:spTree>
@@ -5577,7 +4536,7 @@
           <p:cNvPr id="2" name="Title 1">
             <a:extLst>
               <a:ext uri="{FF2B5EF4-FFF2-40B4-BE49-F238E27FC236}">
-                <a16:creationId xmlns:a16="http://schemas.microsoft.com/office/drawing/2014/main" xmlns="" id="{579608B8-7298-4F9B-B7B9-CCFE941C31FF}"/>
+                <a16:creationId xmlns="" xmlns:a16="http://schemas.microsoft.com/office/drawing/2014/main" id="{579608B8-7298-4F9B-B7B9-CCFE941C31FF}"/>
               </a:ext>
             </a:extLst>
           </p:cNvPr>
@@ -5606,7 +4565,7 @@
           <p:cNvPr id="3" name="Content Placeholder 2">
             <a:extLst>
               <a:ext uri="{FF2B5EF4-FFF2-40B4-BE49-F238E27FC236}">
-                <a16:creationId xmlns:a16="http://schemas.microsoft.com/office/drawing/2014/main" xmlns="" id="{F1E0A482-E4FD-469B-93C4-C2518580E252}"/>
+                <a16:creationId xmlns="" xmlns:a16="http://schemas.microsoft.com/office/drawing/2014/main" id="{F1E0A482-E4FD-469B-93C4-C2518580E252}"/>
               </a:ext>
             </a:extLst>
           </p:cNvPr>
@@ -5737,7 +4696,7 @@
           <p:cNvPr id="4" name="Picture 3">
             <a:extLst>
               <a:ext uri="{FF2B5EF4-FFF2-40B4-BE49-F238E27FC236}">
-                <a16:creationId xmlns:a16="http://schemas.microsoft.com/office/drawing/2014/main" xmlns="" id="{053314CC-6412-4DE7-BF8B-64959280463C}"/>
+                <a16:creationId xmlns="" xmlns:a16="http://schemas.microsoft.com/office/drawing/2014/main" id="{053314CC-6412-4DE7-BF8B-64959280463C}"/>
               </a:ext>
             </a:extLst>
           </p:cNvPr>
@@ -5754,7 +4713,7 @@
         </p:blipFill>
         <p:spPr>
           <a:xfrm>
-            <a:off x="871537" y="3243262"/>
+            <a:off x="937440" y="3243262"/>
             <a:ext cx="2905125" cy="1819275"/>
           </a:xfrm>
           <a:prstGeom prst="rect">
@@ -5772,10 +4731,17 @@
   <p:clrMapOvr>
     <a:masterClrMapping/>
   </p:clrMapOvr>
+  <p:timing>
+    <p:tnLst>
+      <p:par>
+        <p:cTn id="1" dur="indefinite" restart="never" nodeType="tmRoot"/>
+      </p:par>
+    </p:tnLst>
+  </p:timing>
 </p:sld>
 </file>
 
-<file path=ppt/slides/slide17.xml><?xml version="1.0" encoding="utf-8"?>
+<file path=ppt/slides/slide13.xml><?xml version="1.0" encoding="utf-8"?>
 <p:sld xmlns:a="http://schemas.openxmlformats.org/drawingml/2006/main" xmlns:r="http://schemas.openxmlformats.org/officeDocument/2006/relationships" xmlns:p="http://schemas.openxmlformats.org/presentationml/2006/main">
   <p:cSld>
     <p:spTree>
@@ -5797,7 +4763,7 @@
           <p:cNvPr id="2" name="Title 1">
             <a:extLst>
               <a:ext uri="{FF2B5EF4-FFF2-40B4-BE49-F238E27FC236}">
-                <a16:creationId xmlns:a16="http://schemas.microsoft.com/office/drawing/2014/main" xmlns="" id="{69950C0F-E81B-4DD4-AF9D-F5B0F157584E}"/>
+                <a16:creationId xmlns="" xmlns:a16="http://schemas.microsoft.com/office/drawing/2014/main" id="{69950C0F-E81B-4DD4-AF9D-F5B0F157584E}"/>
               </a:ext>
             </a:extLst>
           </p:cNvPr>
@@ -5826,7 +4792,7 @@
           <p:cNvPr id="3" name="Content Placeholder 2">
             <a:extLst>
               <a:ext uri="{FF2B5EF4-FFF2-40B4-BE49-F238E27FC236}">
-                <a16:creationId xmlns:a16="http://schemas.microsoft.com/office/drawing/2014/main" xmlns="" id="{4081618E-ECB4-4B54-A61C-641ACF36D92C}"/>
+                <a16:creationId xmlns="" xmlns:a16="http://schemas.microsoft.com/office/drawing/2014/main" id="{4081618E-ECB4-4B54-A61C-641ACF36D92C}"/>
               </a:ext>
             </a:extLst>
           </p:cNvPr>
@@ -5845,8 +4811,29 @@
             <a:pPr lvl="1"/>
             <a:r>
               <a:rPr lang="sk-SK" dirty="0"/>
-              <a:t>Vytvorenie matice pomocou funkcií v MATLABe</a:t>
-            </a:r>
+              <a:t>Vytvorenie matice </a:t>
+            </a:r>
+            <a:r>
+              <a:rPr lang="sk-SK" dirty="0" smtClean="0"/>
+              <a:t>pomocou </a:t>
+            </a:r>
+            <a:r>
+              <a:rPr lang="sk-SK" dirty="0"/>
+              <a:t>funkcií v </a:t>
+            </a:r>
+            <a:r>
+              <a:rPr lang="sk-SK" dirty="0" err="1" smtClean="0"/>
+              <a:t>MATLABe</a:t>
+            </a:r>
+            <a:endParaRPr lang="sk-SK" dirty="0" smtClean="0"/>
+          </a:p>
+          <a:p>
+            <a:pPr lvl="1"/>
+            <a:endParaRPr lang="sk-SK" dirty="0"/>
+          </a:p>
+          <a:p>
+            <a:pPr lvl="1"/>
+            <a:endParaRPr lang="sk-SK" dirty="0"/>
           </a:p>
         </p:txBody>
       </p:sp>
@@ -5855,7 +4842,7 @@
           <p:cNvPr id="4" name="Picture 3">
             <a:extLst>
               <a:ext uri="{FF2B5EF4-FFF2-40B4-BE49-F238E27FC236}">
-                <a16:creationId xmlns:a16="http://schemas.microsoft.com/office/drawing/2014/main" xmlns="" id="{960F02D6-F4E7-49EC-B69B-A077B281B073}"/>
+                <a16:creationId xmlns="" xmlns:a16="http://schemas.microsoft.com/office/drawing/2014/main" id="{960F02D6-F4E7-49EC-B69B-A077B281B073}"/>
               </a:ext>
             </a:extLst>
           </p:cNvPr>
@@ -5892,7 +4879,7 @@
           <p:cNvPr id="5" name="Picture 4">
             <a:extLst>
               <a:ext uri="{FF2B5EF4-FFF2-40B4-BE49-F238E27FC236}">
-                <a16:creationId xmlns:a16="http://schemas.microsoft.com/office/drawing/2014/main" xmlns="" id="{AFE40CE5-A026-4FF6-BD4B-2B25E7EDDB4D}"/>
+                <a16:creationId xmlns="" xmlns:a16="http://schemas.microsoft.com/office/drawing/2014/main" id="{AFE40CE5-A026-4FF6-BD4B-2B25E7EDDB4D}"/>
               </a:ext>
             </a:extLst>
           </p:cNvPr>
@@ -5929,7 +4916,7 @@
           <p:cNvPr id="6" name="Picture 5">
             <a:extLst>
               <a:ext uri="{FF2B5EF4-FFF2-40B4-BE49-F238E27FC236}">
-                <a16:creationId xmlns:a16="http://schemas.microsoft.com/office/drawing/2014/main" xmlns="" id="{3D2288B8-E732-4F7F-AB41-BDCA265E46BB}"/>
+                <a16:creationId xmlns="" xmlns:a16="http://schemas.microsoft.com/office/drawing/2014/main" id="{3D2288B8-E732-4F7F-AB41-BDCA265E46BB}"/>
               </a:ext>
             </a:extLst>
           </p:cNvPr>
@@ -5966,7 +4953,7 @@
           <p:cNvPr id="7" name="Picture 6">
             <a:extLst>
               <a:ext uri="{FF2B5EF4-FFF2-40B4-BE49-F238E27FC236}">
-                <a16:creationId xmlns:a16="http://schemas.microsoft.com/office/drawing/2014/main" xmlns="" id="{FD16416E-B63A-400C-A1A8-C31F4065AA11}"/>
+                <a16:creationId xmlns="" xmlns:a16="http://schemas.microsoft.com/office/drawing/2014/main" id="{FD16416E-B63A-400C-A1A8-C31F4065AA11}"/>
               </a:ext>
             </a:extLst>
           </p:cNvPr>
@@ -6008,10 +4995,17 @@
   <p:clrMapOvr>
     <a:masterClrMapping/>
   </p:clrMapOvr>
+  <p:timing>
+    <p:tnLst>
+      <p:par>
+        <p:cTn id="1" dur="indefinite" restart="never" nodeType="tmRoot"/>
+      </p:par>
+    </p:tnLst>
+  </p:timing>
 </p:sld>
 </file>
 
-<file path=ppt/slides/slide18.xml><?xml version="1.0" encoding="utf-8"?>
+<file path=ppt/slides/slide14.xml><?xml version="1.0" encoding="utf-8"?>
 <p:sld xmlns:a="http://schemas.openxmlformats.org/drawingml/2006/main" xmlns:r="http://schemas.openxmlformats.org/officeDocument/2006/relationships" xmlns:p="http://schemas.openxmlformats.org/presentationml/2006/main">
   <p:cSld>
     <p:spTree>
@@ -6033,7 +5027,7 @@
           <p:cNvPr id="2" name="Title 1">
             <a:extLst>
               <a:ext uri="{FF2B5EF4-FFF2-40B4-BE49-F238E27FC236}">
-                <a16:creationId xmlns:a16="http://schemas.microsoft.com/office/drawing/2014/main" xmlns="" id="{FB2DF990-A8DE-4E89-861E-84BCA354E568}"/>
+                <a16:creationId xmlns="" xmlns:a16="http://schemas.microsoft.com/office/drawing/2014/main" id="{FB2DF990-A8DE-4E89-861E-84BCA354E568}"/>
               </a:ext>
             </a:extLst>
           </p:cNvPr>
@@ -6070,7 +5064,7 @@
           <p:cNvPr id="3" name="Content Placeholder 2">
             <a:extLst>
               <a:ext uri="{FF2B5EF4-FFF2-40B4-BE49-F238E27FC236}">
-                <a16:creationId xmlns:a16="http://schemas.microsoft.com/office/drawing/2014/main" xmlns="" id="{0D020050-8A9C-4D4B-9194-177D9B6C9428}"/>
+                <a16:creationId xmlns="" xmlns:a16="http://schemas.microsoft.com/office/drawing/2014/main" id="{0D020050-8A9C-4D4B-9194-177D9B6C9428}"/>
               </a:ext>
             </a:extLst>
           </p:cNvPr>
@@ -6088,47 +5082,89 @@
           <a:p>
             <a:pPr lvl="1"/>
             <a:r>
-              <a:rPr lang="sk-SK" dirty="0"/>
-              <a:t>Diag – vytvorenie a vybratie diagonály matice</a:t>
-            </a:r>
+              <a:rPr lang="sk-SK" dirty="0" smtClean="0"/>
+              <a:t>Užitočné funkcie</a:t>
+            </a:r>
+            <a:endParaRPr lang="sk-SK" dirty="0"/>
           </a:p>
           <a:p>
             <a:pPr lvl="1"/>
             <a:r>
-              <a:rPr lang="sk-SK" dirty="0"/>
-              <a:t>Fliplr – výmena stĺpcov matice zľava-doprava</a:t>
-            </a:r>
+              <a:rPr lang="sk-SK" dirty="0" smtClean="0"/>
+              <a:t>zistenie </a:t>
+            </a:r>
+            <a:r>
+              <a:rPr lang="sk-SK" dirty="0"/>
+              <a:t>rozmerov </a:t>
+            </a:r>
+            <a:r>
+              <a:rPr lang="sk-SK" dirty="0"/>
+              <a:t>matice </a:t>
+            </a:r>
+            <a:r>
+              <a:rPr lang="sk-SK" dirty="0" err="1" smtClean="0"/>
+              <a:t>size</a:t>
+            </a:r>
+            <a:r>
+              <a:rPr lang="sk-SK" dirty="0" smtClean="0"/>
+              <a:t>(A</a:t>
+            </a:r>
+            <a:r>
+              <a:rPr lang="sk-SK" dirty="0"/>
+              <a:t>) – </a:t>
+            </a:r>
+            <a:endParaRPr lang="sk-SK" dirty="0"/>
           </a:p>
           <a:p>
             <a:pPr lvl="1"/>
             <a:r>
-              <a:rPr lang="sk-SK" dirty="0"/>
-              <a:t>Flipud – výmena riadkov matice zhora-nadol</a:t>
+              <a:rPr lang="sk-SK" dirty="0" smtClean="0"/>
+              <a:t>Inverzia matice  - </a:t>
+            </a:r>
+            <a:r>
+              <a:rPr lang="sk-SK" dirty="0" err="1" smtClean="0"/>
+              <a:t>inv</a:t>
+            </a:r>
+            <a:r>
+              <a:rPr lang="sk-SK" dirty="0" smtClean="0"/>
+              <a:t>(A)</a:t>
             </a:r>
           </a:p>
           <a:p>
             <a:pPr lvl="1"/>
             <a:r>
-              <a:rPr lang="sk-SK" dirty="0"/>
-              <a:t>Rot90 – rotácie matice o 90 stupňov</a:t>
-            </a:r>
+              <a:rPr lang="sk-SK" dirty="0" smtClean="0"/>
+              <a:t>Determinant matice - </a:t>
+            </a:r>
+            <a:r>
+              <a:rPr lang="sk-SK" dirty="0" err="1" smtClean="0"/>
+              <a:t>det</a:t>
+            </a:r>
+            <a:r>
+              <a:rPr lang="sk-SK" dirty="0" smtClean="0"/>
+              <a:t>(A)</a:t>
+            </a:r>
+            <a:endParaRPr lang="sk-SK" dirty="0"/>
           </a:p>
           <a:p>
             <a:pPr lvl="1"/>
             <a:r>
-              <a:rPr lang="sk-SK" dirty="0"/>
-              <a:t>Size – zistenie rozmerov matice</a:t>
-            </a:r>
-          </a:p>
-          <a:p>
-            <a:pPr lvl="1"/>
-            <a:r>
-              <a:rPr lang="sk-SK" dirty="0"/>
-              <a:t>...</a:t>
-            </a:r>
-          </a:p>
-          <a:p>
-            <a:pPr lvl="1"/>
+              <a:rPr lang="sk-SK" dirty="0" smtClean="0"/>
+              <a:t>Vlastné čísla matice – </a:t>
+            </a:r>
+            <a:r>
+              <a:rPr lang="sk-SK" dirty="0" err="1" smtClean="0"/>
+              <a:t>eig</a:t>
+            </a:r>
+            <a:r>
+              <a:rPr lang="sk-SK" dirty="0" smtClean="0"/>
+              <a:t>(A)</a:t>
+            </a:r>
+          </a:p>
+          <a:p>
+            <a:pPr marL="201168" lvl="1" indent="0">
+              <a:buNone/>
+            </a:pPr>
             <a:endParaRPr lang="sk-SK" dirty="0"/>
           </a:p>
           <a:p>
@@ -6178,30 +5214,44 @@
             <a:pPr lvl="1"/>
             <a:r>
               <a:rPr lang="sk-SK" dirty="0"/>
-              <a:t>Delenie po prvkoch – A./B</a:t>
+              <a:t>Delenie po prvkoch – A./</a:t>
+            </a:r>
+            <a:r>
+              <a:rPr lang="sk-SK" dirty="0" smtClean="0"/>
+              <a:t>B</a:t>
             </a:r>
           </a:p>
           <a:p>
             <a:pPr lvl="1"/>
             <a:r>
-              <a:rPr lang="sk-SK" dirty="0"/>
-              <a:t>Delenie po prvkoch zľava – A.</a:t>
-            </a:r>
-            <a:r>
-              <a:rPr lang="en-US" dirty="0"/>
-              <a:t>\</a:t>
-            </a:r>
-            <a:r>
-              <a:rPr lang="sk-SK" dirty="0"/>
-              <a:t>B</a:t>
-            </a:r>
-          </a:p>
-          <a:p>
-            <a:pPr lvl="1"/>
-            <a:r>
-              <a:rPr lang="sk-SK" dirty="0"/>
-              <a:t>Násobenie matíc – A*B</a:t>
-            </a:r>
+              <a:rPr lang="sk-SK" dirty="0" smtClean="0"/>
+              <a:t>Klasické </a:t>
+            </a:r>
+            <a:r>
+              <a:rPr lang="sk-SK" dirty="0"/>
+              <a:t>násobenie matíc </a:t>
+            </a:r>
+            <a:r>
+              <a:rPr lang="sk-SK" dirty="0" smtClean="0"/>
+              <a:t>A*B</a:t>
+            </a:r>
+            <a:endParaRPr lang="sk-SK" dirty="0" smtClean="0"/>
+          </a:p>
+          <a:p>
+            <a:pPr lvl="2"/>
+            <a:r>
+              <a:rPr lang="sk-SK" dirty="0" smtClean="0"/>
+              <a:t>Pozor na korektné rozmery násobených matíc -</a:t>
+            </a:r>
+            <a:r>
+              <a:rPr lang="en-US" dirty="0" smtClean="0"/>
+              <a:t>&gt; </a:t>
+            </a:r>
+            <a:r>
+              <a:rPr lang="sk-SK" dirty="0" smtClean="0"/>
+              <a:t>Lineárna algebra... </a:t>
+            </a:r>
+            <a:endParaRPr lang="sk-SK" dirty="0"/>
           </a:p>
         </p:txBody>
       </p:sp>
@@ -6215,10 +5265,17 @@
   <p:clrMapOvr>
     <a:masterClrMapping/>
   </p:clrMapOvr>
+  <p:timing>
+    <p:tnLst>
+      <p:par>
+        <p:cTn id="1" dur="indefinite" restart="never" nodeType="tmRoot"/>
+      </p:par>
+    </p:tnLst>
+  </p:timing>
 </p:sld>
 </file>
 
-<file path=ppt/slides/slide19.xml><?xml version="1.0" encoding="utf-8"?>
+<file path=ppt/slides/slide15.xml><?xml version="1.0" encoding="utf-8"?>
 <p:sld xmlns:a="http://schemas.openxmlformats.org/drawingml/2006/main" xmlns:r="http://schemas.openxmlformats.org/officeDocument/2006/relationships" xmlns:p="http://schemas.openxmlformats.org/presentationml/2006/main">
   <p:cSld>
     <p:spTree>
@@ -6240,7 +5297,7 @@
           <p:cNvPr id="2" name="Title 1">
             <a:extLst>
               <a:ext uri="{FF2B5EF4-FFF2-40B4-BE49-F238E27FC236}">
-                <a16:creationId xmlns:a16="http://schemas.microsoft.com/office/drawing/2014/main" xmlns="" id="{658A3B10-52CE-4B58-90D1-8A9F4E56AD42}"/>
+                <a16:creationId xmlns="" xmlns:a16="http://schemas.microsoft.com/office/drawing/2014/main" id="{658A3B10-52CE-4B58-90D1-8A9F4E56AD42}"/>
               </a:ext>
             </a:extLst>
           </p:cNvPr>
@@ -6269,7 +5326,7 @@
           <p:cNvPr id="3" name="Content Placeholder 2">
             <a:extLst>
               <a:ext uri="{FF2B5EF4-FFF2-40B4-BE49-F238E27FC236}">
-                <a16:creationId xmlns:a16="http://schemas.microsoft.com/office/drawing/2014/main" xmlns="" id="{38E79F8F-8844-4366-995E-FCFC88A04BAB}"/>
+                <a16:creationId xmlns="" xmlns:a16="http://schemas.microsoft.com/office/drawing/2014/main" id="{38E79F8F-8844-4366-995E-FCFC88A04BAB}"/>
               </a:ext>
             </a:extLst>
           </p:cNvPr>
@@ -6285,7 +5342,7 @@
           <a:bodyPr/>
           <a:lstStyle/>
           <a:p>
-            <a:endParaRPr lang="sk-SK"/>
+            <a:endParaRPr lang="sk-SK" dirty="0"/>
           </a:p>
         </p:txBody>
       </p:sp>
@@ -6294,7 +5351,7 @@
           <p:cNvPr id="4" name="TextBox 3">
             <a:extLst>
               <a:ext uri="{FF2B5EF4-FFF2-40B4-BE49-F238E27FC236}">
-                <a16:creationId xmlns:a16="http://schemas.microsoft.com/office/drawing/2014/main" xmlns="" id="{8544CDE3-0272-4647-8380-C8829D7E1604}"/>
+                <a16:creationId xmlns="" xmlns:a16="http://schemas.microsoft.com/office/drawing/2014/main" id="{8544CDE3-0272-4647-8380-C8829D7E1604}"/>
               </a:ext>
             </a:extLst>
           </p:cNvPr>
@@ -6349,7 +5406,7 @@
           <p:cNvPr id="5" name="Picture 4">
             <a:extLst>
               <a:ext uri="{FF2B5EF4-FFF2-40B4-BE49-F238E27FC236}">
-                <a16:creationId xmlns:a16="http://schemas.microsoft.com/office/drawing/2014/main" xmlns="" id="{484C2CD3-0E2E-4072-A16B-D1D5E5E3A30F}"/>
+                <a16:creationId xmlns="" xmlns:a16="http://schemas.microsoft.com/office/drawing/2014/main" id="{484C2CD3-0E2E-4072-A16B-D1D5E5E3A30F}"/>
               </a:ext>
             </a:extLst>
           </p:cNvPr>
@@ -6384,10 +5441,17 @@
   <p:clrMapOvr>
     <a:masterClrMapping/>
   </p:clrMapOvr>
+  <p:timing>
+    <p:tnLst>
+      <p:par>
+        <p:cTn id="1" dur="indefinite" restart="never" nodeType="tmRoot"/>
+      </p:par>
+    </p:tnLst>
+  </p:timing>
 </p:sld>
 </file>
 
-<file path=ppt/slides/slide2.xml><?xml version="1.0" encoding="utf-8"?>
+<file path=ppt/slides/slide16.xml><?xml version="1.0" encoding="utf-8"?>
 <p:sld xmlns:a="http://schemas.openxmlformats.org/drawingml/2006/main" xmlns:r="http://schemas.openxmlformats.org/officeDocument/2006/relationships" xmlns:p="http://schemas.openxmlformats.org/presentationml/2006/main">
   <p:cSld>
     <p:spTree>
@@ -6406,10 +5470,10 @@
       </p:grpSpPr>
       <p:sp>
         <p:nvSpPr>
-          <p:cNvPr id="2" name="Nadpis 1">
-            <a:extLst>
-              <a:ext uri="{FF2B5EF4-FFF2-40B4-BE49-F238E27FC236}">
-                <a16:creationId xmlns:a16="http://schemas.microsoft.com/office/drawing/2014/main" xmlns="" id="{A60D084F-ACFD-4F46-B5DB-65DDF10CFCE9}"/>
+          <p:cNvPr id="2" name="Title 1">
+            <a:extLst>
+              <a:ext uri="{FF2B5EF4-FFF2-40B4-BE49-F238E27FC236}">
+                <a16:creationId xmlns="" xmlns:a16="http://schemas.microsoft.com/office/drawing/2014/main" id="{A85C9CCC-0B97-4789-8DB6-D27F96D96F4E}"/>
               </a:ext>
             </a:extLst>
           </p:cNvPr>
@@ -6418,6 +5482,35 @@
           </p:cNvSpPr>
           <p:nvPr>
             <p:ph type="title"/>
+          </p:nvPr>
+        </p:nvSpPr>
+        <p:spPr/>
+        <p:txBody>
+          <a:bodyPr/>
+          <a:lstStyle/>
+          <a:p>
+            <a:pPr algn="ctr"/>
+            <a:r>
+              <a:rPr lang="sk-SK" dirty="0"/>
+              <a:t>Komplexné čísla</a:t>
+            </a:r>
+          </a:p>
+        </p:txBody>
+      </p:sp>
+      <p:sp>
+        <p:nvSpPr>
+          <p:cNvPr id="3" name="Content Placeholder 2">
+            <a:extLst>
+              <a:ext uri="{FF2B5EF4-FFF2-40B4-BE49-F238E27FC236}">
+                <a16:creationId xmlns="" xmlns:a16="http://schemas.microsoft.com/office/drawing/2014/main" id="{1EA5E127-342B-47A5-861F-43727FF8E83A}"/>
+              </a:ext>
+            </a:extLst>
+          </p:cNvPr>
+          <p:cNvSpPr>
+            <a:spLocks noGrp="1"/>
+          </p:cNvSpPr>
+          <p:nvPr>
+            <p:ph idx="1"/>
           </p:nvPr>
         </p:nvSpPr>
         <p:spPr/>
@@ -6427,276 +5520,6 @@
           </a:bodyPr>
           <a:lstStyle/>
           <a:p>
-            <a:r>
-              <a:rPr lang="en-US" dirty="0" err="1"/>
-              <a:t>Nazov</a:t>
-            </a:r>
-            <a:r>
-              <a:rPr lang="en-US" dirty="0"/>
-              <a:t> </a:t>
-            </a:r>
-            <a:r>
-              <a:rPr lang="en-US" dirty="0" err="1"/>
-              <a:t>sekcie</a:t>
-            </a:r>
-            <a:endParaRPr lang="sk-SK" dirty="0"/>
-          </a:p>
-        </p:txBody>
-      </p:sp>
-      <p:sp>
-        <p:nvSpPr>
-          <p:cNvPr id="3" name="Zástupný objekt pre obsah 2">
-            <a:extLst>
-              <a:ext uri="{FF2B5EF4-FFF2-40B4-BE49-F238E27FC236}">
-                <a16:creationId xmlns:a16="http://schemas.microsoft.com/office/drawing/2014/main" xmlns="" id="{A74476A0-8C3D-4B4B-ABC1-78C4925E54B4}"/>
-              </a:ext>
-            </a:extLst>
-          </p:cNvPr>
-          <p:cNvSpPr>
-            <a:spLocks noGrp="1"/>
-          </p:cNvSpPr>
-          <p:nvPr>
-            <p:ph idx="1"/>
-          </p:nvPr>
-        </p:nvSpPr>
-        <p:spPr/>
-        <p:txBody>
-          <a:bodyPr/>
-          <a:lstStyle/>
-          <a:p>
-            <a:pPr marL="0" indent="0">
-              <a:buNone/>
-            </a:pPr>
-            <a:r>
-              <a:rPr lang="sk-SK" dirty="0" err="1"/>
-              <a:t>Normalny</a:t>
-            </a:r>
-            <a:r>
-              <a:rPr lang="sk-SK" dirty="0"/>
-              <a:t> text:</a:t>
-            </a:r>
-          </a:p>
-          <a:p>
-            <a:pPr>
-              <a:buFont typeface="Arial" panose="020B0604020202020204" pitchFamily="34" charset="0"/>
-              <a:buChar char="•"/>
-            </a:pPr>
-            <a:r>
-              <a:rPr lang="en-US" dirty="0"/>
-              <a:t> </a:t>
-            </a:r>
-            <a:r>
-              <a:rPr lang="sk-SK" dirty="0" err="1"/>
-              <a:t>Zvolime</a:t>
-            </a:r>
-            <a:r>
-              <a:rPr lang="sk-SK" dirty="0"/>
-              <a:t> Odsek</a:t>
-            </a:r>
-            <a:r>
-              <a:rPr lang="en-US" dirty="0"/>
-              <a:t>-&gt; </a:t>
-            </a:r>
-            <a:r>
-              <a:rPr lang="en-US" dirty="0" err="1"/>
-              <a:t>Zarazka</a:t>
-            </a:r>
-            <a:r>
-              <a:rPr lang="en-US" dirty="0"/>
-              <a:t>  a </a:t>
-            </a:r>
-            <a:r>
-              <a:rPr lang="en-US" dirty="0" err="1"/>
-              <a:t>mame</a:t>
-            </a:r>
-            <a:r>
-              <a:rPr lang="en-US" dirty="0"/>
-              <a:t> </a:t>
-            </a:r>
-            <a:r>
-              <a:rPr lang="en-US" dirty="0" err="1"/>
-              <a:t>takyto</a:t>
-            </a:r>
-            <a:r>
-              <a:rPr lang="en-US" dirty="0"/>
-              <a:t> bod</a:t>
-            </a:r>
-            <a:endParaRPr lang="sk-SK" dirty="0"/>
-          </a:p>
-          <a:p>
-            <a:pPr lvl="1">
-              <a:buFont typeface="Arial" panose="020B0604020202020204" pitchFamily="34" charset="0"/>
-              <a:buChar char="•"/>
-            </a:pPr>
-            <a:r>
-              <a:rPr lang="en-US" dirty="0"/>
-              <a:t>Stale </a:t>
-            </a:r>
-            <a:r>
-              <a:rPr lang="en-US" dirty="0" err="1"/>
-              <a:t>mame</a:t>
-            </a:r>
-            <a:r>
-              <a:rPr lang="en-US" dirty="0"/>
-              <a:t> </a:t>
-            </a:r>
-            <a:r>
-              <a:rPr lang="en-US" dirty="0" err="1"/>
-              <a:t>zvolenu</a:t>
-            </a:r>
-            <a:r>
-              <a:rPr lang="en-US" dirty="0"/>
-              <a:t> </a:t>
-            </a:r>
-            <a:r>
-              <a:rPr lang="en-US" dirty="0" err="1"/>
-              <a:t>zarazku</a:t>
-            </a:r>
-            <a:r>
-              <a:rPr lang="en-US" dirty="0"/>
-              <a:t> a </a:t>
-            </a:r>
-            <a:r>
-              <a:rPr lang="en-US" dirty="0" err="1"/>
-              <a:t>stlacime</a:t>
-            </a:r>
-            <a:r>
-              <a:rPr lang="en-US" dirty="0"/>
-              <a:t> TAB, </a:t>
-            </a:r>
-            <a:r>
-              <a:rPr lang="en-US" dirty="0" err="1"/>
-              <a:t>takto</a:t>
-            </a:r>
-            <a:r>
-              <a:rPr lang="en-US" dirty="0"/>
-              <a:t> </a:t>
-            </a:r>
-            <a:r>
-              <a:rPr lang="en-US" dirty="0" err="1"/>
-              <a:t>urobime</a:t>
-            </a:r>
-            <a:r>
-              <a:rPr lang="en-US" dirty="0"/>
-              <a:t> pod-</a:t>
-            </a:r>
-            <a:r>
-              <a:rPr lang="en-US" dirty="0" err="1"/>
-              <a:t>zarazku</a:t>
-            </a:r>
-            <a:endParaRPr lang="sk-SK" dirty="0"/>
-          </a:p>
-          <a:p>
-            <a:pPr lvl="2">
-              <a:buFont typeface="Arial" panose="020B0604020202020204" pitchFamily="34" charset="0"/>
-              <a:buChar char="•"/>
-            </a:pPr>
-            <a:r>
-              <a:rPr lang="en-US" dirty="0"/>
-              <a:t>Pod-pod-</a:t>
-            </a:r>
-            <a:r>
-              <a:rPr lang="en-US" dirty="0" err="1"/>
-              <a:t>zarazka</a:t>
-            </a:r>
-            <a:r>
-              <a:rPr lang="en-US" dirty="0"/>
-              <a:t> ked </a:t>
-            </a:r>
-            <a:r>
-              <a:rPr lang="en-US" dirty="0" err="1"/>
-              <a:t>sstalcime</a:t>
-            </a:r>
-            <a:r>
-              <a:rPr lang="en-US" dirty="0"/>
-              <a:t> TAB</a:t>
-            </a:r>
-            <a:endParaRPr lang="sk-SK" dirty="0"/>
-          </a:p>
-        </p:txBody>
-      </p:sp>
-    </p:spTree>
-    <p:extLst>
-      <p:ext uri="{BB962C8B-B14F-4D97-AF65-F5344CB8AC3E}">
-        <p14:creationId xmlns:p14="http://schemas.microsoft.com/office/powerpoint/2010/main" val="4002585518"/>
-      </p:ext>
-    </p:extLst>
-  </p:cSld>
-  <p:clrMapOvr>
-    <a:masterClrMapping/>
-  </p:clrMapOvr>
-</p:sld>
-</file>
-
-<file path=ppt/slides/slide20.xml><?xml version="1.0" encoding="utf-8"?>
-<p:sld xmlns:a="http://schemas.openxmlformats.org/drawingml/2006/main" xmlns:r="http://schemas.openxmlformats.org/officeDocument/2006/relationships" xmlns:p="http://schemas.openxmlformats.org/presentationml/2006/main">
-  <p:cSld>
-    <p:spTree>
-      <p:nvGrpSpPr>
-        <p:cNvPr id="1" name=""/>
-        <p:cNvGrpSpPr/>
-        <p:nvPr/>
-      </p:nvGrpSpPr>
-      <p:grpSpPr>
-        <a:xfrm>
-          <a:off x="0" y="0"/>
-          <a:ext cx="0" cy="0"/>
-          <a:chOff x="0" y="0"/>
-          <a:chExt cx="0" cy="0"/>
-        </a:xfrm>
-      </p:grpSpPr>
-      <p:sp>
-        <p:nvSpPr>
-          <p:cNvPr id="2" name="Title 1">
-            <a:extLst>
-              <a:ext uri="{FF2B5EF4-FFF2-40B4-BE49-F238E27FC236}">
-                <a16:creationId xmlns:a16="http://schemas.microsoft.com/office/drawing/2014/main" xmlns="" id="{A85C9CCC-0B97-4789-8DB6-D27F96D96F4E}"/>
-              </a:ext>
-            </a:extLst>
-          </p:cNvPr>
-          <p:cNvSpPr>
-            <a:spLocks noGrp="1"/>
-          </p:cNvSpPr>
-          <p:nvPr>
-            <p:ph type="title"/>
-          </p:nvPr>
-        </p:nvSpPr>
-        <p:spPr/>
-        <p:txBody>
-          <a:bodyPr/>
-          <a:lstStyle/>
-          <a:p>
-            <a:pPr algn="ctr"/>
-            <a:r>
-              <a:rPr lang="sk-SK" dirty="0"/>
-              <a:t>Komplexné čísla</a:t>
-            </a:r>
-          </a:p>
-        </p:txBody>
-      </p:sp>
-      <p:sp>
-        <p:nvSpPr>
-          <p:cNvPr id="3" name="Content Placeholder 2">
-            <a:extLst>
-              <a:ext uri="{FF2B5EF4-FFF2-40B4-BE49-F238E27FC236}">
-                <a16:creationId xmlns:a16="http://schemas.microsoft.com/office/drawing/2014/main" xmlns="" id="{1EA5E127-342B-47A5-861F-43727FF8E83A}"/>
-              </a:ext>
-            </a:extLst>
-          </p:cNvPr>
-          <p:cNvSpPr>
-            <a:spLocks noGrp="1"/>
-          </p:cNvSpPr>
-          <p:nvPr>
-            <p:ph idx="1"/>
-          </p:nvPr>
-        </p:nvSpPr>
-        <p:spPr/>
-        <p:txBody>
-          <a:bodyPr>
-            <a:normAutofit/>
-          </a:bodyPr>
-          <a:lstStyle/>
-          <a:p>
             <a:pPr lvl="1"/>
             <a:r>
               <a:rPr lang="sk-SK" sz="2000" dirty="0"/>
@@ -6724,7 +5547,7 @@
           <p:cNvPr id="6" name="Picture 5">
             <a:extLst>
               <a:ext uri="{FF2B5EF4-FFF2-40B4-BE49-F238E27FC236}">
-                <a16:creationId xmlns:a16="http://schemas.microsoft.com/office/drawing/2014/main" xmlns="" id="{1AB7A05F-EEF1-471B-8784-14AE02D54A80}"/>
+                <a16:creationId xmlns="" xmlns:a16="http://schemas.microsoft.com/office/drawing/2014/main" id="{1AB7A05F-EEF1-471B-8784-14AE02D54A80}"/>
               </a:ext>
             </a:extLst>
           </p:cNvPr>
@@ -6754,7 +5577,7 @@
           <p:cNvPr id="7" name="Picture 6">
             <a:extLst>
               <a:ext uri="{FF2B5EF4-FFF2-40B4-BE49-F238E27FC236}">
-                <a16:creationId xmlns:a16="http://schemas.microsoft.com/office/drawing/2014/main" xmlns="" id="{7F2F4B27-90E6-4A5F-951B-C5807B7B711E}"/>
+                <a16:creationId xmlns="" xmlns:a16="http://schemas.microsoft.com/office/drawing/2014/main" id="{7F2F4B27-90E6-4A5F-951B-C5807B7B711E}"/>
               </a:ext>
             </a:extLst>
           </p:cNvPr>
@@ -6789,10 +5612,17 @@
   <p:clrMapOvr>
     <a:masterClrMapping/>
   </p:clrMapOvr>
+  <p:timing>
+    <p:tnLst>
+      <p:par>
+        <p:cTn id="1" dur="indefinite" restart="never" nodeType="tmRoot"/>
+      </p:par>
+    </p:tnLst>
+  </p:timing>
 </p:sld>
 </file>
 
-<file path=ppt/slides/slide21.xml><?xml version="1.0" encoding="utf-8"?>
+<file path=ppt/slides/slide17.xml><?xml version="1.0" encoding="utf-8"?>
 <p:sld xmlns:a="http://schemas.openxmlformats.org/drawingml/2006/main" xmlns:r="http://schemas.openxmlformats.org/officeDocument/2006/relationships" xmlns:p="http://schemas.openxmlformats.org/presentationml/2006/main">
   <p:cSld>
     <p:spTree>
@@ -6814,7 +5644,7 @@
           <p:cNvPr id="2" name="Title 1">
             <a:extLst>
               <a:ext uri="{FF2B5EF4-FFF2-40B4-BE49-F238E27FC236}">
-                <a16:creationId xmlns:a16="http://schemas.microsoft.com/office/drawing/2014/main" xmlns="" id="{8712F40D-332C-448B-A4E7-81FC2C4A4C35}"/>
+                <a16:creationId xmlns="" xmlns:a16="http://schemas.microsoft.com/office/drawing/2014/main" id="{8712F40D-332C-448B-A4E7-81FC2C4A4C35}"/>
               </a:ext>
             </a:extLst>
           </p:cNvPr>
@@ -6844,7 +5674,7 @@
           <p:cNvPr id="3" name="Content Placeholder 2">
             <a:extLst>
               <a:ext uri="{FF2B5EF4-FFF2-40B4-BE49-F238E27FC236}">
-                <a16:creationId xmlns:a16="http://schemas.microsoft.com/office/drawing/2014/main" xmlns="" id="{D9D69473-1B1F-4B4A-96D0-AAE6381C3228}"/>
+                <a16:creationId xmlns="" xmlns:a16="http://schemas.microsoft.com/office/drawing/2014/main" id="{D9D69473-1B1F-4B4A-96D0-AAE6381C3228}"/>
               </a:ext>
             </a:extLst>
           </p:cNvPr>
@@ -6894,10 +5724,17 @@
   <p:clrMapOvr>
     <a:masterClrMapping/>
   </p:clrMapOvr>
+  <p:timing>
+    <p:tnLst>
+      <p:par>
+        <p:cTn id="1" dur="indefinite" restart="never" nodeType="tmRoot"/>
+      </p:par>
+    </p:tnLst>
+  </p:timing>
 </p:sld>
 </file>
 
-<file path=ppt/slides/slide22.xml><?xml version="1.0" encoding="utf-8"?>
+<file path=ppt/slides/slide18.xml><?xml version="1.0" encoding="utf-8"?>
 <p:sld xmlns:a="http://schemas.openxmlformats.org/drawingml/2006/main" xmlns:r="http://schemas.openxmlformats.org/officeDocument/2006/relationships" xmlns:p="http://schemas.openxmlformats.org/presentationml/2006/main">
   <p:cSld>
     <p:spTree>
@@ -6919,7 +5756,7 @@
           <p:cNvPr id="2" name="Title 1">
             <a:extLst>
               <a:ext uri="{FF2B5EF4-FFF2-40B4-BE49-F238E27FC236}">
-                <a16:creationId xmlns:a16="http://schemas.microsoft.com/office/drawing/2014/main" xmlns="" id="{5CA2726D-D260-476F-B92F-661E8D2584B6}"/>
+                <a16:creationId xmlns="" xmlns:a16="http://schemas.microsoft.com/office/drawing/2014/main" id="{5CA2726D-D260-476F-B92F-661E8D2584B6}"/>
               </a:ext>
             </a:extLst>
           </p:cNvPr>
@@ -6948,7 +5785,7 @@
           <p:cNvPr id="3" name="Content Placeholder 2">
             <a:extLst>
               <a:ext uri="{FF2B5EF4-FFF2-40B4-BE49-F238E27FC236}">
-                <a16:creationId xmlns:a16="http://schemas.microsoft.com/office/drawing/2014/main" xmlns="" id="{67143A2A-B76A-489C-9A85-E611E40675C5}"/>
+                <a16:creationId xmlns="" xmlns:a16="http://schemas.microsoft.com/office/drawing/2014/main" id="{67143A2A-B76A-489C-9A85-E611E40675C5}"/>
               </a:ext>
             </a:extLst>
           </p:cNvPr>
@@ -6973,7 +5810,7 @@
           <p:cNvPr id="8" name="Picture 7">
             <a:extLst>
               <a:ext uri="{FF2B5EF4-FFF2-40B4-BE49-F238E27FC236}">
-                <a16:creationId xmlns:a16="http://schemas.microsoft.com/office/drawing/2014/main" xmlns="" id="{4624DC1A-FB7D-4D63-9569-BE4477802F9B}"/>
+                <a16:creationId xmlns="" xmlns:a16="http://schemas.microsoft.com/office/drawing/2014/main" id="{4624DC1A-FB7D-4D63-9569-BE4477802F9B}"/>
               </a:ext>
             </a:extLst>
           </p:cNvPr>
@@ -7008,10 +5845,17 @@
   <p:clrMapOvr>
     <a:masterClrMapping/>
   </p:clrMapOvr>
+  <p:timing>
+    <p:tnLst>
+      <p:par>
+        <p:cTn id="1" dur="indefinite" restart="never" nodeType="tmRoot"/>
+      </p:par>
+    </p:tnLst>
+  </p:timing>
 </p:sld>
 </file>
 
-<file path=ppt/slides/slide23.xml><?xml version="1.0" encoding="utf-8"?>
+<file path=ppt/slides/slide19.xml><?xml version="1.0" encoding="utf-8"?>
 <p:sld xmlns:a="http://schemas.openxmlformats.org/drawingml/2006/main" xmlns:r="http://schemas.openxmlformats.org/officeDocument/2006/relationships" xmlns:p="http://schemas.openxmlformats.org/presentationml/2006/main">
   <p:cSld>
     <p:spTree>
@@ -7033,7 +5877,7 @@
           <p:cNvPr id="2" name="Title 1">
             <a:extLst>
               <a:ext uri="{FF2B5EF4-FFF2-40B4-BE49-F238E27FC236}">
-                <a16:creationId xmlns:a16="http://schemas.microsoft.com/office/drawing/2014/main" xmlns="" id="{7165D806-951B-432F-BFD7-8CFB627D24CD}"/>
+                <a16:creationId xmlns="" xmlns:a16="http://schemas.microsoft.com/office/drawing/2014/main" id="{7165D806-951B-432F-BFD7-8CFB627D24CD}"/>
               </a:ext>
             </a:extLst>
           </p:cNvPr>
@@ -7062,7 +5906,7 @@
           <p:cNvPr id="3" name="Content Placeholder 2">
             <a:extLst>
               <a:ext uri="{FF2B5EF4-FFF2-40B4-BE49-F238E27FC236}">
-                <a16:creationId xmlns:a16="http://schemas.microsoft.com/office/drawing/2014/main" xmlns="" id="{8E1F4138-DF1A-4917-8FB0-5ABADAEF6923}"/>
+                <a16:creationId xmlns="" xmlns:a16="http://schemas.microsoft.com/office/drawing/2014/main" id="{8E1F4138-DF1A-4917-8FB0-5ABADAEF6923}"/>
               </a:ext>
             </a:extLst>
           </p:cNvPr>
@@ -7141,10 +5985,17 @@
   <p:clrMapOvr>
     <a:masterClrMapping/>
   </p:clrMapOvr>
+  <p:timing>
+    <p:tnLst>
+      <p:par>
+        <p:cTn id="1" dur="indefinite" restart="never" nodeType="tmRoot"/>
+      </p:par>
+    </p:tnLst>
+  </p:timing>
 </p:sld>
 </file>
 
-<file path=ppt/slides/slide24.xml><?xml version="1.0" encoding="utf-8"?>
+<file path=ppt/slides/slide2.xml><?xml version="1.0" encoding="utf-8"?>
 <p:sld xmlns:a="http://schemas.openxmlformats.org/drawingml/2006/main" xmlns:r="http://schemas.openxmlformats.org/officeDocument/2006/relationships" xmlns:p="http://schemas.openxmlformats.org/presentationml/2006/main">
   <p:cSld>
     <p:spTree>
@@ -7163,10 +6014,91 @@
       </p:grpSpPr>
       <p:sp>
         <p:nvSpPr>
+          <p:cNvPr id="4" name="Nadpis 3"/>
+          <p:cNvSpPr>
+            <a:spLocks noGrp="1"/>
+          </p:cNvSpPr>
+          <p:nvPr>
+            <p:ph type="title"/>
+          </p:nvPr>
+        </p:nvSpPr>
+        <p:spPr/>
+        <p:txBody>
+          <a:bodyPr>
+            <a:normAutofit/>
+          </a:bodyPr>
+          <a:lstStyle/>
+          <a:p>
+            <a:r>
+              <a:rPr lang="sk-SK" sz="4800" dirty="0" smtClean="0"/>
+              <a:t>Rýchle opakovanie základov</a:t>
+            </a:r>
+            <a:endParaRPr lang="sk-SK" sz="4800" dirty="0"/>
+          </a:p>
+        </p:txBody>
+      </p:sp>
+      <p:sp>
+        <p:nvSpPr>
+          <p:cNvPr id="5" name="Zástupný symbol textu 4"/>
+          <p:cNvSpPr>
+            <a:spLocks noGrp="1"/>
+          </p:cNvSpPr>
+          <p:nvPr>
+            <p:ph type="body" idx="1"/>
+          </p:nvPr>
+        </p:nvSpPr>
+        <p:spPr/>
+        <p:txBody>
+          <a:bodyPr/>
+          <a:lstStyle/>
+          <a:p>
+            <a:endParaRPr lang="sk-SK" dirty="0"/>
+          </a:p>
+        </p:txBody>
+      </p:sp>
+    </p:spTree>
+    <p:extLst>
+      <p:ext uri="{BB962C8B-B14F-4D97-AF65-F5344CB8AC3E}">
+        <p14:creationId xmlns:p14="http://schemas.microsoft.com/office/powerpoint/2010/main" val="4120396568"/>
+      </p:ext>
+    </p:extLst>
+  </p:cSld>
+  <p:clrMapOvr>
+    <a:masterClrMapping/>
+  </p:clrMapOvr>
+  <p:timing>
+    <p:tnLst>
+      <p:par>
+        <p:cTn id="1" dur="indefinite" restart="never" nodeType="tmRoot"/>
+      </p:par>
+    </p:tnLst>
+  </p:timing>
+</p:sld>
+</file>
+
+<file path=ppt/slides/slide20.xml><?xml version="1.0" encoding="utf-8"?>
+<p:sld xmlns:a="http://schemas.openxmlformats.org/drawingml/2006/main" xmlns:r="http://schemas.openxmlformats.org/officeDocument/2006/relationships" xmlns:p="http://schemas.openxmlformats.org/presentationml/2006/main">
+  <p:cSld>
+    <p:spTree>
+      <p:nvGrpSpPr>
+        <p:cNvPr id="1" name=""/>
+        <p:cNvGrpSpPr/>
+        <p:nvPr/>
+      </p:nvGrpSpPr>
+      <p:grpSpPr>
+        <a:xfrm>
+          <a:off x="0" y="0"/>
+          <a:ext cx="0" cy="0"/>
+          <a:chOff x="0" y="0"/>
+          <a:chExt cx="0" cy="0"/>
+        </a:xfrm>
+      </p:grpSpPr>
+      <p:sp>
+        <p:nvSpPr>
           <p:cNvPr id="2" name="Title 1">
             <a:extLst>
               <a:ext uri="{FF2B5EF4-FFF2-40B4-BE49-F238E27FC236}">
-                <a16:creationId xmlns:a16="http://schemas.microsoft.com/office/drawing/2014/main" xmlns="" id="{7BEDA497-3C6C-4AFA-B03A-6914C14D3B93}"/>
+                <a16:creationId xmlns="" xmlns:a16="http://schemas.microsoft.com/office/drawing/2014/main" id="{7BEDA497-3C6C-4AFA-B03A-6914C14D3B93}"/>
               </a:ext>
             </a:extLst>
           </p:cNvPr>
@@ -7197,7 +6129,7 @@
               <p:cNvPr id="3" name="Content Placeholder 2">
                 <a:extLst>
                   <a:ext uri="{FF2B5EF4-FFF2-40B4-BE49-F238E27FC236}">
-                    <a16:creationId xmlns:a16="http://schemas.microsoft.com/office/drawing/2014/main" xmlns="" id="{FA1B3422-EA19-4A2E-A6C5-BA28AF6664A2}"/>
+                    <a16:creationId xmlns="" xmlns:a16="http://schemas.microsoft.com/office/drawing/2014/main" id="{FA1B3422-EA19-4A2E-A6C5-BA28AF6664A2}"/>
                   </a:ext>
                 </a:extLst>
               </p:cNvPr>
@@ -7390,7 +6322,7 @@
           <p:cNvPr id="4" name="Picture 3">
             <a:extLst>
               <a:ext uri="{FF2B5EF4-FFF2-40B4-BE49-F238E27FC236}">
-                <a16:creationId xmlns:a16="http://schemas.microsoft.com/office/drawing/2014/main" xmlns="" id="{1579BD79-0775-4DEA-B6A8-3488FCBD2901}"/>
+                <a16:creationId xmlns="" xmlns:a16="http://schemas.microsoft.com/office/drawing/2014/main" id="{1579BD79-0775-4DEA-B6A8-3488FCBD2901}"/>
               </a:ext>
             </a:extLst>
           </p:cNvPr>
@@ -7425,10 +6357,17 @@
   <p:clrMapOvr>
     <a:masterClrMapping/>
   </p:clrMapOvr>
+  <p:timing>
+    <p:tnLst>
+      <p:par>
+        <p:cTn id="1" dur="indefinite" restart="never" nodeType="tmRoot"/>
+      </p:par>
+    </p:tnLst>
+  </p:timing>
 </p:sld>
 </file>
 
-<file path=ppt/slides/slide25.xml><?xml version="1.0" encoding="utf-8"?>
+<file path=ppt/slides/slide21.xml><?xml version="1.0" encoding="utf-8"?>
 <p:sld xmlns:a="http://schemas.openxmlformats.org/drawingml/2006/main" xmlns:r="http://schemas.openxmlformats.org/officeDocument/2006/relationships" xmlns:p="http://schemas.openxmlformats.org/presentationml/2006/main">
   <p:cSld>
     <p:spTree>
@@ -7450,7 +6389,7 @@
           <p:cNvPr id="2" name="Title 1">
             <a:extLst>
               <a:ext uri="{FF2B5EF4-FFF2-40B4-BE49-F238E27FC236}">
-                <a16:creationId xmlns:a16="http://schemas.microsoft.com/office/drawing/2014/main" xmlns="" id="{107F80DB-02B2-4807-8F74-ED8DA89E6D34}"/>
+                <a16:creationId xmlns="" xmlns:a16="http://schemas.microsoft.com/office/drawing/2014/main" id="{107F80DB-02B2-4807-8F74-ED8DA89E6D34}"/>
               </a:ext>
             </a:extLst>
           </p:cNvPr>
@@ -7483,7 +6422,7 @@
           <p:cNvPr id="3" name="Content Placeholder 2">
             <a:extLst>
               <a:ext uri="{FF2B5EF4-FFF2-40B4-BE49-F238E27FC236}">
-                <a16:creationId xmlns:a16="http://schemas.microsoft.com/office/drawing/2014/main" xmlns="" id="{51DB9ED9-A899-4FCF-B3FF-539923A6D03B}"/>
+                <a16:creationId xmlns="" xmlns:a16="http://schemas.microsoft.com/office/drawing/2014/main" id="{51DB9ED9-A899-4FCF-B3FF-539923A6D03B}"/>
               </a:ext>
             </a:extLst>
           </p:cNvPr>
@@ -7563,10 +6502,17 @@
   <p:clrMapOvr>
     <a:masterClrMapping/>
   </p:clrMapOvr>
+  <p:timing>
+    <p:tnLst>
+      <p:par>
+        <p:cTn id="1" dur="indefinite" restart="never" nodeType="tmRoot"/>
+      </p:par>
+    </p:tnLst>
+  </p:timing>
 </p:sld>
 </file>
 
-<file path=ppt/slides/slide26.xml><?xml version="1.0" encoding="utf-8"?>
+<file path=ppt/slides/slide22.xml><?xml version="1.0" encoding="utf-8"?>
 <p:sld xmlns:a="http://schemas.openxmlformats.org/drawingml/2006/main" xmlns:r="http://schemas.openxmlformats.org/officeDocument/2006/relationships" xmlns:p="http://schemas.openxmlformats.org/presentationml/2006/main">
   <p:cSld>
     <p:spTree>
@@ -7588,7 +6534,7 @@
           <p:cNvPr id="2" name="Title 1">
             <a:extLst>
               <a:ext uri="{FF2B5EF4-FFF2-40B4-BE49-F238E27FC236}">
-                <a16:creationId xmlns:a16="http://schemas.microsoft.com/office/drawing/2014/main" xmlns="" id="{06276595-A768-46B1-8FDB-D1F6444C264D}"/>
+                <a16:creationId xmlns="" xmlns:a16="http://schemas.microsoft.com/office/drawing/2014/main" id="{06276595-A768-46B1-8FDB-D1F6444C264D}"/>
               </a:ext>
             </a:extLst>
           </p:cNvPr>
@@ -7621,7 +6567,7 @@
           <p:cNvPr id="3" name="Content Placeholder 2">
             <a:extLst>
               <a:ext uri="{FF2B5EF4-FFF2-40B4-BE49-F238E27FC236}">
-                <a16:creationId xmlns:a16="http://schemas.microsoft.com/office/drawing/2014/main" xmlns="" id="{5B1945D2-3DD5-4CFC-A4E5-1E2602C407B1}"/>
+                <a16:creationId xmlns="" xmlns:a16="http://schemas.microsoft.com/office/drawing/2014/main" id="{5B1945D2-3DD5-4CFC-A4E5-1E2602C407B1}"/>
               </a:ext>
             </a:extLst>
           </p:cNvPr>
@@ -7696,10 +6642,17 @@
   <p:clrMapOvr>
     <a:masterClrMapping/>
   </p:clrMapOvr>
+  <p:timing>
+    <p:tnLst>
+      <p:par>
+        <p:cTn id="1" dur="indefinite" restart="never" nodeType="tmRoot"/>
+      </p:par>
+    </p:tnLst>
+  </p:timing>
 </p:sld>
 </file>
 
-<file path=ppt/slides/slide27.xml><?xml version="1.0" encoding="utf-8"?>
+<file path=ppt/slides/slide23.xml><?xml version="1.0" encoding="utf-8"?>
 <p:sld xmlns:a="http://schemas.openxmlformats.org/drawingml/2006/main" xmlns:r="http://schemas.openxmlformats.org/officeDocument/2006/relationships" xmlns:p="http://schemas.openxmlformats.org/presentationml/2006/main">
   <p:cSld>
     <p:spTree>
@@ -7721,7 +6674,7 @@
           <p:cNvPr id="2" name="Title 1">
             <a:extLst>
               <a:ext uri="{FF2B5EF4-FFF2-40B4-BE49-F238E27FC236}">
-                <a16:creationId xmlns:a16="http://schemas.microsoft.com/office/drawing/2014/main" xmlns="" id="{B01C75AE-5110-43C9-B3CF-E6AACBAA6E1B}"/>
+                <a16:creationId xmlns="" xmlns:a16="http://schemas.microsoft.com/office/drawing/2014/main" id="{B01C75AE-5110-43C9-B3CF-E6AACBAA6E1B}"/>
               </a:ext>
             </a:extLst>
           </p:cNvPr>
@@ -7752,7 +6705,7 @@
               <p:cNvPr id="3" name="Content Placeholder 2">
                 <a:extLst>
                   <a:ext uri="{FF2B5EF4-FFF2-40B4-BE49-F238E27FC236}">
-                    <a16:creationId xmlns:a16="http://schemas.microsoft.com/office/drawing/2014/main" xmlns="" id="{CC9F5021-B342-41E4-9DAB-031D35138213}"/>
+                    <a16:creationId xmlns="" xmlns:a16="http://schemas.microsoft.com/office/drawing/2014/main" id="{CC9F5021-B342-41E4-9DAB-031D35138213}"/>
                   </a:ext>
                 </a:extLst>
               </p:cNvPr>
@@ -7890,7 +6843,7 @@
           <p:cNvPr id="4" name="Picture 3">
             <a:extLst>
               <a:ext uri="{FF2B5EF4-FFF2-40B4-BE49-F238E27FC236}">
-                <a16:creationId xmlns:a16="http://schemas.microsoft.com/office/drawing/2014/main" xmlns="" id="{EA7A4016-FF4C-4F64-B208-F1489757553B}"/>
+                <a16:creationId xmlns="" xmlns:a16="http://schemas.microsoft.com/office/drawing/2014/main" id="{EA7A4016-FF4C-4F64-B208-F1489757553B}"/>
               </a:ext>
             </a:extLst>
           </p:cNvPr>
@@ -7920,7 +6873,7 @@
           <p:cNvPr id="6" name="Picture 5">
             <a:extLst>
               <a:ext uri="{FF2B5EF4-FFF2-40B4-BE49-F238E27FC236}">
-                <a16:creationId xmlns:a16="http://schemas.microsoft.com/office/drawing/2014/main" xmlns="" id="{925DA10B-8BEA-4AB5-927B-BA7FE03AC657}"/>
+                <a16:creationId xmlns="" xmlns:a16="http://schemas.microsoft.com/office/drawing/2014/main" id="{925DA10B-8BEA-4AB5-927B-BA7FE03AC657}"/>
               </a:ext>
             </a:extLst>
           </p:cNvPr>
@@ -7961,10 +6914,17 @@
   <p:clrMapOvr>
     <a:masterClrMapping/>
   </p:clrMapOvr>
+  <p:timing>
+    <p:tnLst>
+      <p:par>
+        <p:cTn id="1" dur="indefinite" restart="never" nodeType="tmRoot"/>
+      </p:par>
+    </p:tnLst>
+  </p:timing>
 </p:sld>
 </file>
 
-<file path=ppt/slides/slide28.xml><?xml version="1.0" encoding="utf-8"?>
+<file path=ppt/slides/slide24.xml><?xml version="1.0" encoding="utf-8"?>
 <p:sld xmlns:a="http://schemas.openxmlformats.org/drawingml/2006/main" xmlns:r="http://schemas.openxmlformats.org/officeDocument/2006/relationships" xmlns:p="http://schemas.openxmlformats.org/presentationml/2006/main">
   <p:cSld>
     <p:spTree>
@@ -7986,7 +6946,7 @@
           <p:cNvPr id="2" name="Title 1">
             <a:extLst>
               <a:ext uri="{FF2B5EF4-FFF2-40B4-BE49-F238E27FC236}">
-                <a16:creationId xmlns:a16="http://schemas.microsoft.com/office/drawing/2014/main" xmlns="" id="{D75317A8-308D-416E-8F00-1D2AB8AFE133}"/>
+                <a16:creationId xmlns="" xmlns:a16="http://schemas.microsoft.com/office/drawing/2014/main" id="{D75317A8-308D-416E-8F00-1D2AB8AFE133}"/>
               </a:ext>
             </a:extLst>
           </p:cNvPr>
@@ -8020,7 +6980,7 @@
           <p:cNvPr id="3" name="Content Placeholder 2">
             <a:extLst>
               <a:ext uri="{FF2B5EF4-FFF2-40B4-BE49-F238E27FC236}">
-                <a16:creationId xmlns:a16="http://schemas.microsoft.com/office/drawing/2014/main" xmlns="" id="{272CA61F-FE17-498A-BD46-3D461C443DF9}"/>
+                <a16:creationId xmlns="" xmlns:a16="http://schemas.microsoft.com/office/drawing/2014/main" id="{272CA61F-FE17-498A-BD46-3D461C443DF9}"/>
               </a:ext>
             </a:extLst>
           </p:cNvPr>
@@ -8071,7 +7031,7 @@
           <p:cNvPr id="4" name="Picture 3">
             <a:extLst>
               <a:ext uri="{FF2B5EF4-FFF2-40B4-BE49-F238E27FC236}">
-                <a16:creationId xmlns:a16="http://schemas.microsoft.com/office/drawing/2014/main" xmlns="" id="{6A7C72CF-4F5D-4868-A5F1-E93ACE6505A4}"/>
+                <a16:creationId xmlns="" xmlns:a16="http://schemas.microsoft.com/office/drawing/2014/main" id="{6A7C72CF-4F5D-4868-A5F1-E93ACE6505A4}"/>
               </a:ext>
             </a:extLst>
           </p:cNvPr>
@@ -8101,7 +7061,7 @@
           <p:cNvPr id="6" name="Picture 5">
             <a:extLst>
               <a:ext uri="{FF2B5EF4-FFF2-40B4-BE49-F238E27FC236}">
-                <a16:creationId xmlns:a16="http://schemas.microsoft.com/office/drawing/2014/main" xmlns="" id="{87944F23-2213-4BC2-873D-4963B67004CA}"/>
+                <a16:creationId xmlns="" xmlns:a16="http://schemas.microsoft.com/office/drawing/2014/main" id="{87944F23-2213-4BC2-873D-4963B67004CA}"/>
               </a:ext>
             </a:extLst>
           </p:cNvPr>
@@ -8142,10 +7102,17 @@
   <p:clrMapOvr>
     <a:masterClrMapping/>
   </p:clrMapOvr>
+  <p:timing>
+    <p:tnLst>
+      <p:par>
+        <p:cTn id="1" dur="indefinite" restart="never" nodeType="tmRoot"/>
+      </p:par>
+    </p:tnLst>
+  </p:timing>
 </p:sld>
 </file>
 
-<file path=ppt/slides/slide29.xml><?xml version="1.0" encoding="utf-8"?>
+<file path=ppt/slides/slide25.xml><?xml version="1.0" encoding="utf-8"?>
 <p:sld xmlns:a="http://schemas.openxmlformats.org/drawingml/2006/main" xmlns:r="http://schemas.openxmlformats.org/officeDocument/2006/relationships" xmlns:p="http://schemas.openxmlformats.org/presentationml/2006/main">
   <p:cSld>
     <p:bg>
@@ -8175,10 +7142,10 @@
           <p:cNvPr id="10" name="Rectangle 9">
             <a:extLst>
               <a:ext uri="{FF2B5EF4-FFF2-40B4-BE49-F238E27FC236}">
-                <a16:creationId xmlns:a16="http://schemas.microsoft.com/office/drawing/2014/main" xmlns="" id="{44CC594A-A820-450F-B363-C19201FCFEC6}"/>
+                <a16:creationId xmlns="" xmlns:a16="http://schemas.microsoft.com/office/drawing/2014/main" id="{44CC594A-A820-450F-B363-C19201FCFEC6}"/>
               </a:ext>
               <a:ext uri="{C183D7F6-B498-43B3-948B-1728B52AA6E4}">
-                <adec:decorative xmlns:adec="http://schemas.microsoft.com/office/drawing/2017/decorative" xmlns="" val="1"/>
+                <adec:decorative xmlns="" xmlns:adec="http://schemas.microsoft.com/office/drawing/2017/decorative" val="1"/>
               </a:ext>
             </a:extLst>
           </p:cNvPr>
@@ -8188,7 +7155,7 @@
           <p:nvPr>
             <p:extLst>
               <p:ext uri="{386F3935-93C4-4BCD-93E2-E3B085C9AB24}">
-                <p16:designElem xmlns:p16="http://schemas.microsoft.com/office/powerpoint/2015/main" xmlns="" val="1"/>
+                <p16:designElem xmlns="" xmlns:p16="http://schemas.microsoft.com/office/powerpoint/2015/main" val="1"/>
               </p:ext>
             </p:extLst>
           </p:nvPr>
@@ -8235,10 +7202,10 @@
           <p:cNvPr id="12" name="Rectangle 11">
             <a:extLst>
               <a:ext uri="{FF2B5EF4-FFF2-40B4-BE49-F238E27FC236}">
-                <a16:creationId xmlns:a16="http://schemas.microsoft.com/office/drawing/2014/main" xmlns="" id="{59FAB3DA-E9ED-4574-ABCC-378BC0FF1BBC}"/>
+                <a16:creationId xmlns="" xmlns:a16="http://schemas.microsoft.com/office/drawing/2014/main" id="{59FAB3DA-E9ED-4574-ABCC-378BC0FF1BBC}"/>
               </a:ext>
               <a:ext uri="{C183D7F6-B498-43B3-948B-1728B52AA6E4}">
-                <adec:decorative xmlns:adec="http://schemas.microsoft.com/office/drawing/2017/decorative" xmlns="" val="1"/>
+                <adec:decorative xmlns="" xmlns:adec="http://schemas.microsoft.com/office/drawing/2017/decorative" val="1"/>
               </a:ext>
             </a:extLst>
           </p:cNvPr>
@@ -8248,7 +7215,7 @@
           <p:nvPr>
             <p:extLst>
               <p:ext uri="{386F3935-93C4-4BCD-93E2-E3B085C9AB24}">
-                <p16:designElem xmlns:p16="http://schemas.microsoft.com/office/powerpoint/2015/main" xmlns="" val="1"/>
+                <p16:designElem xmlns="" xmlns:p16="http://schemas.microsoft.com/office/powerpoint/2015/main" val="1"/>
               </p:ext>
             </p:extLst>
           </p:nvPr>
@@ -8290,7 +7257,7 @@
           <p:cNvPr id="2" name="Title 1">
             <a:extLst>
               <a:ext uri="{FF2B5EF4-FFF2-40B4-BE49-F238E27FC236}">
-                <a16:creationId xmlns:a16="http://schemas.microsoft.com/office/drawing/2014/main" xmlns="" id="{904F2418-AFF3-4A90-82A4-A049D0EEF428}"/>
+                <a16:creationId xmlns="" xmlns:a16="http://schemas.microsoft.com/office/drawing/2014/main" id="{904F2418-AFF3-4A90-82A4-A049D0EEF428}"/>
               </a:ext>
             </a:extLst>
           </p:cNvPr>
@@ -8329,7 +7296,7 @@
           <p:cNvPr id="3" name="Content Placeholder 2">
             <a:extLst>
               <a:ext uri="{FF2B5EF4-FFF2-40B4-BE49-F238E27FC236}">
-                <a16:creationId xmlns:a16="http://schemas.microsoft.com/office/drawing/2014/main" xmlns="" id="{FCF2D876-0B16-4495-B4FC-96B8DF79CD9D}"/>
+                <a16:creationId xmlns="" xmlns:a16="http://schemas.microsoft.com/office/drawing/2014/main" id="{FCF2D876-0B16-4495-B4FC-96B8DF79CD9D}"/>
               </a:ext>
             </a:extLst>
           </p:cNvPr>
@@ -8402,10 +7369,10 @@
           <p:cNvPr id="14" name="Rectangle 13">
             <a:extLst>
               <a:ext uri="{FF2B5EF4-FFF2-40B4-BE49-F238E27FC236}">
-                <a16:creationId xmlns:a16="http://schemas.microsoft.com/office/drawing/2014/main" xmlns="" id="{53B8D6B0-55D6-48DC-86D8-FD95D5F118AB}"/>
+                <a16:creationId xmlns="" xmlns:a16="http://schemas.microsoft.com/office/drawing/2014/main" id="{53B8D6B0-55D6-48DC-86D8-FD95D5F118AB}"/>
               </a:ext>
               <a:ext uri="{C183D7F6-B498-43B3-948B-1728B52AA6E4}">
-                <adec:decorative xmlns:adec="http://schemas.microsoft.com/office/drawing/2017/decorative" xmlns="" val="1"/>
+                <adec:decorative xmlns="" xmlns:adec="http://schemas.microsoft.com/office/drawing/2017/decorative" val="1"/>
               </a:ext>
             </a:extLst>
           </p:cNvPr>
@@ -8415,7 +7382,7 @@
           <p:nvPr>
             <p:extLst>
               <p:ext uri="{386F3935-93C4-4BCD-93E2-E3B085C9AB24}">
-                <p16:designElem xmlns:p16="http://schemas.microsoft.com/office/powerpoint/2015/main" xmlns="" val="1"/>
+                <p16:designElem xmlns="" xmlns:p16="http://schemas.microsoft.com/office/powerpoint/2015/main" val="1"/>
               </p:ext>
             </p:extLst>
           </p:nvPr>
@@ -8457,7 +7424,7 @@
           <p:cNvPr id="5" name="Picture 4">
             <a:extLst>
               <a:ext uri="{FF2B5EF4-FFF2-40B4-BE49-F238E27FC236}">
-                <a16:creationId xmlns:a16="http://schemas.microsoft.com/office/drawing/2014/main" xmlns="" id="{22FC3E34-3842-4090-A364-F7962FD0FD7D}"/>
+                <a16:creationId xmlns="" xmlns:a16="http://schemas.microsoft.com/office/drawing/2014/main" id="{22FC3E34-3842-4090-A364-F7962FD0FD7D}"/>
               </a:ext>
             </a:extLst>
           </p:cNvPr>
@@ -8498,10 +7465,17 @@
   <p:clrMapOvr>
     <a:masterClrMapping/>
   </p:clrMapOvr>
+  <p:timing>
+    <p:tnLst>
+      <p:par>
+        <p:cTn id="1" dur="indefinite" restart="never" nodeType="tmRoot"/>
+      </p:par>
+    </p:tnLst>
+  </p:timing>
 </p:sld>
 </file>
 
-<file path=ppt/slides/slide3.xml><?xml version="1.0" encoding="utf-8"?>
+<file path=ppt/slides/slide26.xml><?xml version="1.0" encoding="utf-8"?>
 <p:sld xmlns:a="http://schemas.openxmlformats.org/drawingml/2006/main" xmlns:r="http://schemas.openxmlformats.org/officeDocument/2006/relationships" xmlns:p="http://schemas.openxmlformats.org/presentationml/2006/main">
   <p:cSld>
     <p:spTree>
@@ -8523,7 +7497,7 @@
           <p:cNvPr id="2" name="Title 1">
             <a:extLst>
               <a:ext uri="{FF2B5EF4-FFF2-40B4-BE49-F238E27FC236}">
-                <a16:creationId xmlns:a16="http://schemas.microsoft.com/office/drawing/2014/main" xmlns="" id="{41EC4C35-6661-4E23-BECC-DC55996A0FB9}"/>
+                <a16:creationId xmlns="" xmlns:a16="http://schemas.microsoft.com/office/drawing/2014/main" id="{8DC3D498-7177-43C9-B75C-CB5D1B66C3F1}"/>
               </a:ext>
             </a:extLst>
           </p:cNvPr>
@@ -8539,7 +7513,11 @@
           <a:bodyPr/>
           <a:lstStyle/>
           <a:p>
-            <a:endParaRPr lang="sk-SK"/>
+            <a:pPr algn="ctr"/>
+            <a:r>
+              <a:rPr lang="sk-SK" dirty="0"/>
+              <a:t>2D grafy</a:t>
+            </a:r>
           </a:p>
         </p:txBody>
       </p:sp>
@@ -8548,7 +7526,7 @@
           <p:cNvPr id="3" name="Content Placeholder 2">
             <a:extLst>
               <a:ext uri="{FF2B5EF4-FFF2-40B4-BE49-F238E27FC236}">
-                <a16:creationId xmlns:a16="http://schemas.microsoft.com/office/drawing/2014/main" xmlns="" id="{DC6578C3-7201-46CE-9B8B-2197A0671E47}"/>
+                <a16:creationId xmlns="" xmlns:a16="http://schemas.microsoft.com/office/drawing/2014/main" id="{80A02F3C-C8C8-48DE-BA5D-14B847241D4B}"/>
               </a:ext>
             </a:extLst>
           </p:cNvPr>
@@ -8564,134 +7542,6 @@
           <a:bodyPr/>
           <a:lstStyle/>
           <a:p>
-            <a:r>
-              <a:rPr lang="en-US" dirty="0"/>
-              <a:t>Ak </a:t>
-            </a:r>
-            <a:r>
-              <a:rPr lang="en-US" dirty="0" err="1"/>
-              <a:t>treba</a:t>
-            </a:r>
-            <a:r>
-              <a:rPr lang="en-US" dirty="0"/>
-              <a:t> </a:t>
-            </a:r>
-            <a:r>
-              <a:rPr lang="en-US" dirty="0" err="1"/>
-              <a:t>nieco</a:t>
-            </a:r>
-            <a:r>
-              <a:rPr lang="en-US" dirty="0"/>
-              <a:t> </a:t>
-            </a:r>
-            <a:r>
-              <a:rPr lang="en-US" dirty="0" err="1"/>
-              <a:t>doplnit</a:t>
-            </a:r>
-            <a:r>
-              <a:rPr lang="en-US" dirty="0"/>
-              <a:t> / </a:t>
-            </a:r>
-            <a:r>
-              <a:rPr lang="en-US" dirty="0" err="1"/>
-              <a:t>vyhodit</a:t>
-            </a:r>
-            <a:r>
-              <a:rPr lang="en-US" dirty="0"/>
-              <a:t>… </a:t>
-            </a:r>
-            <a:r>
-              <a:rPr lang="en-US" dirty="0" err="1"/>
-              <a:t>pisnite</a:t>
-            </a:r>
-            <a:r>
-              <a:rPr lang="en-US"/>
-              <a:t> mi</a:t>
-            </a:r>
-            <a:endParaRPr lang="sk-SK" dirty="0"/>
-          </a:p>
-        </p:txBody>
-      </p:sp>
-    </p:spTree>
-    <p:extLst>
-      <p:ext uri="{BB962C8B-B14F-4D97-AF65-F5344CB8AC3E}">
-        <p14:creationId xmlns:p14="http://schemas.microsoft.com/office/powerpoint/2010/main" val="4155622953"/>
-      </p:ext>
-    </p:extLst>
-  </p:cSld>
-  <p:clrMapOvr>
-    <a:masterClrMapping/>
-  </p:clrMapOvr>
-</p:sld>
-</file>
-
-<file path=ppt/slides/slide30.xml><?xml version="1.0" encoding="utf-8"?>
-<p:sld xmlns:a="http://schemas.openxmlformats.org/drawingml/2006/main" xmlns:r="http://schemas.openxmlformats.org/officeDocument/2006/relationships" xmlns:p="http://schemas.openxmlformats.org/presentationml/2006/main">
-  <p:cSld>
-    <p:spTree>
-      <p:nvGrpSpPr>
-        <p:cNvPr id="1" name=""/>
-        <p:cNvGrpSpPr/>
-        <p:nvPr/>
-      </p:nvGrpSpPr>
-      <p:grpSpPr>
-        <a:xfrm>
-          <a:off x="0" y="0"/>
-          <a:ext cx="0" cy="0"/>
-          <a:chOff x="0" y="0"/>
-          <a:chExt cx="0" cy="0"/>
-        </a:xfrm>
-      </p:grpSpPr>
-      <p:sp>
-        <p:nvSpPr>
-          <p:cNvPr id="2" name="Title 1">
-            <a:extLst>
-              <a:ext uri="{FF2B5EF4-FFF2-40B4-BE49-F238E27FC236}">
-                <a16:creationId xmlns:a16="http://schemas.microsoft.com/office/drawing/2014/main" xmlns="" id="{8DC3D498-7177-43C9-B75C-CB5D1B66C3F1}"/>
-              </a:ext>
-            </a:extLst>
-          </p:cNvPr>
-          <p:cNvSpPr>
-            <a:spLocks noGrp="1"/>
-          </p:cNvSpPr>
-          <p:nvPr>
-            <p:ph type="title"/>
-          </p:nvPr>
-        </p:nvSpPr>
-        <p:spPr/>
-        <p:txBody>
-          <a:bodyPr/>
-          <a:lstStyle/>
-          <a:p>
-            <a:pPr algn="ctr"/>
-            <a:r>
-              <a:rPr lang="sk-SK" dirty="0"/>
-              <a:t>2D grafy</a:t>
-            </a:r>
-          </a:p>
-        </p:txBody>
-      </p:sp>
-      <p:sp>
-        <p:nvSpPr>
-          <p:cNvPr id="3" name="Content Placeholder 2">
-            <a:extLst>
-              <a:ext uri="{FF2B5EF4-FFF2-40B4-BE49-F238E27FC236}">
-                <a16:creationId xmlns:a16="http://schemas.microsoft.com/office/drawing/2014/main" xmlns="" id="{80A02F3C-C8C8-48DE-BA5D-14B847241D4B}"/>
-              </a:ext>
-            </a:extLst>
-          </p:cNvPr>
-          <p:cNvSpPr>
-            <a:spLocks noGrp="1"/>
-          </p:cNvSpPr>
-          <p:nvPr>
-            <p:ph idx="1"/>
-          </p:nvPr>
-        </p:nvSpPr>
-        <p:spPr/>
-        <p:txBody>
-          <a:bodyPr/>
-          <a:lstStyle/>
-          <a:p>
             <a:pPr lvl="1"/>
             <a:r>
               <a:rPr lang="sk-SK" dirty="0"/>
@@ -8705,7 +7555,7 @@
           <p:cNvPr id="5" name="Picture 4">
             <a:extLst>
               <a:ext uri="{FF2B5EF4-FFF2-40B4-BE49-F238E27FC236}">
-                <a16:creationId xmlns:a16="http://schemas.microsoft.com/office/drawing/2014/main" xmlns="" id="{F5481645-D2B2-4EB3-93F8-23AE9560BAEA}"/>
+                <a16:creationId xmlns="" xmlns:a16="http://schemas.microsoft.com/office/drawing/2014/main" id="{F5481645-D2B2-4EB3-93F8-23AE9560BAEA}"/>
               </a:ext>
             </a:extLst>
           </p:cNvPr>
@@ -8746,10 +7596,17 @@
   <p:clrMapOvr>
     <a:masterClrMapping/>
   </p:clrMapOvr>
+  <p:timing>
+    <p:tnLst>
+      <p:par>
+        <p:cTn id="1" dur="indefinite" restart="never" nodeType="tmRoot"/>
+      </p:par>
+    </p:tnLst>
+  </p:timing>
 </p:sld>
 </file>
 
-<file path=ppt/slides/slide31.xml><?xml version="1.0" encoding="utf-8"?>
+<file path=ppt/slides/slide27.xml><?xml version="1.0" encoding="utf-8"?>
 <p:sld xmlns:a="http://schemas.openxmlformats.org/drawingml/2006/main" xmlns:r="http://schemas.openxmlformats.org/officeDocument/2006/relationships" xmlns:p="http://schemas.openxmlformats.org/presentationml/2006/main">
   <p:cSld>
     <p:spTree>
@@ -8771,7 +7628,7 @@
           <p:cNvPr id="2" name="Title 1">
             <a:extLst>
               <a:ext uri="{FF2B5EF4-FFF2-40B4-BE49-F238E27FC236}">
-                <a16:creationId xmlns:a16="http://schemas.microsoft.com/office/drawing/2014/main" xmlns="" id="{63E7E7DC-FAC5-419F-A8B8-D734A3BE9D7E}"/>
+                <a16:creationId xmlns="" xmlns:a16="http://schemas.microsoft.com/office/drawing/2014/main" id="{63E7E7DC-FAC5-419F-A8B8-D734A3BE9D7E}"/>
               </a:ext>
             </a:extLst>
           </p:cNvPr>
@@ -8802,7 +7659,7 @@
               <p:cNvPr id="3" name="Content Placeholder 2">
                 <a:extLst>
                   <a:ext uri="{FF2B5EF4-FFF2-40B4-BE49-F238E27FC236}">
-                    <a16:creationId xmlns:a16="http://schemas.microsoft.com/office/drawing/2014/main" xmlns="" id="{A8846A05-7FDA-4BF8-BBF9-C08347A1C3CA}"/>
+                    <a16:creationId xmlns="" xmlns:a16="http://schemas.microsoft.com/office/drawing/2014/main" id="{A8846A05-7FDA-4BF8-BBF9-C08347A1C3CA}"/>
                   </a:ext>
                 </a:extLst>
               </p:cNvPr>
@@ -8981,10 +7838,17 @@
   <p:clrMapOvr>
     <a:masterClrMapping/>
   </p:clrMapOvr>
+  <p:timing>
+    <p:tnLst>
+      <p:par>
+        <p:cTn id="1" dur="indefinite" restart="never" nodeType="tmRoot"/>
+      </p:par>
+    </p:tnLst>
+  </p:timing>
 </p:sld>
 </file>
 
-<file path=ppt/slides/slide32.xml><?xml version="1.0" encoding="utf-8"?>
+<file path=ppt/slides/slide28.xml><?xml version="1.0" encoding="utf-8"?>
 <p:sld xmlns:a="http://schemas.openxmlformats.org/drawingml/2006/main" xmlns:r="http://schemas.openxmlformats.org/officeDocument/2006/relationships" xmlns:p="http://schemas.openxmlformats.org/presentationml/2006/main">
   <p:cSld>
     <p:spTree>
@@ -9006,7 +7870,7 @@
           <p:cNvPr id="2" name="Title 1">
             <a:extLst>
               <a:ext uri="{FF2B5EF4-FFF2-40B4-BE49-F238E27FC236}">
-                <a16:creationId xmlns:a16="http://schemas.microsoft.com/office/drawing/2014/main" xmlns="" id="{3F560AE9-2E14-41AE-9572-FF5945AD7129}"/>
+                <a16:creationId xmlns="" xmlns:a16="http://schemas.microsoft.com/office/drawing/2014/main" id="{3F560AE9-2E14-41AE-9572-FF5945AD7129}"/>
               </a:ext>
             </a:extLst>
           </p:cNvPr>
@@ -9034,7 +7898,7 @@
           <p:cNvPr id="6" name="Content Placeholder 5">
             <a:extLst>
               <a:ext uri="{FF2B5EF4-FFF2-40B4-BE49-F238E27FC236}">
-                <a16:creationId xmlns:a16="http://schemas.microsoft.com/office/drawing/2014/main" xmlns="" id="{11C2A1FE-7547-4B9B-BE4B-B65B26DD85FA}"/>
+                <a16:creationId xmlns="" xmlns:a16="http://schemas.microsoft.com/office/drawing/2014/main" id="{11C2A1FE-7547-4B9B-BE4B-B65B26DD85FA}"/>
               </a:ext>
             </a:extLst>
           </p:cNvPr>
@@ -9069,7 +7933,7 @@
           <p:cNvPr id="4" name="Picture 3">
             <a:extLst>
               <a:ext uri="{FF2B5EF4-FFF2-40B4-BE49-F238E27FC236}">
-                <a16:creationId xmlns:a16="http://schemas.microsoft.com/office/drawing/2014/main" xmlns="" id="{506F7517-E4D4-4645-95B7-14FB5A86DC50}"/>
+                <a16:creationId xmlns="" xmlns:a16="http://schemas.microsoft.com/office/drawing/2014/main" id="{506F7517-E4D4-4645-95B7-14FB5A86DC50}"/>
               </a:ext>
             </a:extLst>
           </p:cNvPr>
@@ -9104,10 +7968,17 @@
   <p:clrMapOvr>
     <a:masterClrMapping/>
   </p:clrMapOvr>
+  <p:timing>
+    <p:tnLst>
+      <p:par>
+        <p:cTn id="1" dur="indefinite" restart="never" nodeType="tmRoot"/>
+      </p:par>
+    </p:tnLst>
+  </p:timing>
 </p:sld>
 </file>
 
-<file path=ppt/slides/slide33.xml><?xml version="1.0" encoding="utf-8"?>
+<file path=ppt/slides/slide29.xml><?xml version="1.0" encoding="utf-8"?>
 <p:sld xmlns:a="http://schemas.openxmlformats.org/drawingml/2006/main" xmlns:r="http://schemas.openxmlformats.org/officeDocument/2006/relationships" xmlns:p="http://schemas.openxmlformats.org/presentationml/2006/main">
   <p:cSld>
     <p:spTree>
@@ -9129,7 +8000,7 @@
           <p:cNvPr id="2" name="Title 1">
             <a:extLst>
               <a:ext uri="{FF2B5EF4-FFF2-40B4-BE49-F238E27FC236}">
-                <a16:creationId xmlns:a16="http://schemas.microsoft.com/office/drawing/2014/main" xmlns="" id="{269DAABF-FC05-49C7-8171-6A7354C1E384}"/>
+                <a16:creationId xmlns="" xmlns:a16="http://schemas.microsoft.com/office/drawing/2014/main" id="{269DAABF-FC05-49C7-8171-6A7354C1E384}"/>
               </a:ext>
             </a:extLst>
           </p:cNvPr>
@@ -9162,7 +8033,7 @@
           <p:cNvPr id="3" name="Content Placeholder 2">
             <a:extLst>
               <a:ext uri="{FF2B5EF4-FFF2-40B4-BE49-F238E27FC236}">
-                <a16:creationId xmlns:a16="http://schemas.microsoft.com/office/drawing/2014/main" xmlns="" id="{BA9407E1-7CFF-48FF-97E2-AF535CE2816D}"/>
+                <a16:creationId xmlns="" xmlns:a16="http://schemas.microsoft.com/office/drawing/2014/main" id="{BA9407E1-7CFF-48FF-97E2-AF535CE2816D}"/>
               </a:ext>
             </a:extLst>
           </p:cNvPr>
@@ -9191,7 +8062,7 @@
           <p:cNvPr id="4" name="Picture 3">
             <a:extLst>
               <a:ext uri="{FF2B5EF4-FFF2-40B4-BE49-F238E27FC236}">
-                <a16:creationId xmlns:a16="http://schemas.microsoft.com/office/drawing/2014/main" xmlns="" id="{35E14521-D470-47E9-B50E-67CE91D50F0D}"/>
+                <a16:creationId xmlns="" xmlns:a16="http://schemas.microsoft.com/office/drawing/2014/main" id="{35E14521-D470-47E9-B50E-67CE91D50F0D}"/>
               </a:ext>
             </a:extLst>
           </p:cNvPr>
@@ -9221,7 +8092,7 @@
           <p:cNvPr id="6" name="Picture 5">
             <a:extLst>
               <a:ext uri="{FF2B5EF4-FFF2-40B4-BE49-F238E27FC236}">
-                <a16:creationId xmlns:a16="http://schemas.microsoft.com/office/drawing/2014/main" xmlns="" id="{6DA4DCBC-79DB-41D1-89B5-32646E14211D}"/>
+                <a16:creationId xmlns="" xmlns:a16="http://schemas.microsoft.com/office/drawing/2014/main" id="{6DA4DCBC-79DB-41D1-89B5-32646E14211D}"/>
               </a:ext>
             </a:extLst>
           </p:cNvPr>
@@ -9262,10 +8133,17 @@
   <p:clrMapOvr>
     <a:masterClrMapping/>
   </p:clrMapOvr>
+  <p:timing>
+    <p:tnLst>
+      <p:par>
+        <p:cTn id="1" dur="indefinite" restart="never" nodeType="tmRoot"/>
+      </p:par>
+    </p:tnLst>
+  </p:timing>
 </p:sld>
 </file>
 
-<file path=ppt/slides/slide34.xml><?xml version="1.0" encoding="utf-8"?>
+<file path=ppt/slides/slide3.xml><?xml version="1.0" encoding="utf-8"?>
 <p:sld xmlns:a="http://schemas.openxmlformats.org/drawingml/2006/main" xmlns:r="http://schemas.openxmlformats.org/officeDocument/2006/relationships" xmlns:p="http://schemas.openxmlformats.org/presentationml/2006/main">
   <p:cSld>
     <p:spTree>
@@ -9287,7 +8165,7 @@
           <p:cNvPr id="2" name="Title 1">
             <a:extLst>
               <a:ext uri="{FF2B5EF4-FFF2-40B4-BE49-F238E27FC236}">
-                <a16:creationId xmlns:a16="http://schemas.microsoft.com/office/drawing/2014/main" xmlns="" id="{83AB89E7-266A-4ADF-A41F-C7ADA90B728E}"/>
+                <a16:creationId xmlns="" xmlns:a16="http://schemas.microsoft.com/office/drawing/2014/main" id="{408B0098-24C5-43A4-ABD0-DC9A7F94BB8F}"/>
               </a:ext>
             </a:extLst>
           </p:cNvPr>
@@ -9305,10 +8183,9 @@
           <a:p>
             <a:pPr algn="ctr"/>
             <a:r>
-              <a:rPr lang="en-US" dirty="0"/>
-              <a:t>Simulink</a:t>
-            </a:r>
-            <a:endParaRPr lang="sk-SK" dirty="0"/>
+              <a:rPr lang="sk-SK" dirty="0"/>
+              <a:t>Užívateľské prostredie MATLABu</a:t>
+            </a:r>
           </a:p>
         </p:txBody>
       </p:sp>
@@ -9317,7 +8194,7 @@
           <p:cNvPr id="3" name="Content Placeholder 2">
             <a:extLst>
               <a:ext uri="{FF2B5EF4-FFF2-40B4-BE49-F238E27FC236}">
-                <a16:creationId xmlns:a16="http://schemas.microsoft.com/office/drawing/2014/main" xmlns="" id="{5024A9AF-EFAD-462D-8F9D-4B24E56F06D6}"/>
+                <a16:creationId xmlns="" xmlns:a16="http://schemas.microsoft.com/office/drawing/2014/main" id="{3ECE9717-DB7C-454B-A21F-C961D0730C08}"/>
               </a:ext>
             </a:extLst>
           </p:cNvPr>
@@ -9328,82 +8205,143 @@
             <p:ph idx="1"/>
           </p:nvPr>
         </p:nvSpPr>
-        <p:spPr/>
+        <p:spPr>
+          <a:xfrm>
+            <a:off x="352511" y="949830"/>
+            <a:ext cx="8356599" cy="5195254"/>
+          </a:xfrm>
+        </p:spPr>
         <p:txBody>
           <a:bodyPr/>
           <a:lstStyle/>
           <a:p>
             <a:pPr lvl="1"/>
             <a:r>
-              <a:rPr lang="sk-SK" dirty="0"/>
-              <a:t>Grafická nadstavba k MATLABu</a:t>
-            </a:r>
-          </a:p>
-          <a:p>
-            <a:pPr lvl="1"/>
-            <a:r>
-              <a:rPr lang="sk-SK" dirty="0"/>
-              <a:t>Využíva knižnice MATLABu</a:t>
-            </a:r>
-          </a:p>
-          <a:p>
-            <a:pPr lvl="1"/>
-            <a:r>
-              <a:rPr lang="sk-SK" dirty="0"/>
-              <a:t>Prostredie blokových schém – 16 základných knižníc</a:t>
-            </a:r>
-          </a:p>
-          <a:p>
-            <a:pPr lvl="1"/>
-            <a:r>
-              <a:rPr lang="sk-SK" dirty="0"/>
-              <a:t>Modelovanie a simulácia dynamických systémov</a:t>
-            </a:r>
-          </a:p>
-          <a:p>
-            <a:pPr lvl="1"/>
-            <a:r>
-              <a:rPr lang="sk-SK" dirty="0"/>
-              <a:t>Modelovanie stavových automatov, riadiacej logiky a udalostí riadených systémov</a:t>
-            </a:r>
-          </a:p>
-          <a:p>
-            <a:pPr lvl="1"/>
-            <a:r>
-              <a:rPr lang="sk-SK" dirty="0"/>
-              <a:t>Vývoj metódou Model Based Design</a:t>
+              <a:rPr lang="sk-SK" dirty="0" smtClean="0"/>
+              <a:t>Základné pracovné rozhranie:</a:t>
             </a:r>
           </a:p>
           <a:p>
             <a:pPr lvl="2"/>
             <a:r>
-              <a:rPr lang="sk-SK" dirty="0"/>
-              <a:t>Modelovanie algoritmov pre riadiace systémy a systémy spracovania signálov a obrazu</a:t>
+              <a:rPr lang="sk-SK" dirty="0" err="1" smtClean="0"/>
+              <a:t>Command</a:t>
+            </a:r>
+            <a:r>
+              <a:rPr lang="sk-SK" dirty="0"/>
+              <a:t> </a:t>
+            </a:r>
+            <a:r>
+              <a:rPr lang="sk-SK" dirty="0" err="1" smtClean="0"/>
+              <a:t>Window</a:t>
+            </a:r>
+            <a:r>
+              <a:rPr lang="sk-SK" dirty="0" smtClean="0"/>
+              <a:t> – zadávame priamo príkazy</a:t>
             </a:r>
           </a:p>
           <a:p>
             <a:pPr lvl="2"/>
             <a:r>
-              <a:rPr lang="sk-SK" dirty="0"/>
-              <a:t>Aplikácie v reálnom čase</a:t>
-            </a:r>
-          </a:p>
-        </p:txBody>
-      </p:sp>
+              <a:rPr lang="sk-SK" dirty="0" smtClean="0"/>
+              <a:t>Editor – editácia skriptu/kódu</a:t>
+            </a:r>
+          </a:p>
+          <a:p>
+            <a:pPr lvl="2"/>
+            <a:r>
+              <a:rPr lang="sk-SK" dirty="0" err="1" smtClean="0"/>
+              <a:t>Current</a:t>
+            </a:r>
+            <a:r>
+              <a:rPr lang="sk-SK" dirty="0" smtClean="0"/>
+              <a:t> </a:t>
+            </a:r>
+            <a:r>
+              <a:rPr lang="sk-SK" dirty="0" err="1" smtClean="0"/>
+              <a:t>folder</a:t>
+            </a:r>
+            <a:r>
+              <a:rPr lang="sk-SK" dirty="0" smtClean="0"/>
+              <a:t> – súbory v pracovnom priečinku</a:t>
+            </a:r>
+          </a:p>
+          <a:p>
+            <a:pPr lvl="2"/>
+            <a:r>
+              <a:rPr lang="sk-SK" dirty="0" err="1" smtClean="0"/>
+              <a:t>Workspace</a:t>
+            </a:r>
+            <a:r>
+              <a:rPr lang="sk-SK" dirty="0" smtClean="0"/>
+              <a:t> – aktuálne existujúce pracovné premenné (</a:t>
+            </a:r>
+            <a:r>
+              <a:rPr lang="sk-SK" dirty="0" err="1" smtClean="0"/>
+              <a:t>skaláry,matice,štruktúry</a:t>
+            </a:r>
+            <a:r>
+              <a:rPr lang="sk-SK" dirty="0" smtClean="0"/>
+              <a:t>..)</a:t>
+            </a:r>
+          </a:p>
+          <a:p>
+            <a:pPr lvl="2"/>
+            <a:endParaRPr lang="sk-SK" dirty="0"/>
+          </a:p>
+        </p:txBody>
+      </p:sp>
+      <p:pic>
+        <p:nvPicPr>
+          <p:cNvPr id="5" name="Picture 4">
+            <a:extLst>
+              <a:ext uri="{FF2B5EF4-FFF2-40B4-BE49-F238E27FC236}">
+                <a16:creationId xmlns="" xmlns:a16="http://schemas.microsoft.com/office/drawing/2014/main" id="{552D49D0-20BD-46E3-B888-932D3001FE2F}"/>
+              </a:ext>
+            </a:extLst>
+          </p:cNvPr>
+          <p:cNvPicPr>
+            <a:picLocks noChangeAspect="1"/>
+          </p:cNvPicPr>
+          <p:nvPr/>
+        </p:nvPicPr>
+        <p:blipFill>
+          <a:blip r:embed="rId2"/>
+          <a:stretch>
+            <a:fillRect/>
+          </a:stretch>
+        </p:blipFill>
+        <p:spPr>
+          <a:xfrm>
+            <a:off x="679277" y="2436340"/>
+            <a:ext cx="7619085" cy="4285735"/>
+          </a:xfrm>
+          <a:prstGeom prst="rect">
+            <a:avLst/>
+          </a:prstGeom>
+        </p:spPr>
+      </p:pic>
     </p:spTree>
     <p:extLst>
       <p:ext uri="{BB962C8B-B14F-4D97-AF65-F5344CB8AC3E}">
-        <p14:creationId xmlns:p14="http://schemas.microsoft.com/office/powerpoint/2010/main" val="546455076"/>
+        <p14:creationId xmlns:p14="http://schemas.microsoft.com/office/powerpoint/2010/main" val="651784588"/>
       </p:ext>
     </p:extLst>
   </p:cSld>
   <p:clrMapOvr>
     <a:masterClrMapping/>
   </p:clrMapOvr>
+  <p:timing>
+    <p:tnLst>
+      <p:par>
+        <p:cTn id="1" dur="indefinite" restart="never" nodeType="tmRoot"/>
+      </p:par>
+    </p:tnLst>
+  </p:timing>
 </p:sld>
 </file>
 
-<file path=ppt/slides/slide35.xml><?xml version="1.0" encoding="utf-8"?>
+<file path=ppt/slides/slide30.xml><?xml version="1.0" encoding="utf-8"?>
 <p:sld xmlns:a="http://schemas.openxmlformats.org/drawingml/2006/main" xmlns:r="http://schemas.openxmlformats.org/officeDocument/2006/relationships" xmlns:p="http://schemas.openxmlformats.org/presentationml/2006/main">
   <p:cSld>
     <p:spTree>
@@ -9425,7 +8363,7 @@
           <p:cNvPr id="2" name="Title 1">
             <a:extLst>
               <a:ext uri="{FF2B5EF4-FFF2-40B4-BE49-F238E27FC236}">
-                <a16:creationId xmlns:a16="http://schemas.microsoft.com/office/drawing/2014/main" xmlns="" id="{A6779CAD-CC0C-4479-A72A-2419F49219D2}"/>
+                <a16:creationId xmlns="" xmlns:a16="http://schemas.microsoft.com/office/drawing/2014/main" id="{83AB89E7-266A-4ADF-A41F-C7ADA90B728E}"/>
               </a:ext>
             </a:extLst>
           </p:cNvPr>
@@ -9455,7 +8393,7 @@
           <p:cNvPr id="3" name="Content Placeholder 2">
             <a:extLst>
               <a:ext uri="{FF2B5EF4-FFF2-40B4-BE49-F238E27FC236}">
-                <a16:creationId xmlns:a16="http://schemas.microsoft.com/office/drawing/2014/main" xmlns="" id="{533146CB-82DC-40CB-B264-0325638953DD}"/>
+                <a16:creationId xmlns="" xmlns:a16="http://schemas.microsoft.com/office/drawing/2014/main" id="{5024A9AF-EFAD-462D-8F9D-4B24E56F06D6}"/>
               </a:ext>
             </a:extLst>
           </p:cNvPr>
@@ -9474,6 +8412,198 @@
             <a:pPr lvl="1"/>
             <a:r>
               <a:rPr lang="sk-SK" dirty="0"/>
+              <a:t>Modelovanie a simulácia dynamických systémov</a:t>
+            </a:r>
+          </a:p>
+          <a:p>
+            <a:pPr lvl="1"/>
+            <a:r>
+              <a:rPr lang="sk-SK" dirty="0" smtClean="0"/>
+              <a:t>Obsahuje algoritmy pre numerické riešenie diferenciálnych rovníc – takzvané </a:t>
+            </a:r>
+            <a:r>
+              <a:rPr lang="sk-SK" dirty="0" err="1" smtClean="0"/>
+              <a:t>solvre</a:t>
+            </a:r>
+            <a:endParaRPr lang="sk-SK" dirty="0" smtClean="0"/>
+          </a:p>
+          <a:p>
+            <a:pPr lvl="1"/>
+            <a:r>
+              <a:rPr lang="sk-SK" dirty="0" smtClean="0"/>
+              <a:t>Intuitívne grafické programovanie na základe blokových schém</a:t>
+            </a:r>
+          </a:p>
+          <a:p>
+            <a:pPr lvl="1"/>
+            <a:r>
+              <a:rPr lang="sk-SK" dirty="0" smtClean="0"/>
+              <a:t>Základné objekty v kybernetike – prenosové funkcie, regulátory...</a:t>
+            </a:r>
+            <a:endParaRPr lang="sk-SK" dirty="0" smtClean="0"/>
+          </a:p>
+          <a:p>
+            <a:pPr lvl="1"/>
+            <a:endParaRPr lang="sk-SK" dirty="0" smtClean="0"/>
+          </a:p>
+          <a:p>
+            <a:pPr lvl="1"/>
+            <a:r>
+              <a:rPr lang="sk-SK" dirty="0" smtClean="0"/>
+              <a:t>Modelovanie </a:t>
+            </a:r>
+            <a:r>
+              <a:rPr lang="sk-SK" dirty="0"/>
+              <a:t>stavových automatov, riadiacej logiky a udalostí riadených </a:t>
+            </a:r>
+            <a:r>
+              <a:rPr lang="sk-SK" dirty="0" smtClean="0"/>
+              <a:t>systémov</a:t>
+            </a:r>
+          </a:p>
+          <a:p>
+            <a:pPr lvl="2"/>
+            <a:r>
+              <a:rPr lang="sk-SK" dirty="0" err="1" smtClean="0"/>
+              <a:t>Stateflow</a:t>
+            </a:r>
+            <a:r>
+              <a:rPr lang="sk-SK" dirty="0" smtClean="0"/>
+              <a:t> – predmet DUS</a:t>
+            </a:r>
+            <a:endParaRPr lang="sk-SK" dirty="0"/>
+          </a:p>
+          <a:p>
+            <a:pPr lvl="1"/>
+            <a:r>
+              <a:rPr lang="sk-SK" dirty="0"/>
+              <a:t>Vývoj metódou Model Based Design</a:t>
+            </a:r>
+          </a:p>
+          <a:p>
+            <a:pPr lvl="2"/>
+            <a:r>
+              <a:rPr lang="sk-SK" dirty="0"/>
+              <a:t>Modelovanie algoritmov pre riadiace systémy a systémy spracovania signálov a </a:t>
+            </a:r>
+            <a:r>
+              <a:rPr lang="sk-SK" dirty="0" smtClean="0"/>
+              <a:t>obrazu</a:t>
+            </a:r>
+          </a:p>
+          <a:p>
+            <a:pPr lvl="2"/>
+            <a:r>
+              <a:rPr lang="sk-SK" dirty="0" smtClean="0"/>
+              <a:t>Mám model – odsimulujem správanie sa systému s použitím riadenia</a:t>
+            </a:r>
+            <a:endParaRPr lang="sk-SK" dirty="0"/>
+          </a:p>
+          <a:p>
+            <a:pPr lvl="2"/>
+            <a:r>
+              <a:rPr lang="sk-SK" dirty="0"/>
+              <a:t>Aplikácie v reálnom </a:t>
+            </a:r>
+            <a:r>
+              <a:rPr lang="sk-SK" dirty="0" smtClean="0"/>
+              <a:t>čase – prepojenie s HW</a:t>
+            </a:r>
+            <a:endParaRPr lang="sk-SK" dirty="0"/>
+          </a:p>
+        </p:txBody>
+      </p:sp>
+    </p:spTree>
+    <p:extLst>
+      <p:ext uri="{BB962C8B-B14F-4D97-AF65-F5344CB8AC3E}">
+        <p14:creationId xmlns:p14="http://schemas.microsoft.com/office/powerpoint/2010/main" val="546455076"/>
+      </p:ext>
+    </p:extLst>
+  </p:cSld>
+  <p:clrMapOvr>
+    <a:masterClrMapping/>
+  </p:clrMapOvr>
+  <p:timing>
+    <p:tnLst>
+      <p:par>
+        <p:cTn id="1" dur="indefinite" restart="never" nodeType="tmRoot"/>
+      </p:par>
+    </p:tnLst>
+  </p:timing>
+</p:sld>
+</file>
+
+<file path=ppt/slides/slide31.xml><?xml version="1.0" encoding="utf-8"?>
+<p:sld xmlns:a="http://schemas.openxmlformats.org/drawingml/2006/main" xmlns:r="http://schemas.openxmlformats.org/officeDocument/2006/relationships" xmlns:p="http://schemas.openxmlformats.org/presentationml/2006/main">
+  <p:cSld>
+    <p:spTree>
+      <p:nvGrpSpPr>
+        <p:cNvPr id="1" name=""/>
+        <p:cNvGrpSpPr/>
+        <p:nvPr/>
+      </p:nvGrpSpPr>
+      <p:grpSpPr>
+        <a:xfrm>
+          <a:off x="0" y="0"/>
+          <a:ext cx="0" cy="0"/>
+          <a:chOff x="0" y="0"/>
+          <a:chExt cx="0" cy="0"/>
+        </a:xfrm>
+      </p:grpSpPr>
+      <p:sp>
+        <p:nvSpPr>
+          <p:cNvPr id="2" name="Title 1">
+            <a:extLst>
+              <a:ext uri="{FF2B5EF4-FFF2-40B4-BE49-F238E27FC236}">
+                <a16:creationId xmlns="" xmlns:a16="http://schemas.microsoft.com/office/drawing/2014/main" id="{A6779CAD-CC0C-4479-A72A-2419F49219D2}"/>
+              </a:ext>
+            </a:extLst>
+          </p:cNvPr>
+          <p:cNvSpPr>
+            <a:spLocks noGrp="1"/>
+          </p:cNvSpPr>
+          <p:nvPr>
+            <p:ph type="title"/>
+          </p:nvPr>
+        </p:nvSpPr>
+        <p:spPr/>
+        <p:txBody>
+          <a:bodyPr/>
+          <a:lstStyle/>
+          <a:p>
+            <a:pPr algn="ctr"/>
+            <a:r>
+              <a:rPr lang="en-US" dirty="0"/>
+              <a:t>Simulink</a:t>
+            </a:r>
+            <a:endParaRPr lang="sk-SK" dirty="0"/>
+          </a:p>
+        </p:txBody>
+      </p:sp>
+      <p:sp>
+        <p:nvSpPr>
+          <p:cNvPr id="3" name="Content Placeholder 2">
+            <a:extLst>
+              <a:ext uri="{FF2B5EF4-FFF2-40B4-BE49-F238E27FC236}">
+                <a16:creationId xmlns="" xmlns:a16="http://schemas.microsoft.com/office/drawing/2014/main" id="{533146CB-82DC-40CB-B264-0325638953DD}"/>
+              </a:ext>
+            </a:extLst>
+          </p:cNvPr>
+          <p:cNvSpPr>
+            <a:spLocks noGrp="1"/>
+          </p:cNvSpPr>
+          <p:nvPr>
+            <p:ph idx="1"/>
+          </p:nvPr>
+        </p:nvSpPr>
+        <p:spPr/>
+        <p:txBody>
+          <a:bodyPr/>
+          <a:lstStyle/>
+          <a:p>
+            <a:pPr lvl="1"/>
+            <a:r>
+              <a:rPr lang="sk-SK" dirty="0"/>
               <a:t>Schéma v Simulinku</a:t>
             </a:r>
           </a:p>
@@ -9495,25 +8625,78 @@
             <a:pPr lvl="2"/>
             <a:r>
               <a:rPr lang="sk-SK" dirty="0"/>
-              <a:t>Výstup „y“ sa počíta na základe vstupu „u“ a stavov „x“</a:t>
-            </a:r>
+              <a:t>Výstup „y“ sa počíta na základe vstupu „u“ a stavov „x</a:t>
+            </a:r>
+            <a:r>
+              <a:rPr lang="sk-SK" dirty="0" smtClean="0"/>
+              <a:t>“ – rieši za vás </a:t>
+            </a:r>
+            <a:r>
+              <a:rPr lang="sk-SK" dirty="0" err="1" smtClean="0"/>
+              <a:t>Simulink</a:t>
+            </a:r>
+            <a:r>
+              <a:rPr lang="sk-SK" dirty="0" smtClean="0"/>
+              <a:t> (</a:t>
+            </a:r>
+            <a:r>
+              <a:rPr lang="sk-SK" dirty="0" err="1" smtClean="0"/>
+              <a:t>solver</a:t>
+            </a:r>
+            <a:r>
+              <a:rPr lang="sk-SK" dirty="0" smtClean="0"/>
+              <a:t>)</a:t>
+            </a:r>
+            <a:endParaRPr lang="sk-SK" dirty="0"/>
           </a:p>
           <a:p>
             <a:pPr lvl="2"/>
             <a:r>
               <a:rPr lang="sk-SK" dirty="0"/>
-              <a:t>Integrátor, prenosová funkcia, ... (stavy)</a:t>
+              <a:t>Integrátor, prenosová funkcia, ... (stavy</a:t>
+            </a:r>
+            <a:r>
+              <a:rPr lang="sk-SK" dirty="0" smtClean="0"/>
+              <a:t>)</a:t>
+            </a:r>
+            <a:endParaRPr lang="sk-SK" dirty="0"/>
+          </a:p>
+          <a:p>
+            <a:pPr lvl="1"/>
+            <a:r>
+              <a:rPr lang="sk-SK" dirty="0" smtClean="0"/>
+              <a:t>Statické bloky</a:t>
             </a:r>
           </a:p>
           <a:p>
             <a:pPr lvl="2"/>
             <a:r>
-              <a:rPr lang="sk-SK" dirty="0"/>
-              <a:t>Sum, gain, ... (bez stavov)</a:t>
-            </a:r>
-          </a:p>
-          <a:p>
-            <a:pPr lvl="1"/>
+              <a:rPr lang="sk-SK" dirty="0" smtClean="0"/>
+              <a:t>Neobsahujú stavy ani dynamiku</a:t>
+            </a:r>
+          </a:p>
+          <a:p>
+            <a:pPr lvl="2"/>
+            <a:r>
+              <a:rPr lang="sk-SK" dirty="0" smtClean="0"/>
+              <a:t>Zosilnenia, suma, </a:t>
+            </a:r>
+            <a:r>
+              <a:rPr lang="sk-SK" dirty="0" err="1" smtClean="0"/>
+              <a:t>signal</a:t>
+            </a:r>
+            <a:r>
+              <a:rPr lang="sk-SK" dirty="0" smtClean="0"/>
+              <a:t> </a:t>
+            </a:r>
+            <a:r>
+              <a:rPr lang="sk-SK" dirty="0" err="1" smtClean="0"/>
+              <a:t>product</a:t>
+            </a:r>
+            <a:r>
+              <a:rPr lang="sk-SK" dirty="0" smtClean="0"/>
+              <a:t>, matematické funkcie</a:t>
+            </a:r>
             <a:endParaRPr lang="sk-SK" dirty="0"/>
           </a:p>
         </p:txBody>
@@ -9523,7 +8706,7 @@
           <p:cNvPr id="4" name="Arrow: Right 3">
             <a:extLst>
               <a:ext uri="{FF2B5EF4-FFF2-40B4-BE49-F238E27FC236}">
-                <a16:creationId xmlns:a16="http://schemas.microsoft.com/office/drawing/2014/main" xmlns="" id="{12CB134C-38F3-448E-BB6C-A9EF96954B98}"/>
+                <a16:creationId xmlns="" xmlns:a16="http://schemas.microsoft.com/office/drawing/2014/main" id="{12CB134C-38F3-448E-BB6C-A9EF96954B98}"/>
               </a:ext>
             </a:extLst>
           </p:cNvPr>
@@ -9569,7 +8752,7 @@
           <p:cNvPr id="5" name="Rectangle 4">
             <a:extLst>
               <a:ext uri="{FF2B5EF4-FFF2-40B4-BE49-F238E27FC236}">
-                <a16:creationId xmlns:a16="http://schemas.microsoft.com/office/drawing/2014/main" xmlns="" id="{444D28D9-7298-48D8-A92B-B91D21F234F2}"/>
+                <a16:creationId xmlns="" xmlns:a16="http://schemas.microsoft.com/office/drawing/2014/main" id="{444D28D9-7298-48D8-A92B-B91D21F234F2}"/>
               </a:ext>
             </a:extLst>
           </p:cNvPr>
@@ -9618,7 +8801,7 @@
           <p:cNvPr id="6" name="Arrow: Right 5">
             <a:extLst>
               <a:ext uri="{FF2B5EF4-FFF2-40B4-BE49-F238E27FC236}">
-                <a16:creationId xmlns:a16="http://schemas.microsoft.com/office/drawing/2014/main" xmlns="" id="{48082614-30FA-4CA1-BDD0-F405569E574F}"/>
+                <a16:creationId xmlns="" xmlns:a16="http://schemas.microsoft.com/office/drawing/2014/main" id="{48082614-30FA-4CA1-BDD0-F405569E574F}"/>
               </a:ext>
             </a:extLst>
           </p:cNvPr>
@@ -9664,7 +8847,7 @@
           <p:cNvPr id="7" name="TextBox 6">
             <a:extLst>
               <a:ext uri="{FF2B5EF4-FFF2-40B4-BE49-F238E27FC236}">
-                <a16:creationId xmlns:a16="http://schemas.microsoft.com/office/drawing/2014/main" xmlns="" id="{D5AA5FFE-4A23-401D-A2BB-3923A2D7F441}"/>
+                <a16:creationId xmlns="" xmlns:a16="http://schemas.microsoft.com/office/drawing/2014/main" id="{D5AA5FFE-4A23-401D-A2BB-3923A2D7F441}"/>
               </a:ext>
             </a:extLst>
           </p:cNvPr>
@@ -9699,7 +8882,7 @@
           <p:cNvPr id="8" name="TextBox 7">
             <a:extLst>
               <a:ext uri="{FF2B5EF4-FFF2-40B4-BE49-F238E27FC236}">
-                <a16:creationId xmlns:a16="http://schemas.microsoft.com/office/drawing/2014/main" xmlns="" id="{A1B49827-CE42-4F83-93FB-7AA91C00D7DE}"/>
+                <a16:creationId xmlns="" xmlns:a16="http://schemas.microsoft.com/office/drawing/2014/main" id="{A1B49827-CE42-4F83-93FB-7AA91C00D7DE}"/>
               </a:ext>
             </a:extLst>
           </p:cNvPr>
@@ -9739,10 +8922,17 @@
   <p:clrMapOvr>
     <a:masterClrMapping/>
   </p:clrMapOvr>
+  <p:timing>
+    <p:tnLst>
+      <p:par>
+        <p:cTn id="1" dur="indefinite" restart="never" nodeType="tmRoot"/>
+      </p:par>
+    </p:tnLst>
+  </p:timing>
 </p:sld>
 </file>
 
-<file path=ppt/slides/slide36.xml><?xml version="1.0" encoding="utf-8"?>
+<file path=ppt/slides/slide32.xml><?xml version="1.0" encoding="utf-8"?>
 <p:sld xmlns:a="http://schemas.openxmlformats.org/drawingml/2006/main" xmlns:r="http://schemas.openxmlformats.org/officeDocument/2006/relationships" xmlns:p="http://schemas.openxmlformats.org/presentationml/2006/main">
   <p:cSld>
     <p:spTree>
@@ -9764,7 +8954,7 @@
           <p:cNvPr id="2" name="Title 1">
             <a:extLst>
               <a:ext uri="{FF2B5EF4-FFF2-40B4-BE49-F238E27FC236}">
-                <a16:creationId xmlns:a16="http://schemas.microsoft.com/office/drawing/2014/main" xmlns="" id="{6A859485-9673-4535-AEF1-DDE4B672DC16}"/>
+                <a16:creationId xmlns="" xmlns:a16="http://schemas.microsoft.com/office/drawing/2014/main" id="{6A859485-9673-4535-AEF1-DDE4B672DC16}"/>
               </a:ext>
             </a:extLst>
           </p:cNvPr>
@@ -9794,7 +8984,7 @@
           <p:cNvPr id="3" name="Content Placeholder 2">
             <a:extLst>
               <a:ext uri="{FF2B5EF4-FFF2-40B4-BE49-F238E27FC236}">
-                <a16:creationId xmlns:a16="http://schemas.microsoft.com/office/drawing/2014/main" xmlns="" id="{AD17DE64-0D4C-4E04-B20D-29EBA2199E6D}"/>
+                <a16:creationId xmlns="" xmlns:a16="http://schemas.microsoft.com/office/drawing/2014/main" id="{AD17DE64-0D4C-4E04-B20D-29EBA2199E6D}"/>
               </a:ext>
             </a:extLst>
           </p:cNvPr>
@@ -9833,9 +9023,51 @@
           <a:p>
             <a:pPr lvl="1"/>
             <a:r>
-              <a:rPr lang="sk-SK" dirty="0"/>
+              <a:rPr lang="sk-SK" dirty="0" smtClean="0"/>
               <a:t>Signály</a:t>
             </a:r>
+          </a:p>
+          <a:p>
+            <a:pPr lvl="2"/>
+            <a:r>
+              <a:rPr lang="sk-SK" dirty="0" smtClean="0"/>
+              <a:t>Tok dát vstup-</a:t>
+            </a:r>
+            <a:r>
+              <a:rPr lang="en-US" dirty="0" smtClean="0"/>
+              <a:t>&gt;v</a:t>
+            </a:r>
+            <a:r>
+              <a:rPr lang="sk-SK" dirty="0" err="1" smtClean="0"/>
+              <a:t>ýstup</a:t>
+            </a:r>
+            <a:r>
+              <a:rPr lang="sk-SK" dirty="0" smtClean="0"/>
+              <a:t> </a:t>
+            </a:r>
+          </a:p>
+          <a:p>
+            <a:pPr lvl="2"/>
+            <a:r>
+              <a:rPr lang="sk-SK" dirty="0" smtClean="0"/>
+              <a:t>Možná spätná väzba</a:t>
+            </a:r>
+          </a:p>
+          <a:p>
+            <a:pPr lvl="2"/>
+            <a:r>
+              <a:rPr lang="sk-SK" dirty="0" smtClean="0"/>
+              <a:t>Pozor na </a:t>
+            </a:r>
+            <a:r>
+              <a:rPr lang="sk-SK" dirty="0" err="1" smtClean="0"/>
+              <a:t>algebraické</a:t>
+            </a:r>
+            <a:r>
+              <a:rPr lang="sk-SK" dirty="0" smtClean="0"/>
+              <a:t> slučky – spätná väzba bez dynamiky</a:t>
+            </a:r>
+            <a:endParaRPr lang="sk-SK" dirty="0"/>
           </a:p>
           <a:p>
             <a:pPr lvl="2"/>
@@ -9851,7 +9083,7 @@
           <p:cNvPr id="4" name="Picture 3">
             <a:extLst>
               <a:ext uri="{FF2B5EF4-FFF2-40B4-BE49-F238E27FC236}">
-                <a16:creationId xmlns:a16="http://schemas.microsoft.com/office/drawing/2014/main" xmlns="" id="{16A4F773-C6DE-463F-B16F-E2E52DB16B7D}"/>
+                <a16:creationId xmlns="" xmlns:a16="http://schemas.microsoft.com/office/drawing/2014/main" id="{16A4F773-C6DE-463F-B16F-E2E52DB16B7D}"/>
               </a:ext>
             </a:extLst>
           </p:cNvPr>
@@ -9868,7 +9100,7 @@
         </p:blipFill>
         <p:spPr>
           <a:xfrm>
-            <a:off x="3492716" y="3433834"/>
+            <a:off x="3492716" y="3552706"/>
             <a:ext cx="3552825" cy="1828800"/>
           </a:xfrm>
           <a:prstGeom prst="rect">
@@ -9881,7 +9113,7 @@
           <p:cNvPr id="6" name="Straight Arrow Connector 5">
             <a:extLst>
               <a:ext uri="{FF2B5EF4-FFF2-40B4-BE49-F238E27FC236}">
-                <a16:creationId xmlns:a16="http://schemas.microsoft.com/office/drawing/2014/main" xmlns="" id="{3CE3A6BB-F7B9-473F-9537-572D66D26176}"/>
+                <a16:creationId xmlns="" xmlns:a16="http://schemas.microsoft.com/office/drawing/2014/main" id="{3CE3A6BB-F7B9-473F-9537-572D66D26176}"/>
               </a:ext>
             </a:extLst>
           </p:cNvPr>
@@ -9892,7 +9124,7 @@
         </p:nvCxnSpPr>
         <p:spPr>
           <a:xfrm flipH="1">
-            <a:off x="4533991" y="3433834"/>
+            <a:off x="4533991" y="3552706"/>
             <a:ext cx="735138" cy="557784"/>
           </a:xfrm>
           <a:prstGeom prst="straightConnector1">
@@ -9922,7 +9154,7 @@
           <p:cNvPr id="8" name="Straight Arrow Connector 7">
             <a:extLst>
               <a:ext uri="{FF2B5EF4-FFF2-40B4-BE49-F238E27FC236}">
-                <a16:creationId xmlns:a16="http://schemas.microsoft.com/office/drawing/2014/main" xmlns="" id="{8B1FD9AC-6B26-40EB-BA41-252AD6919EE3}"/>
+                <a16:creationId xmlns="" xmlns:a16="http://schemas.microsoft.com/office/drawing/2014/main" id="{8B1FD9AC-6B26-40EB-BA41-252AD6919EE3}"/>
               </a:ext>
             </a:extLst>
           </p:cNvPr>
@@ -9933,7 +9165,7 @@
         </p:nvCxnSpPr>
         <p:spPr>
           <a:xfrm>
-            <a:off x="5269129" y="3433834"/>
+            <a:off x="5269129" y="3552706"/>
             <a:ext cx="459678" cy="509016"/>
           </a:xfrm>
           <a:prstGeom prst="straightConnector1">
@@ -9963,7 +9195,7 @@
           <p:cNvPr id="10" name="TextBox 9">
             <a:extLst>
               <a:ext uri="{FF2B5EF4-FFF2-40B4-BE49-F238E27FC236}">
-                <a16:creationId xmlns:a16="http://schemas.microsoft.com/office/drawing/2014/main" xmlns="" id="{86B86A03-6D3D-4C2C-AF71-0A56B49B8847}"/>
+                <a16:creationId xmlns="" xmlns:a16="http://schemas.microsoft.com/office/drawing/2014/main" id="{86B86A03-6D3D-4C2C-AF71-0A56B49B8847}"/>
               </a:ext>
             </a:extLst>
           </p:cNvPr>
@@ -9998,7 +9230,7 @@
           <p:cNvPr id="12" name="Straight Arrow Connector 11">
             <a:extLst>
               <a:ext uri="{FF2B5EF4-FFF2-40B4-BE49-F238E27FC236}">
-                <a16:creationId xmlns:a16="http://schemas.microsoft.com/office/drawing/2014/main" xmlns="" id="{57661D7D-487F-46DA-8AF1-3E063FEA53EA}"/>
+                <a16:creationId xmlns="" xmlns:a16="http://schemas.microsoft.com/office/drawing/2014/main" id="{57661D7D-487F-46DA-8AF1-3E063FEA53EA}"/>
               </a:ext>
             </a:extLst>
           </p:cNvPr>
@@ -10009,7 +9241,7 @@
         </p:nvCxnSpPr>
         <p:spPr>
           <a:xfrm flipH="1" flipV="1">
-            <a:off x="4253575" y="4467106"/>
+            <a:off x="4253575" y="4585978"/>
             <a:ext cx="1015554" cy="795528"/>
           </a:xfrm>
           <a:prstGeom prst="straightConnector1">
@@ -10039,7 +9271,7 @@
           <p:cNvPr id="14" name="Straight Arrow Connector 13">
             <a:extLst>
               <a:ext uri="{FF2B5EF4-FFF2-40B4-BE49-F238E27FC236}">
-                <a16:creationId xmlns:a16="http://schemas.microsoft.com/office/drawing/2014/main" xmlns="" id="{3DD464E5-11A0-4521-9026-D283B1B98E11}"/>
+                <a16:creationId xmlns="" xmlns:a16="http://schemas.microsoft.com/office/drawing/2014/main" id="{3DD464E5-11A0-4521-9026-D283B1B98E11}"/>
               </a:ext>
             </a:extLst>
           </p:cNvPr>
@@ -10078,7 +9310,7 @@
           <p:cNvPr id="16" name="Straight Arrow Connector 15">
             <a:extLst>
               <a:ext uri="{FF2B5EF4-FFF2-40B4-BE49-F238E27FC236}">
-                <a16:creationId xmlns:a16="http://schemas.microsoft.com/office/drawing/2014/main" xmlns="" id="{C9717A7F-70A3-4782-8275-049AA22F153B}"/>
+                <a16:creationId xmlns="" xmlns:a16="http://schemas.microsoft.com/office/drawing/2014/main" id="{C9717A7F-70A3-4782-8275-049AA22F153B}"/>
               </a:ext>
             </a:extLst>
           </p:cNvPr>
@@ -10089,7 +9321,7 @@
         </p:nvCxnSpPr>
         <p:spPr>
           <a:xfrm flipV="1">
-            <a:off x="5269129" y="4467106"/>
+            <a:off x="5269129" y="4585978"/>
             <a:ext cx="849822" cy="795528"/>
           </a:xfrm>
           <a:prstGeom prst="straightConnector1">
@@ -10119,7 +9351,7 @@
           <p:cNvPr id="17" name="TextBox 16">
             <a:extLst>
               <a:ext uri="{FF2B5EF4-FFF2-40B4-BE49-F238E27FC236}">
-                <a16:creationId xmlns:a16="http://schemas.microsoft.com/office/drawing/2014/main" xmlns="" id="{F46AF44C-EE32-4793-84F0-7AED1C4B59CD}"/>
+                <a16:creationId xmlns="" xmlns:a16="http://schemas.microsoft.com/office/drawing/2014/main" id="{F46AF44C-EE32-4793-84F0-7AED1C4B59CD}"/>
               </a:ext>
             </a:extLst>
           </p:cNvPr>
@@ -10159,10 +9391,17 @@
   <p:clrMapOvr>
     <a:masterClrMapping/>
   </p:clrMapOvr>
+  <p:timing>
+    <p:tnLst>
+      <p:par>
+        <p:cTn id="1" dur="indefinite" restart="never" nodeType="tmRoot"/>
+      </p:par>
+    </p:tnLst>
+  </p:timing>
 </p:sld>
 </file>
 
-<file path=ppt/slides/slide37.xml><?xml version="1.0" encoding="utf-8"?>
+<file path=ppt/slides/slide33.xml><?xml version="1.0" encoding="utf-8"?>
 <p:sld xmlns:a="http://schemas.openxmlformats.org/drawingml/2006/main" xmlns:r="http://schemas.openxmlformats.org/officeDocument/2006/relationships" xmlns:p="http://schemas.openxmlformats.org/presentationml/2006/main">
   <p:cSld>
     <p:spTree>
@@ -10184,138 +9423,7 @@
           <p:cNvPr id="2" name="Title 1">
             <a:extLst>
               <a:ext uri="{FF2B5EF4-FFF2-40B4-BE49-F238E27FC236}">
-                <a16:creationId xmlns:a16="http://schemas.microsoft.com/office/drawing/2014/main" xmlns="" id="{FAC27851-BEBF-4E74-8023-8BCEE67686A7}"/>
-              </a:ext>
-            </a:extLst>
-          </p:cNvPr>
-          <p:cNvSpPr>
-            <a:spLocks noGrp="1"/>
-          </p:cNvSpPr>
-          <p:nvPr>
-            <p:ph type="title"/>
-          </p:nvPr>
-        </p:nvSpPr>
-        <p:spPr/>
-        <p:txBody>
-          <a:bodyPr/>
-          <a:lstStyle/>
-          <a:p>
-            <a:pPr algn="ctr"/>
-            <a:r>
-              <a:rPr lang="sk-SK" dirty="0"/>
-              <a:t>Simulink</a:t>
-            </a:r>
-          </a:p>
-        </p:txBody>
-      </p:sp>
-      <p:sp>
-        <p:nvSpPr>
-          <p:cNvPr id="3" name="Content Placeholder 2">
-            <a:extLst>
-              <a:ext uri="{FF2B5EF4-FFF2-40B4-BE49-F238E27FC236}">
-                <a16:creationId xmlns:a16="http://schemas.microsoft.com/office/drawing/2014/main" xmlns="" id="{B76D8EEA-483B-4C79-A829-BED61C53148D}"/>
-              </a:ext>
-            </a:extLst>
-          </p:cNvPr>
-          <p:cNvSpPr>
-            <a:spLocks noGrp="1"/>
-          </p:cNvSpPr>
-          <p:nvPr>
-            <p:ph idx="1"/>
-          </p:nvPr>
-        </p:nvSpPr>
-        <p:spPr/>
-        <p:txBody>
-          <a:bodyPr/>
-          <a:lstStyle/>
-          <a:p>
-            <a:pPr lvl="1"/>
-            <a:r>
-              <a:rPr lang="sk-SK" dirty="0"/>
-              <a:t>Spustenie SIMULINKu</a:t>
-            </a:r>
-          </a:p>
-          <a:p>
-            <a:pPr lvl="2"/>
-            <a:r>
-              <a:rPr lang="sk-SK" dirty="0"/>
-              <a:t>Zadaním príkazu „simulink“ do „Command Window“</a:t>
-            </a:r>
-          </a:p>
-          <a:p>
-            <a:pPr marL="201168" lvl="1" indent="0">
-              <a:buNone/>
-            </a:pPr>
-            <a:endParaRPr lang="sk-SK" dirty="0"/>
-          </a:p>
-        </p:txBody>
-      </p:sp>
-      <p:pic>
-        <p:nvPicPr>
-          <p:cNvPr id="4" name="Picture 3">
-            <a:extLst>
-              <a:ext uri="{FF2B5EF4-FFF2-40B4-BE49-F238E27FC236}">
-                <a16:creationId xmlns:a16="http://schemas.microsoft.com/office/drawing/2014/main" xmlns="" id="{0ED9CEC3-6443-407F-A3AC-1C486113BD07}"/>
-              </a:ext>
-            </a:extLst>
-          </p:cNvPr>
-          <p:cNvPicPr>
-            <a:picLocks noChangeAspect="1"/>
-          </p:cNvPicPr>
-          <p:nvPr/>
-        </p:nvPicPr>
-        <p:blipFill>
-          <a:blip r:embed="rId2"/>
-          <a:stretch>
-            <a:fillRect/>
-          </a:stretch>
-        </p:blipFill>
-        <p:spPr>
-          <a:xfrm>
-            <a:off x="0" y="1961715"/>
-            <a:ext cx="9144000" cy="2326821"/>
-          </a:xfrm>
-          <a:prstGeom prst="rect">
-            <a:avLst/>
-          </a:prstGeom>
-        </p:spPr>
-      </p:pic>
-    </p:spTree>
-    <p:extLst>
-      <p:ext uri="{BB962C8B-B14F-4D97-AF65-F5344CB8AC3E}">
-        <p14:creationId xmlns:p14="http://schemas.microsoft.com/office/powerpoint/2010/main" val="3412310764"/>
-      </p:ext>
-    </p:extLst>
-  </p:cSld>
-  <p:clrMapOvr>
-    <a:masterClrMapping/>
-  </p:clrMapOvr>
-</p:sld>
-</file>
-
-<file path=ppt/slides/slide38.xml><?xml version="1.0" encoding="utf-8"?>
-<p:sld xmlns:a="http://schemas.openxmlformats.org/drawingml/2006/main" xmlns:r="http://schemas.openxmlformats.org/officeDocument/2006/relationships" xmlns:p="http://schemas.openxmlformats.org/presentationml/2006/main">
-  <p:cSld>
-    <p:spTree>
-      <p:nvGrpSpPr>
-        <p:cNvPr id="1" name=""/>
-        <p:cNvGrpSpPr/>
-        <p:nvPr/>
-      </p:nvGrpSpPr>
-      <p:grpSpPr>
-        <a:xfrm>
-          <a:off x="0" y="0"/>
-          <a:ext cx="0" cy="0"/>
-          <a:chOff x="0" y="0"/>
-          <a:chExt cx="0" cy="0"/>
-        </a:xfrm>
-      </p:grpSpPr>
-      <p:sp>
-        <p:nvSpPr>
-          <p:cNvPr id="2" name="Title 1">
-            <a:extLst>
-              <a:ext uri="{FF2B5EF4-FFF2-40B4-BE49-F238E27FC236}">
-                <a16:creationId xmlns:a16="http://schemas.microsoft.com/office/drawing/2014/main" xmlns="" id="{53E15509-F4CE-4D9D-A239-3A3959E27F50}"/>
+                <a16:creationId xmlns="" xmlns:a16="http://schemas.microsoft.com/office/drawing/2014/main" id="{53E15509-F4CE-4D9D-A239-3A3959E27F50}"/>
               </a:ext>
             </a:extLst>
           </p:cNvPr>
@@ -10350,7 +9458,7 @@
           <p:cNvPr id="3" name="Content Placeholder 2">
             <a:extLst>
               <a:ext uri="{FF2B5EF4-FFF2-40B4-BE49-F238E27FC236}">
-                <a16:creationId xmlns:a16="http://schemas.microsoft.com/office/drawing/2014/main" xmlns="" id="{6126F99F-B23F-47F7-A5FD-BE03446C0AC1}"/>
+                <a16:creationId xmlns="" xmlns:a16="http://schemas.microsoft.com/office/drawing/2014/main" id="{6126F99F-B23F-47F7-A5FD-BE03446C0AC1}"/>
               </a:ext>
             </a:extLst>
           </p:cNvPr>
@@ -10379,7 +9487,7 @@
           <p:cNvPr id="4" name="Picture 3">
             <a:extLst>
               <a:ext uri="{FF2B5EF4-FFF2-40B4-BE49-F238E27FC236}">
-                <a16:creationId xmlns:a16="http://schemas.microsoft.com/office/drawing/2014/main" xmlns="" id="{B40B1163-A373-4F3B-B7E2-5FF8A99A2A9B}"/>
+                <a16:creationId xmlns="" xmlns:a16="http://schemas.microsoft.com/office/drawing/2014/main" id="{B40B1163-A373-4F3B-B7E2-5FF8A99A2A9B}"/>
               </a:ext>
             </a:extLst>
           </p:cNvPr>
@@ -10414,10 +9522,17 @@
   <p:clrMapOvr>
     <a:masterClrMapping/>
   </p:clrMapOvr>
+  <p:timing>
+    <p:tnLst>
+      <p:par>
+        <p:cTn id="1" dur="indefinite" restart="never" nodeType="tmRoot"/>
+      </p:par>
+    </p:tnLst>
+  </p:timing>
 </p:sld>
 </file>
 
-<file path=ppt/slides/slide39.xml><?xml version="1.0" encoding="utf-8"?>
+<file path=ppt/slides/slide34.xml><?xml version="1.0" encoding="utf-8"?>
 <p:sld xmlns:a="http://schemas.openxmlformats.org/drawingml/2006/main" xmlns:r="http://schemas.openxmlformats.org/officeDocument/2006/relationships" xmlns:p="http://schemas.openxmlformats.org/presentationml/2006/main">
   <p:cSld>
     <p:spTree>
@@ -10439,7 +9554,7 @@
           <p:cNvPr id="2" name="Title 1">
             <a:extLst>
               <a:ext uri="{FF2B5EF4-FFF2-40B4-BE49-F238E27FC236}">
-                <a16:creationId xmlns:a16="http://schemas.microsoft.com/office/drawing/2014/main" xmlns="" id="{BE3063D4-2F19-436D-8691-537DC44C8736}"/>
+                <a16:creationId xmlns="" xmlns:a16="http://schemas.microsoft.com/office/drawing/2014/main" id="{BE3063D4-2F19-436D-8691-537DC44C8736}"/>
               </a:ext>
             </a:extLst>
           </p:cNvPr>
@@ -10468,7 +9583,7 @@
           <p:cNvPr id="3" name="Content Placeholder 2">
             <a:extLst>
               <a:ext uri="{FF2B5EF4-FFF2-40B4-BE49-F238E27FC236}">
-                <a16:creationId xmlns:a16="http://schemas.microsoft.com/office/drawing/2014/main" xmlns="" id="{29361117-5379-45A1-802A-5F915F28B966}"/>
+                <a16:creationId xmlns="" xmlns:a16="http://schemas.microsoft.com/office/drawing/2014/main" id="{29361117-5379-45A1-802A-5F915F28B966}"/>
               </a:ext>
             </a:extLst>
           </p:cNvPr>
@@ -10562,7 +9677,7 @@
           <p:cNvPr id="4" name="Picture 3">
             <a:extLst>
               <a:ext uri="{FF2B5EF4-FFF2-40B4-BE49-F238E27FC236}">
-                <a16:creationId xmlns:a16="http://schemas.microsoft.com/office/drawing/2014/main" xmlns="" id="{F1573CB6-EE5C-45B0-938B-14E3DEF4E257}"/>
+                <a16:creationId xmlns="" xmlns:a16="http://schemas.microsoft.com/office/drawing/2014/main" id="{F1573CB6-EE5C-45B0-938B-14E3DEF4E257}"/>
               </a:ext>
             </a:extLst>
           </p:cNvPr>
@@ -10592,7 +9707,7 @@
           <p:cNvPr id="6" name="Straight Arrow Connector 5">
             <a:extLst>
               <a:ext uri="{FF2B5EF4-FFF2-40B4-BE49-F238E27FC236}">
-                <a16:creationId xmlns:a16="http://schemas.microsoft.com/office/drawing/2014/main" xmlns="" id="{856DE5C1-3526-42B5-BE19-A77437FFA770}"/>
+                <a16:creationId xmlns="" xmlns:a16="http://schemas.microsoft.com/office/drawing/2014/main" id="{856DE5C1-3526-42B5-BE19-A77437FFA770}"/>
               </a:ext>
             </a:extLst>
           </p:cNvPr>
@@ -10633,7 +9748,7 @@
           <p:cNvPr id="7" name="TextBox 6">
             <a:extLst>
               <a:ext uri="{FF2B5EF4-FFF2-40B4-BE49-F238E27FC236}">
-                <a16:creationId xmlns:a16="http://schemas.microsoft.com/office/drawing/2014/main" xmlns="" id="{B36B3177-14D5-48AC-B07F-E225A0E8411D}"/>
+                <a16:creationId xmlns="" xmlns:a16="http://schemas.microsoft.com/office/drawing/2014/main" id="{B36B3177-14D5-48AC-B07F-E225A0E8411D}"/>
               </a:ext>
             </a:extLst>
           </p:cNvPr>
@@ -10668,7 +9783,7 @@
           <p:cNvPr id="9" name="Picture 8">
             <a:extLst>
               <a:ext uri="{FF2B5EF4-FFF2-40B4-BE49-F238E27FC236}">
-                <a16:creationId xmlns:a16="http://schemas.microsoft.com/office/drawing/2014/main" xmlns="" id="{6550ED5C-5963-4871-BAD7-EF5D65F3BF04}"/>
+                <a16:creationId xmlns="" xmlns:a16="http://schemas.microsoft.com/office/drawing/2014/main" id="{6550ED5C-5963-4871-BAD7-EF5D65F3BF04}"/>
               </a:ext>
             </a:extLst>
           </p:cNvPr>
@@ -10698,7 +9813,7 @@
           <p:cNvPr id="11" name="Straight Arrow Connector 10">
             <a:extLst>
               <a:ext uri="{FF2B5EF4-FFF2-40B4-BE49-F238E27FC236}">
-                <a16:creationId xmlns:a16="http://schemas.microsoft.com/office/drawing/2014/main" xmlns="" id="{5A52AA3B-ABE1-469B-9385-3F43039E0C3B}"/>
+                <a16:creationId xmlns="" xmlns:a16="http://schemas.microsoft.com/office/drawing/2014/main" id="{5A52AA3B-ABE1-469B-9385-3F43039E0C3B}"/>
               </a:ext>
             </a:extLst>
           </p:cNvPr>
@@ -10737,7 +9852,7 @@
           <p:cNvPr id="12" name="TextBox 11">
             <a:extLst>
               <a:ext uri="{FF2B5EF4-FFF2-40B4-BE49-F238E27FC236}">
-                <a16:creationId xmlns:a16="http://schemas.microsoft.com/office/drawing/2014/main" xmlns="" id="{C9FC6D91-0F0A-4EAB-B668-BEA7B3FD81EF}"/>
+                <a16:creationId xmlns="" xmlns:a16="http://schemas.microsoft.com/office/drawing/2014/main" id="{C9FC6D91-0F0A-4EAB-B668-BEA7B3FD81EF}"/>
               </a:ext>
             </a:extLst>
           </p:cNvPr>
@@ -10777,10 +9892,17 @@
   <p:clrMapOvr>
     <a:masterClrMapping/>
   </p:clrMapOvr>
+  <p:timing>
+    <p:tnLst>
+      <p:par>
+        <p:cTn id="1" dur="indefinite" restart="never" nodeType="tmRoot"/>
+      </p:par>
+    </p:tnLst>
+  </p:timing>
 </p:sld>
 </file>
 
-<file path=ppt/slides/slide4.xml><?xml version="1.0" encoding="utf-8"?>
+<file path=ppt/slides/slide35.xml><?xml version="1.0" encoding="utf-8"?>
 <p:sld xmlns:a="http://schemas.openxmlformats.org/drawingml/2006/main" xmlns:r="http://schemas.openxmlformats.org/officeDocument/2006/relationships" xmlns:p="http://schemas.openxmlformats.org/presentationml/2006/main">
   <p:cSld>
     <p:spTree>
@@ -10802,7 +9924,7 @@
           <p:cNvPr id="2" name="Title 1">
             <a:extLst>
               <a:ext uri="{FF2B5EF4-FFF2-40B4-BE49-F238E27FC236}">
-                <a16:creationId xmlns:a16="http://schemas.microsoft.com/office/drawing/2014/main" xmlns="" id="{1B413178-74A5-475B-8910-8EA858E119D9}"/>
+                <a16:creationId xmlns="" xmlns:a16="http://schemas.microsoft.com/office/drawing/2014/main" id="{F2EBB628-57AF-4AEB-99D7-B5474F38C22E}"/>
               </a:ext>
             </a:extLst>
           </p:cNvPr>
@@ -10821,7 +9943,7 @@
             <a:pPr algn="ctr"/>
             <a:r>
               <a:rPr lang="sk-SK" dirty="0"/>
-              <a:t>MATLAB</a:t>
+              <a:t>Simulink</a:t>
             </a:r>
           </a:p>
         </p:txBody>
@@ -10831,7 +9953,7 @@
           <p:cNvPr id="3" name="Content Placeholder 2">
             <a:extLst>
               <a:ext uri="{FF2B5EF4-FFF2-40B4-BE49-F238E27FC236}">
-                <a16:creationId xmlns:a16="http://schemas.microsoft.com/office/drawing/2014/main" xmlns="" id="{B24AE00A-8D2A-4EFF-BCD4-74A571688219}"/>
+                <a16:creationId xmlns="" xmlns:a16="http://schemas.microsoft.com/office/drawing/2014/main" id="{0C53684F-138F-42E9-B427-7C38200DC25D}"/>
               </a:ext>
             </a:extLst>
           </p:cNvPr>
@@ -10844,127 +9966,9 @@
         </p:nvSpPr>
         <p:spPr/>
         <p:txBody>
-          <a:bodyPr>
-            <a:normAutofit/>
-          </a:bodyPr>
-          <a:lstStyle/>
-          <a:p>
-            <a:pPr lvl="1" algn="just"/>
-            <a:r>
-              <a:rPr lang="sk-SK" sz="2000" dirty="0"/>
-              <a:t>Názob MATLAB vznikol skrátením slov MATrix LABoratory (voľný preklad: „maticové laboratórium“) a z toho vyplýva, že kľúčová dátová štruktúra používaná pri výpočtoch je matica</a:t>
-            </a:r>
-          </a:p>
-          <a:p>
-            <a:pPr lvl="1" algn="just"/>
-            <a:r>
-              <a:rPr lang="sk-SK" sz="2000" dirty="0"/>
-              <a:t>Program MATLAB je vyvýjaný spoločnosťou MathWorks</a:t>
-            </a:r>
-          </a:p>
-          <a:p>
-            <a:pPr lvl="1" algn="just"/>
-            <a:r>
-              <a:rPr lang="sk-SK" sz="2000" dirty="0"/>
-              <a:t>V dnešnej dobe je považovaný Matlab za komplexný výpočtový systém s veľkým množstvom funkcií</a:t>
-            </a:r>
-          </a:p>
-          <a:p>
-            <a:pPr lvl="1" algn="just"/>
-            <a:r>
-              <a:rPr lang="sk-SK" sz="2000" dirty="0"/>
-              <a:t> Funkcie sa ďalej dajú rozširovať pomocou toolboxov</a:t>
-            </a:r>
-          </a:p>
-          <a:p>
-            <a:pPr lvl="1" algn="just"/>
-            <a:r>
-              <a:rPr lang="sk-SK" sz="2000" dirty="0"/>
-              <a:t>Vznikli aj špecializované nadstavby pre simuláciu dynamických systémov (Simulink), alebo systémov udalostných (Stateflow).</a:t>
-            </a:r>
-          </a:p>
-        </p:txBody>
-      </p:sp>
-    </p:spTree>
-    <p:extLst>
-      <p:ext uri="{BB962C8B-B14F-4D97-AF65-F5344CB8AC3E}">
-        <p14:creationId xmlns:p14="http://schemas.microsoft.com/office/powerpoint/2010/main" val="3717352713"/>
-      </p:ext>
-    </p:extLst>
-  </p:cSld>
-  <p:clrMapOvr>
-    <a:masterClrMapping/>
-  </p:clrMapOvr>
-</p:sld>
-</file>
-
-<file path=ppt/slides/slide40.xml><?xml version="1.0" encoding="utf-8"?>
-<p:sld xmlns:a="http://schemas.openxmlformats.org/drawingml/2006/main" xmlns:r="http://schemas.openxmlformats.org/officeDocument/2006/relationships" xmlns:p="http://schemas.openxmlformats.org/presentationml/2006/main">
-  <p:cSld>
-    <p:spTree>
-      <p:nvGrpSpPr>
-        <p:cNvPr id="1" name=""/>
-        <p:cNvGrpSpPr/>
-        <p:nvPr/>
-      </p:nvGrpSpPr>
-      <p:grpSpPr>
-        <a:xfrm>
-          <a:off x="0" y="0"/>
-          <a:ext cx="0" cy="0"/>
-          <a:chOff x="0" y="0"/>
-          <a:chExt cx="0" cy="0"/>
-        </a:xfrm>
-      </p:grpSpPr>
-      <p:sp>
-        <p:nvSpPr>
-          <p:cNvPr id="2" name="Title 1">
-            <a:extLst>
-              <a:ext uri="{FF2B5EF4-FFF2-40B4-BE49-F238E27FC236}">
-                <a16:creationId xmlns:a16="http://schemas.microsoft.com/office/drawing/2014/main" xmlns="" id="{F2EBB628-57AF-4AEB-99D7-B5474F38C22E}"/>
-              </a:ext>
-            </a:extLst>
-          </p:cNvPr>
-          <p:cNvSpPr>
-            <a:spLocks noGrp="1"/>
-          </p:cNvSpPr>
-          <p:nvPr>
-            <p:ph type="title"/>
-          </p:nvPr>
-        </p:nvSpPr>
-        <p:spPr/>
-        <p:txBody>
           <a:bodyPr/>
           <a:lstStyle/>
           <a:p>
-            <a:pPr algn="ctr"/>
-            <a:r>
-              <a:rPr lang="sk-SK" dirty="0"/>
-              <a:t>Simulink</a:t>
-            </a:r>
-          </a:p>
-        </p:txBody>
-      </p:sp>
-      <p:sp>
-        <p:nvSpPr>
-          <p:cNvPr id="3" name="Content Placeholder 2">
-            <a:extLst>
-              <a:ext uri="{FF2B5EF4-FFF2-40B4-BE49-F238E27FC236}">
-                <a16:creationId xmlns:a16="http://schemas.microsoft.com/office/drawing/2014/main" xmlns="" id="{0C53684F-138F-42E9-B427-7C38200DC25D}"/>
-              </a:ext>
-            </a:extLst>
-          </p:cNvPr>
-          <p:cNvSpPr>
-            <a:spLocks noGrp="1"/>
-          </p:cNvSpPr>
-          <p:nvPr>
-            <p:ph idx="1"/>
-          </p:nvPr>
-        </p:nvSpPr>
-        <p:spPr/>
-        <p:txBody>
-          <a:bodyPr/>
-          <a:lstStyle/>
-          <a:p>
             <a:pPr lvl="1"/>
             <a:r>
               <a:rPr lang="sk-SK" dirty="0"/>
@@ -11002,30 +10006,61 @@
           <a:p>
             <a:pPr lvl="2"/>
             <a:r>
-              <a:rPr lang="sk-SK" dirty="0"/>
-              <a:t>Použíté bloky</a:t>
-            </a:r>
+              <a:rPr lang="sk-SK" dirty="0" smtClean="0"/>
+              <a:t>Základné užitočné bloky</a:t>
+            </a:r>
+            <a:endParaRPr lang="sk-SK" dirty="0"/>
           </a:p>
           <a:p>
             <a:pPr lvl="3"/>
             <a:r>
-              <a:rPr lang="sk-SK" dirty="0"/>
-              <a:t>Step</a:t>
-            </a:r>
+              <a:rPr lang="sk-SK" dirty="0" smtClean="0"/>
+              <a:t>Step – zdroj </a:t>
+            </a:r>
+            <a:r>
+              <a:rPr lang="sk-SK" dirty="0" err="1" smtClean="0"/>
+              <a:t>singnálu</a:t>
+            </a:r>
+            <a:endParaRPr lang="sk-SK" dirty="0"/>
           </a:p>
           <a:p>
             <a:pPr lvl="3"/>
             <a:r>
               <a:rPr lang="sk-SK" dirty="0"/>
-              <a:t>Transfer function</a:t>
-            </a:r>
+              <a:t>Transfer </a:t>
+            </a:r>
+            <a:r>
+              <a:rPr lang="sk-SK" dirty="0" err="1" smtClean="0"/>
+              <a:t>function</a:t>
+            </a:r>
+            <a:r>
+              <a:rPr lang="sk-SK" dirty="0" smtClean="0"/>
+              <a:t> – prenosová funkcia</a:t>
+            </a:r>
+          </a:p>
+          <a:p>
+            <a:pPr lvl="4"/>
+            <a:r>
+              <a:rPr lang="sk-SK" dirty="0" smtClean="0"/>
+              <a:t>Vektory pre čitateľa a </a:t>
+            </a:r>
+            <a:r>
+              <a:rPr lang="sk-SK" dirty="0" err="1" smtClean="0"/>
+              <a:t>menovetaľa</a:t>
+            </a:r>
+            <a:endParaRPr lang="sk-SK" dirty="0"/>
           </a:p>
           <a:p>
             <a:pPr lvl="3"/>
             <a:r>
-              <a:rPr lang="sk-SK" dirty="0"/>
+              <a:rPr lang="sk-SK" dirty="0" err="1" smtClean="0"/>
               <a:t>Scope</a:t>
             </a:r>
+            <a:r>
+              <a:rPr lang="sk-SK" dirty="0" smtClean="0"/>
+              <a:t> – grafické zobrazenie priebehu</a:t>
+            </a:r>
+            <a:endParaRPr lang="sk-SK" dirty="0"/>
           </a:p>
           <a:p>
             <a:pPr lvl="3"/>
@@ -11038,7 +10073,7 @@
           <p:cNvPr id="4" name="Picture 3">
             <a:extLst>
               <a:ext uri="{FF2B5EF4-FFF2-40B4-BE49-F238E27FC236}">
-                <a16:creationId xmlns:a16="http://schemas.microsoft.com/office/drawing/2014/main" xmlns="" id="{80B7C8F0-69DC-41E8-B30B-5AAC23A45928}"/>
+                <a16:creationId xmlns="" xmlns:a16="http://schemas.microsoft.com/office/drawing/2014/main" id="{80B7C8F0-69DC-41E8-B30B-5AAC23A45928}"/>
               </a:ext>
             </a:extLst>
           </p:cNvPr>
@@ -11055,7 +10090,7 @@
         </p:blipFill>
         <p:spPr>
           <a:xfrm>
-            <a:off x="489585" y="3747706"/>
+            <a:off x="4954493" y="2561457"/>
             <a:ext cx="2800350" cy="752475"/>
           </a:xfrm>
           <a:prstGeom prst="rect">
@@ -11073,10 +10108,17 @@
   <p:clrMapOvr>
     <a:masterClrMapping/>
   </p:clrMapOvr>
+  <p:timing>
+    <p:tnLst>
+      <p:par>
+        <p:cTn id="1" dur="indefinite" restart="never" nodeType="tmRoot"/>
+      </p:par>
+    </p:tnLst>
+  </p:timing>
 </p:sld>
 </file>
 
-<file path=ppt/slides/slide41.xml><?xml version="1.0" encoding="utf-8"?>
+<file path=ppt/slides/slide36.xml><?xml version="1.0" encoding="utf-8"?>
 <p:sld xmlns:a="http://schemas.openxmlformats.org/drawingml/2006/main" xmlns:r="http://schemas.openxmlformats.org/officeDocument/2006/relationships" xmlns:p="http://schemas.openxmlformats.org/presentationml/2006/main">
   <p:cSld>
     <p:spTree>
@@ -11098,7 +10140,7 @@
           <p:cNvPr id="2" name="Title 1">
             <a:extLst>
               <a:ext uri="{FF2B5EF4-FFF2-40B4-BE49-F238E27FC236}">
-                <a16:creationId xmlns:a16="http://schemas.microsoft.com/office/drawing/2014/main" xmlns="" id="{909AE3AE-87EC-4AD2-BD60-59E785E4B539}"/>
+                <a16:creationId xmlns="" xmlns:a16="http://schemas.microsoft.com/office/drawing/2014/main" id="{F6C46024-1C83-4D91-A833-0C6D00EC8D29}"/>
               </a:ext>
             </a:extLst>
           </p:cNvPr>
@@ -11116,10 +10158,9 @@
           <a:p>
             <a:pPr algn="ctr"/>
             <a:r>
-              <a:rPr lang="en-US" dirty="0"/>
+              <a:rPr lang="sk-SK" dirty="0"/>
               <a:t>Simulink</a:t>
             </a:r>
-            <a:endParaRPr lang="sk-SK" dirty="0"/>
           </a:p>
         </p:txBody>
       </p:sp>
@@ -11128,7 +10169,7 @@
           <p:cNvPr id="3" name="Content Placeholder 2">
             <a:extLst>
               <a:ext uri="{FF2B5EF4-FFF2-40B4-BE49-F238E27FC236}">
-                <a16:creationId xmlns:a16="http://schemas.microsoft.com/office/drawing/2014/main" xmlns="" id="{77218223-F8EB-4E44-AD52-14F3C31C6017}"/>
+                <a16:creationId xmlns="" xmlns:a16="http://schemas.microsoft.com/office/drawing/2014/main" id="{F30771F4-2F68-4532-A3E1-1C4E544DC51B}"/>
               </a:ext>
             </a:extLst>
           </p:cNvPr>
@@ -11141,15 +10182,13 @@
         </p:nvSpPr>
         <p:spPr/>
         <p:txBody>
-          <a:bodyPr>
-            <a:normAutofit/>
-          </a:bodyPr>
+          <a:bodyPr/>
           <a:lstStyle/>
           <a:p>
             <a:pPr lvl="1"/>
             <a:r>
               <a:rPr lang="sk-SK" sz="2000" dirty="0"/>
-              <a:t>Práca s blokmi</a:t>
+              <a:t>Označovanie blokov</a:t>
             </a:r>
           </a:p>
           <a:p>
@@ -11160,98 +10199,60 @@
             <a:pPr lvl="1"/>
             <a:r>
               <a:rPr lang="sk-SK" sz="2000" dirty="0"/>
-              <a:t>Kopírovanie</a:t>
+              <a:t>Označenie jedného bloku</a:t>
             </a:r>
           </a:p>
           <a:p>
             <a:pPr lvl="2"/>
             <a:r>
               <a:rPr lang="sk-SK" sz="2000" dirty="0"/>
-              <a:t>Ctrl+c, ctrl+v</a:t>
+              <a:t>Kliknutím ľavého tlačítka myši na objekt</a:t>
+            </a:r>
+          </a:p>
+          <a:p>
+            <a:pPr lvl="1"/>
+            <a:r>
+              <a:rPr lang="sk-SK" sz="2000" dirty="0"/>
+              <a:t>Označenie viacerých blokov</a:t>
             </a:r>
           </a:p>
           <a:p>
             <a:pPr lvl="2"/>
             <a:r>
               <a:rPr lang="sk-SK" sz="2000" dirty="0"/>
-              <a:t>Pravé tlačítko myši a ťahanie</a:t>
+              <a:t>Kliknutím ľavého tlačítka myši + vytvorenie obdĺžnika nad označovanými objektami</a:t>
+            </a:r>
+          </a:p>
+          <a:p>
+            <a:pPr lvl="2"/>
+            <a:r>
+              <a:rPr lang="sk-SK" sz="2000" dirty="0"/>
+              <a:t>Shift + kliknutie ľavého tlačítka myši na objekty, ktoré chceme označiť</a:t>
             </a:r>
           </a:p>
           <a:p>
             <a:pPr lvl="1"/>
             <a:r>
               <a:rPr lang="sk-SK" sz="2000" dirty="0"/>
-              <a:t>Otáčanie</a:t>
+              <a:t>Označenie všetkých objektov</a:t>
             </a:r>
           </a:p>
           <a:p>
             <a:pPr lvl="2"/>
             <a:r>
               <a:rPr lang="sk-SK" sz="2000" dirty="0"/>
-              <a:t>Ctrl+r</a:t>
-            </a:r>
-          </a:p>
-          <a:p>
-            <a:pPr lvl="1"/>
+              <a:t>Edit – select all</a:t>
+            </a:r>
+          </a:p>
+          <a:p>
+            <a:pPr lvl="2"/>
             <a:r>
               <a:rPr lang="sk-SK" sz="2000" dirty="0"/>
-              <a:t>Editovanie parametrov</a:t>
+              <a:t>Ctrl +a</a:t>
             </a:r>
           </a:p>
           <a:p>
             <a:pPr lvl="2"/>
-            <a:r>
-              <a:rPr lang="sk-SK" sz="2000" dirty="0"/>
-              <a:t>Dvojklik </a:t>
-            </a:r>
-          </a:p>
-          <a:p>
-            <a:pPr lvl="1"/>
-            <a:r>
-              <a:rPr lang="sk-SK" sz="2000" dirty="0"/>
-              <a:t>Zmena farby</a:t>
-            </a:r>
-          </a:p>
-          <a:p>
-            <a:pPr lvl="2"/>
-            <a:r>
-              <a:rPr lang="sk-SK" sz="2000" dirty="0"/>
-              <a:t>Pravé tlačítko</a:t>
-            </a:r>
-          </a:p>
-          <a:p>
-            <a:pPr lvl="3"/>
-            <a:r>
-              <a:rPr lang="sk-SK" sz="2000" dirty="0"/>
-              <a:t>Fortmat </a:t>
-            </a:r>
-          </a:p>
-          <a:p>
-            <a:pPr lvl="4"/>
-            <a:r>
-              <a:rPr lang="sk-SK" sz="2000" dirty="0"/>
-              <a:t>Foreground color</a:t>
-            </a:r>
-          </a:p>
-          <a:p>
-            <a:pPr lvl="4"/>
-            <a:r>
-              <a:rPr lang="sk-SK" sz="2000" dirty="0"/>
-              <a:t>Background color</a:t>
-            </a:r>
-          </a:p>
-          <a:p>
-            <a:pPr marL="201168" lvl="1" indent="0">
-              <a:buNone/>
-            </a:pPr>
-            <a:endParaRPr lang="sk-SK" sz="2000" dirty="0"/>
-          </a:p>
-          <a:p>
-            <a:pPr lvl="1"/>
-            <a:endParaRPr lang="sk-SK" dirty="0"/>
-          </a:p>
-          <a:p>
-            <a:pPr lvl="1"/>
             <a:endParaRPr lang="sk-SK" dirty="0"/>
           </a:p>
           <a:p>
@@ -11263,17 +10264,24 @@
     </p:spTree>
     <p:extLst>
       <p:ext uri="{BB962C8B-B14F-4D97-AF65-F5344CB8AC3E}">
-        <p14:creationId xmlns:p14="http://schemas.microsoft.com/office/powerpoint/2010/main" val="1215864833"/>
+        <p14:creationId xmlns:p14="http://schemas.microsoft.com/office/powerpoint/2010/main" val="3245343764"/>
       </p:ext>
     </p:extLst>
   </p:cSld>
   <p:clrMapOvr>
     <a:masterClrMapping/>
   </p:clrMapOvr>
+  <p:timing>
+    <p:tnLst>
+      <p:par>
+        <p:cTn id="1" dur="indefinite" restart="never" nodeType="tmRoot"/>
+      </p:par>
+    </p:tnLst>
+  </p:timing>
 </p:sld>
 </file>
 
-<file path=ppt/slides/slide42.xml><?xml version="1.0" encoding="utf-8"?>
+<file path=ppt/slides/slide37.xml><?xml version="1.0" encoding="utf-8"?>
 <p:sld xmlns:a="http://schemas.openxmlformats.org/drawingml/2006/main" xmlns:r="http://schemas.openxmlformats.org/officeDocument/2006/relationships" xmlns:p="http://schemas.openxmlformats.org/presentationml/2006/main">
   <p:cSld>
     <p:spTree>
@@ -11295,7 +10303,7 @@
           <p:cNvPr id="2" name="Title 1">
             <a:extLst>
               <a:ext uri="{FF2B5EF4-FFF2-40B4-BE49-F238E27FC236}">
-                <a16:creationId xmlns:a16="http://schemas.microsoft.com/office/drawing/2014/main" xmlns="" id="{F6C46024-1C83-4D91-A833-0C6D00EC8D29}"/>
+                <a16:creationId xmlns="" xmlns:a16="http://schemas.microsoft.com/office/drawing/2014/main" id="{322A1F24-B3C8-4408-A871-4378769006C5}"/>
               </a:ext>
             </a:extLst>
           </p:cNvPr>
@@ -11324,7 +10332,7 @@
           <p:cNvPr id="3" name="Content Placeholder 2">
             <a:extLst>
               <a:ext uri="{FF2B5EF4-FFF2-40B4-BE49-F238E27FC236}">
-                <a16:creationId xmlns:a16="http://schemas.microsoft.com/office/drawing/2014/main" xmlns="" id="{F30771F4-2F68-4532-A3E1-1C4E544DC51B}"/>
+                <a16:creationId xmlns="" xmlns:a16="http://schemas.microsoft.com/office/drawing/2014/main" id="{B3731EA8-022A-4E21-B9C3-5C4A5853BEC8}"/>
               </a:ext>
             </a:extLst>
           </p:cNvPr>
@@ -11342,162 +10350,6 @@
           <a:p>
             <a:pPr lvl="1"/>
             <a:r>
-              <a:rPr lang="sk-SK" sz="2000" dirty="0"/>
-              <a:t>Označovanie blokov</a:t>
-            </a:r>
-          </a:p>
-          <a:p>
-            <a:pPr lvl="1"/>
-            <a:endParaRPr lang="sk-SK" sz="2000" dirty="0"/>
-          </a:p>
-          <a:p>
-            <a:pPr lvl="1"/>
-            <a:r>
-              <a:rPr lang="sk-SK" sz="2000" dirty="0"/>
-              <a:t>Označenie jedného bloku</a:t>
-            </a:r>
-          </a:p>
-          <a:p>
-            <a:pPr lvl="2"/>
-            <a:r>
-              <a:rPr lang="sk-SK" sz="2000" dirty="0"/>
-              <a:t>Kliknutím ľavého tlačítka myši na objekt</a:t>
-            </a:r>
-          </a:p>
-          <a:p>
-            <a:pPr lvl="1"/>
-            <a:r>
-              <a:rPr lang="sk-SK" sz="2000" dirty="0"/>
-              <a:t>Označenie viacerých blokov</a:t>
-            </a:r>
-          </a:p>
-          <a:p>
-            <a:pPr lvl="2"/>
-            <a:r>
-              <a:rPr lang="sk-SK" sz="2000" dirty="0"/>
-              <a:t>Kliknutím ľavého tlačítka myši + vytvorenie obdĺžnika nad označovanými objektami</a:t>
-            </a:r>
-          </a:p>
-          <a:p>
-            <a:pPr lvl="2"/>
-            <a:r>
-              <a:rPr lang="sk-SK" sz="2000" dirty="0"/>
-              <a:t>Shift + kliknutie ľavého tlačítka myši na objekty, ktoré chceme označiť</a:t>
-            </a:r>
-          </a:p>
-          <a:p>
-            <a:pPr lvl="1"/>
-            <a:r>
-              <a:rPr lang="sk-SK" sz="2000" dirty="0"/>
-              <a:t>Označenie všetkých objektov</a:t>
-            </a:r>
-          </a:p>
-          <a:p>
-            <a:pPr lvl="2"/>
-            <a:r>
-              <a:rPr lang="sk-SK" sz="2000" dirty="0"/>
-              <a:t>Edit – select all</a:t>
-            </a:r>
-          </a:p>
-          <a:p>
-            <a:pPr lvl="2"/>
-            <a:r>
-              <a:rPr lang="sk-SK" sz="2000" dirty="0"/>
-              <a:t>Ctrl +a</a:t>
-            </a:r>
-          </a:p>
-          <a:p>
-            <a:pPr lvl="2"/>
-            <a:endParaRPr lang="sk-SK" dirty="0"/>
-          </a:p>
-          <a:p>
-            <a:pPr lvl="1"/>
-            <a:endParaRPr lang="sk-SK" dirty="0"/>
-          </a:p>
-        </p:txBody>
-      </p:sp>
-    </p:spTree>
-    <p:extLst>
-      <p:ext uri="{BB962C8B-B14F-4D97-AF65-F5344CB8AC3E}">
-        <p14:creationId xmlns:p14="http://schemas.microsoft.com/office/powerpoint/2010/main" val="3245343764"/>
-      </p:ext>
-    </p:extLst>
-  </p:cSld>
-  <p:clrMapOvr>
-    <a:masterClrMapping/>
-  </p:clrMapOvr>
-</p:sld>
-</file>
-
-<file path=ppt/slides/slide43.xml><?xml version="1.0" encoding="utf-8"?>
-<p:sld xmlns:a="http://schemas.openxmlformats.org/drawingml/2006/main" xmlns:r="http://schemas.openxmlformats.org/officeDocument/2006/relationships" xmlns:p="http://schemas.openxmlformats.org/presentationml/2006/main">
-  <p:cSld>
-    <p:spTree>
-      <p:nvGrpSpPr>
-        <p:cNvPr id="1" name=""/>
-        <p:cNvGrpSpPr/>
-        <p:nvPr/>
-      </p:nvGrpSpPr>
-      <p:grpSpPr>
-        <a:xfrm>
-          <a:off x="0" y="0"/>
-          <a:ext cx="0" cy="0"/>
-          <a:chOff x="0" y="0"/>
-          <a:chExt cx="0" cy="0"/>
-        </a:xfrm>
-      </p:grpSpPr>
-      <p:sp>
-        <p:nvSpPr>
-          <p:cNvPr id="2" name="Title 1">
-            <a:extLst>
-              <a:ext uri="{FF2B5EF4-FFF2-40B4-BE49-F238E27FC236}">
-                <a16:creationId xmlns:a16="http://schemas.microsoft.com/office/drawing/2014/main" xmlns="" id="{322A1F24-B3C8-4408-A871-4378769006C5}"/>
-              </a:ext>
-            </a:extLst>
-          </p:cNvPr>
-          <p:cNvSpPr>
-            <a:spLocks noGrp="1"/>
-          </p:cNvSpPr>
-          <p:nvPr>
-            <p:ph type="title"/>
-          </p:nvPr>
-        </p:nvSpPr>
-        <p:spPr/>
-        <p:txBody>
-          <a:bodyPr/>
-          <a:lstStyle/>
-          <a:p>
-            <a:pPr algn="ctr"/>
-            <a:r>
-              <a:rPr lang="sk-SK" dirty="0"/>
-              <a:t>Simulink</a:t>
-            </a:r>
-          </a:p>
-        </p:txBody>
-      </p:sp>
-      <p:sp>
-        <p:nvSpPr>
-          <p:cNvPr id="3" name="Content Placeholder 2">
-            <a:extLst>
-              <a:ext uri="{FF2B5EF4-FFF2-40B4-BE49-F238E27FC236}">
-                <a16:creationId xmlns:a16="http://schemas.microsoft.com/office/drawing/2014/main" xmlns="" id="{B3731EA8-022A-4E21-B9C3-5C4A5853BEC8}"/>
-              </a:ext>
-            </a:extLst>
-          </p:cNvPr>
-          <p:cNvSpPr>
-            <a:spLocks noGrp="1"/>
-          </p:cNvSpPr>
-          <p:nvPr>
-            <p:ph idx="1"/>
-          </p:nvPr>
-        </p:nvSpPr>
-        <p:spPr/>
-        <p:txBody>
-          <a:bodyPr/>
-          <a:lstStyle/>
-          <a:p>
-            <a:pPr lvl="1"/>
-            <a:r>
               <a:rPr lang="sk-SK" dirty="0"/>
               <a:t>Vetvenie signálu / vytvorenie uzla</a:t>
             </a:r>
@@ -11516,7 +10368,7 @@
           <p:cNvPr id="4" name="Picture 3">
             <a:extLst>
               <a:ext uri="{FF2B5EF4-FFF2-40B4-BE49-F238E27FC236}">
-                <a16:creationId xmlns:a16="http://schemas.microsoft.com/office/drawing/2014/main" xmlns="" id="{78B4E17A-5304-4953-B6CB-48E9FEFE3DCF}"/>
+                <a16:creationId xmlns="" xmlns:a16="http://schemas.microsoft.com/office/drawing/2014/main" id="{78B4E17A-5304-4953-B6CB-48E9FEFE3DCF}"/>
               </a:ext>
             </a:extLst>
           </p:cNvPr>
@@ -11551,10 +10403,17 @@
   <p:clrMapOvr>
     <a:masterClrMapping/>
   </p:clrMapOvr>
+  <p:timing>
+    <p:tnLst>
+      <p:par>
+        <p:cTn id="1" dur="indefinite" restart="never" nodeType="tmRoot"/>
+      </p:par>
+    </p:tnLst>
+  </p:timing>
 </p:sld>
 </file>
 
-<file path=ppt/slides/slide44.xml><?xml version="1.0" encoding="utf-8"?>
+<file path=ppt/slides/slide38.xml><?xml version="1.0" encoding="utf-8"?>
 <p:sld xmlns:a="http://schemas.openxmlformats.org/drawingml/2006/main" xmlns:r="http://schemas.openxmlformats.org/officeDocument/2006/relationships" xmlns:p="http://schemas.openxmlformats.org/presentationml/2006/main">
   <p:cSld>
     <p:spTree>
@@ -11576,7 +10435,7 @@
           <p:cNvPr id="2" name="Title 1">
             <a:extLst>
               <a:ext uri="{FF2B5EF4-FFF2-40B4-BE49-F238E27FC236}">
-                <a16:creationId xmlns:a16="http://schemas.microsoft.com/office/drawing/2014/main" xmlns="" id="{D63BF0A1-7AD1-4E5C-9874-A9514A73C924}"/>
+                <a16:creationId xmlns="" xmlns:a16="http://schemas.microsoft.com/office/drawing/2014/main" id="{D63BF0A1-7AD1-4E5C-9874-A9514A73C924}"/>
               </a:ext>
             </a:extLst>
           </p:cNvPr>
@@ -11605,7 +10464,7 @@
           <p:cNvPr id="3" name="Content Placeholder 2">
             <a:extLst>
               <a:ext uri="{FF2B5EF4-FFF2-40B4-BE49-F238E27FC236}">
-                <a16:creationId xmlns:a16="http://schemas.microsoft.com/office/drawing/2014/main" xmlns="" id="{5AC3AF2E-A0F7-42FE-9579-1E29FD84D907}"/>
+                <a16:creationId xmlns="" xmlns:a16="http://schemas.microsoft.com/office/drawing/2014/main" id="{5AC3AF2E-A0F7-42FE-9579-1E29FD84D907}"/>
               </a:ext>
             </a:extLst>
           </p:cNvPr>
@@ -11634,7 +10493,7 @@
           <p:cNvPr id="4" name="Picture 3">
             <a:extLst>
               <a:ext uri="{FF2B5EF4-FFF2-40B4-BE49-F238E27FC236}">
-                <a16:creationId xmlns:a16="http://schemas.microsoft.com/office/drawing/2014/main" xmlns="" id="{E3A22058-529A-401B-839B-69489922AB2F}"/>
+                <a16:creationId xmlns="" xmlns:a16="http://schemas.microsoft.com/office/drawing/2014/main" id="{E3A22058-529A-401B-839B-69489922AB2F}"/>
               </a:ext>
             </a:extLst>
           </p:cNvPr>
@@ -11664,7 +10523,7 @@
           <p:cNvPr id="5" name="Picture 4">
             <a:extLst>
               <a:ext uri="{FF2B5EF4-FFF2-40B4-BE49-F238E27FC236}">
-                <a16:creationId xmlns:a16="http://schemas.microsoft.com/office/drawing/2014/main" xmlns="" id="{F44F14B6-C794-403B-A7EE-65FDCE3E58DB}"/>
+                <a16:creationId xmlns="" xmlns:a16="http://schemas.microsoft.com/office/drawing/2014/main" id="{F44F14B6-C794-403B-A7EE-65FDCE3E58DB}"/>
               </a:ext>
             </a:extLst>
           </p:cNvPr>
@@ -11699,10 +10558,17 @@
   <p:clrMapOvr>
     <a:masterClrMapping/>
   </p:clrMapOvr>
+  <p:timing>
+    <p:tnLst>
+      <p:par>
+        <p:cTn id="1" dur="indefinite" restart="never" nodeType="tmRoot"/>
+      </p:par>
+    </p:tnLst>
+  </p:timing>
 </p:sld>
 </file>
 
-<file path=ppt/slides/slide45.xml><?xml version="1.0" encoding="utf-8"?>
+<file path=ppt/slides/slide39.xml><?xml version="1.0" encoding="utf-8"?>
 <p:sld xmlns:a="http://schemas.openxmlformats.org/drawingml/2006/main" xmlns:r="http://schemas.openxmlformats.org/officeDocument/2006/relationships" xmlns:p="http://schemas.openxmlformats.org/presentationml/2006/main">
   <p:cSld>
     <p:spTree>
@@ -11724,7 +10590,7 @@
           <p:cNvPr id="2" name="Title 1">
             <a:extLst>
               <a:ext uri="{FF2B5EF4-FFF2-40B4-BE49-F238E27FC236}">
-                <a16:creationId xmlns:a16="http://schemas.microsoft.com/office/drawing/2014/main" xmlns="" id="{6A5802A2-3DFC-4AA5-81B5-9035F08B6B5B}"/>
+                <a16:creationId xmlns="" xmlns:a16="http://schemas.microsoft.com/office/drawing/2014/main" id="{6A5802A2-3DFC-4AA5-81B5-9035F08B6B5B}"/>
               </a:ext>
             </a:extLst>
           </p:cNvPr>
@@ -11753,7 +10619,7 @@
           <p:cNvPr id="3" name="Content Placeholder 2">
             <a:extLst>
               <a:ext uri="{FF2B5EF4-FFF2-40B4-BE49-F238E27FC236}">
-                <a16:creationId xmlns:a16="http://schemas.microsoft.com/office/drawing/2014/main" xmlns="" id="{A34AC3B3-50EC-444A-8686-D2F7C485D924}"/>
+                <a16:creationId xmlns="" xmlns:a16="http://schemas.microsoft.com/office/drawing/2014/main" id="{A34AC3B3-50EC-444A-8686-D2F7C485D924}"/>
               </a:ext>
             </a:extLst>
           </p:cNvPr>
@@ -11786,7 +10652,7 @@
           <p:cNvPr id="5" name="Picture 4">
             <a:extLst>
               <a:ext uri="{FF2B5EF4-FFF2-40B4-BE49-F238E27FC236}">
-                <a16:creationId xmlns:a16="http://schemas.microsoft.com/office/drawing/2014/main" xmlns="" id="{4F6F7140-D2D8-4D30-A90F-3539FCFAE446}"/>
+                <a16:creationId xmlns="" xmlns:a16="http://schemas.microsoft.com/office/drawing/2014/main" id="{4F6F7140-D2D8-4D30-A90F-3539FCFAE446}"/>
               </a:ext>
             </a:extLst>
           </p:cNvPr>
@@ -11816,7 +10682,7 @@
           <p:cNvPr id="6" name="Picture 5">
             <a:extLst>
               <a:ext uri="{FF2B5EF4-FFF2-40B4-BE49-F238E27FC236}">
-                <a16:creationId xmlns:a16="http://schemas.microsoft.com/office/drawing/2014/main" xmlns="" id="{DEF01BDD-DB9F-45F8-8C53-C6AE5CBE243E}"/>
+                <a16:creationId xmlns="" xmlns:a16="http://schemas.microsoft.com/office/drawing/2014/main" id="{DEF01BDD-DB9F-45F8-8C53-C6AE5CBE243E}"/>
               </a:ext>
             </a:extLst>
           </p:cNvPr>
@@ -11846,7 +10712,7 @@
           <p:cNvPr id="7" name="Picture 6">
             <a:extLst>
               <a:ext uri="{FF2B5EF4-FFF2-40B4-BE49-F238E27FC236}">
-                <a16:creationId xmlns:a16="http://schemas.microsoft.com/office/drawing/2014/main" xmlns="" id="{B716D48D-53F0-4831-BABA-3B3451E7781D}"/>
+                <a16:creationId xmlns="" xmlns:a16="http://schemas.microsoft.com/office/drawing/2014/main" id="{B716D48D-53F0-4831-BABA-3B3451E7781D}"/>
               </a:ext>
             </a:extLst>
           </p:cNvPr>
@@ -11881,10 +10747,17 @@
   <p:clrMapOvr>
     <a:masterClrMapping/>
   </p:clrMapOvr>
+  <p:timing>
+    <p:tnLst>
+      <p:par>
+        <p:cTn id="1" dur="indefinite" restart="never" nodeType="tmRoot"/>
+      </p:par>
+    </p:tnLst>
+  </p:timing>
 </p:sld>
 </file>
 
-<file path=ppt/slides/slide46.xml><?xml version="1.0" encoding="utf-8"?>
+<file path=ppt/slides/slide4.xml><?xml version="1.0" encoding="utf-8"?>
 <p:sld xmlns:a="http://schemas.openxmlformats.org/drawingml/2006/main" xmlns:r="http://schemas.openxmlformats.org/officeDocument/2006/relationships" xmlns:p="http://schemas.openxmlformats.org/presentationml/2006/main">
   <p:cSld>
     <p:spTree>
@@ -11906,7 +10779,7 @@
           <p:cNvPr id="2" name="Title 1">
             <a:extLst>
               <a:ext uri="{FF2B5EF4-FFF2-40B4-BE49-F238E27FC236}">
-                <a16:creationId xmlns:a16="http://schemas.microsoft.com/office/drawing/2014/main" xmlns="" id="{A7AA3D00-BBA0-489A-B6D5-1A17B728146D}"/>
+                <a16:creationId xmlns="" xmlns:a16="http://schemas.microsoft.com/office/drawing/2014/main" id="{51C44664-A701-438B-A689-FD5FFE16B9D3}"/>
               </a:ext>
             </a:extLst>
           </p:cNvPr>
@@ -11925,8 +10798,13 @@
             <a:pPr algn="ctr"/>
             <a:r>
               <a:rPr lang="sk-SK" dirty="0"/>
-              <a:t>Simulink</a:t>
-            </a:r>
+              <a:t>Command Window</a:t>
+            </a:r>
+            <a:r>
+              <a:rPr lang="en-US" dirty="0"/>
+              <a:t>, Workspace</a:t>
+            </a:r>
+            <a:endParaRPr lang="sk-SK" dirty="0"/>
           </a:p>
         </p:txBody>
       </p:sp>
@@ -11935,7 +10813,7 @@
           <p:cNvPr id="3" name="Content Placeholder 2">
             <a:extLst>
               <a:ext uri="{FF2B5EF4-FFF2-40B4-BE49-F238E27FC236}">
-                <a16:creationId xmlns:a16="http://schemas.microsoft.com/office/drawing/2014/main" xmlns="" id="{21348838-F4FD-42F7-BFA5-5EE5D01042E7}"/>
+                <a16:creationId xmlns="" xmlns:a16="http://schemas.microsoft.com/office/drawing/2014/main" id="{285E8290-ED09-4976-AF5F-2E27F4ADB275}"/>
               </a:ext>
             </a:extLst>
           </p:cNvPr>
@@ -11946,6 +10824,262 @@
             <p:ph idx="1"/>
           </p:nvPr>
         </p:nvSpPr>
+        <p:spPr>
+          <a:xfrm>
+            <a:off x="336034" y="1312295"/>
+            <a:ext cx="8356599" cy="5195254"/>
+          </a:xfrm>
+        </p:spPr>
+        <p:txBody>
+          <a:bodyPr>
+            <a:normAutofit/>
+          </a:bodyPr>
+          <a:lstStyle/>
+          <a:p>
+            <a:pPr lvl="1" algn="just"/>
+            <a:r>
+              <a:rPr lang="sk-SK" sz="2000" dirty="0"/>
+              <a:t>Command window je okno, do ktorého sa zadávajú výrazy, spúšťajú funkcie </a:t>
+            </a:r>
+            <a:r>
+              <a:rPr lang="sk-SK" sz="2000" dirty="0" smtClean="0"/>
+              <a:t>a skripty</a:t>
+            </a:r>
+          </a:p>
+          <a:p>
+            <a:pPr lvl="1" algn="just"/>
+            <a:r>
+              <a:rPr lang="sk-SK" sz="2000" dirty="0" smtClean="0"/>
+              <a:t>Editor – úprava spustiteľného zdrojového kódu – kód sa nekompiluje ale iba spúšťa</a:t>
+            </a:r>
+            <a:endParaRPr lang="sk-SK" sz="2000" dirty="0"/>
+          </a:p>
+          <a:p>
+            <a:pPr lvl="1" algn="just"/>
+            <a:r>
+              <a:rPr lang="sk-SK" sz="2000" dirty="0" err="1" smtClean="0"/>
+              <a:t>Matlab</a:t>
+            </a:r>
+            <a:r>
+              <a:rPr lang="sk-SK" sz="2000" dirty="0" smtClean="0"/>
+              <a:t> </a:t>
+            </a:r>
+            <a:r>
+              <a:rPr lang="sk-SK" sz="2000" dirty="0"/>
+              <a:t>si pamätá príkazy, ktoré s</a:t>
+            </a:r>
+            <a:r>
+              <a:rPr lang="en-US" sz="2000" dirty="0"/>
+              <a:t>m</a:t>
+            </a:r>
+            <a:r>
+              <a:rPr lang="sk-SK" sz="2000" dirty="0"/>
+              <a:t>e využívali a v príkazovom riadku ich nalistujete šípkou hore (predchádzajúci príkaz) alebo šípkou dole (nasledujúci </a:t>
+            </a:r>
+            <a:r>
+              <a:rPr lang="sk-SK" sz="2000" dirty="0" smtClean="0"/>
+              <a:t>príkaz)</a:t>
+            </a:r>
+            <a:endParaRPr lang="sk-SK" sz="2000" dirty="0"/>
+          </a:p>
+          <a:p>
+            <a:pPr lvl="1" algn="just"/>
+            <a:r>
+              <a:rPr lang="sk-SK" sz="2000" dirty="0"/>
+              <a:t>Príkazy zadané do Command Window môže</a:t>
+            </a:r>
+            <a:r>
+              <a:rPr lang="en-US" sz="2000" dirty="0"/>
+              <a:t>m</a:t>
+            </a:r>
+            <a:r>
+              <a:rPr lang="sk-SK" sz="2000" dirty="0"/>
+              <a:t>e vymazať príkazom „</a:t>
+            </a:r>
+            <a:r>
+              <a:rPr lang="sk-SK" sz="2000" dirty="0" err="1"/>
+              <a:t>clc</a:t>
+            </a:r>
+            <a:r>
+              <a:rPr lang="sk-SK" sz="2000" dirty="0" smtClean="0"/>
+              <a:t>“</a:t>
+            </a:r>
+            <a:endParaRPr lang="en-US" sz="2000" dirty="0"/>
+          </a:p>
+          <a:p>
+            <a:pPr lvl="1" algn="just"/>
+            <a:r>
+              <a:rPr lang="en-US" sz="2000" dirty="0"/>
+              <a:t>Workspace </a:t>
+            </a:r>
+            <a:r>
+              <a:rPr lang="en-US" sz="2000" dirty="0" err="1"/>
+              <a:t>MATLABu</a:t>
+            </a:r>
+            <a:r>
+              <a:rPr lang="en-US" sz="2000" dirty="0"/>
+              <a:t> </a:t>
+            </a:r>
+            <a:r>
+              <a:rPr lang="en-US" sz="2000" dirty="0" err="1"/>
+              <a:t>tvoria</a:t>
+            </a:r>
+            <a:r>
+              <a:rPr lang="en-US" sz="2000" dirty="0"/>
+              <a:t> </a:t>
+            </a:r>
+            <a:r>
+              <a:rPr lang="en-US" sz="2000" dirty="0" err="1"/>
+              <a:t>premenn</a:t>
+            </a:r>
+            <a:r>
+              <a:rPr lang="sk-SK" sz="2000" dirty="0"/>
+              <a:t>é, ktoré sú vytvorené počas práce s MATLABom a sú uložené v </a:t>
+            </a:r>
+            <a:r>
+              <a:rPr lang="sk-SK" sz="2000" dirty="0" smtClean="0"/>
+              <a:t>pamäti</a:t>
+            </a:r>
+          </a:p>
+          <a:p>
+            <a:pPr lvl="1" algn="just"/>
+            <a:r>
+              <a:rPr lang="sk-SK" sz="2000" dirty="0" smtClean="0"/>
+              <a:t>Vymazanie premennej </a:t>
+            </a:r>
+          </a:p>
+          <a:p>
+            <a:pPr lvl="2" algn="just"/>
+            <a:r>
+              <a:rPr lang="sk-SK" sz="1600" dirty="0" err="1" smtClean="0"/>
+              <a:t>clear</a:t>
+            </a:r>
+            <a:r>
+              <a:rPr lang="sk-SK" sz="1600" dirty="0" smtClean="0"/>
+              <a:t> </a:t>
+            </a:r>
+            <a:r>
+              <a:rPr lang="sk-SK" sz="1600" dirty="0" err="1" smtClean="0"/>
+              <a:t>premenna</a:t>
+            </a:r>
+            <a:endParaRPr lang="sk-SK" sz="2200" dirty="0" smtClean="0"/>
+          </a:p>
+          <a:p>
+            <a:pPr lvl="1" algn="just"/>
+            <a:r>
+              <a:rPr lang="sk-SK" sz="2000" dirty="0"/>
+              <a:t>Vymazanie celého </a:t>
+            </a:r>
+            <a:r>
+              <a:rPr lang="sk-SK" sz="2000" dirty="0" err="1"/>
+              <a:t>workspace</a:t>
+            </a:r>
+            <a:r>
+              <a:rPr lang="sk-SK" sz="2000" dirty="0"/>
+              <a:t> – </a:t>
+            </a:r>
+            <a:r>
+              <a:rPr lang="sk-SK" sz="2000" dirty="0" err="1"/>
+              <a:t>clear</a:t>
+            </a:r>
+            <a:r>
+              <a:rPr lang="sk-SK" sz="2000" dirty="0"/>
+              <a:t> </a:t>
+            </a:r>
+            <a:r>
+              <a:rPr lang="sk-SK" sz="2000" dirty="0" err="1"/>
+              <a:t>all</a:t>
+            </a:r>
+            <a:endParaRPr lang="sk-SK" sz="1500" dirty="0"/>
+          </a:p>
+          <a:p>
+            <a:pPr lvl="2" algn="just"/>
+            <a:endParaRPr lang="sk-SK" sz="1600" dirty="0" smtClean="0"/>
+          </a:p>
+        </p:txBody>
+      </p:sp>
+    </p:spTree>
+    <p:extLst>
+      <p:ext uri="{BB962C8B-B14F-4D97-AF65-F5344CB8AC3E}">
+        <p14:creationId xmlns:p14="http://schemas.microsoft.com/office/powerpoint/2010/main" val="1633832266"/>
+      </p:ext>
+    </p:extLst>
+  </p:cSld>
+  <p:clrMapOvr>
+    <a:masterClrMapping/>
+  </p:clrMapOvr>
+  <p:timing>
+    <p:tnLst>
+      <p:par>
+        <p:cTn id="1" dur="indefinite" restart="never" nodeType="tmRoot"/>
+      </p:par>
+    </p:tnLst>
+  </p:timing>
+</p:sld>
+</file>
+
+<file path=ppt/slides/slide40.xml><?xml version="1.0" encoding="utf-8"?>
+<p:sld xmlns:a="http://schemas.openxmlformats.org/drawingml/2006/main" xmlns:r="http://schemas.openxmlformats.org/officeDocument/2006/relationships" xmlns:p="http://schemas.openxmlformats.org/presentationml/2006/main">
+  <p:cSld>
+    <p:spTree>
+      <p:nvGrpSpPr>
+        <p:cNvPr id="1" name=""/>
+        <p:cNvGrpSpPr/>
+        <p:nvPr/>
+      </p:nvGrpSpPr>
+      <p:grpSpPr>
+        <a:xfrm>
+          <a:off x="0" y="0"/>
+          <a:ext cx="0" cy="0"/>
+          <a:chOff x="0" y="0"/>
+          <a:chExt cx="0" cy="0"/>
+        </a:xfrm>
+      </p:grpSpPr>
+      <p:sp>
+        <p:nvSpPr>
+          <p:cNvPr id="2" name="Title 1">
+            <a:extLst>
+              <a:ext uri="{FF2B5EF4-FFF2-40B4-BE49-F238E27FC236}">
+                <a16:creationId xmlns="" xmlns:a16="http://schemas.microsoft.com/office/drawing/2014/main" id="{A7AA3D00-BBA0-489A-B6D5-1A17B728146D}"/>
+              </a:ext>
+            </a:extLst>
+          </p:cNvPr>
+          <p:cNvSpPr>
+            <a:spLocks noGrp="1"/>
+          </p:cNvSpPr>
+          <p:nvPr>
+            <p:ph type="title"/>
+          </p:nvPr>
+        </p:nvSpPr>
+        <p:spPr/>
+        <p:txBody>
+          <a:bodyPr/>
+          <a:lstStyle/>
+          <a:p>
+            <a:pPr algn="ctr"/>
+            <a:r>
+              <a:rPr lang="sk-SK" dirty="0"/>
+              <a:t>Simulink</a:t>
+            </a:r>
+          </a:p>
+        </p:txBody>
+      </p:sp>
+      <p:sp>
+        <p:nvSpPr>
+          <p:cNvPr id="3" name="Content Placeholder 2">
+            <a:extLst>
+              <a:ext uri="{FF2B5EF4-FFF2-40B4-BE49-F238E27FC236}">
+                <a16:creationId xmlns="" xmlns:a16="http://schemas.microsoft.com/office/drawing/2014/main" id="{21348838-F4FD-42F7-BFA5-5EE5D01042E7}"/>
+              </a:ext>
+            </a:extLst>
+          </p:cNvPr>
+          <p:cNvSpPr>
+            <a:spLocks noGrp="1"/>
+          </p:cNvSpPr>
+          <p:nvPr>
+            <p:ph idx="1"/>
+          </p:nvPr>
+        </p:nvSpPr>
         <p:spPr/>
         <p:txBody>
           <a:bodyPr/>
@@ -12014,7 +11148,7 @@
           <p:cNvPr id="4" name="Picture 3">
             <a:extLst>
               <a:ext uri="{FF2B5EF4-FFF2-40B4-BE49-F238E27FC236}">
-                <a16:creationId xmlns:a16="http://schemas.microsoft.com/office/drawing/2014/main" xmlns="" id="{A2166E64-2D4A-4C84-A2CC-F44896C2FEE7}"/>
+                <a16:creationId xmlns="" xmlns:a16="http://schemas.microsoft.com/office/drawing/2014/main" id="{A2166E64-2D4A-4C84-A2CC-F44896C2FEE7}"/>
               </a:ext>
             </a:extLst>
           </p:cNvPr>
@@ -12044,7 +11178,7 @@
           <p:cNvPr id="6" name="Picture 5">
             <a:extLst>
               <a:ext uri="{FF2B5EF4-FFF2-40B4-BE49-F238E27FC236}">
-                <a16:creationId xmlns:a16="http://schemas.microsoft.com/office/drawing/2014/main" xmlns="" id="{4B139476-599E-4974-A607-E0938A449466}"/>
+                <a16:creationId xmlns="" xmlns:a16="http://schemas.microsoft.com/office/drawing/2014/main" id="{4B139476-599E-4974-A607-E0938A449466}"/>
               </a:ext>
             </a:extLst>
           </p:cNvPr>
@@ -12079,10 +11213,17 @@
   <p:clrMapOvr>
     <a:masterClrMapping/>
   </p:clrMapOvr>
+  <p:timing>
+    <p:tnLst>
+      <p:par>
+        <p:cTn id="1" dur="indefinite" restart="never" nodeType="tmRoot"/>
+      </p:par>
+    </p:tnLst>
+  </p:timing>
 </p:sld>
 </file>
 
-<file path=ppt/slides/slide47.xml><?xml version="1.0" encoding="utf-8"?>
+<file path=ppt/slides/slide41.xml><?xml version="1.0" encoding="utf-8"?>
 <p:sld xmlns:a="http://schemas.openxmlformats.org/drawingml/2006/main" xmlns:r="http://schemas.openxmlformats.org/officeDocument/2006/relationships" xmlns:p="http://schemas.openxmlformats.org/presentationml/2006/main">
   <p:cSld>
     <p:spTree>
@@ -12104,7 +11245,7 @@
           <p:cNvPr id="2" name="Title 1">
             <a:extLst>
               <a:ext uri="{FF2B5EF4-FFF2-40B4-BE49-F238E27FC236}">
-                <a16:creationId xmlns:a16="http://schemas.microsoft.com/office/drawing/2014/main" xmlns="" id="{5B3D949D-F154-4F73-972A-4D21A8DBFEAA}"/>
+                <a16:creationId xmlns="" xmlns:a16="http://schemas.microsoft.com/office/drawing/2014/main" id="{5B3D949D-F154-4F73-972A-4D21A8DBFEAA}"/>
               </a:ext>
             </a:extLst>
           </p:cNvPr>
@@ -12139,7 +11280,7 @@
           <p:cNvPr id="3" name="Content Placeholder 2">
             <a:extLst>
               <a:ext uri="{FF2B5EF4-FFF2-40B4-BE49-F238E27FC236}">
-                <a16:creationId xmlns:a16="http://schemas.microsoft.com/office/drawing/2014/main" xmlns="" id="{6B0E991A-9565-4C46-824E-351E34628A18}"/>
+                <a16:creationId xmlns="" xmlns:a16="http://schemas.microsoft.com/office/drawing/2014/main" id="{6B0E991A-9565-4C46-824E-351E34628A18}"/>
               </a:ext>
             </a:extLst>
           </p:cNvPr>
@@ -12213,7 +11354,7 @@
           <p:cNvPr id="5" name="Picture 4">
             <a:extLst>
               <a:ext uri="{FF2B5EF4-FFF2-40B4-BE49-F238E27FC236}">
-                <a16:creationId xmlns:a16="http://schemas.microsoft.com/office/drawing/2014/main" xmlns="" id="{FD00D062-4362-452F-83BA-32D311FFFF13}"/>
+                <a16:creationId xmlns="" xmlns:a16="http://schemas.microsoft.com/office/drawing/2014/main" id="{FD00D062-4362-452F-83BA-32D311FFFF13}"/>
               </a:ext>
             </a:extLst>
           </p:cNvPr>
@@ -12254,10 +11395,17 @@
   <p:clrMapOvr>
     <a:masterClrMapping/>
   </p:clrMapOvr>
+  <p:timing>
+    <p:tnLst>
+      <p:par>
+        <p:cTn id="1" dur="indefinite" restart="never" nodeType="tmRoot"/>
+      </p:par>
+    </p:tnLst>
+  </p:timing>
 </p:sld>
 </file>
 
-<file path=ppt/slides/slide48.xml><?xml version="1.0" encoding="utf-8"?>
+<file path=ppt/slides/slide42.xml><?xml version="1.0" encoding="utf-8"?>
 <p:sld xmlns:a="http://schemas.openxmlformats.org/drawingml/2006/main" xmlns:r="http://schemas.openxmlformats.org/officeDocument/2006/relationships" xmlns:p="http://schemas.openxmlformats.org/presentationml/2006/main">
   <p:cSld>
     <p:spTree>
@@ -12279,7 +11427,7 @@
           <p:cNvPr id="2" name="Title 1">
             <a:extLst>
               <a:ext uri="{FF2B5EF4-FFF2-40B4-BE49-F238E27FC236}">
-                <a16:creationId xmlns:a16="http://schemas.microsoft.com/office/drawing/2014/main" xmlns="" id="{C30AD867-3A49-43F6-B1DC-17F20D318745}"/>
+                <a16:creationId xmlns="" xmlns:a16="http://schemas.microsoft.com/office/drawing/2014/main" id="{C30AD867-3A49-43F6-B1DC-17F20D318745}"/>
               </a:ext>
             </a:extLst>
           </p:cNvPr>
@@ -12318,7 +11466,7 @@
               <p:cNvPr id="3" name="Content Placeholder 2">
                 <a:extLst>
                   <a:ext uri="{FF2B5EF4-FFF2-40B4-BE49-F238E27FC236}">
-                    <a16:creationId xmlns:a16="http://schemas.microsoft.com/office/drawing/2014/main" xmlns="" id="{DB8CECDD-5FEF-4380-BA7C-C8222D30B99E}"/>
+                    <a16:creationId xmlns="" xmlns:a16="http://schemas.microsoft.com/office/drawing/2014/main" id="{DB8CECDD-5FEF-4380-BA7C-C8222D30B99E}"/>
                   </a:ext>
                 </a:extLst>
               </p:cNvPr>
@@ -12525,7 +11673,7 @@
           <p:cNvPr id="4" name="Picture 3">
             <a:extLst>
               <a:ext uri="{FF2B5EF4-FFF2-40B4-BE49-F238E27FC236}">
-                <a16:creationId xmlns:a16="http://schemas.microsoft.com/office/drawing/2014/main" xmlns="" id="{BEF7D58F-84BE-484A-8B94-830878D65AF3}"/>
+                <a16:creationId xmlns="" xmlns:a16="http://schemas.microsoft.com/office/drawing/2014/main" id="{BEF7D58F-84BE-484A-8B94-830878D65AF3}"/>
               </a:ext>
             </a:extLst>
           </p:cNvPr>
@@ -12555,7 +11703,7 @@
           <p:cNvPr id="5" name="Picture 4">
             <a:extLst>
               <a:ext uri="{FF2B5EF4-FFF2-40B4-BE49-F238E27FC236}">
-                <a16:creationId xmlns:a16="http://schemas.microsoft.com/office/drawing/2014/main" xmlns="" id="{37BF6BA2-F06A-43EA-AA34-552A5CEB5A2B}"/>
+                <a16:creationId xmlns="" xmlns:a16="http://schemas.microsoft.com/office/drawing/2014/main" id="{37BF6BA2-F06A-43EA-AA34-552A5CEB5A2B}"/>
               </a:ext>
             </a:extLst>
           </p:cNvPr>
@@ -12585,7 +11733,7 @@
           <p:cNvPr id="6" name="Picture 5">
             <a:extLst>
               <a:ext uri="{FF2B5EF4-FFF2-40B4-BE49-F238E27FC236}">
-                <a16:creationId xmlns:a16="http://schemas.microsoft.com/office/drawing/2014/main" xmlns="" id="{4276C0C4-021E-48F1-B715-79AAE2E6403E}"/>
+                <a16:creationId xmlns="" xmlns:a16="http://schemas.microsoft.com/office/drawing/2014/main" id="{4276C0C4-021E-48F1-B715-79AAE2E6403E}"/>
               </a:ext>
             </a:extLst>
           </p:cNvPr>
@@ -12615,7 +11763,7 @@
           <p:cNvPr id="8" name="Straight Arrow Connector 7">
             <a:extLst>
               <a:ext uri="{FF2B5EF4-FFF2-40B4-BE49-F238E27FC236}">
-                <a16:creationId xmlns:a16="http://schemas.microsoft.com/office/drawing/2014/main" xmlns="" id="{E366C58D-8BA8-4D0E-96D2-C1A2B27248F0}"/>
+                <a16:creationId xmlns="" xmlns:a16="http://schemas.microsoft.com/office/drawing/2014/main" id="{E366C58D-8BA8-4D0E-96D2-C1A2B27248F0}"/>
               </a:ext>
             </a:extLst>
           </p:cNvPr>
@@ -12654,7 +11802,7 @@
           <p:cNvPr id="10" name="Straight Arrow Connector 9">
             <a:extLst>
               <a:ext uri="{FF2B5EF4-FFF2-40B4-BE49-F238E27FC236}">
-                <a16:creationId xmlns:a16="http://schemas.microsoft.com/office/drawing/2014/main" xmlns="" id="{655546ED-6A47-4A02-B63A-A0F8C5E2933B}"/>
+                <a16:creationId xmlns="" xmlns:a16="http://schemas.microsoft.com/office/drawing/2014/main" id="{655546ED-6A47-4A02-B63A-A0F8C5E2933B}"/>
               </a:ext>
             </a:extLst>
           </p:cNvPr>
@@ -12698,10 +11846,17 @@
   <p:clrMapOvr>
     <a:masterClrMapping/>
   </p:clrMapOvr>
+  <p:timing>
+    <p:tnLst>
+      <p:par>
+        <p:cTn id="1" dur="indefinite" restart="never" nodeType="tmRoot"/>
+      </p:par>
+    </p:tnLst>
+  </p:timing>
 </p:sld>
 </file>
 
-<file path=ppt/slides/slide49.xml><?xml version="1.0" encoding="utf-8"?>
+<file path=ppt/slides/slide43.xml><?xml version="1.0" encoding="utf-8"?>
 <p:sld xmlns:a="http://schemas.openxmlformats.org/drawingml/2006/main" xmlns:r="http://schemas.openxmlformats.org/officeDocument/2006/relationships" xmlns:p="http://schemas.openxmlformats.org/presentationml/2006/main">
   <p:cSld>
     <p:spTree>
@@ -12723,7 +11878,7 @@
           <p:cNvPr id="2" name="Title 1">
             <a:extLst>
               <a:ext uri="{FF2B5EF4-FFF2-40B4-BE49-F238E27FC236}">
-                <a16:creationId xmlns:a16="http://schemas.microsoft.com/office/drawing/2014/main" xmlns="" id="{BDEAAA26-C24E-4D74-BFAE-2AE1A516B4DA}"/>
+                <a16:creationId xmlns="" xmlns:a16="http://schemas.microsoft.com/office/drawing/2014/main" id="{BDEAAA26-C24E-4D74-BFAE-2AE1A516B4DA}"/>
               </a:ext>
             </a:extLst>
           </p:cNvPr>
@@ -12758,7 +11913,7 @@
           <p:cNvPr id="3" name="Content Placeholder 2">
             <a:extLst>
               <a:ext uri="{FF2B5EF4-FFF2-40B4-BE49-F238E27FC236}">
-                <a16:creationId xmlns:a16="http://schemas.microsoft.com/office/drawing/2014/main" xmlns="" id="{F84D15E6-A7B8-4B47-AE6A-8D0CB6EFE93A}"/>
+                <a16:creationId xmlns="" xmlns:a16="http://schemas.microsoft.com/office/drawing/2014/main" id="{F84D15E6-A7B8-4B47-AE6A-8D0CB6EFE93A}"/>
               </a:ext>
             </a:extLst>
           </p:cNvPr>
@@ -12820,7 +11975,7 @@
           <p:cNvPr id="4" name="Picture 3">
             <a:extLst>
               <a:ext uri="{FF2B5EF4-FFF2-40B4-BE49-F238E27FC236}">
-                <a16:creationId xmlns:a16="http://schemas.microsoft.com/office/drawing/2014/main" xmlns="" id="{44E80A40-1B57-46DF-9E5B-1D9406463D0C}"/>
+                <a16:creationId xmlns="" xmlns:a16="http://schemas.microsoft.com/office/drawing/2014/main" id="{44E80A40-1B57-46DF-9E5B-1D9406463D0C}"/>
               </a:ext>
             </a:extLst>
           </p:cNvPr>
@@ -12855,10 +12010,17 @@
   <p:clrMapOvr>
     <a:masterClrMapping/>
   </p:clrMapOvr>
+  <p:timing>
+    <p:tnLst>
+      <p:par>
+        <p:cTn id="1" dur="indefinite" restart="never" nodeType="tmRoot"/>
+      </p:par>
+    </p:tnLst>
+  </p:timing>
 </p:sld>
 </file>
 
-<file path=ppt/slides/slide5.xml><?xml version="1.0" encoding="utf-8"?>
+<file path=ppt/slides/slide44.xml><?xml version="1.0" encoding="utf-8"?>
 <p:sld xmlns:a="http://schemas.openxmlformats.org/drawingml/2006/main" xmlns:r="http://schemas.openxmlformats.org/officeDocument/2006/relationships" xmlns:p="http://schemas.openxmlformats.org/presentationml/2006/main">
   <p:cSld>
     <p:spTree>
@@ -12880,7 +12042,7 @@
           <p:cNvPr id="2" name="Title 1">
             <a:extLst>
               <a:ext uri="{FF2B5EF4-FFF2-40B4-BE49-F238E27FC236}">
-                <a16:creationId xmlns:a16="http://schemas.microsoft.com/office/drawing/2014/main" xmlns="" id="{96747152-2F35-455F-B822-31FB55DF84E5}"/>
+                <a16:creationId xmlns="" xmlns:a16="http://schemas.microsoft.com/office/drawing/2014/main" id="{CD805F78-5CCC-441F-832E-59CB47CE1884}"/>
               </a:ext>
             </a:extLst>
           </p:cNvPr>
@@ -12899,7 +12061,7 @@
             <a:pPr algn="ctr"/>
             <a:r>
               <a:rPr lang="sk-SK" dirty="0"/>
-              <a:t>Spustenie MATLABu</a:t>
+              <a:t>Simulink- príklad</a:t>
             </a:r>
           </a:p>
         </p:txBody>
@@ -12909,7 +12071,7 @@
           <p:cNvPr id="3" name="Content Placeholder 2">
             <a:extLst>
               <a:ext uri="{FF2B5EF4-FFF2-40B4-BE49-F238E27FC236}">
-                <a16:creationId xmlns:a16="http://schemas.microsoft.com/office/drawing/2014/main" xmlns="" id="{3CF98204-AE85-4D82-A1DE-A42E15840E84}"/>
+                <a16:creationId xmlns="" xmlns:a16="http://schemas.microsoft.com/office/drawing/2014/main" id="{5D386FE6-07B0-489C-9B2C-EACF01C133CE}"/>
               </a:ext>
             </a:extLst>
           </p:cNvPr>
@@ -12922,140 +12084,6 @@
         </p:nvSpPr>
         <p:spPr/>
         <p:txBody>
-          <a:bodyPr>
-            <a:normAutofit/>
-          </a:bodyPr>
-          <a:lstStyle/>
-          <a:p>
-            <a:pPr lvl="1" algn="just"/>
-            <a:r>
-              <a:rPr lang="sk-SK" sz="2000" dirty="0"/>
-              <a:t>Spustenie Matlabu zavisí od typu operačného systému v ktorom pracuje</a:t>
-            </a:r>
-            <a:r>
-              <a:rPr lang="en-US" sz="2000" dirty="0"/>
-              <a:t>m</a:t>
-            </a:r>
-            <a:r>
-              <a:rPr lang="sk-SK" sz="2000" dirty="0"/>
-              <a:t>e</a:t>
-            </a:r>
-          </a:p>
-          <a:p>
-            <a:pPr lvl="1" algn="just"/>
-            <a:r>
-              <a:rPr lang="sk-SK" sz="2000" dirty="0"/>
-              <a:t>V operačnom systéme Windows ho môžeme spustiť z pracovnej plochy kliknutím na ikonku Matlabu</a:t>
-            </a:r>
-          </a:p>
-          <a:p>
-            <a:pPr lvl="1" algn="just"/>
-            <a:r>
-              <a:rPr lang="sk-SK" sz="2000" dirty="0"/>
-              <a:t>Pod operačnými systémami spoločnosti Apple (Mac OS X) ho spustíme dvojklikom na ikonku Matlabu, ktorá sa nachádza v adresári aplikácií (Applications)</a:t>
-            </a:r>
-          </a:p>
-          <a:p>
-            <a:pPr lvl="1" algn="just"/>
-            <a:r>
-              <a:rPr lang="sk-SK" sz="2000" dirty="0"/>
-              <a:t>Pod Unix-ovými systémami ho spustíme napísaním príkazom </a:t>
-            </a:r>
-            <a:r>
-              <a:rPr lang="sk-SK" sz="2000" i="1" dirty="0"/>
-              <a:t>matlab</a:t>
-            </a:r>
-            <a:r>
-              <a:rPr lang="sk-SK" sz="2000" dirty="0"/>
-              <a:t> do príkazového riadku.</a:t>
-            </a:r>
-          </a:p>
-          <a:p>
-            <a:pPr lvl="1" algn="just"/>
-            <a:r>
-              <a:rPr lang="sk-SK" sz="2000" dirty="0"/>
-              <a:t>Ukončenie práce s MATLABom je možné vykonať pomocou menu File-Exit MATLAB alebo v príkazovom riadku cez príkaz exit</a:t>
-            </a:r>
-          </a:p>
-        </p:txBody>
-      </p:sp>
-    </p:spTree>
-    <p:extLst>
-      <p:ext uri="{BB962C8B-B14F-4D97-AF65-F5344CB8AC3E}">
-        <p14:creationId xmlns:p14="http://schemas.microsoft.com/office/powerpoint/2010/main" val="3106289288"/>
-      </p:ext>
-    </p:extLst>
-  </p:cSld>
-  <p:clrMapOvr>
-    <a:masterClrMapping/>
-  </p:clrMapOvr>
-</p:sld>
-</file>
-
-<file path=ppt/slides/slide50.xml><?xml version="1.0" encoding="utf-8"?>
-<p:sld xmlns:a="http://schemas.openxmlformats.org/drawingml/2006/main" xmlns:r="http://schemas.openxmlformats.org/officeDocument/2006/relationships" xmlns:p="http://schemas.openxmlformats.org/presentationml/2006/main">
-  <p:cSld>
-    <p:spTree>
-      <p:nvGrpSpPr>
-        <p:cNvPr id="1" name=""/>
-        <p:cNvGrpSpPr/>
-        <p:nvPr/>
-      </p:nvGrpSpPr>
-      <p:grpSpPr>
-        <a:xfrm>
-          <a:off x="0" y="0"/>
-          <a:ext cx="0" cy="0"/>
-          <a:chOff x="0" y="0"/>
-          <a:chExt cx="0" cy="0"/>
-        </a:xfrm>
-      </p:grpSpPr>
-      <p:sp>
-        <p:nvSpPr>
-          <p:cNvPr id="2" name="Title 1">
-            <a:extLst>
-              <a:ext uri="{FF2B5EF4-FFF2-40B4-BE49-F238E27FC236}">
-                <a16:creationId xmlns:a16="http://schemas.microsoft.com/office/drawing/2014/main" xmlns="" id="{CD805F78-5CCC-441F-832E-59CB47CE1884}"/>
-              </a:ext>
-            </a:extLst>
-          </p:cNvPr>
-          <p:cNvSpPr>
-            <a:spLocks noGrp="1"/>
-          </p:cNvSpPr>
-          <p:nvPr>
-            <p:ph type="title"/>
-          </p:nvPr>
-        </p:nvSpPr>
-        <p:spPr/>
-        <p:txBody>
-          <a:bodyPr/>
-          <a:lstStyle/>
-          <a:p>
-            <a:pPr algn="ctr"/>
-            <a:r>
-              <a:rPr lang="sk-SK" dirty="0"/>
-              <a:t>Simulink- príklad</a:t>
-            </a:r>
-          </a:p>
-        </p:txBody>
-      </p:sp>
-      <p:sp>
-        <p:nvSpPr>
-          <p:cNvPr id="3" name="Content Placeholder 2">
-            <a:extLst>
-              <a:ext uri="{FF2B5EF4-FFF2-40B4-BE49-F238E27FC236}">
-                <a16:creationId xmlns:a16="http://schemas.microsoft.com/office/drawing/2014/main" xmlns="" id="{5D386FE6-07B0-489C-9B2C-EACF01C133CE}"/>
-              </a:ext>
-            </a:extLst>
-          </p:cNvPr>
-          <p:cNvSpPr>
-            <a:spLocks noGrp="1"/>
-          </p:cNvSpPr>
-          <p:nvPr>
-            <p:ph idx="1"/>
-          </p:nvPr>
-        </p:nvSpPr>
-        <p:spPr/>
-        <p:txBody>
           <a:bodyPr/>
           <a:lstStyle/>
           <a:p>
@@ -13095,7 +12123,7 @@
           <p:cNvPr id="4" name="Table 3">
             <a:extLst>
               <a:ext uri="{FF2B5EF4-FFF2-40B4-BE49-F238E27FC236}">
-                <a16:creationId xmlns:a16="http://schemas.microsoft.com/office/drawing/2014/main" xmlns="" id="{8EDD61FD-0B10-4F04-AEB3-749F1FB62E32}"/>
+                <a16:creationId xmlns="" xmlns:a16="http://schemas.microsoft.com/office/drawing/2014/main" id="{8EDD61FD-0B10-4F04-AEB3-749F1FB62E32}"/>
               </a:ext>
             </a:extLst>
           </p:cNvPr>
@@ -13124,49 +12152,49 @@
                 <a:gridCol w="870857">
                   <a:extLst>
                     <a:ext uri="{9D8B030D-6E8A-4147-A177-3AD203B41FA5}">
-                      <a16:colId xmlns:a16="http://schemas.microsoft.com/office/drawing/2014/main" xmlns="" val="1881294866"/>
+                      <a16:colId xmlns="" xmlns:a16="http://schemas.microsoft.com/office/drawing/2014/main" val="1881294866"/>
                     </a:ext>
                   </a:extLst>
                 </a:gridCol>
                 <a:gridCol w="870857">
                   <a:extLst>
                     <a:ext uri="{9D8B030D-6E8A-4147-A177-3AD203B41FA5}">
-                      <a16:colId xmlns:a16="http://schemas.microsoft.com/office/drawing/2014/main" xmlns="" val="1165220269"/>
+                      <a16:colId xmlns="" xmlns:a16="http://schemas.microsoft.com/office/drawing/2014/main" val="1165220269"/>
                     </a:ext>
                   </a:extLst>
                 </a:gridCol>
                 <a:gridCol w="870857">
                   <a:extLst>
                     <a:ext uri="{9D8B030D-6E8A-4147-A177-3AD203B41FA5}">
-                      <a16:colId xmlns:a16="http://schemas.microsoft.com/office/drawing/2014/main" xmlns="" val="2444034916"/>
+                      <a16:colId xmlns="" xmlns:a16="http://schemas.microsoft.com/office/drawing/2014/main" val="2444034916"/>
                     </a:ext>
                   </a:extLst>
                 </a:gridCol>
                 <a:gridCol w="870857">
                   <a:extLst>
                     <a:ext uri="{9D8B030D-6E8A-4147-A177-3AD203B41FA5}">
-                      <a16:colId xmlns:a16="http://schemas.microsoft.com/office/drawing/2014/main" xmlns="" val="2219348810"/>
+                      <a16:colId xmlns="" xmlns:a16="http://schemas.microsoft.com/office/drawing/2014/main" val="2219348810"/>
                     </a:ext>
                   </a:extLst>
                 </a:gridCol>
                 <a:gridCol w="870857">
                   <a:extLst>
                     <a:ext uri="{9D8B030D-6E8A-4147-A177-3AD203B41FA5}">
-                      <a16:colId xmlns:a16="http://schemas.microsoft.com/office/drawing/2014/main" xmlns="" val="1204169243"/>
+                      <a16:colId xmlns="" xmlns:a16="http://schemas.microsoft.com/office/drawing/2014/main" val="1204169243"/>
                     </a:ext>
                   </a:extLst>
                 </a:gridCol>
                 <a:gridCol w="870857">
                   <a:extLst>
                     <a:ext uri="{9D8B030D-6E8A-4147-A177-3AD203B41FA5}">
-                      <a16:colId xmlns:a16="http://schemas.microsoft.com/office/drawing/2014/main" xmlns="" val="744812312"/>
+                      <a16:colId xmlns="" xmlns:a16="http://schemas.microsoft.com/office/drawing/2014/main" val="744812312"/>
                     </a:ext>
                   </a:extLst>
                 </a:gridCol>
                 <a:gridCol w="870857">
                   <a:extLst>
                     <a:ext uri="{9D8B030D-6E8A-4147-A177-3AD203B41FA5}">
-                      <a16:colId xmlns:a16="http://schemas.microsoft.com/office/drawing/2014/main" xmlns="" val="4081204265"/>
+                      <a16:colId xmlns="" xmlns:a16="http://schemas.microsoft.com/office/drawing/2014/main" val="4081204265"/>
                     </a:ext>
                   </a:extLst>
                 </a:gridCol>
@@ -13265,7 +12293,7 @@
                 </a:tc>
                 <a:extLst>
                   <a:ext uri="{0D108BD9-81ED-4DB2-BD59-A6C34878D82A}">
-                    <a16:rowId xmlns:a16="http://schemas.microsoft.com/office/drawing/2014/main" xmlns="" val="1006368154"/>
+                    <a16:rowId xmlns="" xmlns:a16="http://schemas.microsoft.com/office/drawing/2014/main" val="1006368154"/>
                   </a:ext>
                 </a:extLst>
               </a:tr>
@@ -13363,7 +12391,7 @@
                 </a:tc>
                 <a:extLst>
                   <a:ext uri="{0D108BD9-81ED-4DB2-BD59-A6C34878D82A}">
-                    <a16:rowId xmlns:a16="http://schemas.microsoft.com/office/drawing/2014/main" xmlns="" val="2314901421"/>
+                    <a16:rowId xmlns="" xmlns:a16="http://schemas.microsoft.com/office/drawing/2014/main" val="2314901421"/>
                   </a:ext>
                 </a:extLst>
               </a:tr>
@@ -13376,7 +12404,7 @@
           <p:cNvPr id="5" name="Picture 4">
             <a:extLst>
               <a:ext uri="{FF2B5EF4-FFF2-40B4-BE49-F238E27FC236}">
-                <a16:creationId xmlns:a16="http://schemas.microsoft.com/office/drawing/2014/main" xmlns="" id="{6F2F6FCB-428F-4AF9-BF56-4D022D05ADCE}"/>
+                <a16:creationId xmlns="" xmlns:a16="http://schemas.microsoft.com/office/drawing/2014/main" id="{6F2F6FCB-428F-4AF9-BF56-4D022D05ADCE}"/>
               </a:ext>
             </a:extLst>
           </p:cNvPr>
@@ -13406,7 +12434,7 @@
           <p:cNvPr id="7" name="Picture 6">
             <a:extLst>
               <a:ext uri="{FF2B5EF4-FFF2-40B4-BE49-F238E27FC236}">
-                <a16:creationId xmlns:a16="http://schemas.microsoft.com/office/drawing/2014/main" xmlns="" id="{42D08078-E363-4804-AC2D-D4E974275BCC}"/>
+                <a16:creationId xmlns="" xmlns:a16="http://schemas.microsoft.com/office/drawing/2014/main" id="{42D08078-E363-4804-AC2D-D4E974275BCC}"/>
               </a:ext>
             </a:extLst>
           </p:cNvPr>
@@ -13447,10 +12475,17 @@
   <p:clrMapOvr>
     <a:masterClrMapping/>
   </p:clrMapOvr>
+  <p:timing>
+    <p:tnLst>
+      <p:par>
+        <p:cTn id="1" dur="indefinite" restart="never" nodeType="tmRoot"/>
+      </p:par>
+    </p:tnLst>
+  </p:timing>
 </p:sld>
 </file>
 
-<file path=ppt/slides/slide6.xml><?xml version="1.0" encoding="utf-8"?>
+<file path=ppt/slides/slide5.xml><?xml version="1.0" encoding="utf-8"?>
 <p:sld xmlns:a="http://schemas.openxmlformats.org/drawingml/2006/main" xmlns:r="http://schemas.openxmlformats.org/officeDocument/2006/relationships" xmlns:p="http://schemas.openxmlformats.org/presentationml/2006/main">
   <p:cSld>
     <p:spTree>
@@ -13472,7 +12507,7 @@
           <p:cNvPr id="2" name="Title 1">
             <a:extLst>
               <a:ext uri="{FF2B5EF4-FFF2-40B4-BE49-F238E27FC236}">
-                <a16:creationId xmlns:a16="http://schemas.microsoft.com/office/drawing/2014/main" xmlns="" id="{408B0098-24C5-43A4-ABD0-DC9A7F94BB8F}"/>
+                <a16:creationId xmlns="" xmlns:a16="http://schemas.microsoft.com/office/drawing/2014/main" id="{F68A9DF2-94D1-46B3-9E65-AB7B328E8AED}"/>
               </a:ext>
             </a:extLst>
           </p:cNvPr>
@@ -13490,9 +12525,10 @@
           <a:p>
             <a:pPr algn="ctr"/>
             <a:r>
-              <a:rPr lang="sk-SK" dirty="0"/>
-              <a:t>Užívateľské prostredie MATLABu</a:t>
-            </a:r>
+              <a:rPr lang="en-US" dirty="0"/>
+              <a:t>Current Folder</a:t>
+            </a:r>
+            <a:endParaRPr lang="sk-SK" dirty="0"/>
           </a:p>
         </p:txBody>
       </p:sp>
@@ -13501,7 +12537,7 @@
           <p:cNvPr id="3" name="Content Placeholder 2">
             <a:extLst>
               <a:ext uri="{FF2B5EF4-FFF2-40B4-BE49-F238E27FC236}">
-                <a16:creationId xmlns:a16="http://schemas.microsoft.com/office/drawing/2014/main" xmlns="" id="{3ECE9717-DB7C-454B-A21F-C961D0730C08}"/>
+                <a16:creationId xmlns="" xmlns:a16="http://schemas.microsoft.com/office/drawing/2014/main" id="{E86E638A-AAAB-496A-B7AF-05C441578E5C}"/>
               </a:ext>
             </a:extLst>
           </p:cNvPr>
@@ -13512,33 +12548,124 @@
             <p:ph idx="1"/>
           </p:nvPr>
         </p:nvSpPr>
-        <p:spPr/>
-        <p:txBody>
-          <a:bodyPr/>
+        <p:spPr>
+          <a:xfrm>
+            <a:off x="390523" y="1065160"/>
+            <a:ext cx="8356599" cy="5195254"/>
+          </a:xfrm>
+        </p:spPr>
+        <p:txBody>
+          <a:bodyPr>
+            <a:normAutofit/>
+          </a:bodyPr>
           <a:lstStyle/>
           <a:p>
             <a:pPr lvl="1"/>
             <a:r>
-              <a:rPr lang="en-US" dirty="0"/>
-              <a:t>Po </a:t>
-            </a:r>
-            <a:r>
-              <a:rPr lang="en-US" dirty="0" err="1"/>
-              <a:t>spuste</a:t>
-            </a:r>
-            <a:r>
-              <a:rPr lang="sk-SK" dirty="0"/>
-              <a:t>ní sa objaví užívateľské prostredie, ktoré je zobrazené na obrázku: </a:t>
-            </a:r>
+              <a:rPr lang="en-US" sz="2000" dirty="0"/>
+              <a:t>Ak</a:t>
+            </a:r>
+            <a:r>
+              <a:rPr lang="sk-SK" sz="2000" dirty="0"/>
+              <a:t>ýkoľvek súbor, s ktorým chce</a:t>
+            </a:r>
+            <a:r>
+              <a:rPr lang="en-US" sz="2000" dirty="0"/>
+              <a:t>m</a:t>
+            </a:r>
+            <a:r>
+              <a:rPr lang="sk-SK" sz="2000" dirty="0"/>
+              <a:t>e pracovať v MATLABe, sa musí nachádzať v aktuánom priečinku (Current Folder)</a:t>
+            </a:r>
+          </a:p>
+          <a:p>
+            <a:pPr lvl="1"/>
+            <a:r>
+              <a:rPr lang="sk-SK" sz="2000" dirty="0"/>
+              <a:t>Current Folder je nástroj na prácu so súbormi</a:t>
+            </a:r>
+          </a:p>
+          <a:p>
+            <a:pPr lvl="1"/>
+            <a:r>
+              <a:rPr lang="en-US" sz="2000" dirty="0" err="1" smtClean="0"/>
+              <a:t>Cel</a:t>
+            </a:r>
+            <a:r>
+              <a:rPr lang="sk-SK" sz="2000" dirty="0"/>
+              <a:t>ú cestu k aktuálnemu priečinku môže</a:t>
+            </a:r>
+            <a:r>
+              <a:rPr lang="en-US" sz="2000" dirty="0"/>
+              <a:t>m</a:t>
+            </a:r>
+            <a:r>
+              <a:rPr lang="sk-SK" sz="2000" dirty="0"/>
+              <a:t>e vidieť na lište nástrojov MATLABu alebo ju získať pomocou príkazu „</a:t>
+            </a:r>
+            <a:r>
+              <a:rPr lang="sk-SK" sz="2000" dirty="0" err="1"/>
+              <a:t>pwd</a:t>
+            </a:r>
+            <a:r>
+              <a:rPr lang="sk-SK" sz="2000" dirty="0" smtClean="0"/>
+              <a:t>“</a:t>
+            </a:r>
+          </a:p>
+          <a:p>
+            <a:pPr lvl="1"/>
+            <a:r>
+              <a:rPr lang="sk-SK" sz="2000" dirty="0" err="1" smtClean="0"/>
+              <a:t>Spúšťateľné</a:t>
+            </a:r>
+            <a:r>
+              <a:rPr lang="sk-SK" sz="2000" dirty="0" smtClean="0"/>
+              <a:t> skripty </a:t>
+            </a:r>
+            <a:r>
+              <a:rPr lang="sk-SK" sz="2000" dirty="0" err="1" smtClean="0"/>
+              <a:t>Matlabu</a:t>
+            </a:r>
+            <a:r>
+              <a:rPr lang="sk-SK" sz="2000" dirty="0" smtClean="0"/>
+              <a:t> majú príponu .m</a:t>
+            </a:r>
+          </a:p>
+          <a:p>
+            <a:pPr lvl="1"/>
+            <a:r>
+              <a:rPr lang="sk-SK" sz="2000" dirty="0" smtClean="0"/>
+              <a:t>Dáta (</a:t>
+            </a:r>
+            <a:r>
+              <a:rPr lang="sk-SK" sz="2000" dirty="0" err="1" smtClean="0"/>
+              <a:t>vektory,matice</a:t>
+            </a:r>
+            <a:r>
+              <a:rPr lang="sk-SK" sz="2000" dirty="0" smtClean="0"/>
+              <a:t>) sa ukladajú s príponou .mat</a:t>
+            </a:r>
+          </a:p>
+          <a:p>
+            <a:pPr lvl="1"/>
+            <a:r>
+              <a:rPr lang="sk-SK" sz="2000" dirty="0" smtClean="0"/>
+              <a:t>Simulačné schémy .</a:t>
+            </a:r>
+            <a:r>
+              <a:rPr lang="sk-SK" sz="2000" dirty="0" err="1" smtClean="0"/>
+              <a:t>slx</a:t>
+            </a:r>
+            <a:endParaRPr lang="sk-SK" sz="2000" dirty="0"/>
           </a:p>
         </p:txBody>
       </p:sp>
       <p:pic>
         <p:nvPicPr>
-          <p:cNvPr id="5" name="Picture 4">
-            <a:extLst>
-              <a:ext uri="{FF2B5EF4-FFF2-40B4-BE49-F238E27FC236}">
-                <a16:creationId xmlns:a16="http://schemas.microsoft.com/office/drawing/2014/main" xmlns="" id="{552D49D0-20BD-46E3-B888-932D3001FE2F}"/>
+          <p:cNvPr id="4" name="Picture 3">
+            <a:extLst>
+              <a:ext uri="{FF2B5EF4-FFF2-40B4-BE49-F238E27FC236}">
+                <a16:creationId xmlns="" xmlns:a16="http://schemas.microsoft.com/office/drawing/2014/main" id="{025FA2AA-F1B8-4921-9B2B-87637E603D39}"/>
               </a:ext>
             </a:extLst>
           </p:cNvPr>
@@ -13555,357 +12682,7 @@
         </p:blipFill>
         <p:spPr>
           <a:xfrm>
-            <a:off x="-2" y="1714500"/>
-            <a:ext cx="9144000" cy="5143500"/>
-          </a:xfrm>
-          <a:prstGeom prst="rect">
-            <a:avLst/>
-          </a:prstGeom>
-        </p:spPr>
-      </p:pic>
-    </p:spTree>
-    <p:extLst>
-      <p:ext uri="{BB962C8B-B14F-4D97-AF65-F5344CB8AC3E}">
-        <p14:creationId xmlns:p14="http://schemas.microsoft.com/office/powerpoint/2010/main" val="651784588"/>
-      </p:ext>
-    </p:extLst>
-  </p:cSld>
-  <p:clrMapOvr>
-    <a:masterClrMapping/>
-  </p:clrMapOvr>
-</p:sld>
-</file>
-
-<file path=ppt/slides/slide7.xml><?xml version="1.0" encoding="utf-8"?>
-<p:sld xmlns:a="http://schemas.openxmlformats.org/drawingml/2006/main" xmlns:r="http://schemas.openxmlformats.org/officeDocument/2006/relationships" xmlns:p="http://schemas.openxmlformats.org/presentationml/2006/main">
-  <p:cSld>
-    <p:spTree>
-      <p:nvGrpSpPr>
-        <p:cNvPr id="1" name=""/>
-        <p:cNvGrpSpPr/>
-        <p:nvPr/>
-      </p:nvGrpSpPr>
-      <p:grpSpPr>
-        <a:xfrm>
-          <a:off x="0" y="0"/>
-          <a:ext cx="0" cy="0"/>
-          <a:chOff x="0" y="0"/>
-          <a:chExt cx="0" cy="0"/>
-        </a:xfrm>
-      </p:grpSpPr>
-      <p:sp>
-        <p:nvSpPr>
-          <p:cNvPr id="2" name="Title 1">
-            <a:extLst>
-              <a:ext uri="{FF2B5EF4-FFF2-40B4-BE49-F238E27FC236}">
-                <a16:creationId xmlns:a16="http://schemas.microsoft.com/office/drawing/2014/main" xmlns="" id="{51C44664-A701-438B-A689-FD5FFE16B9D3}"/>
-              </a:ext>
-            </a:extLst>
-          </p:cNvPr>
-          <p:cNvSpPr>
-            <a:spLocks noGrp="1"/>
-          </p:cNvSpPr>
-          <p:nvPr>
-            <p:ph type="title"/>
-          </p:nvPr>
-        </p:nvSpPr>
-        <p:spPr/>
-        <p:txBody>
-          <a:bodyPr/>
-          <a:lstStyle/>
-          <a:p>
-            <a:pPr algn="ctr"/>
-            <a:r>
-              <a:rPr lang="sk-SK" dirty="0"/>
-              <a:t>Command Window</a:t>
-            </a:r>
-            <a:r>
-              <a:rPr lang="en-US" dirty="0"/>
-              <a:t>, Workspace</a:t>
-            </a:r>
-            <a:endParaRPr lang="sk-SK" dirty="0"/>
-          </a:p>
-        </p:txBody>
-      </p:sp>
-      <p:sp>
-        <p:nvSpPr>
-          <p:cNvPr id="3" name="Content Placeholder 2">
-            <a:extLst>
-              <a:ext uri="{FF2B5EF4-FFF2-40B4-BE49-F238E27FC236}">
-                <a16:creationId xmlns:a16="http://schemas.microsoft.com/office/drawing/2014/main" xmlns="" id="{285E8290-ED09-4976-AF5F-2E27F4ADB275}"/>
-              </a:ext>
-            </a:extLst>
-          </p:cNvPr>
-          <p:cNvSpPr>
-            <a:spLocks noGrp="1"/>
-          </p:cNvSpPr>
-          <p:nvPr>
-            <p:ph idx="1"/>
-          </p:nvPr>
-        </p:nvSpPr>
-        <p:spPr/>
-        <p:txBody>
-          <a:bodyPr>
-            <a:normAutofit/>
-          </a:bodyPr>
-          <a:lstStyle/>
-          <a:p>
-            <a:pPr lvl="1" algn="just"/>
-            <a:r>
-              <a:rPr lang="sk-SK" sz="2000" dirty="0"/>
-              <a:t>Command window je okno, do ktorého sa zadávajú výrazy, spúšťajú funkcie a matlabové skripty</a:t>
-            </a:r>
-          </a:p>
-          <a:p>
-            <a:pPr lvl="1" algn="just"/>
-            <a:r>
-              <a:rPr lang="sk-SK" sz="2000" dirty="0"/>
-              <a:t>Aktuálnu pozíciu v okne ukazuje symbol &gt;&gt;, ktorý sa nazýva prompt</a:t>
-            </a:r>
-          </a:p>
-          <a:p>
-            <a:pPr lvl="1" algn="just"/>
-            <a:r>
-              <a:rPr lang="sk-SK" sz="2000" dirty="0"/>
-              <a:t>Matlab si pamätá príkazy, ktoré s</a:t>
-            </a:r>
-            <a:r>
-              <a:rPr lang="en-US" sz="2000" dirty="0"/>
-              <a:t>m</a:t>
-            </a:r>
-            <a:r>
-              <a:rPr lang="sk-SK" sz="2000" dirty="0"/>
-              <a:t>e využívali a v príkazovom riadku ich nalistujete šípkou hore (predchádzajúci príkaz) alebo šípkou dole (nasledujúci príkaz ak s</a:t>
-            </a:r>
-            <a:r>
-              <a:rPr lang="en-US" sz="2000" dirty="0"/>
-              <a:t>m</a:t>
-            </a:r>
-            <a:r>
-              <a:rPr lang="sk-SK" sz="2000" dirty="0"/>
-              <a:t>e listovali predchádzajúce príkazy)</a:t>
-            </a:r>
-          </a:p>
-          <a:p>
-            <a:pPr lvl="1" algn="just"/>
-            <a:r>
-              <a:rPr lang="sk-SK" sz="2000" dirty="0"/>
-              <a:t>Príkazy zadané do Command Window môže</a:t>
-            </a:r>
-            <a:r>
-              <a:rPr lang="en-US" sz="2000" dirty="0"/>
-              <a:t>m</a:t>
-            </a:r>
-            <a:r>
-              <a:rPr lang="sk-SK" sz="2000" dirty="0"/>
-              <a:t>e vymazať príkazom „clc“</a:t>
-            </a:r>
-            <a:endParaRPr lang="en-US" sz="2000" dirty="0"/>
-          </a:p>
-          <a:p>
-            <a:pPr lvl="1" algn="just"/>
-            <a:endParaRPr lang="en-US" sz="2000" dirty="0"/>
-          </a:p>
-          <a:p>
-            <a:pPr lvl="1" algn="just"/>
-            <a:r>
-              <a:rPr lang="en-US" sz="2000" dirty="0"/>
-              <a:t>Workspace </a:t>
-            </a:r>
-            <a:r>
-              <a:rPr lang="en-US" sz="2000" dirty="0" err="1"/>
-              <a:t>MATLABu</a:t>
-            </a:r>
-            <a:r>
-              <a:rPr lang="en-US" sz="2000" dirty="0"/>
-              <a:t> </a:t>
-            </a:r>
-            <a:r>
-              <a:rPr lang="en-US" sz="2000" dirty="0" err="1"/>
-              <a:t>tvoria</a:t>
-            </a:r>
-            <a:r>
-              <a:rPr lang="en-US" sz="2000" dirty="0"/>
-              <a:t> </a:t>
-            </a:r>
-            <a:r>
-              <a:rPr lang="en-US" sz="2000" dirty="0" err="1"/>
-              <a:t>premenn</a:t>
-            </a:r>
-            <a:r>
-              <a:rPr lang="sk-SK" sz="2000" dirty="0"/>
-              <a:t>é, ktoré sú vytvorené počas práce s MATLABom a sú uložené v pamäti</a:t>
-            </a:r>
-          </a:p>
-        </p:txBody>
-      </p:sp>
-    </p:spTree>
-    <p:extLst>
-      <p:ext uri="{BB962C8B-B14F-4D97-AF65-F5344CB8AC3E}">
-        <p14:creationId xmlns:p14="http://schemas.microsoft.com/office/powerpoint/2010/main" val="1633832266"/>
-      </p:ext>
-    </p:extLst>
-  </p:cSld>
-  <p:clrMapOvr>
-    <a:masterClrMapping/>
-  </p:clrMapOvr>
-</p:sld>
-</file>
-
-<file path=ppt/slides/slide8.xml><?xml version="1.0" encoding="utf-8"?>
-<p:sld xmlns:a="http://schemas.openxmlformats.org/drawingml/2006/main" xmlns:r="http://schemas.openxmlformats.org/officeDocument/2006/relationships" xmlns:p="http://schemas.openxmlformats.org/presentationml/2006/main">
-  <p:cSld>
-    <p:spTree>
-      <p:nvGrpSpPr>
-        <p:cNvPr id="1" name=""/>
-        <p:cNvGrpSpPr/>
-        <p:nvPr/>
-      </p:nvGrpSpPr>
-      <p:grpSpPr>
-        <a:xfrm>
-          <a:off x="0" y="0"/>
-          <a:ext cx="0" cy="0"/>
-          <a:chOff x="0" y="0"/>
-          <a:chExt cx="0" cy="0"/>
-        </a:xfrm>
-      </p:grpSpPr>
-      <p:sp>
-        <p:nvSpPr>
-          <p:cNvPr id="2" name="Title 1">
-            <a:extLst>
-              <a:ext uri="{FF2B5EF4-FFF2-40B4-BE49-F238E27FC236}">
-                <a16:creationId xmlns:a16="http://schemas.microsoft.com/office/drawing/2014/main" xmlns="" id="{F68A9DF2-94D1-46B3-9E65-AB7B328E8AED}"/>
-              </a:ext>
-            </a:extLst>
-          </p:cNvPr>
-          <p:cNvSpPr>
-            <a:spLocks noGrp="1"/>
-          </p:cNvSpPr>
-          <p:nvPr>
-            <p:ph type="title"/>
-          </p:nvPr>
-        </p:nvSpPr>
-        <p:spPr/>
-        <p:txBody>
-          <a:bodyPr/>
-          <a:lstStyle/>
-          <a:p>
-            <a:pPr algn="ctr"/>
-            <a:r>
-              <a:rPr lang="en-US" dirty="0"/>
-              <a:t>Current Folder</a:t>
-            </a:r>
-            <a:endParaRPr lang="sk-SK" dirty="0"/>
-          </a:p>
-        </p:txBody>
-      </p:sp>
-      <p:sp>
-        <p:nvSpPr>
-          <p:cNvPr id="3" name="Content Placeholder 2">
-            <a:extLst>
-              <a:ext uri="{FF2B5EF4-FFF2-40B4-BE49-F238E27FC236}">
-                <a16:creationId xmlns:a16="http://schemas.microsoft.com/office/drawing/2014/main" xmlns="" id="{E86E638A-AAAB-496A-B7AF-05C441578E5C}"/>
-              </a:ext>
-            </a:extLst>
-          </p:cNvPr>
-          <p:cNvSpPr>
-            <a:spLocks noGrp="1"/>
-          </p:cNvSpPr>
-          <p:nvPr>
-            <p:ph idx="1"/>
-          </p:nvPr>
-        </p:nvSpPr>
-        <p:spPr/>
-        <p:txBody>
-          <a:bodyPr>
-            <a:normAutofit/>
-          </a:bodyPr>
-          <a:lstStyle/>
-          <a:p>
-            <a:pPr lvl="1"/>
-            <a:r>
-              <a:rPr lang="en-US" sz="2000" dirty="0"/>
-              <a:t>Ak</a:t>
-            </a:r>
-            <a:r>
-              <a:rPr lang="sk-SK" sz="2000" dirty="0"/>
-              <a:t>ýkoľvek súbor, s ktorým chce</a:t>
-            </a:r>
-            <a:r>
-              <a:rPr lang="en-US" sz="2000" dirty="0"/>
-              <a:t>m</a:t>
-            </a:r>
-            <a:r>
-              <a:rPr lang="sk-SK" sz="2000" dirty="0"/>
-              <a:t>e pracovať v MATLABe, sa musí nachádzať v aktuánom priečinku (Current Folder)</a:t>
-            </a:r>
-          </a:p>
-          <a:p>
-            <a:pPr lvl="1"/>
-            <a:r>
-              <a:rPr lang="sk-SK" sz="2000" dirty="0"/>
-              <a:t>Current Folder je nástroj na prácu so súbormi</a:t>
-            </a:r>
-          </a:p>
-          <a:p>
-            <a:pPr lvl="1"/>
-            <a:r>
-              <a:rPr lang="sk-SK" sz="2000" dirty="0"/>
-              <a:t>Samostatný pojem Current Folder predstavuje aktuálny priečinok, v ktorom sa nachádza</a:t>
-            </a:r>
-            <a:r>
-              <a:rPr lang="en-US" sz="2000" dirty="0"/>
-              <a:t>m</a:t>
-            </a:r>
-            <a:r>
-              <a:rPr lang="sk-SK" sz="2000" dirty="0"/>
-              <a:t>e</a:t>
-            </a:r>
-          </a:p>
-          <a:p>
-            <a:pPr lvl="1"/>
-            <a:r>
-              <a:rPr lang="en-US" sz="2000" dirty="0" err="1"/>
-              <a:t>Cel</a:t>
-            </a:r>
-            <a:r>
-              <a:rPr lang="sk-SK" sz="2000" dirty="0"/>
-              <a:t>ú cestu k aktuálnemu priečinku môže</a:t>
-            </a:r>
-            <a:r>
-              <a:rPr lang="en-US" sz="2000" dirty="0"/>
-              <a:t>m</a:t>
-            </a:r>
-            <a:r>
-              <a:rPr lang="sk-SK" sz="2000" dirty="0"/>
-              <a:t>e vidieť na lište nástrojov MATLABu alebo ju získať pomocou príkazu „pwd“</a:t>
-            </a:r>
-          </a:p>
-        </p:txBody>
-      </p:sp>
-      <p:pic>
-        <p:nvPicPr>
-          <p:cNvPr id="4" name="Picture 3">
-            <a:extLst>
-              <a:ext uri="{FF2B5EF4-FFF2-40B4-BE49-F238E27FC236}">
-                <a16:creationId xmlns:a16="http://schemas.microsoft.com/office/drawing/2014/main" xmlns="" id="{025FA2AA-F1B8-4921-9B2B-87637E603D39}"/>
-              </a:ext>
-            </a:extLst>
-          </p:cNvPr>
-          <p:cNvPicPr>
-            <a:picLocks noChangeAspect="1"/>
-          </p:cNvPicPr>
-          <p:nvPr/>
-        </p:nvPicPr>
-        <p:blipFill>
-          <a:blip r:embed="rId2"/>
-          <a:stretch>
-            <a:fillRect/>
-          </a:stretch>
-        </p:blipFill>
-        <p:spPr>
-          <a:xfrm>
-            <a:off x="479043" y="3587750"/>
+            <a:off x="522328" y="4012342"/>
             <a:ext cx="4181475" cy="2647950"/>
           </a:xfrm>
           <a:prstGeom prst="rect">
@@ -13928,6 +12705,1085 @@
   <p:clrMapOvr>
     <a:masterClrMapping/>
   </p:clrMapOvr>
+  <p:timing>
+    <p:tnLst>
+      <p:par>
+        <p:cTn id="1" dur="indefinite" restart="never" nodeType="tmRoot"/>
+      </p:par>
+    </p:tnLst>
+  </p:timing>
+</p:sld>
+</file>
+
+<file path=ppt/slides/slide6.xml><?xml version="1.0" encoding="utf-8"?>
+<p:sld xmlns:a="http://schemas.openxmlformats.org/drawingml/2006/main" xmlns:r="http://schemas.openxmlformats.org/officeDocument/2006/relationships" xmlns:p="http://schemas.openxmlformats.org/presentationml/2006/main">
+  <p:cSld>
+    <p:spTree>
+      <p:nvGrpSpPr>
+        <p:cNvPr id="1" name=""/>
+        <p:cNvGrpSpPr/>
+        <p:nvPr/>
+      </p:nvGrpSpPr>
+      <p:grpSpPr>
+        <a:xfrm>
+          <a:off x="0" y="0"/>
+          <a:ext cx="0" cy="0"/>
+          <a:chOff x="0" y="0"/>
+          <a:chExt cx="0" cy="0"/>
+        </a:xfrm>
+      </p:grpSpPr>
+      <p:sp>
+        <p:nvSpPr>
+          <p:cNvPr id="2" name="Title 1">
+            <a:extLst>
+              <a:ext uri="{FF2B5EF4-FFF2-40B4-BE49-F238E27FC236}">
+                <a16:creationId xmlns="" xmlns:a16="http://schemas.microsoft.com/office/drawing/2014/main" id="{26A0B230-B7B6-4DCB-8BCF-1B17557D970D}"/>
+              </a:ext>
+            </a:extLst>
+          </p:cNvPr>
+          <p:cNvSpPr>
+            <a:spLocks noGrp="1"/>
+          </p:cNvSpPr>
+          <p:nvPr>
+            <p:ph type="title"/>
+          </p:nvPr>
+        </p:nvSpPr>
+        <p:spPr/>
+        <p:txBody>
+          <a:bodyPr/>
+          <a:lstStyle/>
+          <a:p>
+            <a:pPr algn="ctr"/>
+            <a:r>
+              <a:rPr lang="en-US" dirty="0"/>
+              <a:t>V</a:t>
+            </a:r>
+            <a:r>
+              <a:rPr lang="sk-SK" dirty="0"/>
+              <a:t>ytvorenie scriptu</a:t>
+            </a:r>
+          </a:p>
+        </p:txBody>
+      </p:sp>
+      <p:sp>
+        <p:nvSpPr>
+          <p:cNvPr id="3" name="Content Placeholder 2">
+            <a:extLst>
+              <a:ext uri="{FF2B5EF4-FFF2-40B4-BE49-F238E27FC236}">
+                <a16:creationId xmlns="" xmlns:a16="http://schemas.microsoft.com/office/drawing/2014/main" id="{5D740CE5-DE92-456C-88B2-167811F85B04}"/>
+              </a:ext>
+            </a:extLst>
+          </p:cNvPr>
+          <p:cNvSpPr>
+            <a:spLocks noGrp="1"/>
+          </p:cNvSpPr>
+          <p:nvPr>
+            <p:ph idx="1"/>
+          </p:nvPr>
+        </p:nvSpPr>
+        <p:spPr>
+          <a:xfrm>
+            <a:off x="393699" y="1188727"/>
+            <a:ext cx="8356599" cy="5195254"/>
+          </a:xfrm>
+        </p:spPr>
+        <p:txBody>
+          <a:bodyPr/>
+          <a:lstStyle/>
+          <a:p>
+            <a:pPr lvl="1"/>
+            <a:r>
+              <a:rPr lang="en-US" dirty="0" err="1" smtClean="0"/>
+              <a:t>Najje</a:t>
+            </a:r>
+            <a:r>
+              <a:rPr lang="sk-SK" dirty="0" err="1" smtClean="0"/>
+              <a:t>dnoduchší</a:t>
+            </a:r>
+            <a:r>
+              <a:rPr lang="sk-SK" dirty="0" smtClean="0"/>
+              <a:t> </a:t>
+            </a:r>
+            <a:r>
+              <a:rPr lang="sk-SK" dirty="0"/>
+              <a:t>typ programu v MATLABe sa nazýva </a:t>
+            </a:r>
+            <a:r>
+              <a:rPr lang="sk-SK" dirty="0" smtClean="0"/>
+              <a:t>skript  - nie je nutná kompilácia (ako napríklad C)</a:t>
+            </a:r>
+            <a:endParaRPr lang="sk-SK" dirty="0"/>
+          </a:p>
+          <a:p>
+            <a:pPr lvl="1"/>
+            <a:r>
+              <a:rPr lang="sk-SK" dirty="0"/>
+              <a:t>Je to súbor, ktorý obsahuje viacero riadkov príkazov a volania funkcií</a:t>
+            </a:r>
+          </a:p>
+        </p:txBody>
+      </p:sp>
+      <p:pic>
+        <p:nvPicPr>
+          <p:cNvPr id="7" name="Picture 6">
+            <a:extLst>
+              <a:ext uri="{FF2B5EF4-FFF2-40B4-BE49-F238E27FC236}">
+                <a16:creationId xmlns="" xmlns:a16="http://schemas.microsoft.com/office/drawing/2014/main" id="{33C0EBB4-BB77-4959-90BB-5E0F5BC6956A}"/>
+              </a:ext>
+            </a:extLst>
+          </p:cNvPr>
+          <p:cNvPicPr>
+            <a:picLocks noChangeAspect="1"/>
+          </p:cNvPicPr>
+          <p:nvPr/>
+        </p:nvPicPr>
+        <p:blipFill rotWithShape="1">
+          <a:blip r:embed="rId2"/>
+          <a:srcRect b="22502"/>
+          <a:stretch/>
+        </p:blipFill>
+        <p:spPr>
+          <a:xfrm>
+            <a:off x="-1" y="2871916"/>
+            <a:ext cx="9144000" cy="3986084"/>
+          </a:xfrm>
+          <a:prstGeom prst="rect">
+            <a:avLst/>
+          </a:prstGeom>
+        </p:spPr>
+      </p:pic>
+      <p:sp>
+        <p:nvSpPr>
+          <p:cNvPr id="8" name="Arrow: Left 7">
+            <a:extLst>
+              <a:ext uri="{FF2B5EF4-FFF2-40B4-BE49-F238E27FC236}">
+                <a16:creationId xmlns="" xmlns:a16="http://schemas.microsoft.com/office/drawing/2014/main" id="{AD2FC1BE-AC40-4A61-933C-89B8FAC2DCA2}"/>
+              </a:ext>
+            </a:extLst>
+          </p:cNvPr>
+          <p:cNvSpPr/>
+          <p:nvPr/>
+        </p:nvSpPr>
+        <p:spPr>
+          <a:xfrm>
+            <a:off x="853739" y="4032722"/>
+            <a:ext cx="978408" cy="484632"/>
+          </a:xfrm>
+          <a:prstGeom prst="leftArrow">
+            <a:avLst/>
+          </a:prstGeom>
+        </p:spPr>
+        <p:style>
+          <a:lnRef idx="2">
+            <a:schemeClr val="accent1">
+              <a:shade val="50000"/>
+            </a:schemeClr>
+          </a:lnRef>
+          <a:fillRef idx="1">
+            <a:schemeClr val="accent1"/>
+          </a:fillRef>
+          <a:effectRef idx="0">
+            <a:schemeClr val="accent1"/>
+          </a:effectRef>
+          <a:fontRef idx="minor">
+            <a:schemeClr val="lt1"/>
+          </a:fontRef>
+        </p:style>
+        <p:txBody>
+          <a:bodyPr rtlCol="0" anchor="ctr"/>
+          <a:lstStyle/>
+          <a:p>
+            <a:pPr algn="ctr"/>
+            <a:endParaRPr lang="sk-SK"/>
+          </a:p>
+        </p:txBody>
+      </p:sp>
+    </p:spTree>
+    <p:extLst>
+      <p:ext uri="{BB962C8B-B14F-4D97-AF65-F5344CB8AC3E}">
+        <p14:creationId xmlns:p14="http://schemas.microsoft.com/office/powerpoint/2010/main" val="2985636247"/>
+      </p:ext>
+    </p:extLst>
+  </p:cSld>
+  <p:clrMapOvr>
+    <a:masterClrMapping/>
+  </p:clrMapOvr>
+  <p:timing>
+    <p:tnLst>
+      <p:par>
+        <p:cTn id="1" dur="indefinite" restart="never" nodeType="tmRoot"/>
+      </p:par>
+    </p:tnLst>
+  </p:timing>
+</p:sld>
+</file>
+
+<file path=ppt/slides/slide7.xml><?xml version="1.0" encoding="utf-8"?>
+<p:sld xmlns:a="http://schemas.openxmlformats.org/drawingml/2006/main" xmlns:r="http://schemas.openxmlformats.org/officeDocument/2006/relationships" xmlns:p="http://schemas.openxmlformats.org/presentationml/2006/main">
+  <p:cSld>
+    <p:spTree>
+      <p:nvGrpSpPr>
+        <p:cNvPr id="1" name=""/>
+        <p:cNvGrpSpPr/>
+        <p:nvPr/>
+      </p:nvGrpSpPr>
+      <p:grpSpPr>
+        <a:xfrm>
+          <a:off x="0" y="0"/>
+          <a:ext cx="0" cy="0"/>
+          <a:chOff x="0" y="0"/>
+          <a:chExt cx="0" cy="0"/>
+        </a:xfrm>
+      </p:grpSpPr>
+      <p:sp>
+        <p:nvSpPr>
+          <p:cNvPr id="2" name="Title 1">
+            <a:extLst>
+              <a:ext uri="{FF2B5EF4-FFF2-40B4-BE49-F238E27FC236}">
+                <a16:creationId xmlns="" xmlns:a16="http://schemas.microsoft.com/office/drawing/2014/main" id="{81028622-3A59-4839-97C3-AACBE9B9238E}"/>
+              </a:ext>
+            </a:extLst>
+          </p:cNvPr>
+          <p:cNvSpPr>
+            <a:spLocks noGrp="1"/>
+          </p:cNvSpPr>
+          <p:nvPr>
+            <p:ph type="title"/>
+          </p:nvPr>
+        </p:nvSpPr>
+        <p:spPr/>
+        <p:txBody>
+          <a:bodyPr/>
+          <a:lstStyle/>
+          <a:p>
+            <a:pPr algn="ctr"/>
+            <a:r>
+              <a:rPr lang="sk-SK" dirty="0"/>
+              <a:t>Script - príklad</a:t>
+            </a:r>
+          </a:p>
+        </p:txBody>
+      </p:sp>
+      <p:sp>
+        <p:nvSpPr>
+          <p:cNvPr id="3" name="Content Placeholder 2">
+            <a:extLst>
+              <a:ext uri="{FF2B5EF4-FFF2-40B4-BE49-F238E27FC236}">
+                <a16:creationId xmlns="" xmlns:a16="http://schemas.microsoft.com/office/drawing/2014/main" id="{BCA7795B-0166-438C-A04C-591473CCD15B}"/>
+              </a:ext>
+            </a:extLst>
+          </p:cNvPr>
+          <p:cNvSpPr>
+            <a:spLocks noGrp="1"/>
+          </p:cNvSpPr>
+          <p:nvPr>
+            <p:ph idx="1"/>
+          </p:nvPr>
+        </p:nvSpPr>
+        <p:spPr/>
+        <p:txBody>
+          <a:bodyPr/>
+          <a:lstStyle/>
+          <a:p>
+            <a:r>
+              <a:rPr lang="sk-SK" dirty="0" smtClean="0"/>
+              <a:t>Doplni</a:t>
+            </a:r>
+            <a:r>
+              <a:rPr lang="sk-SK" dirty="0" smtClean="0"/>
+              <a:t>ť spúšťanie skriptu po častiach </a:t>
+            </a:r>
+            <a:r>
+              <a:rPr lang="en-US" dirty="0" smtClean="0"/>
+              <a:t>%%</a:t>
+            </a:r>
+            <a:endParaRPr lang="sk-SK" dirty="0"/>
+          </a:p>
+        </p:txBody>
+      </p:sp>
+      <p:pic>
+        <p:nvPicPr>
+          <p:cNvPr id="4" name="Picture 3">
+            <a:extLst>
+              <a:ext uri="{FF2B5EF4-FFF2-40B4-BE49-F238E27FC236}">
+                <a16:creationId xmlns="" xmlns:a16="http://schemas.microsoft.com/office/drawing/2014/main" id="{69A68B8B-8943-446F-88EA-16C4A7185E50}"/>
+              </a:ext>
+            </a:extLst>
+          </p:cNvPr>
+          <p:cNvPicPr>
+            <a:picLocks noChangeAspect="1"/>
+          </p:cNvPicPr>
+          <p:nvPr/>
+        </p:nvPicPr>
+        <p:blipFill>
+          <a:blip r:embed="rId2"/>
+          <a:stretch>
+            <a:fillRect/>
+          </a:stretch>
+        </p:blipFill>
+        <p:spPr>
+          <a:xfrm>
+            <a:off x="0" y="1714500"/>
+            <a:ext cx="9144000" cy="5143500"/>
+          </a:xfrm>
+          <a:prstGeom prst="rect">
+            <a:avLst/>
+          </a:prstGeom>
+        </p:spPr>
+      </p:pic>
+      <p:sp>
+        <p:nvSpPr>
+          <p:cNvPr id="5" name="TextBox 4">
+            <a:extLst>
+              <a:ext uri="{FF2B5EF4-FFF2-40B4-BE49-F238E27FC236}">
+                <a16:creationId xmlns="" xmlns:a16="http://schemas.microsoft.com/office/drawing/2014/main" id="{581D8026-C387-4CD1-9FEA-912676073E91}"/>
+              </a:ext>
+            </a:extLst>
+          </p:cNvPr>
+          <p:cNvSpPr txBox="1"/>
+          <p:nvPr/>
+        </p:nvSpPr>
+        <p:spPr>
+          <a:xfrm>
+            <a:off x="3092332" y="2875002"/>
+            <a:ext cx="4397435" cy="400110"/>
+          </a:xfrm>
+          <a:prstGeom prst="rect">
+            <a:avLst/>
+          </a:prstGeom>
+          <a:noFill/>
+        </p:spPr>
+        <p:txBody>
+          <a:bodyPr wrap="square" rtlCol="0">
+            <a:spAutoFit/>
+          </a:bodyPr>
+          <a:lstStyle/>
+          <a:p>
+            <a:pPr algn="ctr"/>
+            <a:r>
+              <a:rPr lang="sk-SK" sz="1000" dirty="0"/>
+              <a:t>Priradenie hodnoty premenným. Premennú „a“ chceme vypísať do „Command Window“ a premennú „b“ nie, tak na koniec riadku dáme „</a:t>
+            </a:r>
+            <a:r>
+              <a:rPr lang="en-US" sz="1000" dirty="0"/>
+              <a:t>;</a:t>
+            </a:r>
+            <a:r>
+              <a:rPr lang="sk-SK" sz="1000" dirty="0"/>
+              <a:t>“</a:t>
+            </a:r>
+          </a:p>
+        </p:txBody>
+      </p:sp>
+      <p:sp>
+        <p:nvSpPr>
+          <p:cNvPr id="6" name="Arrow: Left 5">
+            <a:extLst>
+              <a:ext uri="{FF2B5EF4-FFF2-40B4-BE49-F238E27FC236}">
+                <a16:creationId xmlns="" xmlns:a16="http://schemas.microsoft.com/office/drawing/2014/main" id="{EF35070C-0EE2-4D2D-8B80-B6521C6BF306}"/>
+              </a:ext>
+            </a:extLst>
+          </p:cNvPr>
+          <p:cNvSpPr/>
+          <p:nvPr/>
+        </p:nvSpPr>
+        <p:spPr>
+          <a:xfrm>
+            <a:off x="2793074" y="3000294"/>
+            <a:ext cx="448890" cy="141917"/>
+          </a:xfrm>
+          <a:prstGeom prst="leftArrow">
+            <a:avLst/>
+          </a:prstGeom>
+        </p:spPr>
+        <p:style>
+          <a:lnRef idx="2">
+            <a:schemeClr val="accent1">
+              <a:shade val="50000"/>
+            </a:schemeClr>
+          </a:lnRef>
+          <a:fillRef idx="1">
+            <a:schemeClr val="accent1"/>
+          </a:fillRef>
+          <a:effectRef idx="0">
+            <a:schemeClr val="accent1"/>
+          </a:effectRef>
+          <a:fontRef idx="minor">
+            <a:schemeClr val="lt1"/>
+          </a:fontRef>
+        </p:style>
+        <p:txBody>
+          <a:bodyPr rtlCol="0" anchor="ctr"/>
+          <a:lstStyle/>
+          <a:p>
+            <a:pPr algn="ctr"/>
+            <a:endParaRPr lang="sk-SK"/>
+          </a:p>
+        </p:txBody>
+      </p:sp>
+      <p:sp>
+        <p:nvSpPr>
+          <p:cNvPr id="7" name="Arrow: Up 6">
+            <a:extLst>
+              <a:ext uri="{FF2B5EF4-FFF2-40B4-BE49-F238E27FC236}">
+                <a16:creationId xmlns="" xmlns:a16="http://schemas.microsoft.com/office/drawing/2014/main" id="{469E95CA-94CD-4BE5-81DC-BC30914829AB}"/>
+              </a:ext>
+            </a:extLst>
+          </p:cNvPr>
+          <p:cNvSpPr/>
+          <p:nvPr/>
+        </p:nvSpPr>
+        <p:spPr>
+          <a:xfrm>
+            <a:off x="7714210" y="3347128"/>
+            <a:ext cx="182880" cy="460102"/>
+          </a:xfrm>
+          <a:prstGeom prst="upArrow">
+            <a:avLst/>
+          </a:prstGeom>
+        </p:spPr>
+        <p:style>
+          <a:lnRef idx="2">
+            <a:schemeClr val="accent1">
+              <a:shade val="50000"/>
+            </a:schemeClr>
+          </a:lnRef>
+          <a:fillRef idx="1">
+            <a:schemeClr val="accent1"/>
+          </a:fillRef>
+          <a:effectRef idx="0">
+            <a:schemeClr val="accent1"/>
+          </a:effectRef>
+          <a:fontRef idx="minor">
+            <a:schemeClr val="lt1"/>
+          </a:fontRef>
+        </p:style>
+        <p:txBody>
+          <a:bodyPr rtlCol="0" anchor="ctr"/>
+          <a:lstStyle/>
+          <a:p>
+            <a:pPr algn="ctr"/>
+            <a:endParaRPr lang="sk-SK" dirty="0"/>
+          </a:p>
+        </p:txBody>
+      </p:sp>
+      <p:sp>
+        <p:nvSpPr>
+          <p:cNvPr id="8" name="TextBox 7">
+            <a:extLst>
+              <a:ext uri="{FF2B5EF4-FFF2-40B4-BE49-F238E27FC236}">
+                <a16:creationId xmlns="" xmlns:a16="http://schemas.microsoft.com/office/drawing/2014/main" id="{CD33DF6D-5098-4198-A38F-47CE903C33A4}"/>
+              </a:ext>
+            </a:extLst>
+          </p:cNvPr>
+          <p:cNvSpPr txBox="1"/>
+          <p:nvPr/>
+        </p:nvSpPr>
+        <p:spPr>
+          <a:xfrm>
+            <a:off x="7496924" y="3807230"/>
+            <a:ext cx="1580573" cy="553998"/>
+          </a:xfrm>
+          <a:prstGeom prst="rect">
+            <a:avLst/>
+          </a:prstGeom>
+          <a:noFill/>
+        </p:spPr>
+        <p:txBody>
+          <a:bodyPr wrap="square" rtlCol="0">
+            <a:spAutoFit/>
+          </a:bodyPr>
+          <a:lstStyle/>
+          <a:p>
+            <a:pPr algn="ctr"/>
+            <a:r>
+              <a:rPr lang="sk-SK" sz="1000" dirty="0"/>
+              <a:t>Premenné, ktoré sa využívajú s priradenými hodnotami</a:t>
+            </a:r>
+          </a:p>
+        </p:txBody>
+      </p:sp>
+      <p:sp>
+        <p:nvSpPr>
+          <p:cNvPr id="9" name="TextBox 8">
+            <a:extLst>
+              <a:ext uri="{FF2B5EF4-FFF2-40B4-BE49-F238E27FC236}">
+                <a16:creationId xmlns="" xmlns:a16="http://schemas.microsoft.com/office/drawing/2014/main" id="{5F3C6974-B37A-4455-BE33-21DFECA3F21E}"/>
+              </a:ext>
+            </a:extLst>
+          </p:cNvPr>
+          <p:cNvSpPr txBox="1"/>
+          <p:nvPr/>
+        </p:nvSpPr>
+        <p:spPr>
+          <a:xfrm>
+            <a:off x="3474720" y="3272211"/>
+            <a:ext cx="3664786" cy="400110"/>
+          </a:xfrm>
+          <a:prstGeom prst="rect">
+            <a:avLst/>
+          </a:prstGeom>
+          <a:noFill/>
+        </p:spPr>
+        <p:txBody>
+          <a:bodyPr wrap="none" rtlCol="0">
+            <a:spAutoFit/>
+          </a:bodyPr>
+          <a:lstStyle/>
+          <a:p>
+            <a:pPr algn="ctr"/>
+            <a:r>
+              <a:rPr lang="sk-SK" sz="1000" dirty="0"/>
+              <a:t>„if“ je podmienka, ak je splnená, tak sa vykoná nasledujúci príkaz a </a:t>
+            </a:r>
+          </a:p>
+          <a:p>
+            <a:pPr algn="ctr"/>
+            <a:r>
+              <a:rPr lang="sk-SK" sz="1000" dirty="0"/>
+              <a:t>výsledok sa vypíše do „ Commnad Window“</a:t>
+            </a:r>
+          </a:p>
+        </p:txBody>
+      </p:sp>
+      <p:sp>
+        <p:nvSpPr>
+          <p:cNvPr id="10" name="Arrow: Left 9">
+            <a:extLst>
+              <a:ext uri="{FF2B5EF4-FFF2-40B4-BE49-F238E27FC236}">
+                <a16:creationId xmlns="" xmlns:a16="http://schemas.microsoft.com/office/drawing/2014/main" id="{2808AB71-C0A4-46D9-854C-C63415674DF7}"/>
+              </a:ext>
+            </a:extLst>
+          </p:cNvPr>
+          <p:cNvSpPr/>
+          <p:nvPr/>
+        </p:nvSpPr>
+        <p:spPr>
+          <a:xfrm>
+            <a:off x="3092332" y="3319288"/>
+            <a:ext cx="382388" cy="81116"/>
+          </a:xfrm>
+          <a:prstGeom prst="leftArrow">
+            <a:avLst/>
+          </a:prstGeom>
+        </p:spPr>
+        <p:style>
+          <a:lnRef idx="2">
+            <a:schemeClr val="accent1">
+              <a:shade val="50000"/>
+            </a:schemeClr>
+          </a:lnRef>
+          <a:fillRef idx="1">
+            <a:schemeClr val="accent1"/>
+          </a:fillRef>
+          <a:effectRef idx="0">
+            <a:schemeClr val="accent1"/>
+          </a:effectRef>
+          <a:fontRef idx="minor">
+            <a:schemeClr val="lt1"/>
+          </a:fontRef>
+        </p:style>
+        <p:txBody>
+          <a:bodyPr rtlCol="0" anchor="ctr"/>
+          <a:lstStyle/>
+          <a:p>
+            <a:pPr algn="ctr"/>
+            <a:endParaRPr lang="sk-SK"/>
+          </a:p>
+        </p:txBody>
+      </p:sp>
+      <p:sp>
+        <p:nvSpPr>
+          <p:cNvPr id="11" name="TextBox 10">
+            <a:extLst>
+              <a:ext uri="{FF2B5EF4-FFF2-40B4-BE49-F238E27FC236}">
+                <a16:creationId xmlns="" xmlns:a16="http://schemas.microsoft.com/office/drawing/2014/main" id="{9496CCDD-DBCF-4BEF-8FD3-A3D7319D2DBC}"/>
+              </a:ext>
+            </a:extLst>
+          </p:cNvPr>
+          <p:cNvSpPr txBox="1"/>
+          <p:nvPr/>
+        </p:nvSpPr>
+        <p:spPr>
+          <a:xfrm>
+            <a:off x="3557848" y="6235700"/>
+            <a:ext cx="1146468" cy="246221"/>
+          </a:xfrm>
+          <a:prstGeom prst="rect">
+            <a:avLst/>
+          </a:prstGeom>
+          <a:noFill/>
+        </p:spPr>
+        <p:txBody>
+          <a:bodyPr wrap="none" rtlCol="0">
+            <a:spAutoFit/>
+          </a:bodyPr>
+          <a:lstStyle/>
+          <a:p>
+            <a:r>
+              <a:rPr lang="sk-SK" sz="1000" dirty="0"/>
+              <a:t>Výpis premenných</a:t>
+            </a:r>
+          </a:p>
+        </p:txBody>
+      </p:sp>
+      <p:cxnSp>
+        <p:nvCxnSpPr>
+          <p:cNvPr id="13" name="Straight Arrow Connector 12">
+            <a:extLst>
+              <a:ext uri="{FF2B5EF4-FFF2-40B4-BE49-F238E27FC236}">
+                <a16:creationId xmlns="" xmlns:a16="http://schemas.microsoft.com/office/drawing/2014/main" id="{384622B5-DB2D-4A24-AFF6-EC462A34A044}"/>
+              </a:ext>
+            </a:extLst>
+          </p:cNvPr>
+          <p:cNvCxnSpPr/>
+          <p:nvPr/>
+        </p:nvCxnSpPr>
+        <p:spPr>
+          <a:xfrm flipH="1" flipV="1">
+            <a:off x="2709949" y="5752407"/>
+            <a:ext cx="764771" cy="637914"/>
+          </a:xfrm>
+          <a:prstGeom prst="straightConnector1">
+            <a:avLst/>
+          </a:prstGeom>
+          <a:ln>
+            <a:tailEnd type="triangle"/>
+          </a:ln>
+        </p:spPr>
+        <p:style>
+          <a:lnRef idx="1">
+            <a:schemeClr val="accent1"/>
+          </a:lnRef>
+          <a:fillRef idx="0">
+            <a:schemeClr val="accent1"/>
+          </a:fillRef>
+          <a:effectRef idx="0">
+            <a:schemeClr val="accent1"/>
+          </a:effectRef>
+          <a:fontRef idx="minor">
+            <a:schemeClr val="tx1"/>
+          </a:fontRef>
+        </p:style>
+      </p:cxnSp>
+      <p:cxnSp>
+        <p:nvCxnSpPr>
+          <p:cNvPr id="15" name="Straight Arrow Connector 14">
+            <a:extLst>
+              <a:ext uri="{FF2B5EF4-FFF2-40B4-BE49-F238E27FC236}">
+                <a16:creationId xmlns="" xmlns:a16="http://schemas.microsoft.com/office/drawing/2014/main" id="{EABE1DF4-E06E-4E0F-9642-FD77D303B23D}"/>
+              </a:ext>
+            </a:extLst>
+          </p:cNvPr>
+          <p:cNvCxnSpPr/>
+          <p:nvPr/>
+        </p:nvCxnSpPr>
+        <p:spPr>
+          <a:xfrm flipH="1">
+            <a:off x="2876204" y="6390321"/>
+            <a:ext cx="598516" cy="0"/>
+          </a:xfrm>
+          <a:prstGeom prst="straightConnector1">
+            <a:avLst/>
+          </a:prstGeom>
+          <a:ln>
+            <a:tailEnd type="triangle"/>
+          </a:ln>
+        </p:spPr>
+        <p:style>
+          <a:lnRef idx="1">
+            <a:schemeClr val="accent1"/>
+          </a:lnRef>
+          <a:fillRef idx="0">
+            <a:schemeClr val="accent1"/>
+          </a:fillRef>
+          <a:effectRef idx="0">
+            <a:schemeClr val="accent1"/>
+          </a:effectRef>
+          <a:fontRef idx="minor">
+            <a:schemeClr val="tx1"/>
+          </a:fontRef>
+        </p:style>
+      </p:cxnSp>
+      <p:sp>
+        <p:nvSpPr>
+          <p:cNvPr id="16" name="TextBox 15">
+            <a:extLst>
+              <a:ext uri="{FF2B5EF4-FFF2-40B4-BE49-F238E27FC236}">
+                <a16:creationId xmlns="" xmlns:a16="http://schemas.microsoft.com/office/drawing/2014/main" id="{755146E3-E3F2-4F7B-A15F-422D32386DA0}"/>
+              </a:ext>
+            </a:extLst>
+          </p:cNvPr>
+          <p:cNvSpPr txBox="1"/>
+          <p:nvPr/>
+        </p:nvSpPr>
+        <p:spPr>
+          <a:xfrm>
+            <a:off x="3241964" y="5259965"/>
+            <a:ext cx="1757212" cy="246221"/>
+          </a:xfrm>
+          <a:prstGeom prst="rect">
+            <a:avLst/>
+          </a:prstGeom>
+          <a:noFill/>
+        </p:spPr>
+        <p:txBody>
+          <a:bodyPr wrap="none" rtlCol="0">
+            <a:spAutoFit/>
+          </a:bodyPr>
+          <a:lstStyle/>
+          <a:p>
+            <a:r>
+              <a:rPr lang="sk-SK" sz="1000" dirty="0"/>
+              <a:t>Názov scriptu, ktorý spúšťame</a:t>
+            </a:r>
+          </a:p>
+        </p:txBody>
+      </p:sp>
+      <p:cxnSp>
+        <p:nvCxnSpPr>
+          <p:cNvPr id="18" name="Straight Arrow Connector 17">
+            <a:extLst>
+              <a:ext uri="{FF2B5EF4-FFF2-40B4-BE49-F238E27FC236}">
+                <a16:creationId xmlns="" xmlns:a16="http://schemas.microsoft.com/office/drawing/2014/main" id="{55C99591-A6EA-4594-974A-043DC37AAB75}"/>
+              </a:ext>
+            </a:extLst>
+          </p:cNvPr>
+          <p:cNvCxnSpPr>
+            <a:stCxn id="16" idx="1"/>
+          </p:cNvCxnSpPr>
+          <p:nvPr/>
+        </p:nvCxnSpPr>
+        <p:spPr>
+          <a:xfrm flipH="1" flipV="1">
+            <a:off x="2793074" y="5383075"/>
+            <a:ext cx="448890" cy="1"/>
+          </a:xfrm>
+          <a:prstGeom prst="straightConnector1">
+            <a:avLst/>
+          </a:prstGeom>
+          <a:ln>
+            <a:tailEnd type="triangle"/>
+          </a:ln>
+        </p:spPr>
+        <p:style>
+          <a:lnRef idx="1">
+            <a:schemeClr val="accent1"/>
+          </a:lnRef>
+          <a:fillRef idx="0">
+            <a:schemeClr val="accent1"/>
+          </a:fillRef>
+          <a:effectRef idx="0">
+            <a:schemeClr val="accent1"/>
+          </a:effectRef>
+          <a:fontRef idx="minor">
+            <a:schemeClr val="tx1"/>
+          </a:fontRef>
+        </p:style>
+      </p:cxnSp>
+      <p:cxnSp>
+        <p:nvCxnSpPr>
+          <p:cNvPr id="20" name="Straight Arrow Connector 19">
+            <a:extLst>
+              <a:ext uri="{FF2B5EF4-FFF2-40B4-BE49-F238E27FC236}">
+                <a16:creationId xmlns="" xmlns:a16="http://schemas.microsoft.com/office/drawing/2014/main" id="{D78DC07E-D64F-4AA7-BBC5-448DDCBD80E7}"/>
+              </a:ext>
+            </a:extLst>
+          </p:cNvPr>
+          <p:cNvCxnSpPr/>
+          <p:nvPr/>
+        </p:nvCxnSpPr>
+        <p:spPr>
+          <a:xfrm flipV="1">
+            <a:off x="1429789" y="2269375"/>
+            <a:ext cx="1662543" cy="1002836"/>
+          </a:xfrm>
+          <a:prstGeom prst="straightConnector1">
+            <a:avLst/>
+          </a:prstGeom>
+          <a:ln>
+            <a:solidFill>
+              <a:srgbClr val="FF0000"/>
+            </a:solidFill>
+            <a:tailEnd type="triangle"/>
+          </a:ln>
+        </p:spPr>
+        <p:style>
+          <a:lnRef idx="3">
+            <a:schemeClr val="accent4"/>
+          </a:lnRef>
+          <a:fillRef idx="0">
+            <a:schemeClr val="accent4"/>
+          </a:fillRef>
+          <a:effectRef idx="2">
+            <a:schemeClr val="accent4"/>
+          </a:effectRef>
+          <a:fontRef idx="minor">
+            <a:schemeClr val="tx1"/>
+          </a:fontRef>
+        </p:style>
+      </p:cxnSp>
+      <p:sp>
+        <p:nvSpPr>
+          <p:cNvPr id="21" name="TextBox 20">
+            <a:extLst>
+              <a:ext uri="{FF2B5EF4-FFF2-40B4-BE49-F238E27FC236}">
+                <a16:creationId xmlns="" xmlns:a16="http://schemas.microsoft.com/office/drawing/2014/main" id="{C2F2E9B1-7CEE-4751-BC5D-87B498C748A2}"/>
+              </a:ext>
+            </a:extLst>
+          </p:cNvPr>
+          <p:cNvSpPr txBox="1"/>
+          <p:nvPr/>
+        </p:nvSpPr>
+        <p:spPr>
+          <a:xfrm>
+            <a:off x="853464" y="3277293"/>
+            <a:ext cx="1080745" cy="246221"/>
+          </a:xfrm>
+          <a:prstGeom prst="rect">
+            <a:avLst/>
+          </a:prstGeom>
+          <a:noFill/>
+        </p:spPr>
+        <p:txBody>
+          <a:bodyPr wrap="none" rtlCol="0">
+            <a:spAutoFit/>
+          </a:bodyPr>
+          <a:lstStyle/>
+          <a:p>
+            <a:r>
+              <a:rPr lang="sk-SK" sz="1000" dirty="0"/>
+              <a:t>Spustenie scritpu</a:t>
+            </a:r>
+          </a:p>
+        </p:txBody>
+      </p:sp>
+    </p:spTree>
+    <p:extLst>
+      <p:ext uri="{BB962C8B-B14F-4D97-AF65-F5344CB8AC3E}">
+        <p14:creationId xmlns:p14="http://schemas.microsoft.com/office/powerpoint/2010/main" val="2676398037"/>
+      </p:ext>
+    </p:extLst>
+  </p:cSld>
+  <p:clrMapOvr>
+    <a:masterClrMapping/>
+  </p:clrMapOvr>
+  <p:timing>
+    <p:tnLst>
+      <p:par>
+        <p:cTn id="1" dur="indefinite" restart="never" nodeType="tmRoot"/>
+      </p:par>
+    </p:tnLst>
+  </p:timing>
+</p:sld>
+</file>
+
+<file path=ppt/slides/slide8.xml><?xml version="1.0" encoding="utf-8"?>
+<p:sld xmlns:a="http://schemas.openxmlformats.org/drawingml/2006/main" xmlns:r="http://schemas.openxmlformats.org/officeDocument/2006/relationships" xmlns:p="http://schemas.openxmlformats.org/presentationml/2006/main">
+  <p:cSld>
+    <p:spTree>
+      <p:nvGrpSpPr>
+        <p:cNvPr id="1" name=""/>
+        <p:cNvGrpSpPr/>
+        <p:nvPr/>
+      </p:nvGrpSpPr>
+      <p:grpSpPr>
+        <a:xfrm>
+          <a:off x="0" y="0"/>
+          <a:ext cx="0" cy="0"/>
+          <a:chOff x="0" y="0"/>
+          <a:chExt cx="0" cy="0"/>
+        </a:xfrm>
+      </p:grpSpPr>
+      <p:sp>
+        <p:nvSpPr>
+          <p:cNvPr id="2" name="Title 1">
+            <a:extLst>
+              <a:ext uri="{FF2B5EF4-FFF2-40B4-BE49-F238E27FC236}">
+                <a16:creationId xmlns="" xmlns:a16="http://schemas.microsoft.com/office/drawing/2014/main" id="{7020AF44-0A52-4A7C-A7D8-B2A1D6C80234}"/>
+              </a:ext>
+            </a:extLst>
+          </p:cNvPr>
+          <p:cNvSpPr>
+            <a:spLocks noGrp="1"/>
+          </p:cNvSpPr>
+          <p:nvPr>
+            <p:ph type="title"/>
+          </p:nvPr>
+        </p:nvSpPr>
+        <p:spPr/>
+        <p:txBody>
+          <a:bodyPr/>
+          <a:lstStyle/>
+          <a:p>
+            <a:pPr algn="ctr"/>
+            <a:r>
+              <a:rPr lang="sk-SK" dirty="0"/>
+              <a:t>Skalár, vektor, matica</a:t>
+            </a:r>
+          </a:p>
+        </p:txBody>
+      </p:sp>
+      <p:sp>
+        <p:nvSpPr>
+          <p:cNvPr id="3" name="Content Placeholder 2">
+            <a:extLst>
+              <a:ext uri="{FF2B5EF4-FFF2-40B4-BE49-F238E27FC236}">
+                <a16:creationId xmlns="" xmlns:a16="http://schemas.microsoft.com/office/drawing/2014/main" id="{120ACBFD-C0D4-4CDD-AE65-B80DDF0B7853}"/>
+              </a:ext>
+            </a:extLst>
+          </p:cNvPr>
+          <p:cNvSpPr>
+            <a:spLocks noGrp="1"/>
+          </p:cNvSpPr>
+          <p:nvPr>
+            <p:ph idx="1"/>
+          </p:nvPr>
+        </p:nvSpPr>
+        <p:spPr/>
+        <p:txBody>
+          <a:bodyPr/>
+          <a:lstStyle/>
+          <a:p>
+            <a:pPr lvl="1" algn="just"/>
+            <a:r>
+              <a:rPr lang="sk-SK" sz="2000" dirty="0" smtClean="0"/>
+              <a:t>Matica - základný </a:t>
+            </a:r>
+            <a:r>
+              <a:rPr lang="sk-SK" sz="2000" dirty="0"/>
+              <a:t>dátový typ v MATLABe</a:t>
+            </a:r>
+          </a:p>
+          <a:p>
+            <a:pPr lvl="1" algn="just"/>
+            <a:r>
+              <a:rPr lang="sk-SK" sz="2000" dirty="0" smtClean="0"/>
+              <a:t>V klasickej </a:t>
+            </a:r>
+            <a:r>
+              <a:rPr lang="sk-SK" sz="2000" dirty="0"/>
+              <a:t>lineárnej algebre sa stretávame so </a:t>
+            </a:r>
+            <a:r>
+              <a:rPr lang="sk-SK" sz="2000" dirty="0" smtClean="0"/>
+              <a:t>základnými štruktúrami </a:t>
+            </a:r>
+            <a:r>
+              <a:rPr lang="sk-SK" sz="2000" dirty="0"/>
+              <a:t>ako je skalár, vektor alebo </a:t>
+            </a:r>
+            <a:r>
+              <a:rPr lang="sk-SK" sz="2000" dirty="0" smtClean="0"/>
+              <a:t>matica</a:t>
+            </a:r>
+            <a:r>
+              <a:rPr lang="sk-SK" sz="2000" dirty="0" smtClean="0"/>
+              <a:t>.</a:t>
+            </a:r>
+          </a:p>
+          <a:p>
+            <a:pPr lvl="1" algn="just"/>
+            <a:r>
+              <a:rPr lang="sk-SK" sz="2000" dirty="0" smtClean="0"/>
+              <a:t>Ak sa v matematickom výraze vyskytuje vektor  - je to vždy stĺpcový vektor !!! </a:t>
+            </a:r>
+            <a:endParaRPr lang="sk-SK" sz="2000" dirty="0"/>
+          </a:p>
+          <a:p>
+            <a:pPr lvl="1" algn="just"/>
+            <a:r>
+              <a:rPr lang="sk-SK" sz="2000" dirty="0" err="1" smtClean="0"/>
+              <a:t>Skalár</a:t>
+            </a:r>
+            <a:endParaRPr lang="sk-SK" sz="2000" dirty="0"/>
+          </a:p>
+          <a:p>
+            <a:pPr lvl="2" algn="just"/>
+            <a:r>
+              <a:rPr lang="sk-SK" sz="1600" dirty="0"/>
+              <a:t>Je to matica s rozmerom 1x1</a:t>
+            </a:r>
+          </a:p>
+          <a:p>
+            <a:pPr lvl="1" algn="just"/>
+            <a:r>
+              <a:rPr lang="sk-SK" sz="2000" dirty="0"/>
+              <a:t>Vektor</a:t>
+            </a:r>
+          </a:p>
+          <a:p>
+            <a:pPr lvl="2" algn="just"/>
+            <a:r>
+              <a:rPr lang="sk-SK" sz="1600" dirty="0"/>
+              <a:t>Je matica 1xN (riadkový vektor) alebo Nx1 (stĺpcový vektor</a:t>
+            </a:r>
+            <a:r>
+              <a:rPr lang="sk-SK" sz="1600" dirty="0" smtClean="0"/>
+              <a:t>) </a:t>
+            </a:r>
+          </a:p>
+          <a:p>
+            <a:pPr lvl="3" algn="just"/>
+            <a:r>
+              <a:rPr lang="sk-SK" sz="1600" dirty="0" smtClean="0"/>
+              <a:t>Vektor v literatúre označuje vždy stĺpcový vektor !!!</a:t>
+            </a:r>
+            <a:endParaRPr lang="sk-SK" sz="1600" dirty="0"/>
+          </a:p>
+          <a:p>
+            <a:pPr lvl="1" algn="just"/>
+            <a:r>
+              <a:rPr lang="sk-SK" sz="2000" dirty="0"/>
+              <a:t>Matica</a:t>
+            </a:r>
+          </a:p>
+          <a:p>
+            <a:pPr lvl="2" algn="just"/>
+            <a:r>
+              <a:rPr lang="sk-SK" sz="1600" dirty="0"/>
+              <a:t>Má rozmer MxN (riadky x stĺpce)</a:t>
+            </a:r>
+          </a:p>
+          <a:p>
+            <a:pPr lvl="1" algn="just"/>
+            <a:endParaRPr lang="sk-SK" sz="2000" dirty="0"/>
+          </a:p>
+          <a:p>
+            <a:pPr lvl="1"/>
+            <a:endParaRPr lang="sk-SK" dirty="0"/>
+          </a:p>
+          <a:p>
+            <a:pPr lvl="1"/>
+            <a:endParaRPr lang="sk-SK" dirty="0"/>
+          </a:p>
+          <a:p>
+            <a:pPr lvl="1"/>
+            <a:endParaRPr lang="sk-SK" dirty="0"/>
+          </a:p>
+          <a:p>
+            <a:pPr lvl="1"/>
+            <a:endParaRPr lang="sk-SK" dirty="0"/>
+          </a:p>
+        </p:txBody>
+      </p:sp>
+    </p:spTree>
+    <p:extLst>
+      <p:ext uri="{BB962C8B-B14F-4D97-AF65-F5344CB8AC3E}">
+        <p14:creationId xmlns:p14="http://schemas.microsoft.com/office/powerpoint/2010/main" val="3712314484"/>
+      </p:ext>
+    </p:extLst>
+  </p:cSld>
+  <p:clrMapOvr>
+    <a:masterClrMapping/>
+  </p:clrMapOvr>
+  <p:timing>
+    <p:tnLst>
+      <p:par>
+        <p:cTn id="1" dur="indefinite" restart="never" nodeType="tmRoot"/>
+      </p:par>
+    </p:tnLst>
+  </p:timing>
 </p:sld>
 </file>
 
@@ -13953,7 +13809,7 @@
           <p:cNvPr id="2" name="Title 1">
             <a:extLst>
               <a:ext uri="{FF2B5EF4-FFF2-40B4-BE49-F238E27FC236}">
-                <a16:creationId xmlns:a16="http://schemas.microsoft.com/office/drawing/2014/main" xmlns="" id="{589612A8-F955-4C30-9971-B35BAF4E9626}"/>
+                <a16:creationId xmlns="" xmlns:a16="http://schemas.microsoft.com/office/drawing/2014/main" id="{0877E552-9BC8-455F-B866-F10C60C5DF49}"/>
               </a:ext>
             </a:extLst>
           </p:cNvPr>
@@ -13971,12 +13827,8 @@
           <a:p>
             <a:pPr algn="ctr"/>
             <a:r>
-              <a:rPr lang="en-US" dirty="0" err="1"/>
-              <a:t>Rela</a:t>
-            </a:r>
-            <a:r>
-              <a:rPr lang="sk-SK" dirty="0"/>
-              <a:t>čné a logické operácie</a:t>
+              <a:rPr lang="sk-SK" dirty="0"/>
+              <a:t>Príklad: skalár, vektor, matica</a:t>
             </a:r>
           </a:p>
         </p:txBody>
@@ -13986,7 +13838,7 @@
           <p:cNvPr id="3" name="Content Placeholder 2">
             <a:extLst>
               <a:ext uri="{FF2B5EF4-FFF2-40B4-BE49-F238E27FC236}">
-                <a16:creationId xmlns:a16="http://schemas.microsoft.com/office/drawing/2014/main" xmlns="" id="{8FE80D41-23A7-4716-B6CB-428070600D0E}"/>
+                <a16:creationId xmlns="" xmlns:a16="http://schemas.microsoft.com/office/drawing/2014/main" id="{D88E2CB4-D518-4B7D-A963-ECB2487F5886}"/>
               </a:ext>
             </a:extLst>
           </p:cNvPr>
@@ -14011,7 +13863,7 @@
           <p:cNvPr id="4" name="Picture 3">
             <a:extLst>
               <a:ext uri="{FF2B5EF4-FFF2-40B4-BE49-F238E27FC236}">
-                <a16:creationId xmlns:a16="http://schemas.microsoft.com/office/drawing/2014/main" xmlns="" id="{3BF94C97-5367-4A68-93D8-1B980EBCFC08}"/>
+                <a16:creationId xmlns="" xmlns:a16="http://schemas.microsoft.com/office/drawing/2014/main" id="{16556DEE-7459-4951-97A2-9CF5D3A8777D}"/>
               </a:ext>
             </a:extLst>
           </p:cNvPr>
@@ -14028,68 +13880,31 @@
         </p:blipFill>
         <p:spPr>
           <a:xfrm>
-            <a:off x="609394" y="1814512"/>
-            <a:ext cx="2491616" cy="2621050"/>
+            <a:off x="0" y="1714500"/>
+            <a:ext cx="9144000" cy="5143500"/>
           </a:xfrm>
           <a:prstGeom prst="rect">
             <a:avLst/>
           </a:prstGeom>
-          <a:effectLst>
-            <a:outerShdw blurRad="317500" dist="50800" dir="5400000" algn="ctr" rotWithShape="0">
-              <a:srgbClr val="000000">
-                <a:alpha val="43137"/>
-              </a:srgbClr>
-            </a:outerShdw>
-          </a:effectLst>
-        </p:spPr>
-      </p:pic>
-      <p:pic>
-        <p:nvPicPr>
-          <p:cNvPr id="5" name="Picture 4">
-            <a:extLst>
-              <a:ext uri="{FF2B5EF4-FFF2-40B4-BE49-F238E27FC236}">
-                <a16:creationId xmlns:a16="http://schemas.microsoft.com/office/drawing/2014/main" xmlns="" id="{A29C25D5-E728-485D-8F77-4682E4F14672}"/>
-              </a:ext>
-            </a:extLst>
-          </p:cNvPr>
-          <p:cNvPicPr>
-            <a:picLocks noChangeAspect="1"/>
-          </p:cNvPicPr>
-          <p:nvPr/>
-        </p:nvPicPr>
-        <p:blipFill>
-          <a:blip r:embed="rId3"/>
-          <a:stretch>
-            <a:fillRect/>
-          </a:stretch>
-        </p:blipFill>
-        <p:spPr>
-          <a:xfrm>
-            <a:off x="4063999" y="1814512"/>
-            <a:ext cx="4512364" cy="2648562"/>
-          </a:xfrm>
-          <a:prstGeom prst="rect">
-            <a:avLst/>
-          </a:prstGeom>
-          <a:effectLst>
-            <a:outerShdw blurRad="342900" dist="50800" dir="5400000" algn="ctr" rotWithShape="0">
-              <a:srgbClr val="000000">
-                <a:alpha val="43137"/>
-              </a:srgbClr>
-            </a:outerShdw>
-          </a:effectLst>
         </p:spPr>
       </p:pic>
     </p:spTree>
     <p:extLst>
       <p:ext uri="{BB962C8B-B14F-4D97-AF65-F5344CB8AC3E}">
-        <p14:creationId xmlns:p14="http://schemas.microsoft.com/office/powerpoint/2010/main" val="4125272250"/>
+        <p14:creationId xmlns:p14="http://schemas.microsoft.com/office/powerpoint/2010/main" val="3422199551"/>
       </p:ext>
     </p:extLst>
   </p:cSld>
   <p:clrMapOvr>
     <a:masterClrMapping/>
   </p:clrMapOvr>
+  <p:timing>
+    <p:tnLst>
+      <p:par>
+        <p:cTn id="1" dur="indefinite" restart="never" nodeType="tmRoot"/>
+      </p:par>
+    </p:tnLst>
+  </p:timing>
 </p:sld>
 </file>
 
